--- a/Problem Formulation & EDA.pptx
+++ b/Problem Formulation & EDA.pptx
@@ -113,6 +113,11 @@
       </a:defRPr>
     </a:lvl9pPr>
   </p:defaultTextStyle>
+  <p:extLst>
+    <p:ext uri="{EFAFB233-063F-42B5-8137-9DF3F51BA10A}">
+      <p15:sldGuideLst xmlns:p15="http://schemas.microsoft.com/office/powerpoint/2012/main"/>
+    </p:ext>
+  </p:extLst>
 </p:presentation>
 </file>
 
@@ -198,7 +203,7 @@
           <a:p>
             <a:fld id="{1107AAAD-A763-4B86-A2B7-07FBDE9BAB75}" type="datetimeFigureOut">
               <a:rPr lang="en-AU" smtClean="0"/>
-              <a:t>2/08/2021</a:t>
+              <a:t>3/08/2021</a:t>
             </a:fld>
             <a:endParaRPr lang="en-AU"/>
           </a:p>
@@ -1187,7 +1192,7 @@
           <a:p>
             <a:fld id="{88AE2C35-0D28-4825-98D7-B391AF6BD3F5}" type="datetimeFigureOut">
               <a:rPr lang="en-AU" smtClean="0"/>
-              <a:t>2/08/2021</a:t>
+              <a:t>3/08/2021</a:t>
             </a:fld>
             <a:endParaRPr lang="en-AU"/>
           </a:p>
@@ -1387,7 +1392,7 @@
           <a:p>
             <a:fld id="{88AE2C35-0D28-4825-98D7-B391AF6BD3F5}" type="datetimeFigureOut">
               <a:rPr lang="en-AU" smtClean="0"/>
-              <a:t>2/08/2021</a:t>
+              <a:t>3/08/2021</a:t>
             </a:fld>
             <a:endParaRPr lang="en-AU"/>
           </a:p>
@@ -1597,7 +1602,7 @@
           <a:p>
             <a:fld id="{88AE2C35-0D28-4825-98D7-B391AF6BD3F5}" type="datetimeFigureOut">
               <a:rPr lang="en-AU" smtClean="0"/>
-              <a:t>2/08/2021</a:t>
+              <a:t>3/08/2021</a:t>
             </a:fld>
             <a:endParaRPr lang="en-AU"/>
           </a:p>
@@ -1797,7 +1802,7 @@
           <a:p>
             <a:fld id="{88AE2C35-0D28-4825-98D7-B391AF6BD3F5}" type="datetimeFigureOut">
               <a:rPr lang="en-AU" smtClean="0"/>
-              <a:t>2/08/2021</a:t>
+              <a:t>3/08/2021</a:t>
             </a:fld>
             <a:endParaRPr lang="en-AU"/>
           </a:p>
@@ -2073,7 +2078,7 @@
           <a:p>
             <a:fld id="{88AE2C35-0D28-4825-98D7-B391AF6BD3F5}" type="datetimeFigureOut">
               <a:rPr lang="en-AU" smtClean="0"/>
-              <a:t>2/08/2021</a:t>
+              <a:t>3/08/2021</a:t>
             </a:fld>
             <a:endParaRPr lang="en-AU"/>
           </a:p>
@@ -2341,7 +2346,7 @@
           <a:p>
             <a:fld id="{88AE2C35-0D28-4825-98D7-B391AF6BD3F5}" type="datetimeFigureOut">
               <a:rPr lang="en-AU" smtClean="0"/>
-              <a:t>2/08/2021</a:t>
+              <a:t>3/08/2021</a:t>
             </a:fld>
             <a:endParaRPr lang="en-AU"/>
           </a:p>
@@ -2756,7 +2761,7 @@
           <a:p>
             <a:fld id="{88AE2C35-0D28-4825-98D7-B391AF6BD3F5}" type="datetimeFigureOut">
               <a:rPr lang="en-AU" smtClean="0"/>
-              <a:t>2/08/2021</a:t>
+              <a:t>3/08/2021</a:t>
             </a:fld>
             <a:endParaRPr lang="en-AU"/>
           </a:p>
@@ -2898,7 +2903,7 @@
           <a:p>
             <a:fld id="{88AE2C35-0D28-4825-98D7-B391AF6BD3F5}" type="datetimeFigureOut">
               <a:rPr lang="en-AU" smtClean="0"/>
-              <a:t>2/08/2021</a:t>
+              <a:t>3/08/2021</a:t>
             </a:fld>
             <a:endParaRPr lang="en-AU"/>
           </a:p>
@@ -3011,7 +3016,7 @@
           <a:p>
             <a:fld id="{88AE2C35-0D28-4825-98D7-B391AF6BD3F5}" type="datetimeFigureOut">
               <a:rPr lang="en-AU" smtClean="0"/>
-              <a:t>2/08/2021</a:t>
+              <a:t>3/08/2021</a:t>
             </a:fld>
             <a:endParaRPr lang="en-AU"/>
           </a:p>
@@ -3324,7 +3329,7 @@
           <a:p>
             <a:fld id="{88AE2C35-0D28-4825-98D7-B391AF6BD3F5}" type="datetimeFigureOut">
               <a:rPr lang="en-AU" smtClean="0"/>
-              <a:t>2/08/2021</a:t>
+              <a:t>3/08/2021</a:t>
             </a:fld>
             <a:endParaRPr lang="en-AU"/>
           </a:p>
@@ -3613,7 +3618,7 @@
           <a:p>
             <a:fld id="{88AE2C35-0D28-4825-98D7-B391AF6BD3F5}" type="datetimeFigureOut">
               <a:rPr lang="en-AU" smtClean="0"/>
-              <a:t>2/08/2021</a:t>
+              <a:t>3/08/2021</a:t>
             </a:fld>
             <a:endParaRPr lang="en-AU"/>
           </a:p>
@@ -3856,7 +3861,7 @@
           <a:p>
             <a:fld id="{88AE2C35-0D28-4825-98D7-B391AF6BD3F5}" type="datetimeFigureOut">
               <a:rPr lang="en-AU" smtClean="0"/>
-              <a:t>2/08/2021</a:t>
+              <a:t>3/08/2021</a:t>
             </a:fld>
             <a:endParaRPr lang="en-AU"/>
           </a:p>
@@ -4933,13 +4938,93 @@
         </p:nvSpPr>
         <p:spPr/>
         <p:txBody>
-          <a:bodyPr/>
+          <a:bodyPr>
+            <a:normAutofit lnSpcReduction="10000"/>
+          </a:bodyPr>
           <a:lstStyle/>
           <a:p>
             <a:r>
               <a:rPr lang="en-AU" dirty="0"/>
               <a:t>Why bother?</a:t>
             </a:r>
+          </a:p>
+          <a:p>
+            <a:pPr lvl="1"/>
+            <a:r>
+              <a:rPr lang="en-AU" dirty="0"/>
+              <a:t>Build intuition for the data</a:t>
+            </a:r>
+          </a:p>
+          <a:p>
+            <a:pPr lvl="1"/>
+            <a:r>
+              <a:rPr lang="en-AU" dirty="0"/>
+              <a:t>Inform model selection and feature selection</a:t>
+            </a:r>
+          </a:p>
+          <a:p>
+            <a:pPr lvl="1"/>
+            <a:r>
+              <a:rPr lang="en-AU" dirty="0"/>
+              <a:t>Identify patterns and develop hypothesis</a:t>
+            </a:r>
+          </a:p>
+          <a:p>
+            <a:pPr lvl="1"/>
+            <a:r>
+              <a:rPr lang="en-AU" dirty="0"/>
+              <a:t>Cover your ass</a:t>
+            </a:r>
+          </a:p>
+          <a:p>
+            <a:pPr lvl="1"/>
+            <a:r>
+              <a:rPr lang="en-AU" dirty="0"/>
+              <a:t>Challenge assumptions</a:t>
+            </a:r>
+          </a:p>
+          <a:p>
+            <a:pPr lvl="1"/>
+            <a:r>
+              <a:rPr lang="en-AU" dirty="0"/>
+              <a:t>Answer questions you didn’t have (bonus)</a:t>
+            </a:r>
+          </a:p>
+          <a:p>
+            <a:pPr lvl="1"/>
+            <a:endParaRPr lang="en-AU" dirty="0"/>
+          </a:p>
+          <a:p>
+            <a:pPr lvl="1"/>
+            <a:r>
+              <a:rPr lang="en-AU" dirty="0"/>
+              <a:t>4 mental buckets</a:t>
+            </a:r>
+          </a:p>
+          <a:p>
+            <a:pPr lvl="2"/>
+            <a:r>
+              <a:rPr lang="en-AU" dirty="0"/>
+              <a:t>Outliers and scaling</a:t>
+            </a:r>
+          </a:p>
+          <a:p>
+            <a:pPr lvl="2"/>
+            <a:r>
+              <a:rPr lang="en-AU" dirty="0"/>
+              <a:t>Class imbalance and sus results </a:t>
+            </a:r>
+          </a:p>
+          <a:p>
+            <a:pPr lvl="2"/>
+            <a:r>
+              <a:rPr lang="en-AU" dirty="0"/>
+              <a:t>Oh definitely need to include this (combination)</a:t>
+            </a:r>
+          </a:p>
+          <a:p>
+            <a:pPr lvl="1"/>
+            <a:endParaRPr lang="en-AU" dirty="0"/>
           </a:p>
         </p:txBody>
       </p:sp>
@@ -5020,12 +5105,32 @@
         <p:spPr/>
         <p:txBody>
           <a:bodyPr>
-            <a:normAutofit fontScale="92500" lnSpcReduction="20000"/>
+            <a:normAutofit/>
           </a:bodyPr>
           <a:lstStyle/>
           <a:p>
-            <a:pPr algn="just">
-              <a:buFont typeface="+mj-lt"/>
+            <a:pPr marL="514350" indent="-514350" algn="just">
+              <a:buAutoNum type="arabicPeriod"/>
+            </a:pPr>
+            <a:r>
+              <a:rPr lang="en-AU" dirty="0">
+                <a:solidFill>
+                  <a:srgbClr val="7E7E7E"/>
+                </a:solidFill>
+                <a:latin typeface="Poppins"/>
+              </a:rPr>
+              <a:t>Clustering (optional)</a:t>
+            </a:r>
+            <a:endParaRPr lang="en-AU" b="0" i="0" dirty="0">
+              <a:solidFill>
+                <a:srgbClr val="7E7E7E"/>
+              </a:solidFill>
+              <a:effectLst/>
+              <a:latin typeface="Poppins"/>
+            </a:endParaRPr>
+          </a:p>
+          <a:p>
+            <a:pPr marL="514350" indent="-514350" algn="just">
               <a:buAutoNum type="arabicPeriod"/>
             </a:pPr>
             <a:r>
@@ -5036,12 +5141,43 @@
                 <a:effectLst/>
                 <a:latin typeface="Poppins"/>
               </a:rPr>
-              <a:t>Identification of variables and data types</a:t>
-            </a:r>
-          </a:p>
-          <a:p>
-            <a:pPr algn="just">
-              <a:buFont typeface="+mj-lt"/>
+              <a:t>.describe()</a:t>
+            </a:r>
+          </a:p>
+          <a:p>
+            <a:pPr marL="514350" indent="-514350" algn="just">
+              <a:buAutoNum type="arabicPeriod"/>
+            </a:pPr>
+            <a:r>
+              <a:rPr lang="en-AU" dirty="0">
+                <a:solidFill>
+                  <a:srgbClr val="7E7E7E"/>
+                </a:solidFill>
+                <a:latin typeface="Poppins"/>
+              </a:rPr>
+              <a:t>.</a:t>
+            </a:r>
+            <a:r>
+              <a:rPr lang="en-AU" dirty="0" err="1">
+                <a:solidFill>
+                  <a:srgbClr val="7E7E7E"/>
+                </a:solidFill>
+                <a:latin typeface="Poppins"/>
+              </a:rPr>
+              <a:t>agg</a:t>
+            </a:r>
+            <a:r>
+              <a:rPr lang="en-AU" dirty="0">
+                <a:solidFill>
+                  <a:srgbClr val="7E7E7E"/>
+                </a:solidFill>
+                <a:latin typeface="Poppins"/>
+              </a:rPr>
+              <a:t>()</a:t>
+            </a:r>
+          </a:p>
+          <a:p>
+            <a:pPr marL="514350" indent="-514350" algn="just">
               <a:buAutoNum type="arabicPeriod"/>
             </a:pPr>
             <a:r>
@@ -5052,7 +5188,7 @@
                 <a:effectLst/>
                 <a:latin typeface="Poppins"/>
               </a:rPr>
-              <a:t>Analyzing</a:t>
+              <a:t>Pd.qcut</a:t>
             </a:r>
             <a:r>
               <a:rPr lang="en-AU" b="0" i="0" dirty="0">
@@ -5062,12 +5198,25 @@
                 <a:effectLst/>
                 <a:latin typeface="Poppins"/>
               </a:rPr>
-              <a:t> the basic metrics</a:t>
-            </a:r>
-          </a:p>
-          <a:p>
-            <a:pPr algn="just">
-              <a:buFont typeface="+mj-lt"/>
+              <a:t>()</a:t>
+            </a:r>
+          </a:p>
+          <a:p>
+            <a:pPr marL="514350" indent="-514350" algn="just">
+              <a:buAutoNum type="arabicPeriod"/>
+            </a:pPr>
+            <a:r>
+              <a:rPr lang="en-AU" dirty="0">
+                <a:solidFill>
+                  <a:srgbClr val="7E7E7E"/>
+                </a:solidFill>
+                <a:latin typeface="Poppins"/>
+              </a:rPr>
+              <a:t>Scatter matrix with cluster labels</a:t>
+            </a:r>
+          </a:p>
+          <a:p>
+            <a:pPr marL="514350" indent="-514350" algn="just">
               <a:buAutoNum type="arabicPeriod"/>
             </a:pPr>
             <a:r>
@@ -5078,12 +5227,20 @@
                 <a:effectLst/>
                 <a:latin typeface="Poppins"/>
               </a:rPr>
-              <a:t>Non-Graphical Univariate Analysis</a:t>
-            </a:r>
-          </a:p>
-          <a:p>
-            <a:pPr algn="just">
-              <a:buFont typeface="+mj-lt"/>
+              <a:t>It is not necessarily linear</a:t>
+            </a:r>
+            <a:r>
+              <a:rPr lang="en-AU" dirty="0">
+                <a:solidFill>
+                  <a:srgbClr val="7E7E7E"/>
+                </a:solidFill>
+                <a:latin typeface="Poppins"/>
+              </a:rPr>
+              <a:t>, more iterative</a:t>
+            </a:r>
+          </a:p>
+          <a:p>
+            <a:pPr marL="514350" indent="-514350" algn="just">
               <a:buAutoNum type="arabicPeriod"/>
             </a:pPr>
             <a:r>
@@ -5094,104 +5251,24 @@
                 <a:effectLst/>
                 <a:latin typeface="Poppins"/>
               </a:rPr>
-              <a:t>Graphical Univariate Analysis</a:t>
-            </a:r>
-          </a:p>
-          <a:p>
-            <a:pPr algn="just">
-              <a:buFont typeface="+mj-lt"/>
-              <a:buAutoNum type="arabicPeriod"/>
-            </a:pPr>
-            <a:r>
-              <a:rPr lang="en-AU" b="0" i="0" dirty="0">
+              <a:t>Pa</a:t>
+            </a:r>
+            <a:r>
+              <a:rPr lang="en-AU" dirty="0">
                 <a:solidFill>
                   <a:srgbClr val="7E7E7E"/>
                 </a:solidFill>
-                <a:effectLst/>
                 <a:latin typeface="Poppins"/>
               </a:rPr>
-              <a:t>Bivariate Analysis</a:t>
-            </a:r>
-          </a:p>
-          <a:p>
-            <a:pPr algn="just">
-              <a:buFont typeface="+mj-lt"/>
-              <a:buAutoNum type="arabicPeriod"/>
-            </a:pPr>
-            <a:r>
-              <a:rPr lang="en-AU" b="0" i="0" dirty="0">
-                <a:solidFill>
-                  <a:srgbClr val="7E7E7E"/>
-                </a:solidFill>
-                <a:effectLst/>
-                <a:latin typeface="Poppins"/>
-              </a:rPr>
-              <a:t>Variable transformations</a:t>
-            </a:r>
-          </a:p>
-          <a:p>
-            <a:pPr algn="just">
-              <a:buFont typeface="+mj-lt"/>
-              <a:buAutoNum type="arabicPeriod"/>
-            </a:pPr>
-            <a:r>
-              <a:rPr lang="en-AU" b="0" i="0" dirty="0">
-                <a:solidFill>
-                  <a:srgbClr val="7E7E7E"/>
-                </a:solidFill>
-                <a:effectLst/>
-                <a:latin typeface="Poppins"/>
-              </a:rPr>
-              <a:t>Missing value treatment</a:t>
-            </a:r>
-          </a:p>
-          <a:p>
-            <a:pPr algn="just">
-              <a:buFont typeface="+mj-lt"/>
-              <a:buAutoNum type="arabicPeriod"/>
-            </a:pPr>
-            <a:r>
-              <a:rPr lang="en-AU" b="0" i="0" dirty="0">
-                <a:solidFill>
-                  <a:srgbClr val="7E7E7E"/>
-                </a:solidFill>
-                <a:effectLst/>
-                <a:latin typeface="Poppins"/>
-              </a:rPr>
-              <a:t>Outlier treatment</a:t>
-            </a:r>
-          </a:p>
-          <a:p>
-            <a:pPr algn="just">
-              <a:buFont typeface="+mj-lt"/>
-              <a:buAutoNum type="arabicPeriod"/>
-            </a:pPr>
-            <a:r>
-              <a:rPr lang="en-AU" b="0" i="0" dirty="0">
-                <a:solidFill>
-                  <a:srgbClr val="7E7E7E"/>
-                </a:solidFill>
-                <a:effectLst/>
-                <a:latin typeface="Poppins"/>
-              </a:rPr>
-              <a:t>Correlation Analysis</a:t>
-            </a:r>
-          </a:p>
-          <a:p>
-            <a:pPr algn="just">
-              <a:buFont typeface="+mj-lt"/>
-              <a:buAutoNum type="arabicPeriod"/>
-            </a:pPr>
-            <a:r>
-              <a:rPr lang="en-AU" b="0" i="0" dirty="0">
-                <a:solidFill>
-                  <a:srgbClr val="7E7E7E"/>
-                </a:solidFill>
-                <a:effectLst/>
-                <a:latin typeface="Poppins"/>
-              </a:rPr>
-              <a:t>Dimensionality Reduction</a:t>
-            </a:r>
+              <a:t>ndas profiling</a:t>
+            </a:r>
+            <a:endParaRPr lang="en-AU" b="0" i="0" dirty="0">
+              <a:solidFill>
+                <a:srgbClr val="7E7E7E"/>
+              </a:solidFill>
+              <a:effectLst/>
+              <a:latin typeface="Poppins"/>
+            </a:endParaRPr>
           </a:p>
         </p:txBody>
       </p:sp>

--- a/Problem Formulation & EDA.pptx
+++ b/Problem Formulation & EDA.pptx
@@ -203,7 +203,7 @@
           <a:p>
             <a:fld id="{1107AAAD-A763-4B86-A2B7-07FBDE9BAB75}" type="datetimeFigureOut">
               <a:rPr lang="en-AU" smtClean="0"/>
-              <a:t>3/08/2021</a:t>
+              <a:t>4/08/2021</a:t>
             </a:fld>
             <a:endParaRPr lang="en-AU"/>
           </a:p>
@@ -1192,7 +1192,7 @@
           <a:p>
             <a:fld id="{88AE2C35-0D28-4825-98D7-B391AF6BD3F5}" type="datetimeFigureOut">
               <a:rPr lang="en-AU" smtClean="0"/>
-              <a:t>3/08/2021</a:t>
+              <a:t>4/08/2021</a:t>
             </a:fld>
             <a:endParaRPr lang="en-AU"/>
           </a:p>
@@ -1392,7 +1392,7 @@
           <a:p>
             <a:fld id="{88AE2C35-0D28-4825-98D7-B391AF6BD3F5}" type="datetimeFigureOut">
               <a:rPr lang="en-AU" smtClean="0"/>
-              <a:t>3/08/2021</a:t>
+              <a:t>4/08/2021</a:t>
             </a:fld>
             <a:endParaRPr lang="en-AU"/>
           </a:p>
@@ -1602,7 +1602,7 @@
           <a:p>
             <a:fld id="{88AE2C35-0D28-4825-98D7-B391AF6BD3F5}" type="datetimeFigureOut">
               <a:rPr lang="en-AU" smtClean="0"/>
-              <a:t>3/08/2021</a:t>
+              <a:t>4/08/2021</a:t>
             </a:fld>
             <a:endParaRPr lang="en-AU"/>
           </a:p>
@@ -1802,7 +1802,7 @@
           <a:p>
             <a:fld id="{88AE2C35-0D28-4825-98D7-B391AF6BD3F5}" type="datetimeFigureOut">
               <a:rPr lang="en-AU" smtClean="0"/>
-              <a:t>3/08/2021</a:t>
+              <a:t>4/08/2021</a:t>
             </a:fld>
             <a:endParaRPr lang="en-AU"/>
           </a:p>
@@ -2078,7 +2078,7 @@
           <a:p>
             <a:fld id="{88AE2C35-0D28-4825-98D7-B391AF6BD3F5}" type="datetimeFigureOut">
               <a:rPr lang="en-AU" smtClean="0"/>
-              <a:t>3/08/2021</a:t>
+              <a:t>4/08/2021</a:t>
             </a:fld>
             <a:endParaRPr lang="en-AU"/>
           </a:p>
@@ -2346,7 +2346,7 @@
           <a:p>
             <a:fld id="{88AE2C35-0D28-4825-98D7-B391AF6BD3F5}" type="datetimeFigureOut">
               <a:rPr lang="en-AU" smtClean="0"/>
-              <a:t>3/08/2021</a:t>
+              <a:t>4/08/2021</a:t>
             </a:fld>
             <a:endParaRPr lang="en-AU"/>
           </a:p>
@@ -2761,7 +2761,7 @@
           <a:p>
             <a:fld id="{88AE2C35-0D28-4825-98D7-B391AF6BD3F5}" type="datetimeFigureOut">
               <a:rPr lang="en-AU" smtClean="0"/>
-              <a:t>3/08/2021</a:t>
+              <a:t>4/08/2021</a:t>
             </a:fld>
             <a:endParaRPr lang="en-AU"/>
           </a:p>
@@ -2903,7 +2903,7 @@
           <a:p>
             <a:fld id="{88AE2C35-0D28-4825-98D7-B391AF6BD3F5}" type="datetimeFigureOut">
               <a:rPr lang="en-AU" smtClean="0"/>
-              <a:t>3/08/2021</a:t>
+              <a:t>4/08/2021</a:t>
             </a:fld>
             <a:endParaRPr lang="en-AU"/>
           </a:p>
@@ -3016,7 +3016,7 @@
           <a:p>
             <a:fld id="{88AE2C35-0D28-4825-98D7-B391AF6BD3F5}" type="datetimeFigureOut">
               <a:rPr lang="en-AU" smtClean="0"/>
-              <a:t>3/08/2021</a:t>
+              <a:t>4/08/2021</a:t>
             </a:fld>
             <a:endParaRPr lang="en-AU"/>
           </a:p>
@@ -3329,7 +3329,7 @@
           <a:p>
             <a:fld id="{88AE2C35-0D28-4825-98D7-B391AF6BD3F5}" type="datetimeFigureOut">
               <a:rPr lang="en-AU" smtClean="0"/>
-              <a:t>3/08/2021</a:t>
+              <a:t>4/08/2021</a:t>
             </a:fld>
             <a:endParaRPr lang="en-AU"/>
           </a:p>
@@ -3618,7 +3618,7 @@
           <a:p>
             <a:fld id="{88AE2C35-0D28-4825-98D7-B391AF6BD3F5}" type="datetimeFigureOut">
               <a:rPr lang="en-AU" smtClean="0"/>
-              <a:t>3/08/2021</a:t>
+              <a:t>4/08/2021</a:t>
             </a:fld>
             <a:endParaRPr lang="en-AU"/>
           </a:p>
@@ -3861,7 +3861,7 @@
           <a:p>
             <a:fld id="{88AE2C35-0D28-4825-98D7-B391AF6BD3F5}" type="datetimeFigureOut">
               <a:rPr lang="en-AU" smtClean="0"/>
-              <a:t>3/08/2021</a:t>
+              <a:t>4/08/2021</a:t>
             </a:fld>
             <a:endParaRPr lang="en-AU"/>
           </a:p>

--- a/Problem Formulation & EDA.pptx
+++ b/Problem Formulation & EDA.pptx
@@ -5,7 +5,7 @@
     <p:sldMasterId id="2147483648" r:id="rId1"/>
   </p:sldMasterIdLst>
   <p:notesMasterIdLst>
-    <p:notesMasterId r:id="rId9"/>
+    <p:notesMasterId r:id="rId11"/>
   </p:notesMasterIdLst>
   <p:sldIdLst>
     <p:sldId id="256" r:id="rId2"/>
@@ -14,7 +14,9 @@
     <p:sldId id="259" r:id="rId5"/>
     <p:sldId id="260" r:id="rId6"/>
     <p:sldId id="261" r:id="rId7"/>
-    <p:sldId id="262" r:id="rId8"/>
+    <p:sldId id="263" r:id="rId8"/>
+    <p:sldId id="262" r:id="rId9"/>
+    <p:sldId id="264" r:id="rId10"/>
   </p:sldIdLst>
   <p:sldSz cx="12192000" cy="6858000"/>
   <p:notesSz cx="6858000" cy="9144000"/>
@@ -203,7 +205,7 @@
           <a:p>
             <a:fld id="{1107AAAD-A763-4B86-A2B7-07FBDE9BAB75}" type="datetimeFigureOut">
               <a:rPr lang="en-AU" smtClean="0"/>
-              <a:t>4/08/2021</a:t>
+              <a:t>8/08/2021</a:t>
             </a:fld>
             <a:endParaRPr lang="en-AU"/>
           </a:p>
@@ -1003,6 +1005,64 @@
             </a:r>
           </a:p>
           <a:p>
+            <a:pPr algn="l">
+              <a:buFont typeface="Arial" panose="020B0604020202020204" pitchFamily="34" charset="0"/>
+              <a:buChar char="•"/>
+            </a:pPr>
+            <a:endParaRPr lang="en-GB" b="0" i="0" dirty="0">
+              <a:solidFill>
+                <a:srgbClr val="292929"/>
+              </a:solidFill>
+              <a:effectLst/>
+              <a:latin typeface="charter"/>
+            </a:endParaRPr>
+          </a:p>
+          <a:p>
+            <a:pPr algn="l">
+              <a:buFont typeface="Arial" panose="020B0604020202020204" pitchFamily="34" charset="0"/>
+              <a:buChar char="•"/>
+            </a:pPr>
+            <a:r>
+              <a:rPr lang="en-GB" b="0" i="0" dirty="0">
+                <a:solidFill>
+                  <a:srgbClr val="292929"/>
+                </a:solidFill>
+                <a:effectLst/>
+                <a:latin typeface="charter"/>
+              </a:rPr>
+              <a:t>Extend this not just to the results but interpretability requirements as well. What kind of statements do I need to be able to make at the end of the day?</a:t>
+            </a:r>
+          </a:p>
+          <a:p>
+            <a:pPr algn="l">
+              <a:buFont typeface="Arial" panose="020B0604020202020204" pitchFamily="34" charset="0"/>
+              <a:buChar char="•"/>
+            </a:pPr>
+            <a:endParaRPr lang="en-GB" b="0" i="0" dirty="0">
+              <a:solidFill>
+                <a:srgbClr val="292929"/>
+              </a:solidFill>
+              <a:effectLst/>
+              <a:latin typeface="charter"/>
+            </a:endParaRPr>
+          </a:p>
+          <a:p>
+            <a:pPr algn="l">
+              <a:buFont typeface="Arial" panose="020B0604020202020204" pitchFamily="34" charset="0"/>
+              <a:buChar char="•"/>
+            </a:pPr>
+            <a:r>
+              <a:rPr lang="en-GB" b="0" i="0" dirty="0">
+                <a:solidFill>
+                  <a:srgbClr val="292929"/>
+                </a:solidFill>
+                <a:effectLst/>
+                <a:latin typeface="charter"/>
+              </a:rPr>
+              <a:t>Ideally not every step in problem formulation and EDA will directly feed into the decisions in the next, but as we will see later, some do.</a:t>
+            </a:r>
+          </a:p>
+          <a:p>
             <a:endParaRPr lang="en-AU" dirty="0"/>
           </a:p>
         </p:txBody>
@@ -1034,6 +1094,513 @@
     <p:extLst>
       <p:ext uri="{BB962C8B-B14F-4D97-AF65-F5344CB8AC3E}">
         <p14:creationId xmlns:p14="http://schemas.microsoft.com/office/powerpoint/2010/main" val="3527621951"/>
+      </p:ext>
+    </p:extLst>
+  </p:cSld>
+  <p:clrMapOvr>
+    <a:masterClrMapping/>
+  </p:clrMapOvr>
+</p:notes>
+</file>
+
+<file path=ppt/notesSlides/notesSlide5.xml><?xml version="1.0" encoding="utf-8"?>
+<p:notes xmlns:a="http://schemas.openxmlformats.org/drawingml/2006/main" xmlns:r="http://schemas.openxmlformats.org/officeDocument/2006/relationships" xmlns:p="http://schemas.openxmlformats.org/presentationml/2006/main">
+  <p:cSld>
+    <p:spTree>
+      <p:nvGrpSpPr>
+        <p:cNvPr id="1" name=""/>
+        <p:cNvGrpSpPr/>
+        <p:nvPr/>
+      </p:nvGrpSpPr>
+      <p:grpSpPr>
+        <a:xfrm>
+          <a:off x="0" y="0"/>
+          <a:ext cx="0" cy="0"/>
+          <a:chOff x="0" y="0"/>
+          <a:chExt cx="0" cy="0"/>
+        </a:xfrm>
+      </p:grpSpPr>
+      <p:sp>
+        <p:nvSpPr>
+          <p:cNvPr id="2" name="Slide Image Placeholder 1"/>
+          <p:cNvSpPr>
+            <a:spLocks noGrp="1" noRot="1" noChangeAspect="1"/>
+          </p:cNvSpPr>
+          <p:nvPr>
+            <p:ph type="sldImg"/>
+          </p:nvPr>
+        </p:nvSpPr>
+        <p:spPr/>
+      </p:sp>
+      <p:sp>
+        <p:nvSpPr>
+          <p:cNvPr id="3" name="Notes Placeholder 2"/>
+          <p:cNvSpPr>
+            <a:spLocks noGrp="1"/>
+          </p:cNvSpPr>
+          <p:nvPr>
+            <p:ph type="body" idx="1"/>
+          </p:nvPr>
+        </p:nvSpPr>
+        <p:spPr/>
+        <p:txBody>
+          <a:bodyPr/>
+          <a:lstStyle/>
+          <a:p>
+            <a:r>
+              <a:rPr lang="en-AU" dirty="0"/>
+              <a:t>Here, we open the old </a:t>
+            </a:r>
+            <a:r>
+              <a:rPr lang="en-AU" dirty="0" err="1"/>
+              <a:t>aiforsea</a:t>
+            </a:r>
+            <a:r>
+              <a:rPr lang="en-AU" dirty="0"/>
+              <a:t> project and go through an example of how useful EDA is for a future reference.</a:t>
+            </a:r>
+          </a:p>
+          <a:p>
+            <a:r>
+              <a:rPr lang="en-AU" dirty="0"/>
+              <a:t>For heavy excel users, think of it this way. Doing up a model without any EDA is like doing all the spreadsheet workings, then copy pasting as values and saving over it.</a:t>
+            </a:r>
+          </a:p>
+        </p:txBody>
+      </p:sp>
+      <p:sp>
+        <p:nvSpPr>
+          <p:cNvPr id="4" name="Slide Number Placeholder 3"/>
+          <p:cNvSpPr>
+            <a:spLocks noGrp="1"/>
+          </p:cNvSpPr>
+          <p:nvPr>
+            <p:ph type="sldNum" sz="quarter" idx="5"/>
+          </p:nvPr>
+        </p:nvSpPr>
+        <p:spPr/>
+        <p:txBody>
+          <a:bodyPr/>
+          <a:lstStyle/>
+          <a:p>
+            <a:fld id="{75394A9C-DD77-468F-899D-B535CEE43AF3}" type="slidenum">
+              <a:rPr lang="en-AU" smtClean="0"/>
+              <a:t>6</a:t>
+            </a:fld>
+            <a:endParaRPr lang="en-AU"/>
+          </a:p>
+        </p:txBody>
+      </p:sp>
+    </p:spTree>
+    <p:extLst>
+      <p:ext uri="{BB962C8B-B14F-4D97-AF65-F5344CB8AC3E}">
+        <p14:creationId xmlns:p14="http://schemas.microsoft.com/office/powerpoint/2010/main" val="63757804"/>
+      </p:ext>
+    </p:extLst>
+  </p:cSld>
+  <p:clrMapOvr>
+    <a:masterClrMapping/>
+  </p:clrMapOvr>
+</p:notes>
+</file>
+
+<file path=ppt/notesSlides/notesSlide6.xml><?xml version="1.0" encoding="utf-8"?>
+<p:notes xmlns:a="http://schemas.openxmlformats.org/drawingml/2006/main" xmlns:r="http://schemas.openxmlformats.org/officeDocument/2006/relationships" xmlns:p="http://schemas.openxmlformats.org/presentationml/2006/main">
+  <p:cSld>
+    <p:spTree>
+      <p:nvGrpSpPr>
+        <p:cNvPr id="1" name=""/>
+        <p:cNvGrpSpPr/>
+        <p:nvPr/>
+      </p:nvGrpSpPr>
+      <p:grpSpPr>
+        <a:xfrm>
+          <a:off x="0" y="0"/>
+          <a:ext cx="0" cy="0"/>
+          <a:chOff x="0" y="0"/>
+          <a:chExt cx="0" cy="0"/>
+        </a:xfrm>
+      </p:grpSpPr>
+      <p:sp>
+        <p:nvSpPr>
+          <p:cNvPr id="2" name="Slide Image Placeholder 1"/>
+          <p:cNvSpPr>
+            <a:spLocks noGrp="1" noRot="1" noChangeAspect="1"/>
+          </p:cNvSpPr>
+          <p:nvPr>
+            <p:ph type="sldImg"/>
+          </p:nvPr>
+        </p:nvSpPr>
+        <p:spPr/>
+      </p:sp>
+      <p:sp>
+        <p:nvSpPr>
+          <p:cNvPr id="3" name="Notes Placeholder 2"/>
+          <p:cNvSpPr>
+            <a:spLocks noGrp="1"/>
+          </p:cNvSpPr>
+          <p:nvPr>
+            <p:ph type="body" idx="1"/>
+          </p:nvPr>
+        </p:nvSpPr>
+        <p:spPr/>
+        <p:txBody>
+          <a:bodyPr/>
+          <a:lstStyle/>
+          <a:p>
+            <a:pPr algn="l" fontAlgn="base"/>
+            <a:r>
+              <a:rPr lang="en-GB" b="0" i="0" dirty="0">
+                <a:solidFill>
+                  <a:srgbClr val="242729"/>
+                </a:solidFill>
+                <a:effectLst/>
+                <a:latin typeface="inherit"/>
+              </a:rPr>
+              <a:t>Normalization helps to eliminate scale factors that might exist between variables in your data. Take, for example, the classic problem of predicting home prices. If you represent the square footage of your home in square </a:t>
+            </a:r>
+            <a:r>
+              <a:rPr lang="en-GB" b="0" i="0" dirty="0" err="1">
+                <a:solidFill>
+                  <a:srgbClr val="242729"/>
+                </a:solidFill>
+                <a:effectLst/>
+                <a:latin typeface="inherit"/>
+              </a:rPr>
+              <a:t>millimeters</a:t>
+            </a:r>
+            <a:r>
+              <a:rPr lang="en-GB" b="0" i="0" dirty="0">
+                <a:solidFill>
+                  <a:srgbClr val="242729"/>
+                </a:solidFill>
+                <a:effectLst/>
+                <a:latin typeface="inherit"/>
+              </a:rPr>
+              <a:t>, a large change in this value will have a relatively small effect on home price, implying a small gradient on this variable. If you represent that value in square </a:t>
+            </a:r>
+            <a:r>
+              <a:rPr lang="en-GB" b="0" i="0" dirty="0" err="1">
+                <a:solidFill>
+                  <a:srgbClr val="242729"/>
+                </a:solidFill>
+                <a:effectLst/>
+                <a:latin typeface="inherit"/>
+              </a:rPr>
+              <a:t>kilometers</a:t>
+            </a:r>
+            <a:r>
+              <a:rPr lang="en-GB" b="0" i="0" dirty="0">
+                <a:solidFill>
+                  <a:srgbClr val="242729"/>
+                </a:solidFill>
+                <a:effectLst/>
+                <a:latin typeface="inherit"/>
+              </a:rPr>
+              <a:t>, a small numerical change will have a large impact on price, implying a large gradient. Normalization isn't necessarily required, but can help to balance the problem by making all variables have "equal weight" in your model. If you were to include both the square </a:t>
+            </a:r>
+            <a:r>
+              <a:rPr lang="en-GB" b="0" i="0" dirty="0" err="1">
+                <a:solidFill>
+                  <a:srgbClr val="242729"/>
+                </a:solidFill>
+                <a:effectLst/>
+                <a:latin typeface="inherit"/>
+              </a:rPr>
+              <a:t>millimeter</a:t>
+            </a:r>
+            <a:r>
+              <a:rPr lang="en-GB" b="0" i="0" dirty="0">
+                <a:solidFill>
+                  <a:srgbClr val="242729"/>
+                </a:solidFill>
+                <a:effectLst/>
+                <a:latin typeface="inherit"/>
+              </a:rPr>
+              <a:t> and square </a:t>
+            </a:r>
+            <a:r>
+              <a:rPr lang="en-GB" b="0" i="0" dirty="0" err="1">
+                <a:solidFill>
+                  <a:srgbClr val="242729"/>
+                </a:solidFill>
+                <a:effectLst/>
+                <a:latin typeface="inherit"/>
+              </a:rPr>
+              <a:t>kilometer</a:t>
+            </a:r>
+            <a:r>
+              <a:rPr lang="en-GB" b="0" i="0" dirty="0">
+                <a:solidFill>
+                  <a:srgbClr val="242729"/>
+                </a:solidFill>
+                <a:effectLst/>
+                <a:latin typeface="inherit"/>
+              </a:rPr>
+              <a:t> variables in your training data, the neural network would likely spend a lot of effort optimizing on the square </a:t>
+            </a:r>
+            <a:r>
+              <a:rPr lang="en-GB" b="0" i="0" dirty="0" err="1">
+                <a:solidFill>
+                  <a:srgbClr val="242729"/>
+                </a:solidFill>
+                <a:effectLst/>
+                <a:latin typeface="inherit"/>
+              </a:rPr>
+              <a:t>kilometer</a:t>
+            </a:r>
+            <a:r>
+              <a:rPr lang="en-GB" b="0" i="0" dirty="0">
+                <a:solidFill>
+                  <a:srgbClr val="242729"/>
+                </a:solidFill>
+                <a:effectLst/>
+                <a:latin typeface="inherit"/>
+              </a:rPr>
+              <a:t> variable, since it is numerically more important. You can still do training with un-normalized data, but it will likely take longer, and possibly have worse output if your important variables are numerically smallest.</a:t>
+            </a:r>
+          </a:p>
+          <a:p>
+            <a:pPr algn="l" fontAlgn="base"/>
+            <a:endParaRPr lang="en-GB" b="0" i="0" dirty="0">
+              <a:solidFill>
+                <a:srgbClr val="242729"/>
+              </a:solidFill>
+              <a:effectLst/>
+              <a:latin typeface="inherit"/>
+            </a:endParaRPr>
+          </a:p>
+          <a:p>
+            <a:pPr algn="l" fontAlgn="base"/>
+            <a:r>
+              <a:rPr lang="en-GB" b="0" i="0" dirty="0">
+                <a:solidFill>
+                  <a:srgbClr val="212529"/>
+                </a:solidFill>
+                <a:effectLst/>
+                <a:latin typeface="-apple-system"/>
+              </a:rPr>
+              <a:t>the l1 and l2 </a:t>
+            </a:r>
+            <a:r>
+              <a:rPr lang="en-GB" b="0" i="0" dirty="0" err="1">
+                <a:solidFill>
+                  <a:srgbClr val="212529"/>
+                </a:solidFill>
+                <a:effectLst/>
+                <a:latin typeface="-apple-system"/>
+              </a:rPr>
+              <a:t>regularizers</a:t>
+            </a:r>
+            <a:r>
+              <a:rPr lang="en-GB" b="0" i="0" dirty="0">
+                <a:solidFill>
+                  <a:srgbClr val="212529"/>
+                </a:solidFill>
+                <a:effectLst/>
+                <a:latin typeface="-apple-system"/>
+              </a:rPr>
+              <a:t> of linear models) assume that all features are </a:t>
+            </a:r>
+            <a:r>
+              <a:rPr lang="en-GB" b="0" i="0" dirty="0" err="1">
+                <a:solidFill>
+                  <a:srgbClr val="212529"/>
+                </a:solidFill>
+                <a:effectLst/>
+                <a:latin typeface="-apple-system"/>
+              </a:rPr>
+              <a:t>centered</a:t>
+            </a:r>
+            <a:r>
+              <a:rPr lang="en-GB" b="0" i="0" dirty="0">
+                <a:solidFill>
+                  <a:srgbClr val="212529"/>
+                </a:solidFill>
+                <a:effectLst/>
+                <a:latin typeface="-apple-system"/>
+              </a:rPr>
+              <a:t> around zero and have variance in the same order. If a feature has a variance that is orders of magnitude larger than others, it might dominate the objective function and make the estimator unable to learn from other features correctly as expected.</a:t>
+            </a:r>
+            <a:endParaRPr lang="en-GB" b="0" i="0" dirty="0">
+              <a:solidFill>
+                <a:srgbClr val="242729"/>
+              </a:solidFill>
+              <a:effectLst/>
+              <a:latin typeface="inherit"/>
+            </a:endParaRPr>
+          </a:p>
+          <a:p>
+            <a:pPr algn="l" fontAlgn="base"/>
+            <a:endParaRPr lang="en-GB" b="0" i="0" dirty="0">
+              <a:solidFill>
+                <a:srgbClr val="242729"/>
+              </a:solidFill>
+              <a:effectLst/>
+              <a:latin typeface="inherit"/>
+            </a:endParaRPr>
+          </a:p>
+          <a:p>
+            <a:pPr algn="l" fontAlgn="base"/>
+            <a:endParaRPr lang="en-GB" b="0" i="0" dirty="0">
+              <a:solidFill>
+                <a:srgbClr val="242729"/>
+              </a:solidFill>
+              <a:effectLst/>
+              <a:latin typeface="inherit"/>
+            </a:endParaRPr>
+          </a:p>
+          <a:p>
+            <a:pPr algn="l" fontAlgn="base"/>
+            <a:r>
+              <a:rPr lang="en-GB" b="0" i="0" dirty="0">
+                <a:solidFill>
+                  <a:srgbClr val="242729"/>
+                </a:solidFill>
+                <a:effectLst/>
+                <a:latin typeface="-apple-system"/>
+              </a:rPr>
+              <a:t>Generally, in tree-based models the scale of the features does not matter. This is because at each tree level, the score of a possible split will be equal whether the respective feature has been scaled or not.</a:t>
+            </a:r>
+          </a:p>
+          <a:p>
+            <a:pPr algn="l" fontAlgn="base"/>
+            <a:r>
+              <a:rPr lang="en-GB" b="0" i="0" dirty="0">
+                <a:solidFill>
+                  <a:srgbClr val="242729"/>
+                </a:solidFill>
+                <a:effectLst/>
+                <a:latin typeface="-apple-system"/>
+              </a:rPr>
+              <a:t>You can think of it like here: We're dealing with a binary classification problem and the feature we're splitting takes values from 0 to 1000. If you split it on 300, the samples &lt;300 belong 90% to one category while those &gt;300 belong 30% to one category. Now imaging this feature is scaled between 0 and 1. Again, if you split on 0.3, the sample &lt;0.3 belong 90% to one category while those &gt;0.3 belong 30% to one category.</a:t>
+            </a:r>
+          </a:p>
+          <a:p>
+            <a:pPr algn="l" fontAlgn="base"/>
+            <a:r>
+              <a:rPr lang="en-GB" b="0" i="0" dirty="0">
+                <a:solidFill>
+                  <a:srgbClr val="242729"/>
+                </a:solidFill>
+                <a:effectLst/>
+                <a:latin typeface="-apple-system"/>
+              </a:rPr>
+              <a:t>So you've changed the splitting point but the actual distribution of the samples remains the same regarding the target variable.</a:t>
+            </a:r>
+          </a:p>
+          <a:p>
+            <a:pPr algn="l" fontAlgn="base"/>
+            <a:endParaRPr lang="en-GB" b="0" i="0" dirty="0">
+              <a:solidFill>
+                <a:srgbClr val="242729"/>
+              </a:solidFill>
+              <a:effectLst/>
+              <a:latin typeface="-apple-system"/>
+            </a:endParaRPr>
+          </a:p>
+          <a:p>
+            <a:pPr algn="l" fontAlgn="base"/>
+            <a:endParaRPr lang="en-GB" b="0" i="0" dirty="0">
+              <a:solidFill>
+                <a:srgbClr val="242729"/>
+              </a:solidFill>
+              <a:effectLst/>
+              <a:latin typeface="-apple-system"/>
+            </a:endParaRPr>
+          </a:p>
+          <a:p>
+            <a:pPr algn="l" fontAlgn="base"/>
+            <a:r>
+              <a:rPr lang="en-GB" b="0" i="0" dirty="0">
+                <a:solidFill>
+                  <a:srgbClr val="202124"/>
+                </a:solidFill>
+                <a:effectLst/>
+                <a:latin typeface="arial" panose="020B0604020202020204" pitchFamily="34" charset="0"/>
+              </a:rPr>
+              <a:t>There are two main reasons to use logarithmic scales in charts and graphs. The </a:t>
+            </a:r>
+            <a:r>
+              <a:rPr lang="en-GB" b="1" i="0" dirty="0">
+                <a:solidFill>
+                  <a:srgbClr val="202124"/>
+                </a:solidFill>
+                <a:effectLst/>
+                <a:latin typeface="arial" panose="020B0604020202020204" pitchFamily="34" charset="0"/>
+              </a:rPr>
+              <a:t>first is to respond to skewness towards large values</a:t>
+            </a:r>
+            <a:r>
+              <a:rPr lang="en-GB" b="0" i="0" dirty="0">
+                <a:solidFill>
+                  <a:srgbClr val="202124"/>
+                </a:solidFill>
+                <a:effectLst/>
+                <a:latin typeface="arial" panose="020B0604020202020204" pitchFamily="34" charset="0"/>
+              </a:rPr>
+              <a:t>; i.e., cases in which one or a few points are much larger than the bulk of the data. The second is to show percent change or multiplicative factors.</a:t>
+            </a:r>
+            <a:endParaRPr lang="en-GB" b="0" i="0" dirty="0">
+              <a:solidFill>
+                <a:srgbClr val="242729"/>
+              </a:solidFill>
+              <a:effectLst/>
+              <a:latin typeface="-apple-system"/>
+            </a:endParaRPr>
+          </a:p>
+          <a:p>
+            <a:pPr algn="l" fontAlgn="base"/>
+            <a:endParaRPr lang="en-GB" b="0" i="0" dirty="0">
+              <a:solidFill>
+                <a:srgbClr val="242729"/>
+              </a:solidFill>
+              <a:effectLst/>
+              <a:latin typeface="-apple-system"/>
+            </a:endParaRPr>
+          </a:p>
+          <a:p>
+            <a:pPr algn="l" fontAlgn="base"/>
+            <a:endParaRPr lang="en-GB" b="0" i="0" dirty="0">
+              <a:solidFill>
+                <a:srgbClr val="242729"/>
+              </a:solidFill>
+              <a:effectLst/>
+              <a:latin typeface="inherit"/>
+            </a:endParaRPr>
+          </a:p>
+          <a:p>
+            <a:endParaRPr lang="en-AU" dirty="0"/>
+          </a:p>
+        </p:txBody>
+      </p:sp>
+      <p:sp>
+        <p:nvSpPr>
+          <p:cNvPr id="4" name="Slide Number Placeholder 3"/>
+          <p:cNvSpPr>
+            <a:spLocks noGrp="1"/>
+          </p:cNvSpPr>
+          <p:nvPr>
+            <p:ph type="sldNum" sz="quarter" idx="5"/>
+          </p:nvPr>
+        </p:nvSpPr>
+        <p:spPr/>
+        <p:txBody>
+          <a:bodyPr/>
+          <a:lstStyle/>
+          <a:p>
+            <a:fld id="{75394A9C-DD77-468F-899D-B535CEE43AF3}" type="slidenum">
+              <a:rPr lang="en-AU" smtClean="0"/>
+              <a:t>7</a:t>
+            </a:fld>
+            <a:endParaRPr lang="en-AU"/>
+          </a:p>
+        </p:txBody>
+      </p:sp>
+    </p:spTree>
+    <p:extLst>
+      <p:ext uri="{BB962C8B-B14F-4D97-AF65-F5344CB8AC3E}">
+        <p14:creationId xmlns:p14="http://schemas.microsoft.com/office/powerpoint/2010/main" val="2183150049"/>
       </p:ext>
     </p:extLst>
   </p:cSld>
@@ -1192,7 +1759,7 @@
           <a:p>
             <a:fld id="{88AE2C35-0D28-4825-98D7-B391AF6BD3F5}" type="datetimeFigureOut">
               <a:rPr lang="en-AU" smtClean="0"/>
-              <a:t>4/08/2021</a:t>
+              <a:t>8/08/2021</a:t>
             </a:fld>
             <a:endParaRPr lang="en-AU"/>
           </a:p>
@@ -1392,7 +1959,7 @@
           <a:p>
             <a:fld id="{88AE2C35-0D28-4825-98D7-B391AF6BD3F5}" type="datetimeFigureOut">
               <a:rPr lang="en-AU" smtClean="0"/>
-              <a:t>4/08/2021</a:t>
+              <a:t>8/08/2021</a:t>
             </a:fld>
             <a:endParaRPr lang="en-AU"/>
           </a:p>
@@ -1602,7 +2169,7 @@
           <a:p>
             <a:fld id="{88AE2C35-0D28-4825-98D7-B391AF6BD3F5}" type="datetimeFigureOut">
               <a:rPr lang="en-AU" smtClean="0"/>
-              <a:t>4/08/2021</a:t>
+              <a:t>8/08/2021</a:t>
             </a:fld>
             <a:endParaRPr lang="en-AU"/>
           </a:p>
@@ -1802,7 +2369,7 @@
           <a:p>
             <a:fld id="{88AE2C35-0D28-4825-98D7-B391AF6BD3F5}" type="datetimeFigureOut">
               <a:rPr lang="en-AU" smtClean="0"/>
-              <a:t>4/08/2021</a:t>
+              <a:t>8/08/2021</a:t>
             </a:fld>
             <a:endParaRPr lang="en-AU"/>
           </a:p>
@@ -2078,7 +2645,7 @@
           <a:p>
             <a:fld id="{88AE2C35-0D28-4825-98D7-B391AF6BD3F5}" type="datetimeFigureOut">
               <a:rPr lang="en-AU" smtClean="0"/>
-              <a:t>4/08/2021</a:t>
+              <a:t>8/08/2021</a:t>
             </a:fld>
             <a:endParaRPr lang="en-AU"/>
           </a:p>
@@ -2346,7 +2913,7 @@
           <a:p>
             <a:fld id="{88AE2C35-0D28-4825-98D7-B391AF6BD3F5}" type="datetimeFigureOut">
               <a:rPr lang="en-AU" smtClean="0"/>
-              <a:t>4/08/2021</a:t>
+              <a:t>8/08/2021</a:t>
             </a:fld>
             <a:endParaRPr lang="en-AU"/>
           </a:p>
@@ -2761,7 +3328,7 @@
           <a:p>
             <a:fld id="{88AE2C35-0D28-4825-98D7-B391AF6BD3F5}" type="datetimeFigureOut">
               <a:rPr lang="en-AU" smtClean="0"/>
-              <a:t>4/08/2021</a:t>
+              <a:t>8/08/2021</a:t>
             </a:fld>
             <a:endParaRPr lang="en-AU"/>
           </a:p>
@@ -2903,7 +3470,7 @@
           <a:p>
             <a:fld id="{88AE2C35-0D28-4825-98D7-B391AF6BD3F5}" type="datetimeFigureOut">
               <a:rPr lang="en-AU" smtClean="0"/>
-              <a:t>4/08/2021</a:t>
+              <a:t>8/08/2021</a:t>
             </a:fld>
             <a:endParaRPr lang="en-AU"/>
           </a:p>
@@ -3016,7 +3583,7 @@
           <a:p>
             <a:fld id="{88AE2C35-0D28-4825-98D7-B391AF6BD3F5}" type="datetimeFigureOut">
               <a:rPr lang="en-AU" smtClean="0"/>
-              <a:t>4/08/2021</a:t>
+              <a:t>8/08/2021</a:t>
             </a:fld>
             <a:endParaRPr lang="en-AU"/>
           </a:p>
@@ -3329,7 +3896,7 @@
           <a:p>
             <a:fld id="{88AE2C35-0D28-4825-98D7-B391AF6BD3F5}" type="datetimeFigureOut">
               <a:rPr lang="en-AU" smtClean="0"/>
-              <a:t>4/08/2021</a:t>
+              <a:t>8/08/2021</a:t>
             </a:fld>
             <a:endParaRPr lang="en-AU"/>
           </a:p>
@@ -3618,7 +4185,7 @@
           <a:p>
             <a:fld id="{88AE2C35-0D28-4825-98D7-B391AF6BD3F5}" type="datetimeFigureOut">
               <a:rPr lang="en-AU" smtClean="0"/>
-              <a:t>4/08/2021</a:t>
+              <a:t>8/08/2021</a:t>
             </a:fld>
             <a:endParaRPr lang="en-AU"/>
           </a:p>
@@ -3861,7 +4428,7 @@
           <a:p>
             <a:fld id="{88AE2C35-0D28-4825-98D7-B391AF6BD3F5}" type="datetimeFigureOut">
               <a:rPr lang="en-AU" smtClean="0"/>
-              <a:t>4/08/2021</a:t>
+              <a:t>8/08/2021</a:t>
             </a:fld>
             <a:endParaRPr lang="en-AU"/>
           </a:p>
@@ -4815,15 +5382,7 @@
             </a:pPr>
             <a:r>
               <a:rPr lang="en-AU" dirty="0"/>
-              <a:t>If modelling required, determine what modelling problem it is, super/</a:t>
-            </a:r>
-            <a:r>
-              <a:rPr lang="en-AU" dirty="0" err="1"/>
-              <a:t>unsuper</a:t>
-            </a:r>
-            <a:r>
-              <a:rPr lang="en-AU" dirty="0"/>
-              <a:t>/reg/classification/reinforcement/clustering (INSERT CHART LINK)</a:t>
+              <a:t>If modelling required, determine what modelling problem it is, supervised/unsupervised/reg/classification/reinforcement/clustering (INSERT CHART LINK)</a:t>
             </a:r>
           </a:p>
           <a:p>
@@ -4939,7 +5498,7 @@
         <p:spPr/>
         <p:txBody>
           <a:bodyPr>
-            <a:normAutofit lnSpcReduction="10000"/>
+            <a:normAutofit fontScale="92500" lnSpcReduction="10000"/>
           </a:bodyPr>
           <a:lstStyle/>
           <a:p>
@@ -4973,7 +5532,7 @@
             <a:pPr lvl="1"/>
             <a:r>
               <a:rPr lang="en-AU" dirty="0"/>
-              <a:t>Cover your ass</a:t>
+              <a:t>Cover your ass (it’s a form of documentation)</a:t>
             </a:r>
           </a:p>
           <a:p>
@@ -5019,7 +5578,14 @@
             <a:pPr lvl="2"/>
             <a:r>
               <a:rPr lang="en-AU" dirty="0"/>
-              <a:t>Oh definitely need to include this (combination)</a:t>
+              <a:t>Oh definitely need to include this ( or some combination)</a:t>
+            </a:r>
+          </a:p>
+          <a:p>
+            <a:pPr lvl="2"/>
+            <a:r>
+              <a:rPr lang="en-AU" dirty="0"/>
+              <a:t>Oh definitely exclude this</a:t>
             </a:r>
           </a:p>
           <a:p>
@@ -5063,6 +5629,126 @@
           <p:cNvPr id="2" name="Title 1">
             <a:extLst>
               <a:ext uri="{FF2B5EF4-FFF2-40B4-BE49-F238E27FC236}">
+                <a16:creationId xmlns:a16="http://schemas.microsoft.com/office/drawing/2014/main" id="{D70239AA-CFA7-47C4-A1EA-57159D42A2B6}"/>
+              </a:ext>
+            </a:extLst>
+          </p:cNvPr>
+          <p:cNvSpPr>
+            <a:spLocks noGrp="1"/>
+          </p:cNvSpPr>
+          <p:nvPr>
+            <p:ph type="title"/>
+          </p:nvPr>
+        </p:nvSpPr>
+        <p:spPr/>
+        <p:txBody>
+          <a:bodyPr/>
+          <a:lstStyle/>
+          <a:p>
+            <a:r>
+              <a:rPr lang="en-AU" dirty="0"/>
+              <a:t>Exploratory Data Analysis</a:t>
+            </a:r>
+          </a:p>
+        </p:txBody>
+      </p:sp>
+      <p:sp>
+        <p:nvSpPr>
+          <p:cNvPr id="3" name="Content Placeholder 2">
+            <a:extLst>
+              <a:ext uri="{FF2B5EF4-FFF2-40B4-BE49-F238E27FC236}">
+                <a16:creationId xmlns:a16="http://schemas.microsoft.com/office/drawing/2014/main" id="{03199408-7B90-4275-9417-824F79462D4B}"/>
+              </a:ext>
+            </a:extLst>
+          </p:cNvPr>
+          <p:cNvSpPr>
+            <a:spLocks noGrp="1"/>
+          </p:cNvSpPr>
+          <p:nvPr>
+            <p:ph idx="1"/>
+          </p:nvPr>
+        </p:nvSpPr>
+        <p:spPr/>
+        <p:txBody>
+          <a:bodyPr>
+            <a:normAutofit/>
+          </a:bodyPr>
+          <a:lstStyle/>
+          <a:p>
+            <a:r>
+              <a:rPr lang="en-AU" dirty="0"/>
+              <a:t>Outliers and scaling</a:t>
+            </a:r>
+          </a:p>
+          <a:p>
+            <a:pPr lvl="1"/>
+            <a:r>
+              <a:rPr lang="en-AU" dirty="0"/>
+              <a:t>Can be determined from either .describe() or scatter matrices</a:t>
+            </a:r>
+          </a:p>
+          <a:p>
+            <a:pPr lvl="1"/>
+            <a:r>
+              <a:rPr lang="en-AU" dirty="0"/>
+              <a:t>Do we need it?</a:t>
+            </a:r>
+          </a:p>
+          <a:p>
+            <a:pPr lvl="1"/>
+            <a:r>
+              <a:rPr lang="en-AU" dirty="0"/>
+              <a:t>Which algorithm should we use, and do we need to scale our data? (technically yes, it is always good practice)</a:t>
+            </a:r>
+          </a:p>
+          <a:p>
+            <a:pPr lvl="1"/>
+            <a:r>
+              <a:rPr lang="en-AU" dirty="0"/>
+              <a:t>How do we want to scale our data?</a:t>
+            </a:r>
+          </a:p>
+          <a:p>
+            <a:pPr lvl="1"/>
+            <a:endParaRPr lang="en-AU" dirty="0"/>
+          </a:p>
+        </p:txBody>
+      </p:sp>
+    </p:spTree>
+    <p:extLst>
+      <p:ext uri="{BB962C8B-B14F-4D97-AF65-F5344CB8AC3E}">
+        <p14:creationId xmlns:p14="http://schemas.microsoft.com/office/powerpoint/2010/main" val="1525833955"/>
+      </p:ext>
+    </p:extLst>
+  </p:cSld>
+  <p:clrMapOvr>
+    <a:masterClrMapping/>
+  </p:clrMapOvr>
+</p:sld>
+</file>
+
+<file path=ppt/slides/slide8.xml><?xml version="1.0" encoding="utf-8"?>
+<p:sld xmlns:a="http://schemas.openxmlformats.org/drawingml/2006/main" xmlns:r="http://schemas.openxmlformats.org/officeDocument/2006/relationships" xmlns:p="http://schemas.openxmlformats.org/presentationml/2006/main">
+  <p:cSld>
+    <p:spTree>
+      <p:nvGrpSpPr>
+        <p:cNvPr id="1" name=""/>
+        <p:cNvGrpSpPr/>
+        <p:nvPr/>
+      </p:nvGrpSpPr>
+      <p:grpSpPr>
+        <a:xfrm>
+          <a:off x="0" y="0"/>
+          <a:ext cx="0" cy="0"/>
+          <a:chOff x="0" y="0"/>
+          <a:chExt cx="0" cy="0"/>
+        </a:xfrm>
+      </p:grpSpPr>
+      <p:sp>
+        <p:nvSpPr>
+          <p:cNvPr id="2" name="Title 1">
+            <a:extLst>
+              <a:ext uri="{FF2B5EF4-FFF2-40B4-BE49-F238E27FC236}">
                 <a16:creationId xmlns:a16="http://schemas.microsoft.com/office/drawing/2014/main" id="{1285CEAA-2848-4F5B-9A9F-0EF6AC6AC432}"/>
               </a:ext>
             </a:extLst>
@@ -5276,6 +5962,428 @@
     <p:extLst>
       <p:ext uri="{BB962C8B-B14F-4D97-AF65-F5344CB8AC3E}">
         <p14:creationId xmlns:p14="http://schemas.microsoft.com/office/powerpoint/2010/main" val="1658470203"/>
+      </p:ext>
+    </p:extLst>
+  </p:cSld>
+  <p:clrMapOvr>
+    <a:masterClrMapping/>
+  </p:clrMapOvr>
+</p:sld>
+</file>
+
+<file path=ppt/slides/slide9.xml><?xml version="1.0" encoding="utf-8"?>
+<p:sld xmlns:a="http://schemas.openxmlformats.org/drawingml/2006/main" xmlns:r="http://schemas.openxmlformats.org/officeDocument/2006/relationships" xmlns:p="http://schemas.openxmlformats.org/presentationml/2006/main">
+  <p:cSld>
+    <p:spTree>
+      <p:nvGrpSpPr>
+        <p:cNvPr id="1" name=""/>
+        <p:cNvGrpSpPr/>
+        <p:nvPr/>
+      </p:nvGrpSpPr>
+      <p:grpSpPr>
+        <a:xfrm>
+          <a:off x="0" y="0"/>
+          <a:ext cx="0" cy="0"/>
+          <a:chOff x="0" y="0"/>
+          <a:chExt cx="0" cy="0"/>
+        </a:xfrm>
+      </p:grpSpPr>
+      <p:sp>
+        <p:nvSpPr>
+          <p:cNvPr id="2" name="Title 1">
+            <a:extLst>
+              <a:ext uri="{FF2B5EF4-FFF2-40B4-BE49-F238E27FC236}">
+                <a16:creationId xmlns:a16="http://schemas.microsoft.com/office/drawing/2014/main" id="{2ADC7E0C-CB65-4CA7-8948-8DB68E900A6B}"/>
+              </a:ext>
+            </a:extLst>
+          </p:cNvPr>
+          <p:cNvSpPr>
+            <a:spLocks noGrp="1"/>
+          </p:cNvSpPr>
+          <p:nvPr>
+            <p:ph type="title"/>
+          </p:nvPr>
+        </p:nvSpPr>
+        <p:spPr/>
+        <p:txBody>
+          <a:bodyPr/>
+          <a:lstStyle/>
+          <a:p>
+            <a:r>
+              <a:rPr lang="en-AU" dirty="0"/>
+              <a:t>Summary</a:t>
+            </a:r>
+          </a:p>
+        </p:txBody>
+      </p:sp>
+      <p:sp>
+        <p:nvSpPr>
+          <p:cNvPr id="5" name="TextBox 4">
+            <a:extLst>
+              <a:ext uri="{FF2B5EF4-FFF2-40B4-BE49-F238E27FC236}">
+                <a16:creationId xmlns:a16="http://schemas.microsoft.com/office/drawing/2014/main" id="{00112385-DF1D-42A7-809F-30E8BB4D1D1B}"/>
+              </a:ext>
+            </a:extLst>
+          </p:cNvPr>
+          <p:cNvSpPr txBox="1"/>
+          <p:nvPr/>
+        </p:nvSpPr>
+        <p:spPr>
+          <a:xfrm>
+            <a:off x="838200" y="3762375"/>
+            <a:ext cx="10306050" cy="369332"/>
+          </a:xfrm>
+          <a:prstGeom prst="rect">
+            <a:avLst/>
+          </a:prstGeom>
+          <a:noFill/>
+        </p:spPr>
+        <p:txBody>
+          <a:bodyPr wrap="square">
+            <a:spAutoFit/>
+          </a:bodyPr>
+          <a:lstStyle/>
+          <a:p>
+            <a:r>
+              <a:rPr lang="en-AU" dirty="0"/>
+              <a:t>Define problem -&gt; collect -&gt; clean -&gt; EDA -&gt; feature engineer -&gt; model -&gt; validate/test -&gt; present -&gt; monitor</a:t>
+            </a:r>
+          </a:p>
+        </p:txBody>
+      </p:sp>
+      <p:sp>
+        <p:nvSpPr>
+          <p:cNvPr id="17" name="Arrow: Curved Up 16">
+            <a:extLst>
+              <a:ext uri="{FF2B5EF4-FFF2-40B4-BE49-F238E27FC236}">
+                <a16:creationId xmlns:a16="http://schemas.microsoft.com/office/drawing/2014/main" id="{6E79EB2E-19E0-4C65-8A41-A6F4AA705BD3}"/>
+              </a:ext>
+            </a:extLst>
+          </p:cNvPr>
+          <p:cNvSpPr/>
+          <p:nvPr/>
+        </p:nvSpPr>
+        <p:spPr>
+          <a:xfrm>
+            <a:off x="1685925" y="4357687"/>
+            <a:ext cx="5629275" cy="1099583"/>
+          </a:xfrm>
+          <a:prstGeom prst="curvedUpArrow">
+            <a:avLst/>
+          </a:prstGeom>
+        </p:spPr>
+        <p:style>
+          <a:lnRef idx="2">
+            <a:schemeClr val="accent1">
+              <a:shade val="50000"/>
+            </a:schemeClr>
+          </a:lnRef>
+          <a:fillRef idx="1">
+            <a:schemeClr val="accent1"/>
+          </a:fillRef>
+          <a:effectRef idx="0">
+            <a:schemeClr val="accent1"/>
+          </a:effectRef>
+          <a:fontRef idx="minor">
+            <a:schemeClr val="lt1"/>
+          </a:fontRef>
+        </p:style>
+        <p:txBody>
+          <a:bodyPr rtlCol="0" anchor="ctr"/>
+          <a:lstStyle/>
+          <a:p>
+            <a:pPr algn="ctr"/>
+            <a:endParaRPr lang="en-AU" dirty="0">
+              <a:solidFill>
+                <a:schemeClr val="tx1"/>
+              </a:solidFill>
+            </a:endParaRPr>
+          </a:p>
+        </p:txBody>
+      </p:sp>
+      <p:sp>
+        <p:nvSpPr>
+          <p:cNvPr id="18" name="TextBox 17">
+            <a:extLst>
+              <a:ext uri="{FF2B5EF4-FFF2-40B4-BE49-F238E27FC236}">
+                <a16:creationId xmlns:a16="http://schemas.microsoft.com/office/drawing/2014/main" id="{D9FD5A2C-31E0-4B72-940F-CF0E8C16EF33}"/>
+              </a:ext>
+            </a:extLst>
+          </p:cNvPr>
+          <p:cNvSpPr txBox="1"/>
+          <p:nvPr/>
+        </p:nvSpPr>
+        <p:spPr>
+          <a:xfrm>
+            <a:off x="3386138" y="5591304"/>
+            <a:ext cx="2471737" cy="646331"/>
+          </a:xfrm>
+          <a:prstGeom prst="rect">
+            <a:avLst/>
+          </a:prstGeom>
+          <a:noFill/>
+        </p:spPr>
+        <p:txBody>
+          <a:bodyPr wrap="square" rtlCol="0">
+            <a:spAutoFit/>
+          </a:bodyPr>
+          <a:lstStyle/>
+          <a:p>
+            <a:r>
+              <a:rPr lang="en-AU" dirty="0"/>
+              <a:t>Level of interpretability</a:t>
+            </a:r>
+          </a:p>
+          <a:p>
+            <a:r>
+              <a:rPr lang="en-AU" dirty="0"/>
+              <a:t>KPI thresholds</a:t>
+            </a:r>
+          </a:p>
+        </p:txBody>
+      </p:sp>
+      <p:sp>
+        <p:nvSpPr>
+          <p:cNvPr id="19" name="Arrow: Curved Up 18">
+            <a:extLst>
+              <a:ext uri="{FF2B5EF4-FFF2-40B4-BE49-F238E27FC236}">
+                <a16:creationId xmlns:a16="http://schemas.microsoft.com/office/drawing/2014/main" id="{5EF7A0CB-BA70-49FA-8F91-4075EDFD93B4}"/>
+              </a:ext>
+            </a:extLst>
+          </p:cNvPr>
+          <p:cNvSpPr/>
+          <p:nvPr/>
+        </p:nvSpPr>
+        <p:spPr>
+          <a:xfrm>
+            <a:off x="1685925" y="4357686"/>
+            <a:ext cx="3057525" cy="1099583"/>
+          </a:xfrm>
+          <a:prstGeom prst="curvedUpArrow">
+            <a:avLst/>
+          </a:prstGeom>
+        </p:spPr>
+        <p:style>
+          <a:lnRef idx="2">
+            <a:schemeClr val="accent1">
+              <a:shade val="50000"/>
+            </a:schemeClr>
+          </a:lnRef>
+          <a:fillRef idx="1">
+            <a:schemeClr val="accent1"/>
+          </a:fillRef>
+          <a:effectRef idx="0">
+            <a:schemeClr val="accent1"/>
+          </a:effectRef>
+          <a:fontRef idx="minor">
+            <a:schemeClr val="lt1"/>
+          </a:fontRef>
+        </p:style>
+        <p:txBody>
+          <a:bodyPr rtlCol="0" anchor="ctr"/>
+          <a:lstStyle/>
+          <a:p>
+            <a:pPr algn="ctr"/>
+            <a:endParaRPr lang="en-AU" dirty="0">
+              <a:solidFill>
+                <a:schemeClr val="tx1"/>
+              </a:solidFill>
+            </a:endParaRPr>
+          </a:p>
+        </p:txBody>
+      </p:sp>
+      <p:sp>
+        <p:nvSpPr>
+          <p:cNvPr id="20" name="TextBox 19">
+            <a:extLst>
+              <a:ext uri="{FF2B5EF4-FFF2-40B4-BE49-F238E27FC236}">
+                <a16:creationId xmlns:a16="http://schemas.microsoft.com/office/drawing/2014/main" id="{89E4B215-6A80-4FA2-9656-D17B7FDB9874}"/>
+              </a:ext>
+            </a:extLst>
+          </p:cNvPr>
+          <p:cNvSpPr txBox="1"/>
+          <p:nvPr/>
+        </p:nvSpPr>
+        <p:spPr>
+          <a:xfrm>
+            <a:off x="3624263" y="2982010"/>
+            <a:ext cx="2471737" cy="646331"/>
+          </a:xfrm>
+          <a:prstGeom prst="rect">
+            <a:avLst/>
+          </a:prstGeom>
+          <a:noFill/>
+        </p:spPr>
+        <p:txBody>
+          <a:bodyPr wrap="square" rtlCol="0">
+            <a:spAutoFit/>
+          </a:bodyPr>
+          <a:lstStyle/>
+          <a:p>
+            <a:r>
+              <a:rPr lang="en-AU" dirty="0"/>
+              <a:t>??</a:t>
+            </a:r>
+          </a:p>
+          <a:p>
+            <a:endParaRPr lang="en-AU" dirty="0"/>
+          </a:p>
+        </p:txBody>
+      </p:sp>
+      <p:sp>
+        <p:nvSpPr>
+          <p:cNvPr id="22" name="Arrow: U-Turn 21">
+            <a:extLst>
+              <a:ext uri="{FF2B5EF4-FFF2-40B4-BE49-F238E27FC236}">
+                <a16:creationId xmlns:a16="http://schemas.microsoft.com/office/drawing/2014/main" id="{3DEFA7E2-DB0C-43C0-8078-E4F04CD785D5}"/>
+              </a:ext>
+            </a:extLst>
+          </p:cNvPr>
+          <p:cNvSpPr/>
+          <p:nvPr/>
+        </p:nvSpPr>
+        <p:spPr>
+          <a:xfrm>
+            <a:off x="4500562" y="3095625"/>
+            <a:ext cx="1595438" cy="532716"/>
+          </a:xfrm>
+          <a:prstGeom prst="uturnArrow">
+            <a:avLst/>
+          </a:prstGeom>
+        </p:spPr>
+        <p:style>
+          <a:lnRef idx="2">
+            <a:schemeClr val="accent1">
+              <a:shade val="50000"/>
+            </a:schemeClr>
+          </a:lnRef>
+          <a:fillRef idx="1">
+            <a:schemeClr val="accent1"/>
+          </a:fillRef>
+          <a:effectRef idx="0">
+            <a:schemeClr val="accent1"/>
+          </a:effectRef>
+          <a:fontRef idx="minor">
+            <a:schemeClr val="lt1"/>
+          </a:fontRef>
+        </p:style>
+        <p:txBody>
+          <a:bodyPr rtlCol="0" anchor="ctr"/>
+          <a:lstStyle/>
+          <a:p>
+            <a:pPr algn="ctr"/>
+            <a:endParaRPr lang="en-AU">
+              <a:solidFill>
+                <a:schemeClr val="tx1"/>
+              </a:solidFill>
+            </a:endParaRPr>
+          </a:p>
+        </p:txBody>
+      </p:sp>
+      <p:sp>
+        <p:nvSpPr>
+          <p:cNvPr id="23" name="Arrow: U-Turn 22">
+            <a:extLst>
+              <a:ext uri="{FF2B5EF4-FFF2-40B4-BE49-F238E27FC236}">
+                <a16:creationId xmlns:a16="http://schemas.microsoft.com/office/drawing/2014/main" id="{BFDF283E-F624-4516-A9BE-160867AF1F37}"/>
+              </a:ext>
+            </a:extLst>
+          </p:cNvPr>
+          <p:cNvSpPr/>
+          <p:nvPr/>
+        </p:nvSpPr>
+        <p:spPr>
+          <a:xfrm>
+            <a:off x="4500562" y="3095625"/>
+            <a:ext cx="5157788" cy="532716"/>
+          </a:xfrm>
+          <a:prstGeom prst="uturnArrow">
+            <a:avLst/>
+          </a:prstGeom>
+        </p:spPr>
+        <p:style>
+          <a:lnRef idx="2">
+            <a:schemeClr val="accent1">
+              <a:shade val="50000"/>
+            </a:schemeClr>
+          </a:lnRef>
+          <a:fillRef idx="1">
+            <a:schemeClr val="accent1"/>
+          </a:fillRef>
+          <a:effectRef idx="0">
+            <a:schemeClr val="accent1"/>
+          </a:effectRef>
+          <a:fontRef idx="minor">
+            <a:schemeClr val="lt1"/>
+          </a:fontRef>
+        </p:style>
+        <p:txBody>
+          <a:bodyPr rtlCol="0" anchor="ctr"/>
+          <a:lstStyle/>
+          <a:p>
+            <a:pPr algn="ctr"/>
+            <a:endParaRPr lang="en-AU">
+              <a:solidFill>
+                <a:schemeClr val="tx1"/>
+              </a:solidFill>
+            </a:endParaRPr>
+          </a:p>
+        </p:txBody>
+      </p:sp>
+      <p:sp>
+        <p:nvSpPr>
+          <p:cNvPr id="24" name="Arrow: U-Turn 23">
+            <a:extLst>
+              <a:ext uri="{FF2B5EF4-FFF2-40B4-BE49-F238E27FC236}">
+                <a16:creationId xmlns:a16="http://schemas.microsoft.com/office/drawing/2014/main" id="{C0196BFC-A169-4EA2-8F6A-7E6440E9B999}"/>
+              </a:ext>
+            </a:extLst>
+          </p:cNvPr>
+          <p:cNvSpPr/>
+          <p:nvPr/>
+        </p:nvSpPr>
+        <p:spPr>
+          <a:xfrm>
+            <a:off x="4500562" y="3095624"/>
+            <a:ext cx="6186488" cy="532716"/>
+          </a:xfrm>
+          <a:prstGeom prst="uturnArrow">
+            <a:avLst/>
+          </a:prstGeom>
+        </p:spPr>
+        <p:style>
+          <a:lnRef idx="2">
+            <a:schemeClr val="accent1">
+              <a:shade val="50000"/>
+            </a:schemeClr>
+          </a:lnRef>
+          <a:fillRef idx="1">
+            <a:schemeClr val="accent1"/>
+          </a:fillRef>
+          <a:effectRef idx="0">
+            <a:schemeClr val="accent1"/>
+          </a:effectRef>
+          <a:fontRef idx="minor">
+            <a:schemeClr val="lt1"/>
+          </a:fontRef>
+        </p:style>
+        <p:txBody>
+          <a:bodyPr rtlCol="0" anchor="ctr"/>
+          <a:lstStyle/>
+          <a:p>
+            <a:pPr algn="ctr"/>
+            <a:endParaRPr lang="en-AU">
+              <a:solidFill>
+                <a:schemeClr val="tx1"/>
+              </a:solidFill>
+            </a:endParaRPr>
+          </a:p>
+        </p:txBody>
+      </p:sp>
+    </p:spTree>
+    <p:extLst>
+      <p:ext uri="{BB962C8B-B14F-4D97-AF65-F5344CB8AC3E}">
+        <p14:creationId xmlns:p14="http://schemas.microsoft.com/office/powerpoint/2010/main" val="2791687609"/>
       </p:ext>
     </p:extLst>
   </p:cSld>

--- a/Problem Formulation & EDA.pptx
+++ b/Problem Formulation & EDA.pptx
@@ -5,18 +5,24 @@
     <p:sldMasterId id="2147483648" r:id="rId1"/>
   </p:sldMasterIdLst>
   <p:notesMasterIdLst>
-    <p:notesMasterId r:id="rId11"/>
+    <p:notesMasterId r:id="rId17"/>
   </p:notesMasterIdLst>
   <p:sldIdLst>
     <p:sldId id="256" r:id="rId2"/>
     <p:sldId id="257" r:id="rId3"/>
     <p:sldId id="258" r:id="rId4"/>
-    <p:sldId id="259" r:id="rId5"/>
-    <p:sldId id="260" r:id="rId6"/>
-    <p:sldId id="261" r:id="rId7"/>
-    <p:sldId id="263" r:id="rId8"/>
-    <p:sldId id="262" r:id="rId9"/>
-    <p:sldId id="264" r:id="rId10"/>
+    <p:sldId id="265" r:id="rId5"/>
+    <p:sldId id="259" r:id="rId6"/>
+    <p:sldId id="260" r:id="rId7"/>
+    <p:sldId id="261" r:id="rId8"/>
+    <p:sldId id="267" r:id="rId9"/>
+    <p:sldId id="270" r:id="rId10"/>
+    <p:sldId id="266" r:id="rId11"/>
+    <p:sldId id="268" r:id="rId12"/>
+    <p:sldId id="269" r:id="rId13"/>
+    <p:sldId id="263" r:id="rId14"/>
+    <p:sldId id="262" r:id="rId15"/>
+    <p:sldId id="264" r:id="rId16"/>
   </p:sldIdLst>
   <p:sldSz cx="12192000" cy="6858000"/>
   <p:notesSz cx="6858000" cy="9144000"/>
@@ -205,7 +211,7 @@
           <a:p>
             <a:fld id="{1107AAAD-A763-4B86-A2B7-07FBDE9BAB75}" type="datetimeFigureOut">
               <a:rPr lang="en-AU" smtClean="0"/>
-              <a:t>8/08/2021</a:t>
+              <a:t>10/08/2021</a:t>
             </a:fld>
             <a:endParaRPr lang="en-AU"/>
           </a:p>
@@ -729,71 +735,7 @@
           <a:bodyPr/>
           <a:lstStyle/>
           <a:p>
-            <a:r>
-              <a:rPr lang="en-AU" dirty="0"/>
-              <a:t>If this step isn’t done, most of the time down the road what you are going to find is that low level details will start to drive your high-level decisions.</a:t>
-            </a:r>
-          </a:p>
-          <a:p>
-            <a:r>
-              <a:rPr lang="en-AU" dirty="0"/>
-              <a:t>Personal journey, I used to be very impulsive when a new task/project came my way</a:t>
-            </a:r>
-          </a:p>
-          <a:p>
-            <a:r>
-              <a:rPr lang="en-AU" dirty="0"/>
-              <a:t>Example:</a:t>
-            </a:r>
-          </a:p>
-          <a:p>
             <a:endParaRPr lang="en-AU" dirty="0"/>
-          </a:p>
-          <a:p>
-            <a:r>
-              <a:rPr lang="en-AU" dirty="0"/>
-              <a:t>I need to price a portfolio</a:t>
-            </a:r>
-          </a:p>
-          <a:p>
-            <a:r>
-              <a:rPr lang="en-AU" dirty="0"/>
-              <a:t>Screw problem formulation</a:t>
-            </a:r>
-          </a:p>
-          <a:p>
-            <a:r>
-              <a:rPr lang="en-AU" dirty="0"/>
-              <a:t>I open </a:t>
-            </a:r>
-            <a:r>
-              <a:rPr lang="en-AU" dirty="0" err="1"/>
-              <a:t>vscode</a:t>
-            </a:r>
-            <a:r>
-              <a:rPr lang="en-AU" dirty="0"/>
-              <a:t>, I take policy data, I take claims data, I left join</a:t>
-            </a:r>
-          </a:p>
-          <a:p>
-            <a:r>
-              <a:rPr lang="en-AU" dirty="0"/>
-              <a:t>I take my favourite package </a:t>
-            </a:r>
-            <a:r>
-              <a:rPr lang="en-AU" dirty="0" err="1"/>
-              <a:t>sklearn</a:t>
-            </a:r>
-            <a:r>
-              <a:rPr lang="en-AU" dirty="0"/>
-              <a:t>, and chuck any regressor over it</a:t>
-            </a:r>
-          </a:p>
-          <a:p>
-            <a:r>
-              <a:rPr lang="en-AU" dirty="0"/>
-              <a:t>If I am lucky my RMSE is reasonable </a:t>
-            </a:r>
           </a:p>
         </p:txBody>
       </p:sp>
@@ -823,7 +765,7 @@
     </p:spTree>
     <p:extLst>
       <p:ext uri="{BB962C8B-B14F-4D97-AF65-F5344CB8AC3E}">
-        <p14:creationId xmlns:p14="http://schemas.microsoft.com/office/powerpoint/2010/main" val="3618881604"/>
+        <p14:creationId xmlns:p14="http://schemas.microsoft.com/office/powerpoint/2010/main" val="2436337380"/>
       </p:ext>
     </p:extLst>
   </p:cSld>
@@ -879,13 +821,19 @@
           <a:p>
             <a:r>
               <a:rPr lang="en-AU" dirty="0"/>
-              <a:t>Let’s be honest, not all data science problems involve a model. But for the purposes of this presentation let’s assume that they do.</a:t>
+              <a:t>If this step isn’t done, most of the time down the road what you are going to find is that low level details will start to drive your high-level decisions.</a:t>
             </a:r>
           </a:p>
           <a:p>
             <a:r>
               <a:rPr lang="en-AU" dirty="0"/>
-              <a:t>Deliverables could be a set of prices, a dashboard, a word doc report of analyses on a certain issue, or a combination of these.</a:t>
+              <a:t>Personal journey, I used to be very impulsive when a new task/project came my way</a:t>
+            </a:r>
+          </a:p>
+          <a:p>
+            <a:r>
+              <a:rPr lang="en-AU" dirty="0"/>
+              <a:t>Example:</a:t>
             </a:r>
           </a:p>
           <a:p>
@@ -894,176 +842,48 @@
           <a:p>
             <a:r>
               <a:rPr lang="en-AU" dirty="0"/>
-              <a:t>(3) May depend on the scale of the project, but it is </a:t>
-            </a:r>
-          </a:p>
-          <a:p>
-            <a:endParaRPr lang="en-AU" dirty="0"/>
-          </a:p>
-          <a:p>
-            <a:pPr algn="l">
-              <a:buFont typeface="Arial" panose="020B0604020202020204" pitchFamily="34" charset="0"/>
-              <a:buChar char="•"/>
-            </a:pPr>
-            <a:r>
-              <a:rPr lang="en-GB" b="1" i="0" dirty="0">
-                <a:solidFill>
-                  <a:srgbClr val="292929"/>
-                </a:solidFill>
-                <a:effectLst/>
-                <a:latin typeface="charter"/>
-              </a:rPr>
-              <a:t>“The problem P. . .”: </a:t>
-            </a:r>
-            <a:r>
-              <a:rPr lang="en-GB" b="0" i="0" dirty="0">
-                <a:solidFill>
-                  <a:srgbClr val="292929"/>
-                </a:solidFill>
-                <a:effectLst/>
-                <a:latin typeface="charter"/>
-              </a:rPr>
-              <a:t>Here insert the problem as defined by the company.</a:t>
-            </a:r>
-          </a:p>
-          <a:p>
-            <a:pPr algn="l">
-              <a:buFont typeface="Arial" panose="020B0604020202020204" pitchFamily="34" charset="0"/>
-              <a:buChar char="•"/>
-            </a:pPr>
-            <a:r>
-              <a:rPr lang="en-GB" b="1" i="0" dirty="0">
-                <a:solidFill>
-                  <a:srgbClr val="292929"/>
-                </a:solidFill>
-                <a:effectLst/>
-                <a:latin typeface="charter"/>
-              </a:rPr>
-              <a:t>“. . . has the impact I .” </a:t>
-            </a:r>
-            <a:r>
-              <a:rPr lang="en-GB" b="0" i="0" dirty="0">
-                <a:solidFill>
-                  <a:srgbClr val="292929"/>
-                </a:solidFill>
-                <a:effectLst/>
-                <a:latin typeface="charter"/>
-              </a:rPr>
-              <a:t>Insert the negative impacts/pain points of the problem.</a:t>
-            </a:r>
-          </a:p>
-          <a:p>
-            <a:pPr algn="l">
-              <a:buFont typeface="Arial" panose="020B0604020202020204" pitchFamily="34" charset="0"/>
-              <a:buChar char="•"/>
-            </a:pPr>
-            <a:r>
-              <a:rPr lang="en-GB" b="1" i="0" dirty="0">
-                <a:solidFill>
-                  <a:srgbClr val="292929"/>
-                </a:solidFill>
-                <a:effectLst/>
-                <a:latin typeface="charter"/>
-              </a:rPr>
-              <a:t>“. . . which affects B. . .” </a:t>
-            </a:r>
-            <a:r>
-              <a:rPr lang="en-GB" b="0" i="0" dirty="0">
-                <a:solidFill>
-                  <a:srgbClr val="292929"/>
-                </a:solidFill>
-                <a:effectLst/>
-                <a:latin typeface="charter"/>
-              </a:rPr>
-              <a:t>Insert the parties that are affected. IT could be the business, the customers or a third party.</a:t>
-            </a:r>
-          </a:p>
-          <a:p>
-            <a:pPr algn="l">
-              <a:buFont typeface="Arial" panose="020B0604020202020204" pitchFamily="34" charset="0"/>
-              <a:buChar char="•"/>
-            </a:pPr>
-            <a:r>
-              <a:rPr lang="en-GB" b="1" i="0" dirty="0">
-                <a:solidFill>
-                  <a:srgbClr val="292929"/>
-                </a:solidFill>
-                <a:effectLst/>
-                <a:latin typeface="charter"/>
-              </a:rPr>
-              <a:t>“…,so a good starting point would be S.” </a:t>
-            </a:r>
-            <a:r>
-              <a:rPr lang="en-GB" b="0" i="0" dirty="0">
-                <a:solidFill>
-                  <a:srgbClr val="292929"/>
-                </a:solidFill>
-                <a:effectLst/>
-                <a:latin typeface="charter"/>
-              </a:rPr>
-              <a:t>Insert the benefits of solving the problem.</a:t>
-            </a:r>
-          </a:p>
-          <a:p>
-            <a:pPr algn="l">
-              <a:buFont typeface="Arial" panose="020B0604020202020204" pitchFamily="34" charset="0"/>
-              <a:buChar char="•"/>
-            </a:pPr>
-            <a:endParaRPr lang="en-GB" b="0" i="0" dirty="0">
-              <a:solidFill>
-                <a:srgbClr val="292929"/>
-              </a:solidFill>
-              <a:effectLst/>
-              <a:latin typeface="charter"/>
-            </a:endParaRPr>
-          </a:p>
-          <a:p>
-            <a:pPr algn="l">
-              <a:buFont typeface="Arial" panose="020B0604020202020204" pitchFamily="34" charset="0"/>
-              <a:buChar char="•"/>
-            </a:pPr>
-            <a:r>
-              <a:rPr lang="en-GB" b="0" i="0" dirty="0">
-                <a:solidFill>
-                  <a:srgbClr val="292929"/>
-                </a:solidFill>
-                <a:effectLst/>
-                <a:latin typeface="charter"/>
-              </a:rPr>
-              <a:t>Extend this not just to the results but interpretability requirements as well. What kind of statements do I need to be able to make at the end of the day?</a:t>
-            </a:r>
-          </a:p>
-          <a:p>
-            <a:pPr algn="l">
-              <a:buFont typeface="Arial" panose="020B0604020202020204" pitchFamily="34" charset="0"/>
-              <a:buChar char="•"/>
-            </a:pPr>
-            <a:endParaRPr lang="en-GB" b="0" i="0" dirty="0">
-              <a:solidFill>
-                <a:srgbClr val="292929"/>
-              </a:solidFill>
-              <a:effectLst/>
-              <a:latin typeface="charter"/>
-            </a:endParaRPr>
-          </a:p>
-          <a:p>
-            <a:pPr algn="l">
-              <a:buFont typeface="Arial" panose="020B0604020202020204" pitchFamily="34" charset="0"/>
-              <a:buChar char="•"/>
-            </a:pPr>
-            <a:r>
-              <a:rPr lang="en-GB" b="0" i="0" dirty="0">
-                <a:solidFill>
-                  <a:srgbClr val="292929"/>
-                </a:solidFill>
-                <a:effectLst/>
-                <a:latin typeface="charter"/>
-              </a:rPr>
-              <a:t>Ideally not every step in problem formulation and EDA will directly feed into the decisions in the next, but as we will see later, some do.</a:t>
-            </a:r>
-          </a:p>
-          <a:p>
-            <a:endParaRPr lang="en-AU" dirty="0"/>
+              <a:t>I need to price a portfolio</a:t>
+            </a:r>
+          </a:p>
+          <a:p>
+            <a:r>
+              <a:rPr lang="en-AU" dirty="0"/>
+              <a:t>Screw problem formulation</a:t>
+            </a:r>
+          </a:p>
+          <a:p>
+            <a:r>
+              <a:rPr lang="en-AU" dirty="0"/>
+              <a:t>I open </a:t>
+            </a:r>
+            <a:r>
+              <a:rPr lang="en-AU" dirty="0" err="1"/>
+              <a:t>vscode</a:t>
+            </a:r>
+            <a:r>
+              <a:rPr lang="en-AU" dirty="0"/>
+              <a:t>, I take policy data, I take claims data, I left join</a:t>
+            </a:r>
+          </a:p>
+          <a:p>
+            <a:r>
+              <a:rPr lang="en-AU" dirty="0"/>
+              <a:t>I take my favourite package </a:t>
+            </a:r>
+            <a:r>
+              <a:rPr lang="en-AU" dirty="0" err="1"/>
+              <a:t>sklearn</a:t>
+            </a:r>
+            <a:r>
+              <a:rPr lang="en-AU" dirty="0"/>
+              <a:t>, and chuck any regressor over it</a:t>
+            </a:r>
+          </a:p>
+          <a:p>
+            <a:r>
+              <a:rPr lang="en-AU" dirty="0"/>
+              <a:t>If I am lucky my RMSE is reasonable </a:t>
+            </a:r>
           </a:p>
         </p:txBody>
       </p:sp>
@@ -1093,7 +913,7 @@
     </p:spTree>
     <p:extLst>
       <p:ext uri="{BB962C8B-B14F-4D97-AF65-F5344CB8AC3E}">
-        <p14:creationId xmlns:p14="http://schemas.microsoft.com/office/powerpoint/2010/main" val="3527621951"/>
+        <p14:creationId xmlns:p14="http://schemas.microsoft.com/office/powerpoint/2010/main" val="3618881604"/>
       </p:ext>
     </p:extLst>
   </p:cSld>
@@ -1149,22 +969,191 @@
           <a:p>
             <a:r>
               <a:rPr lang="en-AU" dirty="0"/>
-              <a:t>Here, we open the old </a:t>
-            </a:r>
-            <a:r>
-              <a:rPr lang="en-AU" dirty="0" err="1"/>
-              <a:t>aiforsea</a:t>
-            </a:r>
+              <a:t>Let’s be honest, not all data science problems involve a model. But for the purposes of this presentation let’s assume that they do.</a:t>
+            </a:r>
+          </a:p>
+          <a:p>
             <a:r>
               <a:rPr lang="en-AU" dirty="0"/>
-              <a:t> project and go through an example of how useful EDA is for a future reference.</a:t>
-            </a:r>
+              <a:t>Deliverables could be a set of prices, a dashboard, a word doc report of analyses on a certain issue, or a combination of these.</a:t>
+            </a:r>
+          </a:p>
+          <a:p>
+            <a:endParaRPr lang="en-AU" dirty="0"/>
           </a:p>
           <a:p>
             <a:r>
               <a:rPr lang="en-AU" dirty="0"/>
-              <a:t>For heavy excel users, think of it this way. Doing up a model without any EDA is like doing all the spreadsheet workings, then copy pasting as values and saving over it.</a:t>
-            </a:r>
+              <a:t>(3) May depend on the scale of the project, but it is </a:t>
+            </a:r>
+          </a:p>
+          <a:p>
+            <a:endParaRPr lang="en-AU" dirty="0"/>
+          </a:p>
+          <a:p>
+            <a:pPr algn="l">
+              <a:buFont typeface="Arial" panose="020B0604020202020204" pitchFamily="34" charset="0"/>
+              <a:buChar char="•"/>
+            </a:pPr>
+            <a:r>
+              <a:rPr lang="en-GB" b="1" i="0" dirty="0">
+                <a:solidFill>
+                  <a:srgbClr val="292929"/>
+                </a:solidFill>
+                <a:effectLst/>
+                <a:latin typeface="charter"/>
+              </a:rPr>
+              <a:t>“The problem P. . .”: </a:t>
+            </a:r>
+            <a:r>
+              <a:rPr lang="en-GB" b="0" i="0" dirty="0">
+                <a:solidFill>
+                  <a:srgbClr val="292929"/>
+                </a:solidFill>
+                <a:effectLst/>
+                <a:latin typeface="charter"/>
+              </a:rPr>
+              <a:t>Here insert the problem as defined by the company.</a:t>
+            </a:r>
+          </a:p>
+          <a:p>
+            <a:pPr algn="l">
+              <a:buFont typeface="Arial" panose="020B0604020202020204" pitchFamily="34" charset="0"/>
+              <a:buChar char="•"/>
+            </a:pPr>
+            <a:r>
+              <a:rPr lang="en-GB" b="1" i="0" dirty="0">
+                <a:solidFill>
+                  <a:srgbClr val="292929"/>
+                </a:solidFill>
+                <a:effectLst/>
+                <a:latin typeface="charter"/>
+              </a:rPr>
+              <a:t>“. . . has the impact I .” </a:t>
+            </a:r>
+            <a:r>
+              <a:rPr lang="en-GB" b="0" i="0" dirty="0">
+                <a:solidFill>
+                  <a:srgbClr val="292929"/>
+                </a:solidFill>
+                <a:effectLst/>
+                <a:latin typeface="charter"/>
+              </a:rPr>
+              <a:t>Insert the negative impacts/pain points of the problem.</a:t>
+            </a:r>
+          </a:p>
+          <a:p>
+            <a:pPr algn="l">
+              <a:buFont typeface="Arial" panose="020B0604020202020204" pitchFamily="34" charset="0"/>
+              <a:buChar char="•"/>
+            </a:pPr>
+            <a:r>
+              <a:rPr lang="en-GB" b="1" i="0" dirty="0">
+                <a:solidFill>
+                  <a:srgbClr val="292929"/>
+                </a:solidFill>
+                <a:effectLst/>
+                <a:latin typeface="charter"/>
+              </a:rPr>
+              <a:t>“. . . which affects B. . .” </a:t>
+            </a:r>
+            <a:r>
+              <a:rPr lang="en-GB" b="0" i="0" dirty="0">
+                <a:solidFill>
+                  <a:srgbClr val="292929"/>
+                </a:solidFill>
+                <a:effectLst/>
+                <a:latin typeface="charter"/>
+              </a:rPr>
+              <a:t>Insert the parties that are affected. IT could be the business, the customers or a third party.</a:t>
+            </a:r>
+          </a:p>
+          <a:p>
+            <a:pPr algn="l">
+              <a:buFont typeface="Arial" panose="020B0604020202020204" pitchFamily="34" charset="0"/>
+              <a:buChar char="•"/>
+            </a:pPr>
+            <a:r>
+              <a:rPr lang="en-GB" b="1" i="0" dirty="0">
+                <a:solidFill>
+                  <a:srgbClr val="292929"/>
+                </a:solidFill>
+                <a:effectLst/>
+                <a:latin typeface="charter"/>
+              </a:rPr>
+              <a:t>“…,so a good starting point would be S.” </a:t>
+            </a:r>
+            <a:r>
+              <a:rPr lang="en-GB" b="0" i="0" dirty="0">
+                <a:solidFill>
+                  <a:srgbClr val="292929"/>
+                </a:solidFill>
+                <a:effectLst/>
+                <a:latin typeface="charter"/>
+              </a:rPr>
+              <a:t>Insert the benefits of solving the problem.</a:t>
+            </a:r>
+          </a:p>
+          <a:p>
+            <a:pPr algn="l">
+              <a:buFont typeface="Arial" panose="020B0604020202020204" pitchFamily="34" charset="0"/>
+              <a:buChar char="•"/>
+            </a:pPr>
+            <a:endParaRPr lang="en-GB" b="0" i="0" dirty="0">
+              <a:solidFill>
+                <a:srgbClr val="292929"/>
+              </a:solidFill>
+              <a:effectLst/>
+              <a:latin typeface="charter"/>
+            </a:endParaRPr>
+          </a:p>
+          <a:p>
+            <a:pPr algn="l">
+              <a:buFont typeface="Arial" panose="020B0604020202020204" pitchFamily="34" charset="0"/>
+              <a:buChar char="•"/>
+            </a:pPr>
+            <a:r>
+              <a:rPr lang="en-GB" b="0" i="0" dirty="0">
+                <a:solidFill>
+                  <a:srgbClr val="292929"/>
+                </a:solidFill>
+                <a:effectLst/>
+                <a:latin typeface="charter"/>
+              </a:rPr>
+              <a:t>Extend this not just to the results but interpretability requirements as well. What kind of statements do I need to be able to make at the end of the day?</a:t>
+            </a:r>
+          </a:p>
+          <a:p>
+            <a:pPr algn="l">
+              <a:buFont typeface="Arial" panose="020B0604020202020204" pitchFamily="34" charset="0"/>
+              <a:buChar char="•"/>
+            </a:pPr>
+            <a:endParaRPr lang="en-GB" b="0" i="0" dirty="0">
+              <a:solidFill>
+                <a:srgbClr val="292929"/>
+              </a:solidFill>
+              <a:effectLst/>
+              <a:latin typeface="charter"/>
+            </a:endParaRPr>
+          </a:p>
+          <a:p>
+            <a:pPr algn="l">
+              <a:buFont typeface="Arial" panose="020B0604020202020204" pitchFamily="34" charset="0"/>
+              <a:buChar char="•"/>
+            </a:pPr>
+            <a:r>
+              <a:rPr lang="en-GB" b="0" i="0" dirty="0">
+                <a:solidFill>
+                  <a:srgbClr val="292929"/>
+                </a:solidFill>
+                <a:effectLst/>
+                <a:latin typeface="charter"/>
+              </a:rPr>
+              <a:t>Ideally not every step in problem formulation and EDA will directly feed into the decisions in the next, but as we will see later, some do.</a:t>
+            </a:r>
+          </a:p>
+          <a:p>
+            <a:endParaRPr lang="en-AU" dirty="0"/>
           </a:p>
         </p:txBody>
       </p:sp>
@@ -1194,7 +1183,7 @@
     </p:spTree>
     <p:extLst>
       <p:ext uri="{BB962C8B-B14F-4D97-AF65-F5344CB8AC3E}">
-        <p14:creationId xmlns:p14="http://schemas.microsoft.com/office/powerpoint/2010/main" val="63757804"/>
+        <p14:creationId xmlns:p14="http://schemas.microsoft.com/office/powerpoint/2010/main" val="3527621951"/>
       </p:ext>
     </p:extLst>
   </p:cSld>
@@ -1248,6 +1237,209 @@
           <a:bodyPr/>
           <a:lstStyle/>
           <a:p>
+            <a:r>
+              <a:rPr lang="en-AU" dirty="0"/>
+              <a:t>Even if you are dealing with the same dataset, a different problem will force a new perspective on it.</a:t>
+            </a:r>
+          </a:p>
+          <a:p>
+            <a:endParaRPr lang="en-AU" dirty="0"/>
+          </a:p>
+          <a:p>
+            <a:endParaRPr lang="en-AU" dirty="0"/>
+          </a:p>
+          <a:p>
+            <a:endParaRPr lang="en-AU" dirty="0"/>
+          </a:p>
+          <a:p>
+            <a:r>
+              <a:rPr lang="en-AU" dirty="0"/>
+              <a:t>Here, we open the old </a:t>
+            </a:r>
+            <a:r>
+              <a:rPr lang="en-AU" dirty="0" err="1"/>
+              <a:t>aiforsea</a:t>
+            </a:r>
+            <a:r>
+              <a:rPr lang="en-AU" dirty="0"/>
+              <a:t> project and go through an example of how useful EDA is for a future reference.</a:t>
+            </a:r>
+          </a:p>
+          <a:p>
+            <a:r>
+              <a:rPr lang="en-AU" dirty="0"/>
+              <a:t>For heavy excel users, think of it this way. Doing up a model without any EDA is like doing all the spreadsheet workings, then copy pasting as values and saving over it.</a:t>
+            </a:r>
+          </a:p>
+        </p:txBody>
+      </p:sp>
+      <p:sp>
+        <p:nvSpPr>
+          <p:cNvPr id="4" name="Slide Number Placeholder 3"/>
+          <p:cNvSpPr>
+            <a:spLocks noGrp="1"/>
+          </p:cNvSpPr>
+          <p:nvPr>
+            <p:ph type="sldNum" sz="quarter" idx="5"/>
+          </p:nvPr>
+        </p:nvSpPr>
+        <p:spPr/>
+        <p:txBody>
+          <a:bodyPr/>
+          <a:lstStyle/>
+          <a:p>
+            <a:fld id="{75394A9C-DD77-468F-899D-B535CEE43AF3}" type="slidenum">
+              <a:rPr lang="en-AU" smtClean="0"/>
+              <a:t>7</a:t>
+            </a:fld>
+            <a:endParaRPr lang="en-AU"/>
+          </a:p>
+        </p:txBody>
+      </p:sp>
+    </p:spTree>
+    <p:extLst>
+      <p:ext uri="{BB962C8B-B14F-4D97-AF65-F5344CB8AC3E}">
+        <p14:creationId xmlns:p14="http://schemas.microsoft.com/office/powerpoint/2010/main" val="63757804"/>
+      </p:ext>
+    </p:extLst>
+  </p:cSld>
+  <p:clrMapOvr>
+    <a:masterClrMapping/>
+  </p:clrMapOvr>
+</p:notes>
+</file>
+
+<file path=ppt/notesSlides/notesSlide7.xml><?xml version="1.0" encoding="utf-8"?>
+<p:notes xmlns:a="http://schemas.openxmlformats.org/drawingml/2006/main" xmlns:r="http://schemas.openxmlformats.org/officeDocument/2006/relationships" xmlns:p="http://schemas.openxmlformats.org/presentationml/2006/main">
+  <p:cSld>
+    <p:spTree>
+      <p:nvGrpSpPr>
+        <p:cNvPr id="1" name=""/>
+        <p:cNvGrpSpPr/>
+        <p:nvPr/>
+      </p:nvGrpSpPr>
+      <p:grpSpPr>
+        <a:xfrm>
+          <a:off x="0" y="0"/>
+          <a:ext cx="0" cy="0"/>
+          <a:chOff x="0" y="0"/>
+          <a:chExt cx="0" cy="0"/>
+        </a:xfrm>
+      </p:grpSpPr>
+      <p:sp>
+        <p:nvSpPr>
+          <p:cNvPr id="2" name="Slide Image Placeholder 1"/>
+          <p:cNvSpPr>
+            <a:spLocks noGrp="1" noRot="1" noChangeAspect="1"/>
+          </p:cNvSpPr>
+          <p:nvPr>
+            <p:ph type="sldImg"/>
+          </p:nvPr>
+        </p:nvSpPr>
+        <p:spPr/>
+      </p:sp>
+      <p:sp>
+        <p:nvSpPr>
+          <p:cNvPr id="3" name="Notes Placeholder 2"/>
+          <p:cNvSpPr>
+            <a:spLocks noGrp="1"/>
+          </p:cNvSpPr>
+          <p:nvPr>
+            <p:ph type="body" idx="1"/>
+          </p:nvPr>
+        </p:nvSpPr>
+        <p:spPr/>
+        <p:txBody>
+          <a:bodyPr/>
+          <a:lstStyle/>
+          <a:p>
+            <a:r>
+              <a:rPr lang="en-AU" dirty="0"/>
+              <a:t>Of course a DS brownbag will not be DS brownbag without an example</a:t>
+            </a:r>
+          </a:p>
+        </p:txBody>
+      </p:sp>
+      <p:sp>
+        <p:nvSpPr>
+          <p:cNvPr id="4" name="Slide Number Placeholder 3"/>
+          <p:cNvSpPr>
+            <a:spLocks noGrp="1"/>
+          </p:cNvSpPr>
+          <p:nvPr>
+            <p:ph type="sldNum" sz="quarter" idx="5"/>
+          </p:nvPr>
+        </p:nvSpPr>
+        <p:spPr/>
+        <p:txBody>
+          <a:bodyPr/>
+          <a:lstStyle/>
+          <a:p>
+            <a:fld id="{75394A9C-DD77-468F-899D-B535CEE43AF3}" type="slidenum">
+              <a:rPr lang="en-AU" smtClean="0"/>
+              <a:t>8</a:t>
+            </a:fld>
+            <a:endParaRPr lang="en-AU"/>
+          </a:p>
+        </p:txBody>
+      </p:sp>
+    </p:spTree>
+    <p:extLst>
+      <p:ext uri="{BB962C8B-B14F-4D97-AF65-F5344CB8AC3E}">
+        <p14:creationId xmlns:p14="http://schemas.microsoft.com/office/powerpoint/2010/main" val="1490642159"/>
+      </p:ext>
+    </p:extLst>
+  </p:cSld>
+  <p:clrMapOvr>
+    <a:masterClrMapping/>
+  </p:clrMapOvr>
+</p:notes>
+</file>
+
+<file path=ppt/notesSlides/notesSlide8.xml><?xml version="1.0" encoding="utf-8"?>
+<p:notes xmlns:a="http://schemas.openxmlformats.org/drawingml/2006/main" xmlns:r="http://schemas.openxmlformats.org/officeDocument/2006/relationships" xmlns:p="http://schemas.openxmlformats.org/presentationml/2006/main">
+  <p:cSld>
+    <p:spTree>
+      <p:nvGrpSpPr>
+        <p:cNvPr id="1" name=""/>
+        <p:cNvGrpSpPr/>
+        <p:nvPr/>
+      </p:nvGrpSpPr>
+      <p:grpSpPr>
+        <a:xfrm>
+          <a:off x="0" y="0"/>
+          <a:ext cx="0" cy="0"/>
+          <a:chOff x="0" y="0"/>
+          <a:chExt cx="0" cy="0"/>
+        </a:xfrm>
+      </p:grpSpPr>
+      <p:sp>
+        <p:nvSpPr>
+          <p:cNvPr id="2" name="Slide Image Placeholder 1"/>
+          <p:cNvSpPr>
+            <a:spLocks noGrp="1" noRot="1" noChangeAspect="1"/>
+          </p:cNvSpPr>
+          <p:nvPr>
+            <p:ph type="sldImg"/>
+          </p:nvPr>
+        </p:nvSpPr>
+        <p:spPr/>
+      </p:sp>
+      <p:sp>
+        <p:nvSpPr>
+          <p:cNvPr id="3" name="Notes Placeholder 2"/>
+          <p:cNvSpPr>
+            <a:spLocks noGrp="1"/>
+          </p:cNvSpPr>
+          <p:nvPr>
+            <p:ph type="body" idx="1"/>
+          </p:nvPr>
+        </p:nvSpPr>
+        <p:spPr/>
+        <p:txBody>
+          <a:bodyPr/>
+          <a:lstStyle/>
+          <a:p>
             <a:pPr algn="l" fontAlgn="base"/>
             <a:r>
               <a:rPr lang="en-GB" b="0" i="0" dirty="0">
@@ -1591,7 +1783,7 @@
           <a:p>
             <a:fld id="{75394A9C-DD77-468F-899D-B535CEE43AF3}" type="slidenum">
               <a:rPr lang="en-AU" smtClean="0"/>
-              <a:t>7</a:t>
+              <a:t>13</a:t>
             </a:fld>
             <a:endParaRPr lang="en-AU"/>
           </a:p>
@@ -1759,7 +1951,7 @@
           <a:p>
             <a:fld id="{88AE2C35-0D28-4825-98D7-B391AF6BD3F5}" type="datetimeFigureOut">
               <a:rPr lang="en-AU" smtClean="0"/>
-              <a:t>8/08/2021</a:t>
+              <a:t>10/08/2021</a:t>
             </a:fld>
             <a:endParaRPr lang="en-AU"/>
           </a:p>
@@ -1959,7 +2151,7 @@
           <a:p>
             <a:fld id="{88AE2C35-0D28-4825-98D7-B391AF6BD3F5}" type="datetimeFigureOut">
               <a:rPr lang="en-AU" smtClean="0"/>
-              <a:t>8/08/2021</a:t>
+              <a:t>10/08/2021</a:t>
             </a:fld>
             <a:endParaRPr lang="en-AU"/>
           </a:p>
@@ -2169,7 +2361,7 @@
           <a:p>
             <a:fld id="{88AE2C35-0D28-4825-98D7-B391AF6BD3F5}" type="datetimeFigureOut">
               <a:rPr lang="en-AU" smtClean="0"/>
-              <a:t>8/08/2021</a:t>
+              <a:t>10/08/2021</a:t>
             </a:fld>
             <a:endParaRPr lang="en-AU"/>
           </a:p>
@@ -2369,7 +2561,7 @@
           <a:p>
             <a:fld id="{88AE2C35-0D28-4825-98D7-B391AF6BD3F5}" type="datetimeFigureOut">
               <a:rPr lang="en-AU" smtClean="0"/>
-              <a:t>8/08/2021</a:t>
+              <a:t>10/08/2021</a:t>
             </a:fld>
             <a:endParaRPr lang="en-AU"/>
           </a:p>
@@ -2645,7 +2837,7 @@
           <a:p>
             <a:fld id="{88AE2C35-0D28-4825-98D7-B391AF6BD3F5}" type="datetimeFigureOut">
               <a:rPr lang="en-AU" smtClean="0"/>
-              <a:t>8/08/2021</a:t>
+              <a:t>10/08/2021</a:t>
             </a:fld>
             <a:endParaRPr lang="en-AU"/>
           </a:p>
@@ -2913,7 +3105,7 @@
           <a:p>
             <a:fld id="{88AE2C35-0D28-4825-98D7-B391AF6BD3F5}" type="datetimeFigureOut">
               <a:rPr lang="en-AU" smtClean="0"/>
-              <a:t>8/08/2021</a:t>
+              <a:t>10/08/2021</a:t>
             </a:fld>
             <a:endParaRPr lang="en-AU"/>
           </a:p>
@@ -3328,7 +3520,7 @@
           <a:p>
             <a:fld id="{88AE2C35-0D28-4825-98D7-B391AF6BD3F5}" type="datetimeFigureOut">
               <a:rPr lang="en-AU" smtClean="0"/>
-              <a:t>8/08/2021</a:t>
+              <a:t>10/08/2021</a:t>
             </a:fld>
             <a:endParaRPr lang="en-AU"/>
           </a:p>
@@ -3470,7 +3662,7 @@
           <a:p>
             <a:fld id="{88AE2C35-0D28-4825-98D7-B391AF6BD3F5}" type="datetimeFigureOut">
               <a:rPr lang="en-AU" smtClean="0"/>
-              <a:t>8/08/2021</a:t>
+              <a:t>10/08/2021</a:t>
             </a:fld>
             <a:endParaRPr lang="en-AU"/>
           </a:p>
@@ -3583,7 +3775,7 @@
           <a:p>
             <a:fld id="{88AE2C35-0D28-4825-98D7-B391AF6BD3F5}" type="datetimeFigureOut">
               <a:rPr lang="en-AU" smtClean="0"/>
-              <a:t>8/08/2021</a:t>
+              <a:t>10/08/2021</a:t>
             </a:fld>
             <a:endParaRPr lang="en-AU"/>
           </a:p>
@@ -3896,7 +4088,7 @@
           <a:p>
             <a:fld id="{88AE2C35-0D28-4825-98D7-B391AF6BD3F5}" type="datetimeFigureOut">
               <a:rPr lang="en-AU" smtClean="0"/>
-              <a:t>8/08/2021</a:t>
+              <a:t>10/08/2021</a:t>
             </a:fld>
             <a:endParaRPr lang="en-AU"/>
           </a:p>
@@ -4185,7 +4377,7 @@
           <a:p>
             <a:fld id="{88AE2C35-0D28-4825-98D7-B391AF6BD3F5}" type="datetimeFigureOut">
               <a:rPr lang="en-AU" smtClean="0"/>
-              <a:t>8/08/2021</a:t>
+              <a:t>10/08/2021</a:t>
             </a:fld>
             <a:endParaRPr lang="en-AU"/>
           </a:p>
@@ -4428,7 +4620,7 @@
           <a:p>
             <a:fld id="{88AE2C35-0D28-4825-98D7-B391AF6BD3F5}" type="datetimeFigureOut">
               <a:rPr lang="en-AU" smtClean="0"/>
-              <a:t>8/08/2021</a:t>
+              <a:t>10/08/2021</a:t>
             </a:fld>
             <a:endParaRPr lang="en-AU"/>
           </a:p>
@@ -4911,6 +5103,1035 @@
 </p:sld>
 </file>
 
+<file path=ppt/slides/slide10.xml><?xml version="1.0" encoding="utf-8"?>
+<p:sld xmlns:a="http://schemas.openxmlformats.org/drawingml/2006/main" xmlns:r="http://schemas.openxmlformats.org/officeDocument/2006/relationships" xmlns:p="http://schemas.openxmlformats.org/presentationml/2006/main">
+  <p:cSld>
+    <p:spTree>
+      <p:nvGrpSpPr>
+        <p:cNvPr id="1" name=""/>
+        <p:cNvGrpSpPr/>
+        <p:nvPr/>
+      </p:nvGrpSpPr>
+      <p:grpSpPr>
+        <a:xfrm>
+          <a:off x="0" y="0"/>
+          <a:ext cx="0" cy="0"/>
+          <a:chOff x="0" y="0"/>
+          <a:chExt cx="0" cy="0"/>
+        </a:xfrm>
+      </p:grpSpPr>
+      <p:sp>
+        <p:nvSpPr>
+          <p:cNvPr id="2" name="Title 1">
+            <a:extLst>
+              <a:ext uri="{FF2B5EF4-FFF2-40B4-BE49-F238E27FC236}">
+                <a16:creationId xmlns:a16="http://schemas.microsoft.com/office/drawing/2014/main" id="{65465530-CAB9-4FD6-8525-0A767E11E104}"/>
+              </a:ext>
+            </a:extLst>
+          </p:cNvPr>
+          <p:cNvSpPr>
+            <a:spLocks noGrp="1"/>
+          </p:cNvSpPr>
+          <p:nvPr>
+            <p:ph type="title"/>
+          </p:nvPr>
+        </p:nvSpPr>
+        <p:spPr/>
+        <p:txBody>
+          <a:bodyPr/>
+          <a:lstStyle/>
+          <a:p>
+            <a:r>
+              <a:rPr lang="en-AU" dirty="0"/>
+              <a:t>Class Imbalance and suspicious results</a:t>
+            </a:r>
+          </a:p>
+        </p:txBody>
+      </p:sp>
+      <p:sp>
+        <p:nvSpPr>
+          <p:cNvPr id="3" name="Content Placeholder 2">
+            <a:extLst>
+              <a:ext uri="{FF2B5EF4-FFF2-40B4-BE49-F238E27FC236}">
+                <a16:creationId xmlns:a16="http://schemas.microsoft.com/office/drawing/2014/main" id="{416ACB70-FB68-415C-B2F4-B6E75AAA0FEB}"/>
+              </a:ext>
+            </a:extLst>
+          </p:cNvPr>
+          <p:cNvSpPr>
+            <a:spLocks noGrp="1"/>
+          </p:cNvSpPr>
+          <p:nvPr>
+            <p:ph idx="1"/>
+          </p:nvPr>
+        </p:nvSpPr>
+        <p:spPr/>
+        <p:txBody>
+          <a:bodyPr/>
+          <a:lstStyle/>
+          <a:p>
+            <a:endParaRPr lang="en-AU"/>
+          </a:p>
+        </p:txBody>
+      </p:sp>
+    </p:spTree>
+    <p:extLst>
+      <p:ext uri="{BB962C8B-B14F-4D97-AF65-F5344CB8AC3E}">
+        <p14:creationId xmlns:p14="http://schemas.microsoft.com/office/powerpoint/2010/main" val="3304551928"/>
+      </p:ext>
+    </p:extLst>
+  </p:cSld>
+  <p:clrMapOvr>
+    <a:masterClrMapping/>
+  </p:clrMapOvr>
+</p:sld>
+</file>
+
+<file path=ppt/slides/slide11.xml><?xml version="1.0" encoding="utf-8"?>
+<p:sld xmlns:a="http://schemas.openxmlformats.org/drawingml/2006/main" xmlns:r="http://schemas.openxmlformats.org/officeDocument/2006/relationships" xmlns:p="http://schemas.openxmlformats.org/presentationml/2006/main">
+  <p:cSld>
+    <p:spTree>
+      <p:nvGrpSpPr>
+        <p:cNvPr id="1" name=""/>
+        <p:cNvGrpSpPr/>
+        <p:nvPr/>
+      </p:nvGrpSpPr>
+      <p:grpSpPr>
+        <a:xfrm>
+          <a:off x="0" y="0"/>
+          <a:ext cx="0" cy="0"/>
+          <a:chOff x="0" y="0"/>
+          <a:chExt cx="0" cy="0"/>
+        </a:xfrm>
+      </p:grpSpPr>
+      <p:sp>
+        <p:nvSpPr>
+          <p:cNvPr id="2" name="Title 1">
+            <a:extLst>
+              <a:ext uri="{FF2B5EF4-FFF2-40B4-BE49-F238E27FC236}">
+                <a16:creationId xmlns:a16="http://schemas.microsoft.com/office/drawing/2014/main" id="{C5D0DE2F-6D81-4C17-A822-05399AD057BD}"/>
+              </a:ext>
+            </a:extLst>
+          </p:cNvPr>
+          <p:cNvSpPr>
+            <a:spLocks noGrp="1"/>
+          </p:cNvSpPr>
+          <p:nvPr>
+            <p:ph type="title"/>
+          </p:nvPr>
+        </p:nvSpPr>
+        <p:spPr/>
+        <p:txBody>
+          <a:bodyPr/>
+          <a:lstStyle/>
+          <a:p>
+            <a:r>
+              <a:rPr lang="en-AU" dirty="0"/>
+              <a:t>Let’s definitely try this</a:t>
+            </a:r>
+          </a:p>
+        </p:txBody>
+      </p:sp>
+      <p:sp>
+        <p:nvSpPr>
+          <p:cNvPr id="3" name="Content Placeholder 2">
+            <a:extLst>
+              <a:ext uri="{FF2B5EF4-FFF2-40B4-BE49-F238E27FC236}">
+                <a16:creationId xmlns:a16="http://schemas.microsoft.com/office/drawing/2014/main" id="{8B634CAC-C865-4095-8760-302523954686}"/>
+              </a:ext>
+            </a:extLst>
+          </p:cNvPr>
+          <p:cNvSpPr>
+            <a:spLocks noGrp="1"/>
+          </p:cNvSpPr>
+          <p:nvPr>
+            <p:ph idx="1"/>
+          </p:nvPr>
+        </p:nvSpPr>
+        <p:spPr/>
+        <p:txBody>
+          <a:bodyPr/>
+          <a:lstStyle/>
+          <a:p>
+            <a:endParaRPr lang="en-AU"/>
+          </a:p>
+        </p:txBody>
+      </p:sp>
+    </p:spTree>
+    <p:extLst>
+      <p:ext uri="{BB962C8B-B14F-4D97-AF65-F5344CB8AC3E}">
+        <p14:creationId xmlns:p14="http://schemas.microsoft.com/office/powerpoint/2010/main" val="1858896438"/>
+      </p:ext>
+    </p:extLst>
+  </p:cSld>
+  <p:clrMapOvr>
+    <a:masterClrMapping/>
+  </p:clrMapOvr>
+</p:sld>
+</file>
+
+<file path=ppt/slides/slide12.xml><?xml version="1.0" encoding="utf-8"?>
+<p:sld xmlns:a="http://schemas.openxmlformats.org/drawingml/2006/main" xmlns:r="http://schemas.openxmlformats.org/officeDocument/2006/relationships" xmlns:p="http://schemas.openxmlformats.org/presentationml/2006/main">
+  <p:cSld>
+    <p:spTree>
+      <p:nvGrpSpPr>
+        <p:cNvPr id="1" name=""/>
+        <p:cNvGrpSpPr/>
+        <p:nvPr/>
+      </p:nvGrpSpPr>
+      <p:grpSpPr>
+        <a:xfrm>
+          <a:off x="0" y="0"/>
+          <a:ext cx="0" cy="0"/>
+          <a:chOff x="0" y="0"/>
+          <a:chExt cx="0" cy="0"/>
+        </a:xfrm>
+      </p:grpSpPr>
+      <p:sp>
+        <p:nvSpPr>
+          <p:cNvPr id="2" name="Title 1">
+            <a:extLst>
+              <a:ext uri="{FF2B5EF4-FFF2-40B4-BE49-F238E27FC236}">
+                <a16:creationId xmlns:a16="http://schemas.microsoft.com/office/drawing/2014/main" id="{E5F6F1FA-4353-4E78-A7B3-4A4B7884F471}"/>
+              </a:ext>
+            </a:extLst>
+          </p:cNvPr>
+          <p:cNvSpPr>
+            <a:spLocks noGrp="1"/>
+          </p:cNvSpPr>
+          <p:nvPr>
+            <p:ph type="title"/>
+          </p:nvPr>
+        </p:nvSpPr>
+        <p:spPr/>
+        <p:txBody>
+          <a:bodyPr/>
+          <a:lstStyle/>
+          <a:p>
+            <a:r>
+              <a:rPr lang="en-AU" dirty="0"/>
+              <a:t>Let’s maybe not include this</a:t>
+            </a:r>
+          </a:p>
+        </p:txBody>
+      </p:sp>
+      <p:sp>
+        <p:nvSpPr>
+          <p:cNvPr id="3" name="Content Placeholder 2">
+            <a:extLst>
+              <a:ext uri="{FF2B5EF4-FFF2-40B4-BE49-F238E27FC236}">
+                <a16:creationId xmlns:a16="http://schemas.microsoft.com/office/drawing/2014/main" id="{41621D0E-8F16-4EAA-ADCB-D9B92A322BF4}"/>
+              </a:ext>
+            </a:extLst>
+          </p:cNvPr>
+          <p:cNvSpPr>
+            <a:spLocks noGrp="1"/>
+          </p:cNvSpPr>
+          <p:nvPr>
+            <p:ph idx="1"/>
+          </p:nvPr>
+        </p:nvSpPr>
+        <p:spPr/>
+        <p:txBody>
+          <a:bodyPr/>
+          <a:lstStyle/>
+          <a:p>
+            <a:endParaRPr lang="en-AU"/>
+          </a:p>
+        </p:txBody>
+      </p:sp>
+    </p:spTree>
+    <p:extLst>
+      <p:ext uri="{BB962C8B-B14F-4D97-AF65-F5344CB8AC3E}">
+        <p14:creationId xmlns:p14="http://schemas.microsoft.com/office/powerpoint/2010/main" val="603438729"/>
+      </p:ext>
+    </p:extLst>
+  </p:cSld>
+  <p:clrMapOvr>
+    <a:masterClrMapping/>
+  </p:clrMapOvr>
+</p:sld>
+</file>
+
+<file path=ppt/slides/slide13.xml><?xml version="1.0" encoding="utf-8"?>
+<p:sld xmlns:a="http://schemas.openxmlformats.org/drawingml/2006/main" xmlns:r="http://schemas.openxmlformats.org/officeDocument/2006/relationships" xmlns:p="http://schemas.openxmlformats.org/presentationml/2006/main">
+  <p:cSld>
+    <p:spTree>
+      <p:nvGrpSpPr>
+        <p:cNvPr id="1" name=""/>
+        <p:cNvGrpSpPr/>
+        <p:nvPr/>
+      </p:nvGrpSpPr>
+      <p:grpSpPr>
+        <a:xfrm>
+          <a:off x="0" y="0"/>
+          <a:ext cx="0" cy="0"/>
+          <a:chOff x="0" y="0"/>
+          <a:chExt cx="0" cy="0"/>
+        </a:xfrm>
+      </p:grpSpPr>
+      <p:sp>
+        <p:nvSpPr>
+          <p:cNvPr id="2" name="Title 1">
+            <a:extLst>
+              <a:ext uri="{FF2B5EF4-FFF2-40B4-BE49-F238E27FC236}">
+                <a16:creationId xmlns:a16="http://schemas.microsoft.com/office/drawing/2014/main" id="{D70239AA-CFA7-47C4-A1EA-57159D42A2B6}"/>
+              </a:ext>
+            </a:extLst>
+          </p:cNvPr>
+          <p:cNvSpPr>
+            <a:spLocks noGrp="1"/>
+          </p:cNvSpPr>
+          <p:nvPr>
+            <p:ph type="title"/>
+          </p:nvPr>
+        </p:nvSpPr>
+        <p:spPr/>
+        <p:txBody>
+          <a:bodyPr/>
+          <a:lstStyle/>
+          <a:p>
+            <a:r>
+              <a:rPr lang="en-AU" dirty="0"/>
+              <a:t>Outliers and scaling</a:t>
+            </a:r>
+          </a:p>
+        </p:txBody>
+      </p:sp>
+      <p:sp>
+        <p:nvSpPr>
+          <p:cNvPr id="3" name="Content Placeholder 2">
+            <a:extLst>
+              <a:ext uri="{FF2B5EF4-FFF2-40B4-BE49-F238E27FC236}">
+                <a16:creationId xmlns:a16="http://schemas.microsoft.com/office/drawing/2014/main" id="{03199408-7B90-4275-9417-824F79462D4B}"/>
+              </a:ext>
+            </a:extLst>
+          </p:cNvPr>
+          <p:cNvSpPr>
+            <a:spLocks noGrp="1"/>
+          </p:cNvSpPr>
+          <p:nvPr>
+            <p:ph idx="1"/>
+          </p:nvPr>
+        </p:nvSpPr>
+        <p:spPr/>
+        <p:txBody>
+          <a:bodyPr>
+            <a:normAutofit/>
+          </a:bodyPr>
+          <a:lstStyle/>
+          <a:p>
+            <a:pPr lvl="1"/>
+            <a:r>
+              <a:rPr lang="en-AU" dirty="0"/>
+              <a:t>Can be determined from either .describe() or scatter matrices</a:t>
+            </a:r>
+          </a:p>
+          <a:p>
+            <a:pPr lvl="1"/>
+            <a:r>
+              <a:rPr lang="en-AU" dirty="0"/>
+              <a:t>Do we need it?</a:t>
+            </a:r>
+          </a:p>
+          <a:p>
+            <a:pPr lvl="1"/>
+            <a:r>
+              <a:rPr lang="en-AU" dirty="0"/>
+              <a:t>Which algorithm should we use, and do we need to scale our data? (technically yes, it is always good practice)</a:t>
+            </a:r>
+          </a:p>
+          <a:p>
+            <a:pPr lvl="1"/>
+            <a:r>
+              <a:rPr lang="en-AU" dirty="0"/>
+              <a:t>How do we want to scale our data?</a:t>
+            </a:r>
+          </a:p>
+          <a:p>
+            <a:pPr lvl="1"/>
+            <a:endParaRPr lang="en-AU" dirty="0"/>
+          </a:p>
+        </p:txBody>
+      </p:sp>
+    </p:spTree>
+    <p:extLst>
+      <p:ext uri="{BB962C8B-B14F-4D97-AF65-F5344CB8AC3E}">
+        <p14:creationId xmlns:p14="http://schemas.microsoft.com/office/powerpoint/2010/main" val="1525833955"/>
+      </p:ext>
+    </p:extLst>
+  </p:cSld>
+  <p:clrMapOvr>
+    <a:masterClrMapping/>
+  </p:clrMapOvr>
+</p:sld>
+</file>
+
+<file path=ppt/slides/slide14.xml><?xml version="1.0" encoding="utf-8"?>
+<p:sld xmlns:a="http://schemas.openxmlformats.org/drawingml/2006/main" xmlns:r="http://schemas.openxmlformats.org/officeDocument/2006/relationships" xmlns:p="http://schemas.openxmlformats.org/presentationml/2006/main">
+  <p:cSld>
+    <p:spTree>
+      <p:nvGrpSpPr>
+        <p:cNvPr id="1" name=""/>
+        <p:cNvGrpSpPr/>
+        <p:nvPr/>
+      </p:nvGrpSpPr>
+      <p:grpSpPr>
+        <a:xfrm>
+          <a:off x="0" y="0"/>
+          <a:ext cx="0" cy="0"/>
+          <a:chOff x="0" y="0"/>
+          <a:chExt cx="0" cy="0"/>
+        </a:xfrm>
+      </p:grpSpPr>
+      <p:sp>
+        <p:nvSpPr>
+          <p:cNvPr id="2" name="Title 1">
+            <a:extLst>
+              <a:ext uri="{FF2B5EF4-FFF2-40B4-BE49-F238E27FC236}">
+                <a16:creationId xmlns:a16="http://schemas.microsoft.com/office/drawing/2014/main" id="{1285CEAA-2848-4F5B-9A9F-0EF6AC6AC432}"/>
+              </a:ext>
+            </a:extLst>
+          </p:cNvPr>
+          <p:cNvSpPr>
+            <a:spLocks noGrp="1"/>
+          </p:cNvSpPr>
+          <p:nvPr>
+            <p:ph type="title"/>
+          </p:nvPr>
+        </p:nvSpPr>
+        <p:spPr/>
+        <p:txBody>
+          <a:bodyPr/>
+          <a:lstStyle/>
+          <a:p>
+            <a:r>
+              <a:rPr lang="en-AU" dirty="0"/>
+              <a:t>EDA framework</a:t>
+            </a:r>
+          </a:p>
+        </p:txBody>
+      </p:sp>
+      <p:sp>
+        <p:nvSpPr>
+          <p:cNvPr id="3" name="Content Placeholder 2">
+            <a:extLst>
+              <a:ext uri="{FF2B5EF4-FFF2-40B4-BE49-F238E27FC236}">
+                <a16:creationId xmlns:a16="http://schemas.microsoft.com/office/drawing/2014/main" id="{FDFDB44C-0499-49BE-82CD-A85AD0DF5E30}"/>
+              </a:ext>
+            </a:extLst>
+          </p:cNvPr>
+          <p:cNvSpPr>
+            <a:spLocks noGrp="1"/>
+          </p:cNvSpPr>
+          <p:nvPr>
+            <p:ph idx="1"/>
+          </p:nvPr>
+        </p:nvSpPr>
+        <p:spPr/>
+        <p:txBody>
+          <a:bodyPr>
+            <a:normAutofit/>
+          </a:bodyPr>
+          <a:lstStyle/>
+          <a:p>
+            <a:pPr marL="514350" indent="-514350" algn="just">
+              <a:buAutoNum type="arabicPeriod"/>
+            </a:pPr>
+            <a:r>
+              <a:rPr lang="en-AU" dirty="0">
+                <a:solidFill>
+                  <a:srgbClr val="7E7E7E"/>
+                </a:solidFill>
+                <a:latin typeface="Poppins"/>
+              </a:rPr>
+              <a:t>Clustering (optional)</a:t>
+            </a:r>
+            <a:endParaRPr lang="en-AU" b="0" i="0" dirty="0">
+              <a:solidFill>
+                <a:srgbClr val="7E7E7E"/>
+              </a:solidFill>
+              <a:effectLst/>
+              <a:latin typeface="Poppins"/>
+            </a:endParaRPr>
+          </a:p>
+          <a:p>
+            <a:pPr marL="514350" indent="-514350" algn="just">
+              <a:buAutoNum type="arabicPeriod"/>
+            </a:pPr>
+            <a:r>
+              <a:rPr lang="en-AU" b="0" i="0" dirty="0">
+                <a:solidFill>
+                  <a:srgbClr val="7E7E7E"/>
+                </a:solidFill>
+                <a:effectLst/>
+                <a:latin typeface="Poppins"/>
+              </a:rPr>
+              <a:t>.describe()</a:t>
+            </a:r>
+          </a:p>
+          <a:p>
+            <a:pPr marL="514350" indent="-514350" algn="just">
+              <a:buAutoNum type="arabicPeriod"/>
+            </a:pPr>
+            <a:r>
+              <a:rPr lang="en-AU" dirty="0">
+                <a:solidFill>
+                  <a:srgbClr val="7E7E7E"/>
+                </a:solidFill>
+                <a:latin typeface="Poppins"/>
+              </a:rPr>
+              <a:t>.</a:t>
+            </a:r>
+            <a:r>
+              <a:rPr lang="en-AU" dirty="0" err="1">
+                <a:solidFill>
+                  <a:srgbClr val="7E7E7E"/>
+                </a:solidFill>
+                <a:latin typeface="Poppins"/>
+              </a:rPr>
+              <a:t>agg</a:t>
+            </a:r>
+            <a:r>
+              <a:rPr lang="en-AU" dirty="0">
+                <a:solidFill>
+                  <a:srgbClr val="7E7E7E"/>
+                </a:solidFill>
+                <a:latin typeface="Poppins"/>
+              </a:rPr>
+              <a:t>()</a:t>
+            </a:r>
+          </a:p>
+          <a:p>
+            <a:pPr marL="514350" indent="-514350" algn="just">
+              <a:buAutoNum type="arabicPeriod"/>
+            </a:pPr>
+            <a:r>
+              <a:rPr lang="en-AU" b="0" i="0" dirty="0" err="1">
+                <a:solidFill>
+                  <a:srgbClr val="7E7E7E"/>
+                </a:solidFill>
+                <a:effectLst/>
+                <a:latin typeface="Poppins"/>
+              </a:rPr>
+              <a:t>Pd.qcut</a:t>
+            </a:r>
+            <a:r>
+              <a:rPr lang="en-AU" b="0" i="0" dirty="0">
+                <a:solidFill>
+                  <a:srgbClr val="7E7E7E"/>
+                </a:solidFill>
+                <a:effectLst/>
+                <a:latin typeface="Poppins"/>
+              </a:rPr>
+              <a:t>()</a:t>
+            </a:r>
+          </a:p>
+          <a:p>
+            <a:pPr marL="514350" indent="-514350" algn="just">
+              <a:buAutoNum type="arabicPeriod"/>
+            </a:pPr>
+            <a:r>
+              <a:rPr lang="en-AU" dirty="0">
+                <a:solidFill>
+                  <a:srgbClr val="7E7E7E"/>
+                </a:solidFill>
+                <a:latin typeface="Poppins"/>
+              </a:rPr>
+              <a:t>Scatter matrix with cluster labels</a:t>
+            </a:r>
+          </a:p>
+          <a:p>
+            <a:pPr marL="514350" indent="-514350" algn="just">
+              <a:buAutoNum type="arabicPeriod"/>
+            </a:pPr>
+            <a:r>
+              <a:rPr lang="en-AU" b="0" i="0" dirty="0">
+                <a:solidFill>
+                  <a:srgbClr val="7E7E7E"/>
+                </a:solidFill>
+                <a:effectLst/>
+                <a:latin typeface="Poppins"/>
+              </a:rPr>
+              <a:t>It is not necessarily linear</a:t>
+            </a:r>
+            <a:r>
+              <a:rPr lang="en-AU" dirty="0">
+                <a:solidFill>
+                  <a:srgbClr val="7E7E7E"/>
+                </a:solidFill>
+                <a:latin typeface="Poppins"/>
+              </a:rPr>
+              <a:t>, more iterative</a:t>
+            </a:r>
+          </a:p>
+          <a:p>
+            <a:pPr marL="514350" indent="-514350" algn="just">
+              <a:buAutoNum type="arabicPeriod"/>
+            </a:pPr>
+            <a:r>
+              <a:rPr lang="en-AU" b="0" i="0" dirty="0">
+                <a:solidFill>
+                  <a:srgbClr val="7E7E7E"/>
+                </a:solidFill>
+                <a:effectLst/>
+                <a:latin typeface="Poppins"/>
+              </a:rPr>
+              <a:t>Pa</a:t>
+            </a:r>
+            <a:r>
+              <a:rPr lang="en-AU" dirty="0">
+                <a:solidFill>
+                  <a:srgbClr val="7E7E7E"/>
+                </a:solidFill>
+                <a:latin typeface="Poppins"/>
+              </a:rPr>
+              <a:t>ndas profiling</a:t>
+            </a:r>
+            <a:endParaRPr lang="en-AU" b="0" i="0" dirty="0">
+              <a:solidFill>
+                <a:srgbClr val="7E7E7E"/>
+              </a:solidFill>
+              <a:effectLst/>
+              <a:latin typeface="Poppins"/>
+            </a:endParaRPr>
+          </a:p>
+        </p:txBody>
+      </p:sp>
+    </p:spTree>
+    <p:extLst>
+      <p:ext uri="{BB962C8B-B14F-4D97-AF65-F5344CB8AC3E}">
+        <p14:creationId xmlns:p14="http://schemas.microsoft.com/office/powerpoint/2010/main" val="1658470203"/>
+      </p:ext>
+    </p:extLst>
+  </p:cSld>
+  <p:clrMapOvr>
+    <a:masterClrMapping/>
+  </p:clrMapOvr>
+</p:sld>
+</file>
+
+<file path=ppt/slides/slide15.xml><?xml version="1.0" encoding="utf-8"?>
+<p:sld xmlns:a="http://schemas.openxmlformats.org/drawingml/2006/main" xmlns:r="http://schemas.openxmlformats.org/officeDocument/2006/relationships" xmlns:p="http://schemas.openxmlformats.org/presentationml/2006/main">
+  <p:cSld>
+    <p:spTree>
+      <p:nvGrpSpPr>
+        <p:cNvPr id="1" name=""/>
+        <p:cNvGrpSpPr/>
+        <p:nvPr/>
+      </p:nvGrpSpPr>
+      <p:grpSpPr>
+        <a:xfrm>
+          <a:off x="0" y="0"/>
+          <a:ext cx="0" cy="0"/>
+          <a:chOff x="0" y="0"/>
+          <a:chExt cx="0" cy="0"/>
+        </a:xfrm>
+      </p:grpSpPr>
+      <p:sp>
+        <p:nvSpPr>
+          <p:cNvPr id="2" name="Title 1">
+            <a:extLst>
+              <a:ext uri="{FF2B5EF4-FFF2-40B4-BE49-F238E27FC236}">
+                <a16:creationId xmlns:a16="http://schemas.microsoft.com/office/drawing/2014/main" id="{2ADC7E0C-CB65-4CA7-8948-8DB68E900A6B}"/>
+              </a:ext>
+            </a:extLst>
+          </p:cNvPr>
+          <p:cNvSpPr>
+            <a:spLocks noGrp="1"/>
+          </p:cNvSpPr>
+          <p:nvPr>
+            <p:ph type="title"/>
+          </p:nvPr>
+        </p:nvSpPr>
+        <p:spPr/>
+        <p:txBody>
+          <a:bodyPr/>
+          <a:lstStyle/>
+          <a:p>
+            <a:r>
+              <a:rPr lang="en-AU" dirty="0"/>
+              <a:t>Summary</a:t>
+            </a:r>
+          </a:p>
+        </p:txBody>
+      </p:sp>
+      <p:sp>
+        <p:nvSpPr>
+          <p:cNvPr id="5" name="TextBox 4">
+            <a:extLst>
+              <a:ext uri="{FF2B5EF4-FFF2-40B4-BE49-F238E27FC236}">
+                <a16:creationId xmlns:a16="http://schemas.microsoft.com/office/drawing/2014/main" id="{00112385-DF1D-42A7-809F-30E8BB4D1D1B}"/>
+              </a:ext>
+            </a:extLst>
+          </p:cNvPr>
+          <p:cNvSpPr txBox="1"/>
+          <p:nvPr/>
+        </p:nvSpPr>
+        <p:spPr>
+          <a:xfrm>
+            <a:off x="838200" y="3762375"/>
+            <a:ext cx="10306050" cy="369332"/>
+          </a:xfrm>
+          <a:prstGeom prst="rect">
+            <a:avLst/>
+          </a:prstGeom>
+          <a:noFill/>
+        </p:spPr>
+        <p:txBody>
+          <a:bodyPr wrap="square">
+            <a:spAutoFit/>
+          </a:bodyPr>
+          <a:lstStyle/>
+          <a:p>
+            <a:r>
+              <a:rPr lang="en-AU" dirty="0"/>
+              <a:t>Define problem -&gt; collect -&gt; clean -&gt; EDA -&gt; feature engineer -&gt; model -&gt; validate/test -&gt; present -&gt; monitor</a:t>
+            </a:r>
+          </a:p>
+        </p:txBody>
+      </p:sp>
+      <p:sp>
+        <p:nvSpPr>
+          <p:cNvPr id="17" name="Arrow: Curved Up 16">
+            <a:extLst>
+              <a:ext uri="{FF2B5EF4-FFF2-40B4-BE49-F238E27FC236}">
+                <a16:creationId xmlns:a16="http://schemas.microsoft.com/office/drawing/2014/main" id="{6E79EB2E-19E0-4C65-8A41-A6F4AA705BD3}"/>
+              </a:ext>
+            </a:extLst>
+          </p:cNvPr>
+          <p:cNvSpPr/>
+          <p:nvPr/>
+        </p:nvSpPr>
+        <p:spPr>
+          <a:xfrm>
+            <a:off x="1685925" y="4357687"/>
+            <a:ext cx="5629275" cy="1099583"/>
+          </a:xfrm>
+          <a:prstGeom prst="curvedUpArrow">
+            <a:avLst/>
+          </a:prstGeom>
+        </p:spPr>
+        <p:style>
+          <a:lnRef idx="2">
+            <a:schemeClr val="accent1">
+              <a:shade val="50000"/>
+            </a:schemeClr>
+          </a:lnRef>
+          <a:fillRef idx="1">
+            <a:schemeClr val="accent1"/>
+          </a:fillRef>
+          <a:effectRef idx="0">
+            <a:schemeClr val="accent1"/>
+          </a:effectRef>
+          <a:fontRef idx="minor">
+            <a:schemeClr val="lt1"/>
+          </a:fontRef>
+        </p:style>
+        <p:txBody>
+          <a:bodyPr rtlCol="0" anchor="ctr"/>
+          <a:lstStyle/>
+          <a:p>
+            <a:pPr algn="ctr"/>
+            <a:endParaRPr lang="en-AU" dirty="0">
+              <a:solidFill>
+                <a:schemeClr val="tx1"/>
+              </a:solidFill>
+            </a:endParaRPr>
+          </a:p>
+        </p:txBody>
+      </p:sp>
+      <p:sp>
+        <p:nvSpPr>
+          <p:cNvPr id="18" name="TextBox 17">
+            <a:extLst>
+              <a:ext uri="{FF2B5EF4-FFF2-40B4-BE49-F238E27FC236}">
+                <a16:creationId xmlns:a16="http://schemas.microsoft.com/office/drawing/2014/main" id="{D9FD5A2C-31E0-4B72-940F-CF0E8C16EF33}"/>
+              </a:ext>
+            </a:extLst>
+          </p:cNvPr>
+          <p:cNvSpPr txBox="1"/>
+          <p:nvPr/>
+        </p:nvSpPr>
+        <p:spPr>
+          <a:xfrm>
+            <a:off x="3386138" y="5591304"/>
+            <a:ext cx="2471737" cy="646331"/>
+          </a:xfrm>
+          <a:prstGeom prst="rect">
+            <a:avLst/>
+          </a:prstGeom>
+          <a:noFill/>
+        </p:spPr>
+        <p:txBody>
+          <a:bodyPr wrap="square" rtlCol="0">
+            <a:spAutoFit/>
+          </a:bodyPr>
+          <a:lstStyle/>
+          <a:p>
+            <a:r>
+              <a:rPr lang="en-AU" dirty="0"/>
+              <a:t>Level of interpretability</a:t>
+            </a:r>
+          </a:p>
+          <a:p>
+            <a:r>
+              <a:rPr lang="en-AU" dirty="0"/>
+              <a:t>KPI thresholds</a:t>
+            </a:r>
+          </a:p>
+        </p:txBody>
+      </p:sp>
+      <p:sp>
+        <p:nvSpPr>
+          <p:cNvPr id="19" name="Arrow: Curved Up 18">
+            <a:extLst>
+              <a:ext uri="{FF2B5EF4-FFF2-40B4-BE49-F238E27FC236}">
+                <a16:creationId xmlns:a16="http://schemas.microsoft.com/office/drawing/2014/main" id="{5EF7A0CB-BA70-49FA-8F91-4075EDFD93B4}"/>
+              </a:ext>
+            </a:extLst>
+          </p:cNvPr>
+          <p:cNvSpPr/>
+          <p:nvPr/>
+        </p:nvSpPr>
+        <p:spPr>
+          <a:xfrm>
+            <a:off x="1685925" y="4357686"/>
+            <a:ext cx="3057525" cy="1099583"/>
+          </a:xfrm>
+          <a:prstGeom prst="curvedUpArrow">
+            <a:avLst/>
+          </a:prstGeom>
+        </p:spPr>
+        <p:style>
+          <a:lnRef idx="2">
+            <a:schemeClr val="accent1">
+              <a:shade val="50000"/>
+            </a:schemeClr>
+          </a:lnRef>
+          <a:fillRef idx="1">
+            <a:schemeClr val="accent1"/>
+          </a:fillRef>
+          <a:effectRef idx="0">
+            <a:schemeClr val="accent1"/>
+          </a:effectRef>
+          <a:fontRef idx="minor">
+            <a:schemeClr val="lt1"/>
+          </a:fontRef>
+        </p:style>
+        <p:txBody>
+          <a:bodyPr rtlCol="0" anchor="ctr"/>
+          <a:lstStyle/>
+          <a:p>
+            <a:pPr algn="ctr"/>
+            <a:endParaRPr lang="en-AU" dirty="0">
+              <a:solidFill>
+                <a:schemeClr val="tx1"/>
+              </a:solidFill>
+            </a:endParaRPr>
+          </a:p>
+        </p:txBody>
+      </p:sp>
+      <p:sp>
+        <p:nvSpPr>
+          <p:cNvPr id="20" name="TextBox 19">
+            <a:extLst>
+              <a:ext uri="{FF2B5EF4-FFF2-40B4-BE49-F238E27FC236}">
+                <a16:creationId xmlns:a16="http://schemas.microsoft.com/office/drawing/2014/main" id="{89E4B215-6A80-4FA2-9656-D17B7FDB9874}"/>
+              </a:ext>
+            </a:extLst>
+          </p:cNvPr>
+          <p:cNvSpPr txBox="1"/>
+          <p:nvPr/>
+        </p:nvSpPr>
+        <p:spPr>
+          <a:xfrm>
+            <a:off x="3624263" y="2982010"/>
+            <a:ext cx="2471737" cy="646331"/>
+          </a:xfrm>
+          <a:prstGeom prst="rect">
+            <a:avLst/>
+          </a:prstGeom>
+          <a:noFill/>
+        </p:spPr>
+        <p:txBody>
+          <a:bodyPr wrap="square" rtlCol="0">
+            <a:spAutoFit/>
+          </a:bodyPr>
+          <a:lstStyle/>
+          <a:p>
+            <a:r>
+              <a:rPr lang="en-AU" dirty="0"/>
+              <a:t>??</a:t>
+            </a:r>
+          </a:p>
+          <a:p>
+            <a:endParaRPr lang="en-AU" dirty="0"/>
+          </a:p>
+        </p:txBody>
+      </p:sp>
+      <p:sp>
+        <p:nvSpPr>
+          <p:cNvPr id="22" name="Arrow: U-Turn 21">
+            <a:extLst>
+              <a:ext uri="{FF2B5EF4-FFF2-40B4-BE49-F238E27FC236}">
+                <a16:creationId xmlns:a16="http://schemas.microsoft.com/office/drawing/2014/main" id="{3DEFA7E2-DB0C-43C0-8078-E4F04CD785D5}"/>
+              </a:ext>
+            </a:extLst>
+          </p:cNvPr>
+          <p:cNvSpPr/>
+          <p:nvPr/>
+        </p:nvSpPr>
+        <p:spPr>
+          <a:xfrm>
+            <a:off x="4500562" y="3095625"/>
+            <a:ext cx="1595438" cy="532716"/>
+          </a:xfrm>
+          <a:prstGeom prst="uturnArrow">
+            <a:avLst/>
+          </a:prstGeom>
+        </p:spPr>
+        <p:style>
+          <a:lnRef idx="2">
+            <a:schemeClr val="accent1">
+              <a:shade val="50000"/>
+            </a:schemeClr>
+          </a:lnRef>
+          <a:fillRef idx="1">
+            <a:schemeClr val="accent1"/>
+          </a:fillRef>
+          <a:effectRef idx="0">
+            <a:schemeClr val="accent1"/>
+          </a:effectRef>
+          <a:fontRef idx="minor">
+            <a:schemeClr val="lt1"/>
+          </a:fontRef>
+        </p:style>
+        <p:txBody>
+          <a:bodyPr rtlCol="0" anchor="ctr"/>
+          <a:lstStyle/>
+          <a:p>
+            <a:pPr algn="ctr"/>
+            <a:endParaRPr lang="en-AU">
+              <a:solidFill>
+                <a:schemeClr val="tx1"/>
+              </a:solidFill>
+            </a:endParaRPr>
+          </a:p>
+        </p:txBody>
+      </p:sp>
+      <p:sp>
+        <p:nvSpPr>
+          <p:cNvPr id="23" name="Arrow: U-Turn 22">
+            <a:extLst>
+              <a:ext uri="{FF2B5EF4-FFF2-40B4-BE49-F238E27FC236}">
+                <a16:creationId xmlns:a16="http://schemas.microsoft.com/office/drawing/2014/main" id="{BFDF283E-F624-4516-A9BE-160867AF1F37}"/>
+              </a:ext>
+            </a:extLst>
+          </p:cNvPr>
+          <p:cNvSpPr/>
+          <p:nvPr/>
+        </p:nvSpPr>
+        <p:spPr>
+          <a:xfrm>
+            <a:off x="4500562" y="3095625"/>
+            <a:ext cx="5157788" cy="532716"/>
+          </a:xfrm>
+          <a:prstGeom prst="uturnArrow">
+            <a:avLst/>
+          </a:prstGeom>
+        </p:spPr>
+        <p:style>
+          <a:lnRef idx="2">
+            <a:schemeClr val="accent1">
+              <a:shade val="50000"/>
+            </a:schemeClr>
+          </a:lnRef>
+          <a:fillRef idx="1">
+            <a:schemeClr val="accent1"/>
+          </a:fillRef>
+          <a:effectRef idx="0">
+            <a:schemeClr val="accent1"/>
+          </a:effectRef>
+          <a:fontRef idx="minor">
+            <a:schemeClr val="lt1"/>
+          </a:fontRef>
+        </p:style>
+        <p:txBody>
+          <a:bodyPr rtlCol="0" anchor="ctr"/>
+          <a:lstStyle/>
+          <a:p>
+            <a:pPr algn="ctr"/>
+            <a:endParaRPr lang="en-AU">
+              <a:solidFill>
+                <a:schemeClr val="tx1"/>
+              </a:solidFill>
+            </a:endParaRPr>
+          </a:p>
+        </p:txBody>
+      </p:sp>
+      <p:sp>
+        <p:nvSpPr>
+          <p:cNvPr id="24" name="Arrow: U-Turn 23">
+            <a:extLst>
+              <a:ext uri="{FF2B5EF4-FFF2-40B4-BE49-F238E27FC236}">
+                <a16:creationId xmlns:a16="http://schemas.microsoft.com/office/drawing/2014/main" id="{C0196BFC-A169-4EA2-8F6A-7E6440E9B999}"/>
+              </a:ext>
+            </a:extLst>
+          </p:cNvPr>
+          <p:cNvSpPr/>
+          <p:nvPr/>
+        </p:nvSpPr>
+        <p:spPr>
+          <a:xfrm>
+            <a:off x="4500562" y="3095624"/>
+            <a:ext cx="6186488" cy="532716"/>
+          </a:xfrm>
+          <a:prstGeom prst="uturnArrow">
+            <a:avLst/>
+          </a:prstGeom>
+        </p:spPr>
+        <p:style>
+          <a:lnRef idx="2">
+            <a:schemeClr val="accent1">
+              <a:shade val="50000"/>
+            </a:schemeClr>
+          </a:lnRef>
+          <a:fillRef idx="1">
+            <a:schemeClr val="accent1"/>
+          </a:fillRef>
+          <a:effectRef idx="0">
+            <a:schemeClr val="accent1"/>
+          </a:effectRef>
+          <a:fontRef idx="minor">
+            <a:schemeClr val="lt1"/>
+          </a:fontRef>
+        </p:style>
+        <p:txBody>
+          <a:bodyPr rtlCol="0" anchor="ctr"/>
+          <a:lstStyle/>
+          <a:p>
+            <a:pPr algn="ctr"/>
+            <a:endParaRPr lang="en-AU">
+              <a:solidFill>
+                <a:schemeClr val="tx1"/>
+              </a:solidFill>
+            </a:endParaRPr>
+          </a:p>
+        </p:txBody>
+      </p:sp>
+    </p:spTree>
+    <p:extLst>
+      <p:ext uri="{BB962C8B-B14F-4D97-AF65-F5344CB8AC3E}">
+        <p14:creationId xmlns:p14="http://schemas.microsoft.com/office/powerpoint/2010/main" val="2791687609"/>
+      </p:ext>
+    </p:extLst>
+  </p:cSld>
+  <p:clrMapOvr>
+    <a:masterClrMapping/>
+  </p:clrMapOvr>
+</p:sld>
+</file>
+
 <file path=ppt/slides/slide2.xml><?xml version="1.0" encoding="utf-8"?>
 <p:sld xmlns:a="http://schemas.openxmlformats.org/drawingml/2006/main" xmlns:r="http://schemas.openxmlformats.org/officeDocument/2006/relationships" xmlns:p="http://schemas.openxmlformats.org/presentationml/2006/main">
   <p:cSld>
@@ -5082,88 +6303,236 @@
           </a:p>
         </p:txBody>
       </p:sp>
-      <p:sp>
-        <p:nvSpPr>
-          <p:cNvPr id="3" name="Content Placeholder 2">
-            <a:extLst>
-              <a:ext uri="{FF2B5EF4-FFF2-40B4-BE49-F238E27FC236}">
-                <a16:creationId xmlns:a16="http://schemas.microsoft.com/office/drawing/2014/main" id="{ECBDF14D-D627-4F0A-9FBC-A6DB65885467}"/>
-              </a:ext>
-            </a:extLst>
-          </p:cNvPr>
-          <p:cNvSpPr>
-            <a:spLocks noGrp="1"/>
-          </p:cNvSpPr>
-          <p:nvPr>
-            <p:ph idx="1"/>
-          </p:nvPr>
-        </p:nvSpPr>
-        <p:spPr/>
-        <p:txBody>
-          <a:bodyPr>
-            <a:normAutofit lnSpcReduction="10000"/>
+      <p:pic>
+        <p:nvPicPr>
+          <p:cNvPr id="5" name="Picture 4" descr="Diagram&#10;&#10;Description automatically generated">
+            <a:extLst>
+              <a:ext uri="{FF2B5EF4-FFF2-40B4-BE49-F238E27FC236}">
+                <a16:creationId xmlns:a16="http://schemas.microsoft.com/office/drawing/2014/main" id="{6BA3DB91-9783-4FE2-A461-A84053D07523}"/>
+              </a:ext>
+            </a:extLst>
+          </p:cNvPr>
+          <p:cNvPicPr>
+            <a:picLocks noChangeAspect="1"/>
+          </p:cNvPicPr>
+          <p:nvPr/>
+        </p:nvPicPr>
+        <p:blipFill>
+          <a:blip r:embed="rId3"/>
+          <a:stretch>
+            <a:fillRect/>
+          </a:stretch>
+        </p:blipFill>
+        <p:spPr>
+          <a:xfrm>
+            <a:off x="252800" y="1345169"/>
+            <a:ext cx="7877175" cy="1857375"/>
+          </a:xfrm>
+          <a:prstGeom prst="rect">
+            <a:avLst/>
+          </a:prstGeom>
+        </p:spPr>
+      </p:pic>
+      <p:pic>
+        <p:nvPicPr>
+          <p:cNvPr id="9" name="Picture 8" descr="Diagram&#10;&#10;Description automatically generated">
+            <a:extLst>
+              <a:ext uri="{FF2B5EF4-FFF2-40B4-BE49-F238E27FC236}">
+                <a16:creationId xmlns:a16="http://schemas.microsoft.com/office/drawing/2014/main" id="{EDF555E2-B0CC-4A7C-B020-0DFE879DEB5B}"/>
+              </a:ext>
+            </a:extLst>
+          </p:cNvPr>
+          <p:cNvPicPr>
+            <a:picLocks noChangeAspect="1"/>
+          </p:cNvPicPr>
+          <p:nvPr/>
+        </p:nvPicPr>
+        <p:blipFill>
+          <a:blip r:embed="rId4"/>
+          <a:stretch>
+            <a:fillRect/>
+          </a:stretch>
+        </p:blipFill>
+        <p:spPr>
+          <a:xfrm>
+            <a:off x="8687473" y="3651526"/>
+            <a:ext cx="3267075" cy="3000375"/>
+          </a:xfrm>
+          <a:prstGeom prst="rect">
+            <a:avLst/>
+          </a:prstGeom>
+        </p:spPr>
+      </p:pic>
+      <p:sp>
+        <p:nvSpPr>
+          <p:cNvPr id="10" name="Title 1">
+            <a:extLst>
+              <a:ext uri="{FF2B5EF4-FFF2-40B4-BE49-F238E27FC236}">
+                <a16:creationId xmlns:a16="http://schemas.microsoft.com/office/drawing/2014/main" id="{B3F42F56-283D-4913-8DAB-CA6BA37BA7D6}"/>
+              </a:ext>
+            </a:extLst>
+          </p:cNvPr>
+          <p:cNvSpPr txBox="1">
+            <a:spLocks/>
+          </p:cNvSpPr>
+          <p:nvPr/>
+        </p:nvSpPr>
+        <p:spPr>
+          <a:xfrm>
+            <a:off x="553730" y="2862540"/>
+            <a:ext cx="4349574" cy="1857375"/>
+          </a:xfrm>
+          <a:prstGeom prst="rect">
+            <a:avLst/>
+          </a:prstGeom>
+        </p:spPr>
+        <p:txBody>
+          <a:bodyPr vert="horz" lIns="91440" tIns="45720" rIns="91440" bIns="45720" rtlCol="0" anchor="ctr">
+            <a:normAutofit/>
           </a:bodyPr>
-          <a:lstStyle/>
-          <a:p>
-            <a:r>
-              <a:rPr lang="en-AU" dirty="0"/>
+          <a:lstStyle>
+            <a:lvl1pPr algn="l" defTabSz="914400" rtl="0" eaLnBrk="1" latinLnBrk="0" hangingPunct="1">
+              <a:lnSpc>
+                <a:spcPct val="90000"/>
+              </a:lnSpc>
+              <a:spcBef>
+                <a:spcPct val="0"/>
+              </a:spcBef>
+              <a:buNone/>
+              <a:defRPr sz="4400" kern="1200">
+                <a:solidFill>
+                  <a:schemeClr val="tx1"/>
+                </a:solidFill>
+                <a:latin typeface="+mj-lt"/>
+                <a:ea typeface="+mj-ea"/>
+                <a:cs typeface="+mj-cs"/>
+              </a:defRPr>
+            </a:lvl1pPr>
+          </a:lstStyle>
+          <a:p>
+            <a:r>
+              <a:rPr lang="en-AU" sz="2000" u="sng" dirty="0"/>
               <a:t>Data science pipeline</a:t>
             </a:r>
           </a:p>
           <a:p>
-            <a:r>
-              <a:rPr lang="en-AU" dirty="0"/>
-              <a:t>Collect -&gt; Clean -&gt; </a:t>
-            </a:r>
-            <a:r>
-              <a:rPr lang="en-AU" dirty="0" err="1"/>
-              <a:t>Analyze</a:t>
-            </a:r>
-            <a:r>
-              <a:rPr lang="en-AU" dirty="0"/>
-              <a:t> -&gt; Model -&gt; Validate -&gt; Present</a:t>
-            </a:r>
-          </a:p>
-          <a:p>
-            <a:endParaRPr lang="en-AU" dirty="0"/>
-          </a:p>
-          <a:p>
-            <a:r>
-              <a:rPr lang="en-AU" dirty="0"/>
+            <a:endParaRPr lang="en-AU" sz="2000" u="sng" dirty="0"/>
+          </a:p>
+          <a:p>
+            <a:pPr marL="342900" indent="-342900">
+              <a:buFont typeface="Arial" panose="020B0604020202020204" pitchFamily="34" charset="0"/>
+              <a:buChar char="•"/>
+            </a:pPr>
+            <a:r>
+              <a:rPr lang="en-AU" sz="2000" dirty="0"/>
+              <a:t>Will not stray far from this in a google search</a:t>
+            </a:r>
+          </a:p>
+          <a:p>
+            <a:pPr marL="342900" indent="-342900">
+              <a:buFont typeface="Arial" panose="020B0604020202020204" pitchFamily="34" charset="0"/>
+              <a:buChar char="•"/>
+            </a:pPr>
+            <a:r>
+              <a:rPr lang="en-AU" sz="2000" dirty="0"/>
+              <a:t>Why is it a linear process?</a:t>
+            </a:r>
+          </a:p>
+          <a:p>
+            <a:pPr marL="342900" indent="-342900">
+              <a:buFont typeface="Arial" panose="020B0604020202020204" pitchFamily="34" charset="0"/>
+              <a:buChar char="•"/>
+            </a:pPr>
+            <a:r>
+              <a:rPr lang="en-AU" sz="2000" dirty="0"/>
+              <a:t>This is more like the Kaggle pipeline</a:t>
+            </a:r>
+          </a:p>
+        </p:txBody>
+      </p:sp>
+      <p:sp>
+        <p:nvSpPr>
+          <p:cNvPr id="11" name="Title 1">
+            <a:extLst>
+              <a:ext uri="{FF2B5EF4-FFF2-40B4-BE49-F238E27FC236}">
+                <a16:creationId xmlns:a16="http://schemas.microsoft.com/office/drawing/2014/main" id="{986C3FDE-9C59-449D-863B-C0EF9DA6314D}"/>
+              </a:ext>
+            </a:extLst>
+          </p:cNvPr>
+          <p:cNvSpPr txBox="1">
+            <a:spLocks/>
+          </p:cNvSpPr>
+          <p:nvPr/>
+        </p:nvSpPr>
+        <p:spPr>
+          <a:xfrm>
+            <a:off x="4903304" y="4271477"/>
+            <a:ext cx="3974785" cy="2221398"/>
+          </a:xfrm>
+          <a:prstGeom prst="rect">
+            <a:avLst/>
+          </a:prstGeom>
+        </p:spPr>
+        <p:txBody>
+          <a:bodyPr vert="horz" lIns="91440" tIns="45720" rIns="91440" bIns="45720" rtlCol="0" anchor="ctr">
+            <a:normAutofit/>
+          </a:bodyPr>
+          <a:lstStyle>
+            <a:lvl1pPr algn="l" defTabSz="914400" rtl="0" eaLnBrk="1" latinLnBrk="0" hangingPunct="1">
+              <a:lnSpc>
+                <a:spcPct val="90000"/>
+              </a:lnSpc>
+              <a:spcBef>
+                <a:spcPct val="0"/>
+              </a:spcBef>
+              <a:buNone/>
+              <a:defRPr sz="4400" kern="1200">
+                <a:solidFill>
+                  <a:schemeClr val="tx1"/>
+                </a:solidFill>
+                <a:latin typeface="+mj-lt"/>
+                <a:ea typeface="+mj-ea"/>
+                <a:cs typeface="+mj-cs"/>
+              </a:defRPr>
+            </a:lvl1pPr>
+          </a:lstStyle>
+          <a:p>
+            <a:r>
+              <a:rPr lang="en-AU" sz="2000" u="sng" dirty="0"/>
               <a:t>Actuarial Control Cycle</a:t>
             </a:r>
           </a:p>
           <a:p>
-            <a:r>
-              <a:rPr lang="en-AU" dirty="0"/>
-              <a:t>Context -&gt; Hypothesis solution -&gt; Implement -&gt; Monitor</a:t>
-            </a:r>
-          </a:p>
-          <a:p>
-            <a:endParaRPr lang="en-AU" dirty="0"/>
-          </a:p>
-          <a:p>
-            <a:r>
-              <a:rPr lang="en-AU" dirty="0"/>
-              <a:t>Ensemble</a:t>
-            </a:r>
-          </a:p>
-          <a:p>
-            <a:r>
-              <a:rPr lang="en-AU" dirty="0"/>
-              <a:t>Define problem -&gt; </a:t>
-            </a:r>
-            <a:r>
-              <a:rPr lang="en-AU" dirty="0">
-                <a:solidFill>
-                  <a:srgbClr val="FF0000"/>
-                </a:solidFill>
-              </a:rPr>
-              <a:t>collect -&gt; clean -&gt; EDA -&gt; feature engineer -&gt; model</a:t>
-            </a:r>
-            <a:r>
-              <a:rPr lang="en-AU" dirty="0"/>
-              <a:t> -&gt; validate/test -&gt; present -&gt; monitor</a:t>
+            <a:endParaRPr lang="en-AU" sz="2000" u="sng" dirty="0"/>
+          </a:p>
+          <a:p>
+            <a:pPr marL="342900" indent="-342900">
+              <a:buFont typeface="Arial" panose="020B0604020202020204" pitchFamily="34" charset="0"/>
+              <a:buChar char="•"/>
+            </a:pPr>
+            <a:r>
+              <a:rPr lang="en-AU" sz="2000" dirty="0"/>
+              <a:t>At least this is circular/iterative</a:t>
+            </a:r>
+          </a:p>
+          <a:p>
+            <a:pPr marL="342900" indent="-342900">
+              <a:buFont typeface="Arial" panose="020B0604020202020204" pitchFamily="34" charset="0"/>
+              <a:buChar char="•"/>
+            </a:pPr>
+            <a:r>
+              <a:rPr lang="en-AU" sz="2000" dirty="0"/>
+              <a:t>Quite vague</a:t>
+            </a:r>
+          </a:p>
+          <a:p>
+            <a:pPr marL="342900" indent="-342900">
+              <a:buFont typeface="Arial" panose="020B0604020202020204" pitchFamily="34" charset="0"/>
+              <a:buChar char="•"/>
+            </a:pPr>
+            <a:r>
+              <a:rPr lang="en-AU" sz="2000" dirty="0"/>
+              <a:t>In actuarial exams, if you quoted this as an answer you’d fail instantly</a:t>
             </a:r>
           </a:p>
         </p:txBody>
@@ -5203,7 +6572,7 @@
           <p:cNvPr id="2" name="Title 1">
             <a:extLst>
               <a:ext uri="{FF2B5EF4-FFF2-40B4-BE49-F238E27FC236}">
-                <a16:creationId xmlns:a16="http://schemas.microsoft.com/office/drawing/2014/main" id="{F3138A18-EB21-4B18-8405-1ECDBF13B283}"/>
+                <a16:creationId xmlns:a16="http://schemas.microsoft.com/office/drawing/2014/main" id="{67A09D76-CB24-4EE6-9C45-0E1FA642538B}"/>
               </a:ext>
             </a:extLst>
           </p:cNvPr>
@@ -5221,70 +6590,117 @@
           <a:p>
             <a:r>
               <a:rPr lang="en-AU" dirty="0"/>
-              <a:t>Why bother?</a:t>
-            </a:r>
-          </a:p>
-        </p:txBody>
-      </p:sp>
-      <p:sp>
-        <p:nvSpPr>
-          <p:cNvPr id="3" name="Content Placeholder 2">
-            <a:extLst>
-              <a:ext uri="{FF2B5EF4-FFF2-40B4-BE49-F238E27FC236}">
-                <a16:creationId xmlns:a16="http://schemas.microsoft.com/office/drawing/2014/main" id="{08FD4AB5-F3D2-4E99-BA9B-47179D57FF3F}"/>
-              </a:ext>
-            </a:extLst>
-          </p:cNvPr>
-          <p:cNvSpPr>
-            <a:spLocks noGrp="1"/>
-          </p:cNvSpPr>
-          <p:nvPr>
-            <p:ph idx="1"/>
-          </p:nvPr>
-        </p:nvSpPr>
-        <p:spPr/>
-        <p:txBody>
-          <a:bodyPr/>
-          <a:lstStyle/>
-          <a:p>
-            <a:pPr marL="0" indent="0">
-              <a:buNone/>
+              <a:t>“My” pipeline</a:t>
+            </a:r>
+          </a:p>
+        </p:txBody>
+      </p:sp>
+      <p:sp>
+        <p:nvSpPr>
+          <p:cNvPr id="5" name="TextBox 4">
+            <a:extLst>
+              <a:ext uri="{FF2B5EF4-FFF2-40B4-BE49-F238E27FC236}">
+                <a16:creationId xmlns:a16="http://schemas.microsoft.com/office/drawing/2014/main" id="{B8771AF6-DBC7-4C36-8B9C-6BC7A50556F1}"/>
+              </a:ext>
+            </a:extLst>
+          </p:cNvPr>
+          <p:cNvSpPr txBox="1"/>
+          <p:nvPr/>
+        </p:nvSpPr>
+        <p:spPr>
+          <a:xfrm>
+            <a:off x="1547812" y="5326338"/>
+            <a:ext cx="6970644" cy="1477328"/>
+          </a:xfrm>
+          <a:prstGeom prst="rect">
+            <a:avLst/>
+          </a:prstGeom>
+          <a:noFill/>
+        </p:spPr>
+        <p:txBody>
+          <a:bodyPr wrap="square">
+            <a:spAutoFit/>
+          </a:bodyPr>
+          <a:lstStyle/>
+          <a:p>
+            <a:pPr marL="285750" indent="-285750">
+              <a:buFont typeface="Arial" panose="020B0604020202020204" pitchFamily="34" charset="0"/>
+              <a:buChar char="•"/>
             </a:pPr>
+            <a:r>
+              <a:rPr lang="en-AU" dirty="0"/>
+              <a:t>Ensemble model</a:t>
+            </a:r>
+          </a:p>
+          <a:p>
+            <a:pPr marL="285750" indent="-285750">
+              <a:buFont typeface="Arial" panose="020B0604020202020204" pitchFamily="34" charset="0"/>
+              <a:buChar char="•"/>
+            </a:pPr>
+            <a:r>
+              <a:rPr lang="en-AU" dirty="0"/>
+              <a:t>Not all data science projects involve the red circles</a:t>
+            </a:r>
+          </a:p>
+          <a:p>
+            <a:pPr marL="285750" indent="-285750">
+              <a:buFont typeface="Arial" panose="020B0604020202020204" pitchFamily="34" charset="0"/>
+              <a:buChar char="•"/>
+            </a:pPr>
+            <a:r>
+              <a:rPr lang="en-AU" dirty="0"/>
+              <a:t>Today’s presentation will focus on problem definition + EDA</a:t>
+            </a:r>
+          </a:p>
+          <a:p>
+            <a:pPr marL="285750" indent="-285750">
+              <a:buFont typeface="Arial" panose="020B0604020202020204" pitchFamily="34" charset="0"/>
+              <a:buChar char="•"/>
+            </a:pPr>
+            <a:r>
+              <a:rPr lang="en-AU" dirty="0"/>
+              <a:t>No “right way” to do it, but there are best practices and frameworks</a:t>
+            </a:r>
+          </a:p>
+          <a:p>
             <a:endParaRPr lang="en-AU" dirty="0"/>
           </a:p>
-          <a:p>
-            <a:r>
-              <a:rPr lang="en-AU" dirty="0"/>
-              <a:t>Sometimes an incoming ticket/issue is not straightforward</a:t>
-            </a:r>
-          </a:p>
-          <a:p>
-            <a:r>
-              <a:rPr lang="en-AU" dirty="0"/>
-              <a:t>Straightforward/not straightforward is actually a spectrum, not binary</a:t>
-            </a:r>
-          </a:p>
-          <a:p>
-            <a:r>
-              <a:rPr lang="en-AU" dirty="0"/>
-              <a:t>High-level policy should always dictate low level implementation, not the other way around</a:t>
-            </a:r>
-          </a:p>
-          <a:p>
-            <a:r>
-              <a:rPr lang="en-AU" dirty="0"/>
-              <a:t>Converting a business problem into a data problem</a:t>
-            </a:r>
-          </a:p>
-          <a:p>
-            <a:endParaRPr lang="en-AU" dirty="0"/>
-          </a:p>
-        </p:txBody>
-      </p:sp>
+        </p:txBody>
+      </p:sp>
+      <p:pic>
+        <p:nvPicPr>
+          <p:cNvPr id="7" name="Picture 6" descr="Diagram&#10;&#10;Description automatically generated">
+            <a:extLst>
+              <a:ext uri="{FF2B5EF4-FFF2-40B4-BE49-F238E27FC236}">
+                <a16:creationId xmlns:a16="http://schemas.microsoft.com/office/drawing/2014/main" id="{C048BF86-D2D6-4ED4-B615-E767FE76778C}"/>
+              </a:ext>
+            </a:extLst>
+          </p:cNvPr>
+          <p:cNvPicPr>
+            <a:picLocks noChangeAspect="1"/>
+          </p:cNvPicPr>
+          <p:nvPr/>
+        </p:nvPicPr>
+        <p:blipFill>
+          <a:blip r:embed="rId3"/>
+          <a:stretch>
+            <a:fillRect/>
+          </a:stretch>
+        </p:blipFill>
+        <p:spPr>
+          <a:xfrm>
+            <a:off x="1547812" y="1531662"/>
+            <a:ext cx="9096375" cy="3581400"/>
+          </a:xfrm>
+          <a:prstGeom prst="rect">
+            <a:avLst/>
+          </a:prstGeom>
+        </p:spPr>
+      </p:pic>
     </p:spTree>
     <p:extLst>
       <p:ext uri="{BB962C8B-B14F-4D97-AF65-F5344CB8AC3E}">
-        <p14:creationId xmlns:p14="http://schemas.microsoft.com/office/powerpoint/2010/main" val="1975700201"/>
+        <p14:creationId xmlns:p14="http://schemas.microsoft.com/office/powerpoint/2010/main" val="2726090164"/>
       </p:ext>
     </p:extLst>
   </p:cSld>
@@ -5316,7 +6732,7 @@
           <p:cNvPr id="2" name="Title 1">
             <a:extLst>
               <a:ext uri="{FF2B5EF4-FFF2-40B4-BE49-F238E27FC236}">
-                <a16:creationId xmlns:a16="http://schemas.microsoft.com/office/drawing/2014/main" id="{DAB9A528-D828-4D2E-B70B-5405771E5F97}"/>
+                <a16:creationId xmlns:a16="http://schemas.microsoft.com/office/drawing/2014/main" id="{F3138A18-EB21-4B18-8405-1ECDBF13B283}"/>
               </a:ext>
             </a:extLst>
           </p:cNvPr>
@@ -5334,7 +6750,7 @@
           <a:p>
             <a:r>
               <a:rPr lang="en-AU" dirty="0"/>
-              <a:t>Defining the problem</a:t>
+              <a:t>Problem formulation: Why bother?</a:t>
             </a:r>
           </a:p>
         </p:txBody>
@@ -5344,7 +6760,7 @@
           <p:cNvPr id="3" name="Content Placeholder 2">
             <a:extLst>
               <a:ext uri="{FF2B5EF4-FFF2-40B4-BE49-F238E27FC236}">
-                <a16:creationId xmlns:a16="http://schemas.microsoft.com/office/drawing/2014/main" id="{0F26DC88-4231-4AE2-976B-8E171757B8DC}"/>
+                <a16:creationId xmlns:a16="http://schemas.microsoft.com/office/drawing/2014/main" id="{08FD4AB5-F3D2-4E99-BA9B-47179D57FF3F}"/>
               </a:ext>
             </a:extLst>
           </p:cNvPr>
@@ -5360,63 +6776,36 @@
           <a:bodyPr/>
           <a:lstStyle/>
           <a:p>
+            <a:pPr marL="0" indent="0">
+              <a:buNone/>
+            </a:pPr>
+            <a:endParaRPr lang="en-AU" dirty="0"/>
+          </a:p>
+          <a:p>
             <a:r>
               <a:rPr lang="en-AU" dirty="0"/>
-              <a:t>There is no 1 fixed way to do this, but here is a general framework:</a:t>
-            </a:r>
-          </a:p>
-          <a:p>
-            <a:pPr marL="914400" lvl="1" indent="-457200">
-              <a:buFont typeface="+mj-lt"/>
-              <a:buAutoNum type="arabicPeriod"/>
-            </a:pPr>
+              <a:t>Sometimes an incoming ticket/issue is not straightforward</a:t>
+            </a:r>
+          </a:p>
+          <a:p>
             <a:r>
               <a:rPr lang="en-AU" dirty="0"/>
-              <a:t>Clearly determining what the deliverable is for this problem. This will determine how far into the red part we actually get to.</a:t>
-            </a:r>
-          </a:p>
-          <a:p>
-            <a:pPr marL="914400" lvl="1" indent="-457200">
-              <a:buFont typeface="+mj-lt"/>
-              <a:buAutoNum type="arabicPeriod"/>
-            </a:pPr>
+              <a:t>Straightforward/not straightforward is actually a spectrum, not binary</a:t>
+            </a:r>
+          </a:p>
+          <a:p>
             <a:r>
               <a:rPr lang="en-AU" dirty="0"/>
-              <a:t>If modelling required, determine what modelling problem it is, supervised/unsupervised/reg/classification/reinforcement/clustering (INSERT CHART LINK)</a:t>
-            </a:r>
-          </a:p>
-          <a:p>
-            <a:pPr marL="914400" lvl="1" indent="-457200">
-              <a:buFont typeface="+mj-lt"/>
-              <a:buAutoNum type="arabicPeriod"/>
-            </a:pPr>
+              <a:t>High-level policy should always dictate low level implementation, not the other way around</a:t>
+            </a:r>
+          </a:p>
+          <a:p>
             <a:r>
               <a:rPr lang="en-AU" dirty="0"/>
-              <a:t>Write or review high-level data requirements</a:t>
-            </a:r>
-          </a:p>
-          <a:p>
-            <a:pPr marL="914400" lvl="1" indent="-457200">
-              <a:buFont typeface="+mj-lt"/>
-              <a:buAutoNum type="arabicPeriod"/>
-            </a:pPr>
-            <a:r>
-              <a:rPr lang="en-AU" dirty="0"/>
-              <a:t>Write of review proposed KPIs to track</a:t>
-            </a:r>
-          </a:p>
-          <a:p>
-            <a:pPr marL="914400" lvl="1" indent="-457200">
-              <a:buFont typeface="+mj-lt"/>
-              <a:buAutoNum type="arabicPeriod"/>
-            </a:pPr>
-            <a:r>
-              <a:rPr lang="en-AU" dirty="0"/>
-              <a:t>Decide on your tools/libraries </a:t>
-            </a:r>
-          </a:p>
-          <a:p>
-            <a:pPr lvl="1"/>
+              <a:t>Converting a business problem into a data problem</a:t>
+            </a:r>
+          </a:p>
+          <a:p>
             <a:endParaRPr lang="en-AU" dirty="0"/>
           </a:p>
         </p:txBody>
@@ -5424,7 +6813,7 @@
     </p:spTree>
     <p:extLst>
       <p:ext uri="{BB962C8B-B14F-4D97-AF65-F5344CB8AC3E}">
-        <p14:creationId xmlns:p14="http://schemas.microsoft.com/office/powerpoint/2010/main" val="2465294796"/>
+        <p14:creationId xmlns:p14="http://schemas.microsoft.com/office/powerpoint/2010/main" val="1975700201"/>
       </p:ext>
     </p:extLst>
   </p:cSld>
@@ -5456,7 +6845,7 @@
           <p:cNvPr id="2" name="Title 1">
             <a:extLst>
               <a:ext uri="{FF2B5EF4-FFF2-40B4-BE49-F238E27FC236}">
-                <a16:creationId xmlns:a16="http://schemas.microsoft.com/office/drawing/2014/main" id="{D70239AA-CFA7-47C4-A1EA-57159D42A2B6}"/>
+                <a16:creationId xmlns:a16="http://schemas.microsoft.com/office/drawing/2014/main" id="{DAB9A528-D828-4D2E-B70B-5405771E5F97}"/>
               </a:ext>
             </a:extLst>
           </p:cNvPr>
@@ -5474,7 +6863,7 @@
           <a:p>
             <a:r>
               <a:rPr lang="en-AU" dirty="0"/>
-              <a:t>Exploratory Data Analysis</a:t>
+              <a:t>Defining the problem</a:t>
             </a:r>
           </a:p>
         </p:txBody>
@@ -5484,7 +6873,7 @@
           <p:cNvPr id="3" name="Content Placeholder 2">
             <a:extLst>
               <a:ext uri="{FF2B5EF4-FFF2-40B4-BE49-F238E27FC236}">
-                <a16:creationId xmlns:a16="http://schemas.microsoft.com/office/drawing/2014/main" id="{03199408-7B90-4275-9417-824F79462D4B}"/>
+                <a16:creationId xmlns:a16="http://schemas.microsoft.com/office/drawing/2014/main" id="{0F26DC88-4231-4AE2-976B-8E171757B8DC}"/>
               </a:ext>
             </a:extLst>
           </p:cNvPr>
@@ -5497,95 +6886,62 @@
         </p:nvSpPr>
         <p:spPr/>
         <p:txBody>
-          <a:bodyPr>
-            <a:normAutofit fontScale="92500" lnSpcReduction="10000"/>
-          </a:bodyPr>
+          <a:bodyPr/>
           <a:lstStyle/>
           <a:p>
             <a:r>
               <a:rPr lang="en-AU" dirty="0"/>
-              <a:t>Why bother?</a:t>
-            </a:r>
-          </a:p>
-          <a:p>
-            <a:pPr lvl="1"/>
+              <a:t>There is no 1 fixed way to do this, but here is a general framework:</a:t>
+            </a:r>
+          </a:p>
+          <a:p>
+            <a:pPr marL="914400" lvl="1" indent="-457200">
+              <a:buFont typeface="+mj-lt"/>
+              <a:buAutoNum type="arabicPeriod"/>
+            </a:pPr>
             <a:r>
               <a:rPr lang="en-AU" dirty="0"/>
-              <a:t>Build intuition for the data</a:t>
-            </a:r>
-          </a:p>
-          <a:p>
-            <a:pPr lvl="1"/>
+              <a:t>Clearly determining what the deliverable is for this problem. This will determine how far into the red part we actually get to.</a:t>
+            </a:r>
+          </a:p>
+          <a:p>
+            <a:pPr marL="914400" lvl="1" indent="-457200">
+              <a:buFont typeface="+mj-lt"/>
+              <a:buAutoNum type="arabicPeriod"/>
+            </a:pPr>
             <a:r>
               <a:rPr lang="en-AU" dirty="0"/>
-              <a:t>Inform model selection and feature selection</a:t>
-            </a:r>
-          </a:p>
-          <a:p>
-            <a:pPr lvl="1"/>
+              <a:t>If modelling required, determine what modelling problem it is, supervised/unsupervised/reg/classification/reinforcement/clustering (INSERT CHART LINK)</a:t>
+            </a:r>
+          </a:p>
+          <a:p>
+            <a:pPr marL="914400" lvl="1" indent="-457200">
+              <a:buFont typeface="+mj-lt"/>
+              <a:buAutoNum type="arabicPeriod"/>
+            </a:pPr>
             <a:r>
               <a:rPr lang="en-AU" dirty="0"/>
-              <a:t>Identify patterns and develop hypothesis</a:t>
-            </a:r>
-          </a:p>
-          <a:p>
-            <a:pPr lvl="1"/>
+              <a:t>Write or review high-level data requirements</a:t>
+            </a:r>
+          </a:p>
+          <a:p>
+            <a:pPr marL="914400" lvl="1" indent="-457200">
+              <a:buFont typeface="+mj-lt"/>
+              <a:buAutoNum type="arabicPeriod"/>
+            </a:pPr>
             <a:r>
               <a:rPr lang="en-AU" dirty="0"/>
-              <a:t>Cover your ass (it’s a form of documentation)</a:t>
-            </a:r>
-          </a:p>
-          <a:p>
-            <a:pPr lvl="1"/>
+              <a:t>Write of review proposed KPIs to track</a:t>
+            </a:r>
+          </a:p>
+          <a:p>
+            <a:pPr marL="914400" lvl="1" indent="-457200">
+              <a:buFont typeface="+mj-lt"/>
+              <a:buAutoNum type="arabicPeriod"/>
+            </a:pPr>
             <a:r>
               <a:rPr lang="en-AU" dirty="0"/>
-              <a:t>Challenge assumptions</a:t>
-            </a:r>
-          </a:p>
-          <a:p>
-            <a:pPr lvl="1"/>
-            <a:r>
-              <a:rPr lang="en-AU" dirty="0"/>
-              <a:t>Answer questions you didn’t have (bonus)</a:t>
-            </a:r>
-          </a:p>
-          <a:p>
-            <a:pPr lvl="1"/>
-            <a:endParaRPr lang="en-AU" dirty="0"/>
-          </a:p>
-          <a:p>
-            <a:pPr lvl="1"/>
-            <a:r>
-              <a:rPr lang="en-AU" dirty="0"/>
-              <a:t>4 mental buckets</a:t>
-            </a:r>
-          </a:p>
-          <a:p>
-            <a:pPr lvl="2"/>
-            <a:r>
-              <a:rPr lang="en-AU" dirty="0"/>
-              <a:t>Outliers and scaling</a:t>
-            </a:r>
-          </a:p>
-          <a:p>
-            <a:pPr lvl="2"/>
-            <a:r>
-              <a:rPr lang="en-AU" dirty="0"/>
-              <a:t>Class imbalance and sus results </a:t>
-            </a:r>
-          </a:p>
-          <a:p>
-            <a:pPr lvl="2"/>
-            <a:r>
-              <a:rPr lang="en-AU" dirty="0"/>
-              <a:t>Oh definitely need to include this ( or some combination)</a:t>
-            </a:r>
-          </a:p>
-          <a:p>
-            <a:pPr lvl="2"/>
-            <a:r>
-              <a:rPr lang="en-AU" dirty="0"/>
-              <a:t>Oh definitely exclude this</a:t>
+              <a:t>Decide on your tools/libraries </a:t>
             </a:r>
           </a:p>
           <a:p>
@@ -5597,7 +6953,7 @@
     </p:spTree>
     <p:extLst>
       <p:ext uri="{BB962C8B-B14F-4D97-AF65-F5344CB8AC3E}">
-        <p14:creationId xmlns:p14="http://schemas.microsoft.com/office/powerpoint/2010/main" val="3700875129"/>
+        <p14:creationId xmlns:p14="http://schemas.microsoft.com/office/powerpoint/2010/main" val="2465294796"/>
       </p:ext>
     </p:extLst>
   </p:cSld>
@@ -5671,41 +7027,94 @@
         <p:spPr/>
         <p:txBody>
           <a:bodyPr>
-            <a:normAutofit/>
+            <a:normAutofit fontScale="92500" lnSpcReduction="10000"/>
           </a:bodyPr>
           <a:lstStyle/>
           <a:p>
+            <a:r>
+              <a:rPr lang="en-AU" dirty="0"/>
+              <a:t>Why bother?</a:t>
+            </a:r>
+          </a:p>
+          <a:p>
+            <a:pPr lvl="1"/>
+            <a:r>
+              <a:rPr lang="en-AU" dirty="0"/>
+              <a:t>Build intuition for the data</a:t>
+            </a:r>
+          </a:p>
+          <a:p>
+            <a:pPr lvl="1"/>
+            <a:r>
+              <a:rPr lang="en-AU" dirty="0"/>
+              <a:t>Inform model selection and feature selection</a:t>
+            </a:r>
+          </a:p>
+          <a:p>
+            <a:pPr lvl="1"/>
+            <a:r>
+              <a:rPr lang="en-AU" dirty="0"/>
+              <a:t>Identify patterns and develop hypothesis</a:t>
+            </a:r>
+          </a:p>
+          <a:p>
+            <a:pPr lvl="1"/>
+            <a:r>
+              <a:rPr lang="en-AU" dirty="0"/>
+              <a:t>Cover your ass (it’s a form of documentation)</a:t>
+            </a:r>
+          </a:p>
+          <a:p>
+            <a:pPr lvl="1"/>
+            <a:r>
+              <a:rPr lang="en-AU" dirty="0"/>
+              <a:t>Challenge assumptions</a:t>
+            </a:r>
+          </a:p>
+          <a:p>
+            <a:pPr lvl="1"/>
+            <a:r>
+              <a:rPr lang="en-AU" dirty="0"/>
+              <a:t>Answer questions you didn’t have (bonus)</a:t>
+            </a:r>
+          </a:p>
+          <a:p>
+            <a:pPr lvl="1"/>
+            <a:endParaRPr lang="en-AU" dirty="0"/>
+          </a:p>
+          <a:p>
+            <a:pPr lvl="1"/>
+            <a:r>
+              <a:rPr lang="en-AU" dirty="0"/>
+              <a:t>4 mental buckets</a:t>
+            </a:r>
+          </a:p>
+          <a:p>
+            <a:pPr lvl="2"/>
             <a:r>
               <a:rPr lang="en-AU" dirty="0"/>
               <a:t>Outliers and scaling</a:t>
             </a:r>
           </a:p>
           <a:p>
-            <a:pPr lvl="1"/>
+            <a:pPr lvl="2"/>
             <a:r>
               <a:rPr lang="en-AU" dirty="0"/>
-              <a:t>Can be determined from either .describe() or scatter matrices</a:t>
-            </a:r>
-          </a:p>
-          <a:p>
-            <a:pPr lvl="1"/>
+              <a:t>Class imbalance and sus results </a:t>
+            </a:r>
+          </a:p>
+          <a:p>
+            <a:pPr lvl="2"/>
             <a:r>
               <a:rPr lang="en-AU" dirty="0"/>
-              <a:t>Do we need it?</a:t>
-            </a:r>
-          </a:p>
-          <a:p>
-            <a:pPr lvl="1"/>
+              <a:t>Oh definitely need to include this ( or some combination)</a:t>
+            </a:r>
+          </a:p>
+          <a:p>
+            <a:pPr lvl="2"/>
             <a:r>
               <a:rPr lang="en-AU" dirty="0"/>
-              <a:t>Which algorithm should we use, and do we need to scale our data? (technically yes, it is always good practice)</a:t>
-            </a:r>
-          </a:p>
-          <a:p>
-            <a:pPr lvl="1"/>
-            <a:r>
-              <a:rPr lang="en-AU" dirty="0"/>
-              <a:t>How do we want to scale our data?</a:t>
+              <a:t>Oh definitely exclude this</a:t>
             </a:r>
           </a:p>
           <a:p>
@@ -5717,7 +7126,7 @@
     </p:spTree>
     <p:extLst>
       <p:ext uri="{BB962C8B-B14F-4D97-AF65-F5344CB8AC3E}">
-        <p14:creationId xmlns:p14="http://schemas.microsoft.com/office/powerpoint/2010/main" val="1525833955"/>
+        <p14:creationId xmlns:p14="http://schemas.microsoft.com/office/powerpoint/2010/main" val="3700875129"/>
       </p:ext>
     </p:extLst>
   </p:cSld>
@@ -5749,7 +7158,7 @@
           <p:cNvPr id="2" name="Title 1">
             <a:extLst>
               <a:ext uri="{FF2B5EF4-FFF2-40B4-BE49-F238E27FC236}">
-                <a16:creationId xmlns:a16="http://schemas.microsoft.com/office/drawing/2014/main" id="{1285CEAA-2848-4F5B-9A9F-0EF6AC6AC432}"/>
+                <a16:creationId xmlns:a16="http://schemas.microsoft.com/office/drawing/2014/main" id="{DFBAB538-799D-4F93-A347-70D8AEEA2DCD}"/>
               </a:ext>
             </a:extLst>
           </p:cNvPr>
@@ -5767,8 +7176,15 @@
           <a:p>
             <a:r>
               <a:rPr lang="en-AU" dirty="0"/>
-              <a:t>EDA framework</a:t>
-            </a:r>
+              <a:t>Example: Travel insurance </a:t>
+            </a:r>
+            <a:r>
+              <a:rPr lang="en-AU" dirty="0">
+                <a:hlinkClick r:id="rId3"/>
+              </a:rPr>
+              <a:t>dataset</a:t>
+            </a:r>
+            <a:endParaRPr lang="en-AU" dirty="0"/>
           </a:p>
         </p:txBody>
       </p:sp>
@@ -5777,7 +7193,7 @@
           <p:cNvPr id="3" name="Content Placeholder 2">
             <a:extLst>
               <a:ext uri="{FF2B5EF4-FFF2-40B4-BE49-F238E27FC236}">
-                <a16:creationId xmlns:a16="http://schemas.microsoft.com/office/drawing/2014/main" id="{FDFDB44C-0499-49BE-82CD-A85AD0DF5E30}"/>
+                <a16:creationId xmlns:a16="http://schemas.microsoft.com/office/drawing/2014/main" id="{047706C2-20B0-4E03-9AA3-9BAAA65F70D3}"/>
               </a:ext>
             </a:extLst>
           </p:cNvPr>
@@ -5791,177 +7207,159 @@
         <p:spPr/>
         <p:txBody>
           <a:bodyPr>
-            <a:normAutofit/>
+            <a:normAutofit fontScale="85000" lnSpcReduction="20000"/>
           </a:bodyPr>
           <a:lstStyle/>
           <a:p>
-            <a:pPr marL="514350" indent="-514350" algn="just">
+            <a:pPr algn="l" fontAlgn="base">
+              <a:buFont typeface="+mj-lt"/>
               <a:buAutoNum type="arabicPeriod"/>
             </a:pPr>
             <a:r>
-              <a:rPr lang="en-AU" dirty="0">
-                <a:solidFill>
-                  <a:srgbClr val="7E7E7E"/>
-                </a:solidFill>
-                <a:latin typeface="Poppins"/>
+              <a:rPr lang="en-GB" b="0" i="0" dirty="0">
+                <a:effectLst/>
+                <a:latin typeface="Inter"/>
               </a:rPr>
-              <a:t>Clustering (optional)</a:t>
-            </a:r>
-            <a:endParaRPr lang="en-AU" b="0" i="0" dirty="0">
-              <a:solidFill>
-                <a:srgbClr val="7E7E7E"/>
-              </a:solidFill>
-              <a:effectLst/>
-              <a:latin typeface="Poppins"/>
-            </a:endParaRPr>
-          </a:p>
-          <a:p>
-            <a:pPr marL="514350" indent="-514350" algn="just">
+              <a:t>Target: Claim Status </a:t>
+            </a:r>
+          </a:p>
+          <a:p>
+            <a:pPr algn="l" fontAlgn="base">
+              <a:buFont typeface="+mj-lt"/>
               <a:buAutoNum type="arabicPeriod"/>
             </a:pPr>
             <a:r>
-              <a:rPr lang="en-AU" b="0" i="0" dirty="0">
-                <a:solidFill>
-                  <a:srgbClr val="7E7E7E"/>
-                </a:solidFill>
+              <a:rPr lang="en-GB" b="0" i="0" dirty="0">
                 <a:effectLst/>
-                <a:latin typeface="Poppins"/>
+                <a:latin typeface="Inter"/>
               </a:rPr>
-              <a:t>.describe()</a:t>
-            </a:r>
-          </a:p>
-          <a:p>
-            <a:pPr marL="514350" indent="-514350" algn="just">
+              <a:t>Name of agency </a:t>
+            </a:r>
+          </a:p>
+          <a:p>
+            <a:pPr algn="l" fontAlgn="base">
+              <a:buFont typeface="+mj-lt"/>
               <a:buAutoNum type="arabicPeriod"/>
             </a:pPr>
             <a:r>
-              <a:rPr lang="en-AU" dirty="0">
-                <a:solidFill>
-                  <a:srgbClr val="7E7E7E"/>
-                </a:solidFill>
-                <a:latin typeface="Poppins"/>
+              <a:rPr lang="en-GB" b="0" i="0" dirty="0">
+                <a:effectLst/>
+                <a:latin typeface="Inter"/>
               </a:rPr>
-              <a:t>.</a:t>
-            </a:r>
-            <a:r>
-              <a:rPr lang="en-AU" dirty="0" err="1">
-                <a:solidFill>
-                  <a:srgbClr val="7E7E7E"/>
-                </a:solidFill>
-                <a:latin typeface="Poppins"/>
-              </a:rPr>
-              <a:t>agg</a:t>
-            </a:r>
-            <a:r>
-              <a:rPr lang="en-AU" dirty="0">
-                <a:solidFill>
-                  <a:srgbClr val="7E7E7E"/>
-                </a:solidFill>
-                <a:latin typeface="Poppins"/>
-              </a:rPr>
-              <a:t>()</a:t>
-            </a:r>
-          </a:p>
-          <a:p>
-            <a:pPr marL="514350" indent="-514350" algn="just">
+              <a:t>Type of travel insurance agencies </a:t>
+            </a:r>
+          </a:p>
+          <a:p>
+            <a:pPr algn="l" fontAlgn="base">
+              <a:buFont typeface="+mj-lt"/>
               <a:buAutoNum type="arabicPeriod"/>
             </a:pPr>
             <a:r>
-              <a:rPr lang="en-AU" b="0" i="0" dirty="0" err="1">
-                <a:solidFill>
-                  <a:srgbClr val="7E7E7E"/>
-                </a:solidFill>
+              <a:rPr lang="en-GB" b="0" i="0" dirty="0">
                 <a:effectLst/>
-                <a:latin typeface="Poppins"/>
+                <a:latin typeface="Inter"/>
               </a:rPr>
-              <a:t>Pd.qcut</a:t>
-            </a:r>
-            <a:r>
-              <a:rPr lang="en-AU" b="0" i="0" dirty="0">
-                <a:solidFill>
-                  <a:srgbClr val="7E7E7E"/>
-                </a:solidFill>
-                <a:effectLst/>
-                <a:latin typeface="Poppins"/>
-              </a:rPr>
-              <a:t>()</a:t>
-            </a:r>
-          </a:p>
-          <a:p>
-            <a:pPr marL="514350" indent="-514350" algn="just">
+              <a:t>Distribution channel of travel insurance agencies </a:t>
+            </a:r>
+          </a:p>
+          <a:p>
+            <a:pPr algn="l" fontAlgn="base">
+              <a:buFont typeface="+mj-lt"/>
               <a:buAutoNum type="arabicPeriod"/>
             </a:pPr>
             <a:r>
-              <a:rPr lang="en-AU" dirty="0">
-                <a:solidFill>
-                  <a:srgbClr val="7E7E7E"/>
-                </a:solidFill>
-                <a:latin typeface="Poppins"/>
+              <a:rPr lang="en-GB" b="0" i="0" dirty="0">
+                <a:effectLst/>
+                <a:latin typeface="Inter"/>
               </a:rPr>
-              <a:t>Scatter matrix with cluster labels</a:t>
-            </a:r>
-          </a:p>
-          <a:p>
-            <a:pPr marL="514350" indent="-514350" algn="just">
+              <a:t>Name of the travel insurance products </a:t>
+            </a:r>
+          </a:p>
+          <a:p>
+            <a:pPr algn="l" fontAlgn="base">
+              <a:buFont typeface="+mj-lt"/>
               <a:buAutoNum type="arabicPeriod"/>
             </a:pPr>
             <a:r>
-              <a:rPr lang="en-AU" b="0" i="0" dirty="0">
-                <a:solidFill>
-                  <a:srgbClr val="7E7E7E"/>
-                </a:solidFill>
+              <a:rPr lang="en-GB" b="0" i="0" dirty="0">
                 <a:effectLst/>
-                <a:latin typeface="Poppins"/>
+                <a:latin typeface="Inter"/>
               </a:rPr>
-              <a:t>It is not necessarily linear</a:t>
-            </a:r>
-            <a:r>
-              <a:rPr lang="en-AU" dirty="0">
-                <a:solidFill>
-                  <a:srgbClr val="7E7E7E"/>
-                </a:solidFill>
-                <a:latin typeface="Poppins"/>
-              </a:rPr>
-              <a:t>, more iterative</a:t>
-            </a:r>
-          </a:p>
-          <a:p>
-            <a:pPr marL="514350" indent="-514350" algn="just">
+              <a:t>Duration of travel </a:t>
+            </a:r>
+          </a:p>
+          <a:p>
+            <a:pPr algn="l" fontAlgn="base">
+              <a:buFont typeface="+mj-lt"/>
               <a:buAutoNum type="arabicPeriod"/>
             </a:pPr>
             <a:r>
-              <a:rPr lang="en-AU" b="0" i="0" dirty="0">
-                <a:solidFill>
-                  <a:srgbClr val="7E7E7E"/>
-                </a:solidFill>
+              <a:rPr lang="en-GB" b="0" i="0" dirty="0">
                 <a:effectLst/>
-                <a:latin typeface="Poppins"/>
+                <a:latin typeface="Inter"/>
               </a:rPr>
-              <a:t>Pa</a:t>
-            </a:r>
-            <a:r>
-              <a:rPr lang="en-AU" dirty="0">
-                <a:solidFill>
-                  <a:srgbClr val="7E7E7E"/>
-                </a:solidFill>
-                <a:latin typeface="Poppins"/>
+              <a:t>Destination of travel </a:t>
+            </a:r>
+          </a:p>
+          <a:p>
+            <a:pPr algn="l" fontAlgn="base">
+              <a:buFont typeface="+mj-lt"/>
+              <a:buAutoNum type="arabicPeriod"/>
+            </a:pPr>
+            <a:r>
+              <a:rPr lang="en-GB" b="0" i="0" dirty="0">
+                <a:effectLst/>
+                <a:latin typeface="Inter"/>
               </a:rPr>
-              <a:t>ndas profiling</a:t>
-            </a:r>
-            <a:endParaRPr lang="en-AU" b="0" i="0" dirty="0">
-              <a:solidFill>
-                <a:srgbClr val="7E7E7E"/>
-              </a:solidFill>
-              <a:effectLst/>
-              <a:latin typeface="Poppins"/>
-            </a:endParaRPr>
+              <a:t>Amount of sales of travel insurance policies</a:t>
+            </a:r>
+          </a:p>
+          <a:p>
+            <a:pPr algn="l" fontAlgn="base">
+              <a:buFont typeface="+mj-lt"/>
+              <a:buAutoNum type="arabicPeriod"/>
+            </a:pPr>
+            <a:r>
+              <a:rPr lang="en-GB" b="0" i="0" dirty="0">
+                <a:effectLst/>
+                <a:latin typeface="Inter"/>
+              </a:rPr>
+              <a:t>Commission received for travel insurance agency </a:t>
+            </a:r>
+          </a:p>
+          <a:p>
+            <a:pPr algn="l" fontAlgn="base">
+              <a:buFont typeface="+mj-lt"/>
+              <a:buAutoNum type="arabicPeriod"/>
+            </a:pPr>
+            <a:r>
+              <a:rPr lang="en-GB" b="0" i="0" dirty="0">
+                <a:effectLst/>
+                <a:latin typeface="Inter"/>
+              </a:rPr>
+              <a:t>Gender of insured </a:t>
+            </a:r>
+          </a:p>
+          <a:p>
+            <a:pPr algn="l" fontAlgn="base">
+              <a:buFont typeface="+mj-lt"/>
+              <a:buAutoNum type="arabicPeriod"/>
+            </a:pPr>
+            <a:r>
+              <a:rPr lang="en-GB" b="0" i="0" dirty="0">
+                <a:effectLst/>
+                <a:latin typeface="Inter"/>
+              </a:rPr>
+              <a:t>Age of insured</a:t>
+            </a:r>
+            <a:endParaRPr lang="en-AU" dirty="0"/>
           </a:p>
         </p:txBody>
       </p:sp>
     </p:spTree>
     <p:extLst>
       <p:ext uri="{BB962C8B-B14F-4D97-AF65-F5344CB8AC3E}">
-        <p14:creationId xmlns:p14="http://schemas.microsoft.com/office/powerpoint/2010/main" val="1658470203"/>
+        <p14:creationId xmlns:p14="http://schemas.microsoft.com/office/powerpoint/2010/main" val="504490809"/>
       </p:ext>
     </p:extLst>
   </p:cSld>
@@ -5993,7 +7391,7 @@
           <p:cNvPr id="2" name="Title 1">
             <a:extLst>
               <a:ext uri="{FF2B5EF4-FFF2-40B4-BE49-F238E27FC236}">
-                <a16:creationId xmlns:a16="http://schemas.microsoft.com/office/drawing/2014/main" id="{2ADC7E0C-CB65-4CA7-8948-8DB68E900A6B}"/>
+                <a16:creationId xmlns:a16="http://schemas.microsoft.com/office/drawing/2014/main" id="{41C571BF-8018-4438-B90E-3E0F46D79745}"/>
               </a:ext>
             </a:extLst>
           </p:cNvPr>
@@ -6009,381 +7407,39 @@
           <a:bodyPr/>
           <a:lstStyle/>
           <a:p>
-            <a:r>
-              <a:rPr lang="en-AU" dirty="0"/>
-              <a:t>Summary</a:t>
-            </a:r>
-          </a:p>
-        </p:txBody>
-      </p:sp>
-      <p:sp>
-        <p:nvSpPr>
-          <p:cNvPr id="5" name="TextBox 4">
-            <a:extLst>
-              <a:ext uri="{FF2B5EF4-FFF2-40B4-BE49-F238E27FC236}">
-                <a16:creationId xmlns:a16="http://schemas.microsoft.com/office/drawing/2014/main" id="{00112385-DF1D-42A7-809F-30E8BB4D1D1B}"/>
-              </a:ext>
-            </a:extLst>
-          </p:cNvPr>
-          <p:cNvSpPr txBox="1"/>
-          <p:nvPr/>
-        </p:nvSpPr>
-        <p:spPr>
-          <a:xfrm>
-            <a:off x="838200" y="3762375"/>
-            <a:ext cx="10306050" cy="369332"/>
-          </a:xfrm>
-          <a:prstGeom prst="rect">
-            <a:avLst/>
-          </a:prstGeom>
-          <a:noFill/>
-        </p:spPr>
-        <p:txBody>
-          <a:bodyPr wrap="square">
-            <a:spAutoFit/>
-          </a:bodyPr>
-          <a:lstStyle/>
-          <a:p>
-            <a:r>
-              <a:rPr lang="en-AU" dirty="0"/>
-              <a:t>Define problem -&gt; collect -&gt; clean -&gt; EDA -&gt; feature engineer -&gt; model -&gt; validate/test -&gt; present -&gt; monitor</a:t>
-            </a:r>
-          </a:p>
-        </p:txBody>
-      </p:sp>
-      <p:sp>
-        <p:nvSpPr>
-          <p:cNvPr id="17" name="Arrow: Curved Up 16">
-            <a:extLst>
-              <a:ext uri="{FF2B5EF4-FFF2-40B4-BE49-F238E27FC236}">
-                <a16:creationId xmlns:a16="http://schemas.microsoft.com/office/drawing/2014/main" id="{6E79EB2E-19E0-4C65-8A41-A6F4AA705BD3}"/>
-              </a:ext>
-            </a:extLst>
-          </p:cNvPr>
-          <p:cNvSpPr/>
-          <p:nvPr/>
-        </p:nvSpPr>
-        <p:spPr>
-          <a:xfrm>
-            <a:off x="1685925" y="4357687"/>
-            <a:ext cx="5629275" cy="1099583"/>
-          </a:xfrm>
-          <a:prstGeom prst="curvedUpArrow">
-            <a:avLst/>
-          </a:prstGeom>
-        </p:spPr>
-        <p:style>
-          <a:lnRef idx="2">
-            <a:schemeClr val="accent1">
-              <a:shade val="50000"/>
-            </a:schemeClr>
-          </a:lnRef>
-          <a:fillRef idx="1">
-            <a:schemeClr val="accent1"/>
-          </a:fillRef>
-          <a:effectRef idx="0">
-            <a:schemeClr val="accent1"/>
-          </a:effectRef>
-          <a:fontRef idx="minor">
-            <a:schemeClr val="lt1"/>
-          </a:fontRef>
-        </p:style>
-        <p:txBody>
-          <a:bodyPr rtlCol="0" anchor="ctr"/>
-          <a:lstStyle/>
-          <a:p>
-            <a:pPr algn="ctr"/>
-            <a:endParaRPr lang="en-AU" dirty="0">
-              <a:solidFill>
-                <a:schemeClr val="tx1"/>
-              </a:solidFill>
-            </a:endParaRPr>
-          </a:p>
-        </p:txBody>
-      </p:sp>
-      <p:sp>
-        <p:nvSpPr>
-          <p:cNvPr id="18" name="TextBox 17">
-            <a:extLst>
-              <a:ext uri="{FF2B5EF4-FFF2-40B4-BE49-F238E27FC236}">
-                <a16:creationId xmlns:a16="http://schemas.microsoft.com/office/drawing/2014/main" id="{D9FD5A2C-31E0-4B72-940F-CF0E8C16EF33}"/>
-              </a:ext>
-            </a:extLst>
-          </p:cNvPr>
-          <p:cNvSpPr txBox="1"/>
-          <p:nvPr/>
-        </p:nvSpPr>
-        <p:spPr>
-          <a:xfrm>
-            <a:off x="3386138" y="5591304"/>
-            <a:ext cx="2471737" cy="646331"/>
-          </a:xfrm>
-          <a:prstGeom prst="rect">
-            <a:avLst/>
-          </a:prstGeom>
-          <a:noFill/>
-        </p:spPr>
-        <p:txBody>
-          <a:bodyPr wrap="square" rtlCol="0">
-            <a:spAutoFit/>
-          </a:bodyPr>
-          <a:lstStyle/>
-          <a:p>
-            <a:r>
-              <a:rPr lang="en-AU" dirty="0"/>
-              <a:t>Level of interpretability</a:t>
-            </a:r>
-          </a:p>
-          <a:p>
-            <a:r>
-              <a:rPr lang="en-AU" dirty="0"/>
-              <a:t>KPI thresholds</a:t>
-            </a:r>
-          </a:p>
-        </p:txBody>
-      </p:sp>
-      <p:sp>
-        <p:nvSpPr>
-          <p:cNvPr id="19" name="Arrow: Curved Up 18">
-            <a:extLst>
-              <a:ext uri="{FF2B5EF4-FFF2-40B4-BE49-F238E27FC236}">
-                <a16:creationId xmlns:a16="http://schemas.microsoft.com/office/drawing/2014/main" id="{5EF7A0CB-BA70-49FA-8F91-4075EDFD93B4}"/>
-              </a:ext>
-            </a:extLst>
-          </p:cNvPr>
-          <p:cNvSpPr/>
-          <p:nvPr/>
-        </p:nvSpPr>
-        <p:spPr>
-          <a:xfrm>
-            <a:off x="1685925" y="4357686"/>
-            <a:ext cx="3057525" cy="1099583"/>
-          </a:xfrm>
-          <a:prstGeom prst="curvedUpArrow">
-            <a:avLst/>
-          </a:prstGeom>
-        </p:spPr>
-        <p:style>
-          <a:lnRef idx="2">
-            <a:schemeClr val="accent1">
-              <a:shade val="50000"/>
-            </a:schemeClr>
-          </a:lnRef>
-          <a:fillRef idx="1">
-            <a:schemeClr val="accent1"/>
-          </a:fillRef>
-          <a:effectRef idx="0">
-            <a:schemeClr val="accent1"/>
-          </a:effectRef>
-          <a:fontRef idx="minor">
-            <a:schemeClr val="lt1"/>
-          </a:fontRef>
-        </p:style>
-        <p:txBody>
-          <a:bodyPr rtlCol="0" anchor="ctr"/>
-          <a:lstStyle/>
-          <a:p>
-            <a:pPr algn="ctr"/>
-            <a:endParaRPr lang="en-AU" dirty="0">
-              <a:solidFill>
-                <a:schemeClr val="tx1"/>
-              </a:solidFill>
-            </a:endParaRPr>
-          </a:p>
-        </p:txBody>
-      </p:sp>
-      <p:sp>
-        <p:nvSpPr>
-          <p:cNvPr id="20" name="TextBox 19">
-            <a:extLst>
-              <a:ext uri="{FF2B5EF4-FFF2-40B4-BE49-F238E27FC236}">
-                <a16:creationId xmlns:a16="http://schemas.microsoft.com/office/drawing/2014/main" id="{89E4B215-6A80-4FA2-9656-D17B7FDB9874}"/>
-              </a:ext>
-            </a:extLst>
-          </p:cNvPr>
-          <p:cNvSpPr txBox="1"/>
-          <p:nvPr/>
-        </p:nvSpPr>
-        <p:spPr>
-          <a:xfrm>
-            <a:off x="3624263" y="2982010"/>
-            <a:ext cx="2471737" cy="646331"/>
-          </a:xfrm>
-          <a:prstGeom prst="rect">
-            <a:avLst/>
-          </a:prstGeom>
-          <a:noFill/>
-        </p:spPr>
-        <p:txBody>
-          <a:bodyPr wrap="square" rtlCol="0">
-            <a:spAutoFit/>
-          </a:bodyPr>
-          <a:lstStyle/>
-          <a:p>
-            <a:r>
-              <a:rPr lang="en-AU" dirty="0"/>
-              <a:t>??</a:t>
-            </a:r>
-          </a:p>
-          <a:p>
-            <a:endParaRPr lang="en-AU" dirty="0"/>
-          </a:p>
-        </p:txBody>
-      </p:sp>
-      <p:sp>
-        <p:nvSpPr>
-          <p:cNvPr id="22" name="Arrow: U-Turn 21">
-            <a:extLst>
-              <a:ext uri="{FF2B5EF4-FFF2-40B4-BE49-F238E27FC236}">
-                <a16:creationId xmlns:a16="http://schemas.microsoft.com/office/drawing/2014/main" id="{3DEFA7E2-DB0C-43C0-8078-E4F04CD785D5}"/>
-              </a:ext>
-            </a:extLst>
-          </p:cNvPr>
-          <p:cNvSpPr/>
-          <p:nvPr/>
-        </p:nvSpPr>
-        <p:spPr>
-          <a:xfrm>
-            <a:off x="4500562" y="3095625"/>
-            <a:ext cx="1595438" cy="532716"/>
-          </a:xfrm>
-          <a:prstGeom prst="uturnArrow">
-            <a:avLst/>
-          </a:prstGeom>
-        </p:spPr>
-        <p:style>
-          <a:lnRef idx="2">
-            <a:schemeClr val="accent1">
-              <a:shade val="50000"/>
-            </a:schemeClr>
-          </a:lnRef>
-          <a:fillRef idx="1">
-            <a:schemeClr val="accent1"/>
-          </a:fillRef>
-          <a:effectRef idx="0">
-            <a:schemeClr val="accent1"/>
-          </a:effectRef>
-          <a:fontRef idx="minor">
-            <a:schemeClr val="lt1"/>
-          </a:fontRef>
-        </p:style>
-        <p:txBody>
-          <a:bodyPr rtlCol="0" anchor="ctr"/>
-          <a:lstStyle/>
-          <a:p>
-            <a:pPr algn="ctr"/>
-            <a:endParaRPr lang="en-AU">
-              <a:solidFill>
-                <a:schemeClr val="tx1"/>
-              </a:solidFill>
-            </a:endParaRPr>
-          </a:p>
-        </p:txBody>
-      </p:sp>
-      <p:sp>
-        <p:nvSpPr>
-          <p:cNvPr id="23" name="Arrow: U-Turn 22">
-            <a:extLst>
-              <a:ext uri="{FF2B5EF4-FFF2-40B4-BE49-F238E27FC236}">
-                <a16:creationId xmlns:a16="http://schemas.microsoft.com/office/drawing/2014/main" id="{BFDF283E-F624-4516-A9BE-160867AF1F37}"/>
-              </a:ext>
-            </a:extLst>
-          </p:cNvPr>
-          <p:cNvSpPr/>
-          <p:nvPr/>
-        </p:nvSpPr>
-        <p:spPr>
-          <a:xfrm>
-            <a:off x="4500562" y="3095625"/>
-            <a:ext cx="5157788" cy="532716"/>
-          </a:xfrm>
-          <a:prstGeom prst="uturnArrow">
-            <a:avLst/>
-          </a:prstGeom>
-        </p:spPr>
-        <p:style>
-          <a:lnRef idx="2">
-            <a:schemeClr val="accent1">
-              <a:shade val="50000"/>
-            </a:schemeClr>
-          </a:lnRef>
-          <a:fillRef idx="1">
-            <a:schemeClr val="accent1"/>
-          </a:fillRef>
-          <a:effectRef idx="0">
-            <a:schemeClr val="accent1"/>
-          </a:effectRef>
-          <a:fontRef idx="minor">
-            <a:schemeClr val="lt1"/>
-          </a:fontRef>
-        </p:style>
-        <p:txBody>
-          <a:bodyPr rtlCol="0" anchor="ctr"/>
-          <a:lstStyle/>
-          <a:p>
-            <a:pPr algn="ctr"/>
-            <a:endParaRPr lang="en-AU">
-              <a:solidFill>
-                <a:schemeClr val="tx1"/>
-              </a:solidFill>
-            </a:endParaRPr>
-          </a:p>
-        </p:txBody>
-      </p:sp>
-      <p:sp>
-        <p:nvSpPr>
-          <p:cNvPr id="24" name="Arrow: U-Turn 23">
-            <a:extLst>
-              <a:ext uri="{FF2B5EF4-FFF2-40B4-BE49-F238E27FC236}">
-                <a16:creationId xmlns:a16="http://schemas.microsoft.com/office/drawing/2014/main" id="{C0196BFC-A169-4EA2-8F6A-7E6440E9B999}"/>
-              </a:ext>
-            </a:extLst>
-          </p:cNvPr>
-          <p:cNvSpPr/>
-          <p:nvPr/>
-        </p:nvSpPr>
-        <p:spPr>
-          <a:xfrm>
-            <a:off x="4500562" y="3095624"/>
-            <a:ext cx="6186488" cy="532716"/>
-          </a:xfrm>
-          <a:prstGeom prst="uturnArrow">
-            <a:avLst/>
-          </a:prstGeom>
-        </p:spPr>
-        <p:style>
-          <a:lnRef idx="2">
-            <a:schemeClr val="accent1">
-              <a:shade val="50000"/>
-            </a:schemeClr>
-          </a:lnRef>
-          <a:fillRef idx="1">
-            <a:schemeClr val="accent1"/>
-          </a:fillRef>
-          <a:effectRef idx="0">
-            <a:schemeClr val="accent1"/>
-          </a:effectRef>
-          <a:fontRef idx="minor">
-            <a:schemeClr val="lt1"/>
-          </a:fontRef>
-        </p:style>
-        <p:txBody>
-          <a:bodyPr rtlCol="0" anchor="ctr"/>
-          <a:lstStyle/>
-          <a:p>
-            <a:pPr algn="ctr"/>
-            <a:endParaRPr lang="en-AU">
-              <a:solidFill>
-                <a:schemeClr val="tx1"/>
-              </a:solidFill>
-            </a:endParaRPr>
+            <a:endParaRPr lang="en-AU"/>
+          </a:p>
+        </p:txBody>
+      </p:sp>
+      <p:sp>
+        <p:nvSpPr>
+          <p:cNvPr id="3" name="Content Placeholder 2">
+            <a:extLst>
+              <a:ext uri="{FF2B5EF4-FFF2-40B4-BE49-F238E27FC236}">
+                <a16:creationId xmlns:a16="http://schemas.microsoft.com/office/drawing/2014/main" id="{D31F09CB-533A-424F-98D5-2F1F3770EAEE}"/>
+              </a:ext>
+            </a:extLst>
+          </p:cNvPr>
+          <p:cNvSpPr>
+            <a:spLocks noGrp="1"/>
+          </p:cNvSpPr>
+          <p:nvPr>
+            <p:ph idx="1"/>
+          </p:nvPr>
+        </p:nvSpPr>
+        <p:spPr/>
+        <p:txBody>
+          <a:bodyPr/>
+          <a:lstStyle/>
+          <a:p>
+            <a:endParaRPr lang="en-AU"/>
           </a:p>
         </p:txBody>
       </p:sp>
     </p:spTree>
     <p:extLst>
       <p:ext uri="{BB962C8B-B14F-4D97-AF65-F5344CB8AC3E}">
-        <p14:creationId xmlns:p14="http://schemas.microsoft.com/office/powerpoint/2010/main" val="2791687609"/>
+        <p14:creationId xmlns:p14="http://schemas.microsoft.com/office/powerpoint/2010/main" val="2245684248"/>
       </p:ext>
     </p:extLst>
   </p:cSld>

--- a/Problem Formulation & EDA.pptx
+++ b/Problem Formulation & EDA.pptx
@@ -5,7 +5,7 @@
     <p:sldMasterId id="2147483648" r:id="rId1"/>
   </p:sldMasterIdLst>
   <p:notesMasterIdLst>
-    <p:notesMasterId r:id="rId17"/>
+    <p:notesMasterId r:id="rId14"/>
   </p:notesMasterIdLst>
   <p:sldIdLst>
     <p:sldId id="256" r:id="rId2"/>
@@ -17,12 +17,9 @@
     <p:sldId id="261" r:id="rId8"/>
     <p:sldId id="267" r:id="rId9"/>
     <p:sldId id="270" r:id="rId10"/>
-    <p:sldId id="266" r:id="rId11"/>
-    <p:sldId id="268" r:id="rId12"/>
-    <p:sldId id="269" r:id="rId13"/>
-    <p:sldId id="263" r:id="rId14"/>
-    <p:sldId id="262" r:id="rId15"/>
-    <p:sldId id="264" r:id="rId16"/>
+    <p:sldId id="263" r:id="rId11"/>
+    <p:sldId id="271" r:id="rId12"/>
+    <p:sldId id="264" r:id="rId13"/>
   </p:sldIdLst>
   <p:sldSz cx="12192000" cy="6858000"/>
   <p:notesSz cx="6858000" cy="9144000"/>
@@ -211,7 +208,7 @@
           <a:p>
             <a:fld id="{1107AAAD-A763-4B86-A2B7-07FBDE9BAB75}" type="datetimeFigureOut">
               <a:rPr lang="en-AU" smtClean="0"/>
-              <a:t>10/08/2021</a:t>
+              <a:t>11/08/2021</a:t>
             </a:fld>
             <a:endParaRPr lang="en-AU"/>
           </a:p>
@@ -1271,6 +1268,18 @@
               <a:t>For heavy excel users, think of it this way. Doing up a model without any EDA is like doing all the spreadsheet workings, then copy pasting as values and saving over it.</a:t>
             </a:r>
           </a:p>
+          <a:p>
+            <a:endParaRPr lang="en-AU" dirty="0"/>
+          </a:p>
+          <a:p>
+            <a:endParaRPr lang="en-AU" dirty="0"/>
+          </a:p>
+          <a:p>
+            <a:r>
+              <a:rPr lang="en-AU" dirty="0"/>
+              <a:t>The idea is go through and iterate through the EDA process, and throw the feature columns into one of these buckets along the way.</a:t>
+            </a:r>
+          </a:p>
         </p:txBody>
       </p:sp>
       <p:sp>
@@ -1783,7 +1792,7 @@
           <a:p>
             <a:fld id="{75394A9C-DD77-468F-899D-B535CEE43AF3}" type="slidenum">
               <a:rPr lang="en-AU" smtClean="0"/>
-              <a:t>13</a:t>
+              <a:t>10</a:t>
             </a:fld>
             <a:endParaRPr lang="en-AU"/>
           </a:p>
@@ -1951,7 +1960,7 @@
           <a:p>
             <a:fld id="{88AE2C35-0D28-4825-98D7-B391AF6BD3F5}" type="datetimeFigureOut">
               <a:rPr lang="en-AU" smtClean="0"/>
-              <a:t>10/08/2021</a:t>
+              <a:t>11/08/2021</a:t>
             </a:fld>
             <a:endParaRPr lang="en-AU"/>
           </a:p>
@@ -2151,7 +2160,7 @@
           <a:p>
             <a:fld id="{88AE2C35-0D28-4825-98D7-B391AF6BD3F5}" type="datetimeFigureOut">
               <a:rPr lang="en-AU" smtClean="0"/>
-              <a:t>10/08/2021</a:t>
+              <a:t>11/08/2021</a:t>
             </a:fld>
             <a:endParaRPr lang="en-AU"/>
           </a:p>
@@ -2361,7 +2370,7 @@
           <a:p>
             <a:fld id="{88AE2C35-0D28-4825-98D7-B391AF6BD3F5}" type="datetimeFigureOut">
               <a:rPr lang="en-AU" smtClean="0"/>
-              <a:t>10/08/2021</a:t>
+              <a:t>11/08/2021</a:t>
             </a:fld>
             <a:endParaRPr lang="en-AU"/>
           </a:p>
@@ -2561,7 +2570,7 @@
           <a:p>
             <a:fld id="{88AE2C35-0D28-4825-98D7-B391AF6BD3F5}" type="datetimeFigureOut">
               <a:rPr lang="en-AU" smtClean="0"/>
-              <a:t>10/08/2021</a:t>
+              <a:t>11/08/2021</a:t>
             </a:fld>
             <a:endParaRPr lang="en-AU"/>
           </a:p>
@@ -2837,7 +2846,7 @@
           <a:p>
             <a:fld id="{88AE2C35-0D28-4825-98D7-B391AF6BD3F5}" type="datetimeFigureOut">
               <a:rPr lang="en-AU" smtClean="0"/>
-              <a:t>10/08/2021</a:t>
+              <a:t>11/08/2021</a:t>
             </a:fld>
             <a:endParaRPr lang="en-AU"/>
           </a:p>
@@ -3105,7 +3114,7 @@
           <a:p>
             <a:fld id="{88AE2C35-0D28-4825-98D7-B391AF6BD3F5}" type="datetimeFigureOut">
               <a:rPr lang="en-AU" smtClean="0"/>
-              <a:t>10/08/2021</a:t>
+              <a:t>11/08/2021</a:t>
             </a:fld>
             <a:endParaRPr lang="en-AU"/>
           </a:p>
@@ -3520,7 +3529,7 @@
           <a:p>
             <a:fld id="{88AE2C35-0D28-4825-98D7-B391AF6BD3F5}" type="datetimeFigureOut">
               <a:rPr lang="en-AU" smtClean="0"/>
-              <a:t>10/08/2021</a:t>
+              <a:t>11/08/2021</a:t>
             </a:fld>
             <a:endParaRPr lang="en-AU"/>
           </a:p>
@@ -3662,7 +3671,7 @@
           <a:p>
             <a:fld id="{88AE2C35-0D28-4825-98D7-B391AF6BD3F5}" type="datetimeFigureOut">
               <a:rPr lang="en-AU" smtClean="0"/>
-              <a:t>10/08/2021</a:t>
+              <a:t>11/08/2021</a:t>
             </a:fld>
             <a:endParaRPr lang="en-AU"/>
           </a:p>
@@ -3775,7 +3784,7 @@
           <a:p>
             <a:fld id="{88AE2C35-0D28-4825-98D7-B391AF6BD3F5}" type="datetimeFigureOut">
               <a:rPr lang="en-AU" smtClean="0"/>
-              <a:t>10/08/2021</a:t>
+              <a:t>11/08/2021</a:t>
             </a:fld>
             <a:endParaRPr lang="en-AU"/>
           </a:p>
@@ -4088,7 +4097,7 @@
           <a:p>
             <a:fld id="{88AE2C35-0D28-4825-98D7-B391AF6BD3F5}" type="datetimeFigureOut">
               <a:rPr lang="en-AU" smtClean="0"/>
-              <a:t>10/08/2021</a:t>
+              <a:t>11/08/2021</a:t>
             </a:fld>
             <a:endParaRPr lang="en-AU"/>
           </a:p>
@@ -4377,7 +4386,7 @@
           <a:p>
             <a:fld id="{88AE2C35-0D28-4825-98D7-B391AF6BD3F5}" type="datetimeFigureOut">
               <a:rPr lang="en-AU" smtClean="0"/>
-              <a:t>10/08/2021</a:t>
+              <a:t>11/08/2021</a:t>
             </a:fld>
             <a:endParaRPr lang="en-AU"/>
           </a:p>
@@ -4620,7 +4629,7 @@
           <a:p>
             <a:fld id="{88AE2C35-0D28-4825-98D7-B391AF6BD3F5}" type="datetimeFigureOut">
               <a:rPr lang="en-AU" smtClean="0"/>
-              <a:t>10/08/2021</a:t>
+              <a:t>11/08/2021</a:t>
             </a:fld>
             <a:endParaRPr lang="en-AU"/>
           </a:p>
@@ -5125,7 +5134,7 @@
           <p:cNvPr id="2" name="Title 1">
             <a:extLst>
               <a:ext uri="{FF2B5EF4-FFF2-40B4-BE49-F238E27FC236}">
-                <a16:creationId xmlns:a16="http://schemas.microsoft.com/office/drawing/2014/main" id="{65465530-CAB9-4FD6-8525-0A767E11E104}"/>
+                <a16:creationId xmlns:a16="http://schemas.microsoft.com/office/drawing/2014/main" id="{D70239AA-CFA7-47C4-A1EA-57159D42A2B6}"/>
               </a:ext>
             </a:extLst>
           </p:cNvPr>
@@ -5143,7 +5152,7 @@
           <a:p>
             <a:r>
               <a:rPr lang="en-AU" dirty="0"/>
-              <a:t>Class Imbalance and suspicious results</a:t>
+              <a:t>Outliers and scaling</a:t>
             </a:r>
           </a:p>
         </p:txBody>
@@ -5153,7 +5162,7 @@
           <p:cNvPr id="3" name="Content Placeholder 2">
             <a:extLst>
               <a:ext uri="{FF2B5EF4-FFF2-40B4-BE49-F238E27FC236}">
-                <a16:creationId xmlns:a16="http://schemas.microsoft.com/office/drawing/2014/main" id="{416ACB70-FB68-415C-B2F4-B6E75AAA0FEB}"/>
+                <a16:creationId xmlns:a16="http://schemas.microsoft.com/office/drawing/2014/main" id="{03199408-7B90-4275-9417-824F79462D4B}"/>
               </a:ext>
             </a:extLst>
           </p:cNvPr>
@@ -5166,17 +5175,48 @@
         </p:nvSpPr>
         <p:spPr/>
         <p:txBody>
-          <a:bodyPr/>
-          <a:lstStyle/>
-          <a:p>
-            <a:endParaRPr lang="en-AU"/>
+          <a:bodyPr>
+            <a:normAutofit/>
+          </a:bodyPr>
+          <a:lstStyle/>
+          <a:p>
+            <a:pPr lvl="1"/>
+            <a:r>
+              <a:rPr lang="en-AU" dirty="0"/>
+              <a:t>Can be determined from either .describe() or scatter matrices</a:t>
+            </a:r>
+          </a:p>
+          <a:p>
+            <a:pPr lvl="1"/>
+            <a:r>
+              <a:rPr lang="en-AU" dirty="0"/>
+              <a:t>Do we need it?</a:t>
+            </a:r>
+          </a:p>
+          <a:p>
+            <a:pPr lvl="1"/>
+            <a:r>
+              <a:rPr lang="en-AU" dirty="0"/>
+              <a:t>Which algorithm should we use, and do we need to scale our data? (technically yes, it is always good practice)</a:t>
+            </a:r>
+          </a:p>
+          <a:p>
+            <a:pPr lvl="1"/>
+            <a:r>
+              <a:rPr lang="en-AU" dirty="0"/>
+              <a:t>How do we want to scale our data?</a:t>
+            </a:r>
+          </a:p>
+          <a:p>
+            <a:pPr lvl="1"/>
+            <a:endParaRPr lang="en-AU" dirty="0"/>
           </a:p>
         </p:txBody>
       </p:sp>
     </p:spTree>
     <p:extLst>
       <p:ext uri="{BB962C8B-B14F-4D97-AF65-F5344CB8AC3E}">
-        <p14:creationId xmlns:p14="http://schemas.microsoft.com/office/powerpoint/2010/main" val="3304551928"/>
+        <p14:creationId xmlns:p14="http://schemas.microsoft.com/office/powerpoint/2010/main" val="1525833955"/>
       </p:ext>
     </p:extLst>
   </p:cSld>
@@ -5208,7 +5248,7 @@
           <p:cNvPr id="2" name="Title 1">
             <a:extLst>
               <a:ext uri="{FF2B5EF4-FFF2-40B4-BE49-F238E27FC236}">
-                <a16:creationId xmlns:a16="http://schemas.microsoft.com/office/drawing/2014/main" id="{C5D0DE2F-6D81-4C17-A822-05399AD057BD}"/>
+                <a16:creationId xmlns:a16="http://schemas.microsoft.com/office/drawing/2014/main" id="{40AE9985-6E9B-441B-B86B-9E5ACCE92E9F}"/>
               </a:ext>
             </a:extLst>
           </p:cNvPr>
@@ -5226,40 +5266,45 @@
           <a:p>
             <a:r>
               <a:rPr lang="en-AU" dirty="0"/>
-              <a:t>Let’s definitely try this</a:t>
-            </a:r>
-          </a:p>
-        </p:txBody>
-      </p:sp>
-      <p:sp>
-        <p:nvSpPr>
-          <p:cNvPr id="3" name="Content Placeholder 2">
-            <a:extLst>
-              <a:ext uri="{FF2B5EF4-FFF2-40B4-BE49-F238E27FC236}">
-                <a16:creationId xmlns:a16="http://schemas.microsoft.com/office/drawing/2014/main" id="{8B634CAC-C865-4095-8760-302523954686}"/>
-              </a:ext>
-            </a:extLst>
-          </p:cNvPr>
-          <p:cNvSpPr>
-            <a:spLocks noGrp="1"/>
-          </p:cNvSpPr>
-          <p:nvPr>
-            <p:ph idx="1"/>
-          </p:nvPr>
-        </p:nvSpPr>
-        <p:spPr/>
-        <p:txBody>
-          <a:bodyPr/>
-          <a:lstStyle/>
-          <a:p>
-            <a:endParaRPr lang="en-AU"/>
-          </a:p>
-        </p:txBody>
-      </p:sp>
+              <a:t>EDA Summary</a:t>
+            </a:r>
+          </a:p>
+        </p:txBody>
+      </p:sp>
+      <p:pic>
+        <p:nvPicPr>
+          <p:cNvPr id="5" name="Picture 4" descr="Diagram&#10;&#10;Description automatically generated">
+            <a:extLst>
+              <a:ext uri="{FF2B5EF4-FFF2-40B4-BE49-F238E27FC236}">
+                <a16:creationId xmlns:a16="http://schemas.microsoft.com/office/drawing/2014/main" id="{D8E23782-8FEB-4836-9CA2-E4D1A601B653}"/>
+              </a:ext>
+            </a:extLst>
+          </p:cNvPr>
+          <p:cNvPicPr>
+            <a:picLocks noChangeAspect="1"/>
+          </p:cNvPicPr>
+          <p:nvPr/>
+        </p:nvPicPr>
+        <p:blipFill>
+          <a:blip r:embed="rId2"/>
+          <a:stretch>
+            <a:fillRect/>
+          </a:stretch>
+        </p:blipFill>
+        <p:spPr>
+          <a:xfrm>
+            <a:off x="638175" y="1690688"/>
+            <a:ext cx="10915650" cy="4029075"/>
+          </a:xfrm>
+          <a:prstGeom prst="rect">
+            <a:avLst/>
+          </a:prstGeom>
+        </p:spPr>
+      </p:pic>
     </p:spTree>
     <p:extLst>
       <p:ext uri="{BB962C8B-B14F-4D97-AF65-F5344CB8AC3E}">
-        <p14:creationId xmlns:p14="http://schemas.microsoft.com/office/powerpoint/2010/main" val="1858896438"/>
+        <p14:creationId xmlns:p14="http://schemas.microsoft.com/office/powerpoint/2010/main" val="2859932023"/>
       </p:ext>
     </p:extLst>
   </p:cSld>
@@ -5270,447 +5315,6 @@
 </file>
 
 <file path=ppt/slides/slide12.xml><?xml version="1.0" encoding="utf-8"?>
-<p:sld xmlns:a="http://schemas.openxmlformats.org/drawingml/2006/main" xmlns:r="http://schemas.openxmlformats.org/officeDocument/2006/relationships" xmlns:p="http://schemas.openxmlformats.org/presentationml/2006/main">
-  <p:cSld>
-    <p:spTree>
-      <p:nvGrpSpPr>
-        <p:cNvPr id="1" name=""/>
-        <p:cNvGrpSpPr/>
-        <p:nvPr/>
-      </p:nvGrpSpPr>
-      <p:grpSpPr>
-        <a:xfrm>
-          <a:off x="0" y="0"/>
-          <a:ext cx="0" cy="0"/>
-          <a:chOff x="0" y="0"/>
-          <a:chExt cx="0" cy="0"/>
-        </a:xfrm>
-      </p:grpSpPr>
-      <p:sp>
-        <p:nvSpPr>
-          <p:cNvPr id="2" name="Title 1">
-            <a:extLst>
-              <a:ext uri="{FF2B5EF4-FFF2-40B4-BE49-F238E27FC236}">
-                <a16:creationId xmlns:a16="http://schemas.microsoft.com/office/drawing/2014/main" id="{E5F6F1FA-4353-4E78-A7B3-4A4B7884F471}"/>
-              </a:ext>
-            </a:extLst>
-          </p:cNvPr>
-          <p:cNvSpPr>
-            <a:spLocks noGrp="1"/>
-          </p:cNvSpPr>
-          <p:nvPr>
-            <p:ph type="title"/>
-          </p:nvPr>
-        </p:nvSpPr>
-        <p:spPr/>
-        <p:txBody>
-          <a:bodyPr/>
-          <a:lstStyle/>
-          <a:p>
-            <a:r>
-              <a:rPr lang="en-AU" dirty="0"/>
-              <a:t>Let’s maybe not include this</a:t>
-            </a:r>
-          </a:p>
-        </p:txBody>
-      </p:sp>
-      <p:sp>
-        <p:nvSpPr>
-          <p:cNvPr id="3" name="Content Placeholder 2">
-            <a:extLst>
-              <a:ext uri="{FF2B5EF4-FFF2-40B4-BE49-F238E27FC236}">
-                <a16:creationId xmlns:a16="http://schemas.microsoft.com/office/drawing/2014/main" id="{41621D0E-8F16-4EAA-ADCB-D9B92A322BF4}"/>
-              </a:ext>
-            </a:extLst>
-          </p:cNvPr>
-          <p:cNvSpPr>
-            <a:spLocks noGrp="1"/>
-          </p:cNvSpPr>
-          <p:nvPr>
-            <p:ph idx="1"/>
-          </p:nvPr>
-        </p:nvSpPr>
-        <p:spPr/>
-        <p:txBody>
-          <a:bodyPr/>
-          <a:lstStyle/>
-          <a:p>
-            <a:endParaRPr lang="en-AU"/>
-          </a:p>
-        </p:txBody>
-      </p:sp>
-    </p:spTree>
-    <p:extLst>
-      <p:ext uri="{BB962C8B-B14F-4D97-AF65-F5344CB8AC3E}">
-        <p14:creationId xmlns:p14="http://schemas.microsoft.com/office/powerpoint/2010/main" val="603438729"/>
-      </p:ext>
-    </p:extLst>
-  </p:cSld>
-  <p:clrMapOvr>
-    <a:masterClrMapping/>
-  </p:clrMapOvr>
-</p:sld>
-</file>
-
-<file path=ppt/slides/slide13.xml><?xml version="1.0" encoding="utf-8"?>
-<p:sld xmlns:a="http://schemas.openxmlformats.org/drawingml/2006/main" xmlns:r="http://schemas.openxmlformats.org/officeDocument/2006/relationships" xmlns:p="http://schemas.openxmlformats.org/presentationml/2006/main">
-  <p:cSld>
-    <p:spTree>
-      <p:nvGrpSpPr>
-        <p:cNvPr id="1" name=""/>
-        <p:cNvGrpSpPr/>
-        <p:nvPr/>
-      </p:nvGrpSpPr>
-      <p:grpSpPr>
-        <a:xfrm>
-          <a:off x="0" y="0"/>
-          <a:ext cx="0" cy="0"/>
-          <a:chOff x="0" y="0"/>
-          <a:chExt cx="0" cy="0"/>
-        </a:xfrm>
-      </p:grpSpPr>
-      <p:sp>
-        <p:nvSpPr>
-          <p:cNvPr id="2" name="Title 1">
-            <a:extLst>
-              <a:ext uri="{FF2B5EF4-FFF2-40B4-BE49-F238E27FC236}">
-                <a16:creationId xmlns:a16="http://schemas.microsoft.com/office/drawing/2014/main" id="{D70239AA-CFA7-47C4-A1EA-57159D42A2B6}"/>
-              </a:ext>
-            </a:extLst>
-          </p:cNvPr>
-          <p:cNvSpPr>
-            <a:spLocks noGrp="1"/>
-          </p:cNvSpPr>
-          <p:nvPr>
-            <p:ph type="title"/>
-          </p:nvPr>
-        </p:nvSpPr>
-        <p:spPr/>
-        <p:txBody>
-          <a:bodyPr/>
-          <a:lstStyle/>
-          <a:p>
-            <a:r>
-              <a:rPr lang="en-AU" dirty="0"/>
-              <a:t>Outliers and scaling</a:t>
-            </a:r>
-          </a:p>
-        </p:txBody>
-      </p:sp>
-      <p:sp>
-        <p:nvSpPr>
-          <p:cNvPr id="3" name="Content Placeholder 2">
-            <a:extLst>
-              <a:ext uri="{FF2B5EF4-FFF2-40B4-BE49-F238E27FC236}">
-                <a16:creationId xmlns:a16="http://schemas.microsoft.com/office/drawing/2014/main" id="{03199408-7B90-4275-9417-824F79462D4B}"/>
-              </a:ext>
-            </a:extLst>
-          </p:cNvPr>
-          <p:cNvSpPr>
-            <a:spLocks noGrp="1"/>
-          </p:cNvSpPr>
-          <p:nvPr>
-            <p:ph idx="1"/>
-          </p:nvPr>
-        </p:nvSpPr>
-        <p:spPr/>
-        <p:txBody>
-          <a:bodyPr>
-            <a:normAutofit/>
-          </a:bodyPr>
-          <a:lstStyle/>
-          <a:p>
-            <a:pPr lvl="1"/>
-            <a:r>
-              <a:rPr lang="en-AU" dirty="0"/>
-              <a:t>Can be determined from either .describe() or scatter matrices</a:t>
-            </a:r>
-          </a:p>
-          <a:p>
-            <a:pPr lvl="1"/>
-            <a:r>
-              <a:rPr lang="en-AU" dirty="0"/>
-              <a:t>Do we need it?</a:t>
-            </a:r>
-          </a:p>
-          <a:p>
-            <a:pPr lvl="1"/>
-            <a:r>
-              <a:rPr lang="en-AU" dirty="0"/>
-              <a:t>Which algorithm should we use, and do we need to scale our data? (technically yes, it is always good practice)</a:t>
-            </a:r>
-          </a:p>
-          <a:p>
-            <a:pPr lvl="1"/>
-            <a:r>
-              <a:rPr lang="en-AU" dirty="0"/>
-              <a:t>How do we want to scale our data?</a:t>
-            </a:r>
-          </a:p>
-          <a:p>
-            <a:pPr lvl="1"/>
-            <a:endParaRPr lang="en-AU" dirty="0"/>
-          </a:p>
-        </p:txBody>
-      </p:sp>
-    </p:spTree>
-    <p:extLst>
-      <p:ext uri="{BB962C8B-B14F-4D97-AF65-F5344CB8AC3E}">
-        <p14:creationId xmlns:p14="http://schemas.microsoft.com/office/powerpoint/2010/main" val="1525833955"/>
-      </p:ext>
-    </p:extLst>
-  </p:cSld>
-  <p:clrMapOvr>
-    <a:masterClrMapping/>
-  </p:clrMapOvr>
-</p:sld>
-</file>
-
-<file path=ppt/slides/slide14.xml><?xml version="1.0" encoding="utf-8"?>
-<p:sld xmlns:a="http://schemas.openxmlformats.org/drawingml/2006/main" xmlns:r="http://schemas.openxmlformats.org/officeDocument/2006/relationships" xmlns:p="http://schemas.openxmlformats.org/presentationml/2006/main">
-  <p:cSld>
-    <p:spTree>
-      <p:nvGrpSpPr>
-        <p:cNvPr id="1" name=""/>
-        <p:cNvGrpSpPr/>
-        <p:nvPr/>
-      </p:nvGrpSpPr>
-      <p:grpSpPr>
-        <a:xfrm>
-          <a:off x="0" y="0"/>
-          <a:ext cx="0" cy="0"/>
-          <a:chOff x="0" y="0"/>
-          <a:chExt cx="0" cy="0"/>
-        </a:xfrm>
-      </p:grpSpPr>
-      <p:sp>
-        <p:nvSpPr>
-          <p:cNvPr id="2" name="Title 1">
-            <a:extLst>
-              <a:ext uri="{FF2B5EF4-FFF2-40B4-BE49-F238E27FC236}">
-                <a16:creationId xmlns:a16="http://schemas.microsoft.com/office/drawing/2014/main" id="{1285CEAA-2848-4F5B-9A9F-0EF6AC6AC432}"/>
-              </a:ext>
-            </a:extLst>
-          </p:cNvPr>
-          <p:cNvSpPr>
-            <a:spLocks noGrp="1"/>
-          </p:cNvSpPr>
-          <p:nvPr>
-            <p:ph type="title"/>
-          </p:nvPr>
-        </p:nvSpPr>
-        <p:spPr/>
-        <p:txBody>
-          <a:bodyPr/>
-          <a:lstStyle/>
-          <a:p>
-            <a:r>
-              <a:rPr lang="en-AU" dirty="0"/>
-              <a:t>EDA framework</a:t>
-            </a:r>
-          </a:p>
-        </p:txBody>
-      </p:sp>
-      <p:sp>
-        <p:nvSpPr>
-          <p:cNvPr id="3" name="Content Placeholder 2">
-            <a:extLst>
-              <a:ext uri="{FF2B5EF4-FFF2-40B4-BE49-F238E27FC236}">
-                <a16:creationId xmlns:a16="http://schemas.microsoft.com/office/drawing/2014/main" id="{FDFDB44C-0499-49BE-82CD-A85AD0DF5E30}"/>
-              </a:ext>
-            </a:extLst>
-          </p:cNvPr>
-          <p:cNvSpPr>
-            <a:spLocks noGrp="1"/>
-          </p:cNvSpPr>
-          <p:nvPr>
-            <p:ph idx="1"/>
-          </p:nvPr>
-        </p:nvSpPr>
-        <p:spPr/>
-        <p:txBody>
-          <a:bodyPr>
-            <a:normAutofit/>
-          </a:bodyPr>
-          <a:lstStyle/>
-          <a:p>
-            <a:pPr marL="514350" indent="-514350" algn="just">
-              <a:buAutoNum type="arabicPeriod"/>
-            </a:pPr>
-            <a:r>
-              <a:rPr lang="en-AU" dirty="0">
-                <a:solidFill>
-                  <a:srgbClr val="7E7E7E"/>
-                </a:solidFill>
-                <a:latin typeface="Poppins"/>
-              </a:rPr>
-              <a:t>Clustering (optional)</a:t>
-            </a:r>
-            <a:endParaRPr lang="en-AU" b="0" i="0" dirty="0">
-              <a:solidFill>
-                <a:srgbClr val="7E7E7E"/>
-              </a:solidFill>
-              <a:effectLst/>
-              <a:latin typeface="Poppins"/>
-            </a:endParaRPr>
-          </a:p>
-          <a:p>
-            <a:pPr marL="514350" indent="-514350" algn="just">
-              <a:buAutoNum type="arabicPeriod"/>
-            </a:pPr>
-            <a:r>
-              <a:rPr lang="en-AU" b="0" i="0" dirty="0">
-                <a:solidFill>
-                  <a:srgbClr val="7E7E7E"/>
-                </a:solidFill>
-                <a:effectLst/>
-                <a:latin typeface="Poppins"/>
-              </a:rPr>
-              <a:t>.describe()</a:t>
-            </a:r>
-          </a:p>
-          <a:p>
-            <a:pPr marL="514350" indent="-514350" algn="just">
-              <a:buAutoNum type="arabicPeriod"/>
-            </a:pPr>
-            <a:r>
-              <a:rPr lang="en-AU" dirty="0">
-                <a:solidFill>
-                  <a:srgbClr val="7E7E7E"/>
-                </a:solidFill>
-                <a:latin typeface="Poppins"/>
-              </a:rPr>
-              <a:t>.</a:t>
-            </a:r>
-            <a:r>
-              <a:rPr lang="en-AU" dirty="0" err="1">
-                <a:solidFill>
-                  <a:srgbClr val="7E7E7E"/>
-                </a:solidFill>
-                <a:latin typeface="Poppins"/>
-              </a:rPr>
-              <a:t>agg</a:t>
-            </a:r>
-            <a:r>
-              <a:rPr lang="en-AU" dirty="0">
-                <a:solidFill>
-                  <a:srgbClr val="7E7E7E"/>
-                </a:solidFill>
-                <a:latin typeface="Poppins"/>
-              </a:rPr>
-              <a:t>()</a:t>
-            </a:r>
-          </a:p>
-          <a:p>
-            <a:pPr marL="514350" indent="-514350" algn="just">
-              <a:buAutoNum type="arabicPeriod"/>
-            </a:pPr>
-            <a:r>
-              <a:rPr lang="en-AU" b="0" i="0" dirty="0" err="1">
-                <a:solidFill>
-                  <a:srgbClr val="7E7E7E"/>
-                </a:solidFill>
-                <a:effectLst/>
-                <a:latin typeface="Poppins"/>
-              </a:rPr>
-              <a:t>Pd.qcut</a:t>
-            </a:r>
-            <a:r>
-              <a:rPr lang="en-AU" b="0" i="0" dirty="0">
-                <a:solidFill>
-                  <a:srgbClr val="7E7E7E"/>
-                </a:solidFill>
-                <a:effectLst/>
-                <a:latin typeface="Poppins"/>
-              </a:rPr>
-              <a:t>()</a:t>
-            </a:r>
-          </a:p>
-          <a:p>
-            <a:pPr marL="514350" indent="-514350" algn="just">
-              <a:buAutoNum type="arabicPeriod"/>
-            </a:pPr>
-            <a:r>
-              <a:rPr lang="en-AU" dirty="0">
-                <a:solidFill>
-                  <a:srgbClr val="7E7E7E"/>
-                </a:solidFill>
-                <a:latin typeface="Poppins"/>
-              </a:rPr>
-              <a:t>Scatter matrix with cluster labels</a:t>
-            </a:r>
-          </a:p>
-          <a:p>
-            <a:pPr marL="514350" indent="-514350" algn="just">
-              <a:buAutoNum type="arabicPeriod"/>
-            </a:pPr>
-            <a:r>
-              <a:rPr lang="en-AU" b="0" i="0" dirty="0">
-                <a:solidFill>
-                  <a:srgbClr val="7E7E7E"/>
-                </a:solidFill>
-                <a:effectLst/>
-                <a:latin typeface="Poppins"/>
-              </a:rPr>
-              <a:t>It is not necessarily linear</a:t>
-            </a:r>
-            <a:r>
-              <a:rPr lang="en-AU" dirty="0">
-                <a:solidFill>
-                  <a:srgbClr val="7E7E7E"/>
-                </a:solidFill>
-                <a:latin typeface="Poppins"/>
-              </a:rPr>
-              <a:t>, more iterative</a:t>
-            </a:r>
-          </a:p>
-          <a:p>
-            <a:pPr marL="514350" indent="-514350" algn="just">
-              <a:buAutoNum type="arabicPeriod"/>
-            </a:pPr>
-            <a:r>
-              <a:rPr lang="en-AU" b="0" i="0" dirty="0">
-                <a:solidFill>
-                  <a:srgbClr val="7E7E7E"/>
-                </a:solidFill>
-                <a:effectLst/>
-                <a:latin typeface="Poppins"/>
-              </a:rPr>
-              <a:t>Pa</a:t>
-            </a:r>
-            <a:r>
-              <a:rPr lang="en-AU" dirty="0">
-                <a:solidFill>
-                  <a:srgbClr val="7E7E7E"/>
-                </a:solidFill>
-                <a:latin typeface="Poppins"/>
-              </a:rPr>
-              <a:t>ndas profiling</a:t>
-            </a:r>
-            <a:endParaRPr lang="en-AU" b="0" i="0" dirty="0">
-              <a:solidFill>
-                <a:srgbClr val="7E7E7E"/>
-              </a:solidFill>
-              <a:effectLst/>
-              <a:latin typeface="Poppins"/>
-            </a:endParaRPr>
-          </a:p>
-        </p:txBody>
-      </p:sp>
-    </p:spTree>
-    <p:extLst>
-      <p:ext uri="{BB962C8B-B14F-4D97-AF65-F5344CB8AC3E}">
-        <p14:creationId xmlns:p14="http://schemas.microsoft.com/office/powerpoint/2010/main" val="1658470203"/>
-      </p:ext>
-    </p:extLst>
-  </p:cSld>
-  <p:clrMapOvr>
-    <a:masterClrMapping/>
-  </p:clrMapOvr>
-</p:sld>
-</file>
-
-<file path=ppt/slides/slide15.xml><?xml version="1.0" encoding="utf-8"?>
 <p:sld xmlns:a="http://schemas.openxmlformats.org/drawingml/2006/main" xmlns:r="http://schemas.openxmlformats.org/officeDocument/2006/relationships" xmlns:p="http://schemas.openxmlformats.org/presentationml/2006/main">
   <p:cSld>
     <p:spTree>
@@ -7407,7 +7011,10 @@
           <a:bodyPr/>
           <a:lstStyle/>
           <a:p>
-            <a:endParaRPr lang="en-AU"/>
+            <a:r>
+              <a:rPr lang="en-AU" dirty="0"/>
+              <a:t>TO THE NOTEBOOK</a:t>
+            </a:r>
           </a:p>
         </p:txBody>
       </p:sp>

--- a/Problem Formulation & EDA.pptx
+++ b/Problem Formulation & EDA.pptx
@@ -5,7 +5,7 @@
     <p:sldMasterId id="2147483648" r:id="rId1"/>
   </p:sldMasterIdLst>
   <p:notesMasterIdLst>
-    <p:notesMasterId r:id="rId14"/>
+    <p:notesMasterId r:id="rId19"/>
   </p:notesMasterIdLst>
   <p:sldIdLst>
     <p:sldId id="256" r:id="rId2"/>
@@ -14,12 +14,17 @@
     <p:sldId id="265" r:id="rId5"/>
     <p:sldId id="259" r:id="rId6"/>
     <p:sldId id="260" r:id="rId7"/>
-    <p:sldId id="261" r:id="rId8"/>
-    <p:sldId id="267" r:id="rId9"/>
-    <p:sldId id="270" r:id="rId10"/>
-    <p:sldId id="263" r:id="rId11"/>
-    <p:sldId id="271" r:id="rId12"/>
-    <p:sldId id="264" r:id="rId13"/>
+    <p:sldId id="273" r:id="rId8"/>
+    <p:sldId id="272" r:id="rId9"/>
+    <p:sldId id="274" r:id="rId10"/>
+    <p:sldId id="275" r:id="rId11"/>
+    <p:sldId id="276" r:id="rId12"/>
+    <p:sldId id="261" r:id="rId13"/>
+    <p:sldId id="277" r:id="rId14"/>
+    <p:sldId id="267" r:id="rId15"/>
+    <p:sldId id="270" r:id="rId16"/>
+    <p:sldId id="271" r:id="rId17"/>
+    <p:sldId id="264" r:id="rId18"/>
   </p:sldIdLst>
   <p:sldSz cx="12192000" cy="6858000"/>
   <p:notesSz cx="6858000" cy="9144000"/>
@@ -124,6 +129,587 @@
     </p:ext>
   </p:extLst>
 </p:presentation>
+</file>
+
+<file path=ppt/changesInfos/changesInfo1.xml><?xml version="1.0" encoding="utf-8"?>
+<pc:chgInfo xmlns:a="http://schemas.openxmlformats.org/drawingml/2006/main" xmlns:r="http://schemas.openxmlformats.org/officeDocument/2006/relationships" xmlns:ac="http://schemas.microsoft.com/office/drawing/2013/main/command" xmlns:pc="http://schemas.microsoft.com/office/powerpoint/2013/main/command">
+  <pc:docChgLst>
+    <pc:chgData name="Jonathan Tan" userId="857367a7-879e-4e19-86ac-1880d4642e3c" providerId="ADAL" clId="{4F4A7EE7-ED1A-4BB8-B90A-17AB4A4179EB}"/>
+    <pc:docChg chg="undo custSel addSld delSld modSld">
+      <pc:chgData name="Jonathan Tan" userId="857367a7-879e-4e19-86ac-1880d4642e3c" providerId="ADAL" clId="{4F4A7EE7-ED1A-4BB8-B90A-17AB4A4179EB}" dt="2021-08-11T10:58:33.875" v="4561" actId="1076"/>
+      <pc:docMkLst>
+        <pc:docMk/>
+      </pc:docMkLst>
+      <pc:sldChg chg="addSp modSp mod">
+        <pc:chgData name="Jonathan Tan" userId="857367a7-879e-4e19-86ac-1880d4642e3c" providerId="ADAL" clId="{4F4A7EE7-ED1A-4BB8-B90A-17AB4A4179EB}" dt="2021-08-11T02:38:16.915" v="88" actId="20577"/>
+        <pc:sldMkLst>
+          <pc:docMk/>
+          <pc:sldMk cId="1638485863" sldId="256"/>
+        </pc:sldMkLst>
+        <pc:spChg chg="mod">
+          <ac:chgData name="Jonathan Tan" userId="857367a7-879e-4e19-86ac-1880d4642e3c" providerId="ADAL" clId="{4F4A7EE7-ED1A-4BB8-B90A-17AB4A4179EB}" dt="2021-08-11T02:32:16.996" v="1" actId="27636"/>
+          <ac:spMkLst>
+            <pc:docMk/>
+            <pc:sldMk cId="1638485863" sldId="256"/>
+            <ac:spMk id="2" creationId="{8A007C03-437A-4AF0-AA05-0B77DC861EF6}"/>
+          </ac:spMkLst>
+        </pc:spChg>
+        <pc:spChg chg="add mod">
+          <ac:chgData name="Jonathan Tan" userId="857367a7-879e-4e19-86ac-1880d4642e3c" providerId="ADAL" clId="{4F4A7EE7-ED1A-4BB8-B90A-17AB4A4179EB}" dt="2021-08-11T02:38:16.915" v="88" actId="20577"/>
+          <ac:spMkLst>
+            <pc:docMk/>
+            <pc:sldMk cId="1638485863" sldId="256"/>
+            <ac:spMk id="3" creationId="{7EB26C45-2A70-4194-A6EE-5FB8F31955BA}"/>
+          </ac:spMkLst>
+        </pc:spChg>
+      </pc:sldChg>
+      <pc:sldChg chg="modSp mod modNotesTx">
+        <pc:chgData name="Jonathan Tan" userId="857367a7-879e-4e19-86ac-1880d4642e3c" providerId="ADAL" clId="{4F4A7EE7-ED1A-4BB8-B90A-17AB4A4179EB}" dt="2021-08-11T06:16:52.614" v="4373" actId="20577"/>
+        <pc:sldMkLst>
+          <pc:docMk/>
+          <pc:sldMk cId="4277143232" sldId="257"/>
+        </pc:sldMkLst>
+        <pc:spChg chg="mod">
+          <ac:chgData name="Jonathan Tan" userId="857367a7-879e-4e19-86ac-1880d4642e3c" providerId="ADAL" clId="{4F4A7EE7-ED1A-4BB8-B90A-17AB4A4179EB}" dt="2021-08-11T02:37:42.034" v="63" actId="5793"/>
+          <ac:spMkLst>
+            <pc:docMk/>
+            <pc:sldMk cId="4277143232" sldId="257"/>
+            <ac:spMk id="2" creationId="{C5B2334C-1283-4F6B-8B7A-33AE973AB3FB}"/>
+          </ac:spMkLst>
+        </pc:spChg>
+        <pc:spChg chg="mod">
+          <ac:chgData name="Jonathan Tan" userId="857367a7-879e-4e19-86ac-1880d4642e3c" providerId="ADAL" clId="{4F4A7EE7-ED1A-4BB8-B90A-17AB4A4179EB}" dt="2021-08-11T06:16:52.614" v="4373" actId="20577"/>
+          <ac:spMkLst>
+            <pc:docMk/>
+            <pc:sldMk cId="4277143232" sldId="257"/>
+            <ac:spMk id="3" creationId="{A67405A8-A544-432B-AD7E-B5164E5FB1E5}"/>
+          </ac:spMkLst>
+        </pc:spChg>
+      </pc:sldChg>
+      <pc:sldChg chg="modSp mod modNotesTx">
+        <pc:chgData name="Jonathan Tan" userId="857367a7-879e-4e19-86ac-1880d4642e3c" providerId="ADAL" clId="{4F4A7EE7-ED1A-4BB8-B90A-17AB4A4179EB}" dt="2021-08-11T02:45:42.856" v="362" actId="20577"/>
+        <pc:sldMkLst>
+          <pc:docMk/>
+          <pc:sldMk cId="760428273" sldId="258"/>
+        </pc:sldMkLst>
+        <pc:spChg chg="mod">
+          <ac:chgData name="Jonathan Tan" userId="857367a7-879e-4e19-86ac-1880d4642e3c" providerId="ADAL" clId="{4F4A7EE7-ED1A-4BB8-B90A-17AB4A4179EB}" dt="2021-08-11T02:43:25.267" v="168" actId="2711"/>
+          <ac:spMkLst>
+            <pc:docMk/>
+            <pc:sldMk cId="760428273" sldId="258"/>
+            <ac:spMk id="2" creationId="{EC12FF93-00DB-4BB9-AE0E-79E6BE07569B}"/>
+          </ac:spMkLst>
+        </pc:spChg>
+        <pc:spChg chg="mod">
+          <ac:chgData name="Jonathan Tan" userId="857367a7-879e-4e19-86ac-1880d4642e3c" providerId="ADAL" clId="{4F4A7EE7-ED1A-4BB8-B90A-17AB4A4179EB}" dt="2021-08-11T02:43:59.212" v="178" actId="1076"/>
+          <ac:spMkLst>
+            <pc:docMk/>
+            <pc:sldMk cId="760428273" sldId="258"/>
+            <ac:spMk id="10" creationId="{B3F42F56-283D-4913-8DAB-CA6BA37BA7D6}"/>
+          </ac:spMkLst>
+        </pc:spChg>
+        <pc:spChg chg="mod">
+          <ac:chgData name="Jonathan Tan" userId="857367a7-879e-4e19-86ac-1880d4642e3c" providerId="ADAL" clId="{4F4A7EE7-ED1A-4BB8-B90A-17AB4A4179EB}" dt="2021-08-11T02:44:01.459" v="179" actId="1076"/>
+          <ac:spMkLst>
+            <pc:docMk/>
+            <pc:sldMk cId="760428273" sldId="258"/>
+            <ac:spMk id="11" creationId="{986C3FDE-9C59-449D-863B-C0EF9DA6314D}"/>
+          </ac:spMkLst>
+        </pc:spChg>
+        <pc:picChg chg="mod">
+          <ac:chgData name="Jonathan Tan" userId="857367a7-879e-4e19-86ac-1880d4642e3c" providerId="ADAL" clId="{4F4A7EE7-ED1A-4BB8-B90A-17AB4A4179EB}" dt="2021-08-11T02:43:56.732" v="177" actId="1076"/>
+          <ac:picMkLst>
+            <pc:docMk/>
+            <pc:sldMk cId="760428273" sldId="258"/>
+            <ac:picMk id="5" creationId="{6BA3DB91-9783-4FE2-A461-A84053D07523}"/>
+          </ac:picMkLst>
+        </pc:picChg>
+        <pc:picChg chg="mod">
+          <ac:chgData name="Jonathan Tan" userId="857367a7-879e-4e19-86ac-1880d4642e3c" providerId="ADAL" clId="{4F4A7EE7-ED1A-4BB8-B90A-17AB4A4179EB}" dt="2021-08-11T02:44:03.012" v="180" actId="1076"/>
+          <ac:picMkLst>
+            <pc:docMk/>
+            <pc:sldMk cId="760428273" sldId="258"/>
+            <ac:picMk id="9" creationId="{EDF555E2-B0CC-4A7C-B020-0DFE879DEB5B}"/>
+          </ac:picMkLst>
+        </pc:picChg>
+      </pc:sldChg>
+      <pc:sldChg chg="modSp mod modNotesTx">
+        <pc:chgData name="Jonathan Tan" userId="857367a7-879e-4e19-86ac-1880d4642e3c" providerId="ADAL" clId="{4F4A7EE7-ED1A-4BB8-B90A-17AB4A4179EB}" dt="2021-08-11T02:49:31.688" v="495" actId="20577"/>
+        <pc:sldMkLst>
+          <pc:docMk/>
+          <pc:sldMk cId="1975700201" sldId="259"/>
+        </pc:sldMkLst>
+        <pc:spChg chg="mod">
+          <ac:chgData name="Jonathan Tan" userId="857367a7-879e-4e19-86ac-1880d4642e3c" providerId="ADAL" clId="{4F4A7EE7-ED1A-4BB8-B90A-17AB4A4179EB}" dt="2021-08-11T02:48:39.969" v="372" actId="20577"/>
+          <ac:spMkLst>
+            <pc:docMk/>
+            <pc:sldMk cId="1975700201" sldId="259"/>
+            <ac:spMk id="2" creationId="{F3138A18-EB21-4B18-8405-1ECDBF13B283}"/>
+          </ac:spMkLst>
+        </pc:spChg>
+        <pc:spChg chg="mod">
+          <ac:chgData name="Jonathan Tan" userId="857367a7-879e-4e19-86ac-1880d4642e3c" providerId="ADAL" clId="{4F4A7EE7-ED1A-4BB8-B90A-17AB4A4179EB}" dt="2021-08-11T02:48:54.703" v="396" actId="20577"/>
+          <ac:spMkLst>
+            <pc:docMk/>
+            <pc:sldMk cId="1975700201" sldId="259"/>
+            <ac:spMk id="3" creationId="{08FD4AB5-F3D2-4E99-BA9B-47179D57FF3F}"/>
+          </ac:spMkLst>
+        </pc:spChg>
+      </pc:sldChg>
+      <pc:sldChg chg="modSp mod modNotesTx">
+        <pc:chgData name="Jonathan Tan" userId="857367a7-879e-4e19-86ac-1880d4642e3c" providerId="ADAL" clId="{4F4A7EE7-ED1A-4BB8-B90A-17AB4A4179EB}" dt="2021-08-11T06:21:59.582" v="4386" actId="20577"/>
+        <pc:sldMkLst>
+          <pc:docMk/>
+          <pc:sldMk cId="2465294796" sldId="260"/>
+        </pc:sldMkLst>
+        <pc:spChg chg="mod">
+          <ac:chgData name="Jonathan Tan" userId="857367a7-879e-4e19-86ac-1880d4642e3c" providerId="ADAL" clId="{4F4A7EE7-ED1A-4BB8-B90A-17AB4A4179EB}" dt="2021-08-11T02:50:12.998" v="537" actId="2711"/>
+          <ac:spMkLst>
+            <pc:docMk/>
+            <pc:sldMk cId="2465294796" sldId="260"/>
+            <ac:spMk id="2" creationId="{DAB9A528-D828-4D2E-B70B-5405771E5F97}"/>
+          </ac:spMkLst>
+        </pc:spChg>
+        <pc:spChg chg="mod">
+          <ac:chgData name="Jonathan Tan" userId="857367a7-879e-4e19-86ac-1880d4642e3c" providerId="ADAL" clId="{4F4A7EE7-ED1A-4BB8-B90A-17AB4A4179EB}" dt="2021-08-11T06:21:59.582" v="4386" actId="20577"/>
+          <ac:spMkLst>
+            <pc:docMk/>
+            <pc:sldMk cId="2465294796" sldId="260"/>
+            <ac:spMk id="3" creationId="{0F26DC88-4231-4AE2-976B-8E171757B8DC}"/>
+          </ac:spMkLst>
+        </pc:spChg>
+      </pc:sldChg>
+      <pc:sldChg chg="addSp modSp mod modNotesTx">
+        <pc:chgData name="Jonathan Tan" userId="857367a7-879e-4e19-86ac-1880d4642e3c" providerId="ADAL" clId="{4F4A7EE7-ED1A-4BB8-B90A-17AB4A4179EB}" dt="2021-08-11T06:13:02.984" v="4299" actId="20577"/>
+        <pc:sldMkLst>
+          <pc:docMk/>
+          <pc:sldMk cId="3700875129" sldId="261"/>
+        </pc:sldMkLst>
+        <pc:spChg chg="mod">
+          <ac:chgData name="Jonathan Tan" userId="857367a7-879e-4e19-86ac-1880d4642e3c" providerId="ADAL" clId="{4F4A7EE7-ED1A-4BB8-B90A-17AB4A4179EB}" dt="2021-08-11T03:40:03.957" v="1171" actId="2711"/>
+          <ac:spMkLst>
+            <pc:docMk/>
+            <pc:sldMk cId="3700875129" sldId="261"/>
+            <ac:spMk id="2" creationId="{D70239AA-CFA7-47C4-A1EA-57159D42A2B6}"/>
+          </ac:spMkLst>
+        </pc:spChg>
+        <pc:spChg chg="mod">
+          <ac:chgData name="Jonathan Tan" userId="857367a7-879e-4e19-86ac-1880d4642e3c" providerId="ADAL" clId="{4F4A7EE7-ED1A-4BB8-B90A-17AB4A4179EB}" dt="2021-08-11T06:12:28.343" v="4263" actId="14100"/>
+          <ac:spMkLst>
+            <pc:docMk/>
+            <pc:sldMk cId="3700875129" sldId="261"/>
+            <ac:spMk id="3" creationId="{03199408-7B90-4275-9417-824F79462D4B}"/>
+          </ac:spMkLst>
+        </pc:spChg>
+        <pc:spChg chg="add mod">
+          <ac:chgData name="Jonathan Tan" userId="857367a7-879e-4e19-86ac-1880d4642e3c" providerId="ADAL" clId="{4F4A7EE7-ED1A-4BB8-B90A-17AB4A4179EB}" dt="2021-08-11T06:12:33.995" v="4264" actId="1076"/>
+          <ac:spMkLst>
+            <pc:docMk/>
+            <pc:sldMk cId="3700875129" sldId="261"/>
+            <ac:spMk id="5" creationId="{BE6D81D4-248E-4C63-B505-123E6791E2CF}"/>
+          </ac:spMkLst>
+        </pc:spChg>
+        <pc:spChg chg="add mod">
+          <ac:chgData name="Jonathan Tan" userId="857367a7-879e-4e19-86ac-1880d4642e3c" providerId="ADAL" clId="{4F4A7EE7-ED1A-4BB8-B90A-17AB4A4179EB}" dt="2021-08-11T06:12:33.995" v="4264" actId="1076"/>
+          <ac:spMkLst>
+            <pc:docMk/>
+            <pc:sldMk cId="3700875129" sldId="261"/>
+            <ac:spMk id="6" creationId="{F473F361-7AFD-453C-97EC-835F8E0D62F5}"/>
+          </ac:spMkLst>
+        </pc:spChg>
+        <pc:picChg chg="add mod">
+          <ac:chgData name="Jonathan Tan" userId="857367a7-879e-4e19-86ac-1880d4642e3c" providerId="ADAL" clId="{4F4A7EE7-ED1A-4BB8-B90A-17AB4A4179EB}" dt="2021-08-11T06:12:33.995" v="4264" actId="1076"/>
+          <ac:picMkLst>
+            <pc:docMk/>
+            <pc:sldMk cId="3700875129" sldId="261"/>
+            <ac:picMk id="4" creationId="{64BB342E-71BA-4090-913F-82CC82D42C10}"/>
+          </ac:picMkLst>
+        </pc:picChg>
+      </pc:sldChg>
+      <pc:sldChg chg="addSp modSp mod">
+        <pc:chgData name="Jonathan Tan" userId="857367a7-879e-4e19-86ac-1880d4642e3c" providerId="ADAL" clId="{4F4A7EE7-ED1A-4BB8-B90A-17AB4A4179EB}" dt="2021-08-11T10:58:33.875" v="4561" actId="1076"/>
+        <pc:sldMkLst>
+          <pc:docMk/>
+          <pc:sldMk cId="2791687609" sldId="264"/>
+        </pc:sldMkLst>
+        <pc:spChg chg="add mod">
+          <ac:chgData name="Jonathan Tan" userId="857367a7-879e-4e19-86ac-1880d4642e3c" providerId="ADAL" clId="{4F4A7EE7-ED1A-4BB8-B90A-17AB4A4179EB}" dt="2021-08-11T10:57:19.917" v="4484" actId="20577"/>
+          <ac:spMkLst>
+            <pc:docMk/>
+            <pc:sldMk cId="2791687609" sldId="264"/>
+            <ac:spMk id="11" creationId="{25722446-E465-463A-BA49-461B0DFCF434}"/>
+          </ac:spMkLst>
+        </pc:spChg>
+        <pc:spChg chg="add mod">
+          <ac:chgData name="Jonathan Tan" userId="857367a7-879e-4e19-86ac-1880d4642e3c" providerId="ADAL" clId="{4F4A7EE7-ED1A-4BB8-B90A-17AB4A4179EB}" dt="2021-08-11T10:58:03.557" v="4509" actId="1076"/>
+          <ac:spMkLst>
+            <pc:docMk/>
+            <pc:sldMk cId="2791687609" sldId="264"/>
+            <ac:spMk id="12" creationId="{520ECA5C-7088-4C2E-A815-57411C50E79C}"/>
+          </ac:spMkLst>
+        </pc:spChg>
+        <pc:spChg chg="add mod">
+          <ac:chgData name="Jonathan Tan" userId="857367a7-879e-4e19-86ac-1880d4642e3c" providerId="ADAL" clId="{4F4A7EE7-ED1A-4BB8-B90A-17AB4A4179EB}" dt="2021-08-11T10:58:33.875" v="4561" actId="1076"/>
+          <ac:spMkLst>
+            <pc:docMk/>
+            <pc:sldMk cId="2791687609" sldId="264"/>
+            <ac:spMk id="13" creationId="{715C1833-F3A8-44CF-9287-3F9955BB51D6}"/>
+          </ac:spMkLst>
+        </pc:spChg>
+        <pc:spChg chg="mod">
+          <ac:chgData name="Jonathan Tan" userId="857367a7-879e-4e19-86ac-1880d4642e3c" providerId="ADAL" clId="{4F4A7EE7-ED1A-4BB8-B90A-17AB4A4179EB}" dt="2021-08-11T10:57:12.814" v="4465" actId="1076"/>
+          <ac:spMkLst>
+            <pc:docMk/>
+            <pc:sldMk cId="2791687609" sldId="264"/>
+            <ac:spMk id="18" creationId="{D9FD5A2C-31E0-4B72-940F-CF0E8C16EF33}"/>
+          </ac:spMkLst>
+        </pc:spChg>
+        <pc:spChg chg="mod">
+          <ac:chgData name="Jonathan Tan" userId="857367a7-879e-4e19-86ac-1880d4642e3c" providerId="ADAL" clId="{4F4A7EE7-ED1A-4BB8-B90A-17AB4A4179EB}" dt="2021-08-11T10:57:48.881" v="4504" actId="1076"/>
+          <ac:spMkLst>
+            <pc:docMk/>
+            <pc:sldMk cId="2791687609" sldId="264"/>
+            <ac:spMk id="20" creationId="{89E4B215-6A80-4FA2-9656-D17B7FDB9874}"/>
+          </ac:spMkLst>
+        </pc:spChg>
+        <pc:spChg chg="mod">
+          <ac:chgData name="Jonathan Tan" userId="857367a7-879e-4e19-86ac-1880d4642e3c" providerId="ADAL" clId="{4F4A7EE7-ED1A-4BB8-B90A-17AB4A4179EB}" dt="2021-08-11T10:57:57.316" v="4506" actId="1076"/>
+          <ac:spMkLst>
+            <pc:docMk/>
+            <pc:sldMk cId="2791687609" sldId="264"/>
+            <ac:spMk id="22" creationId="{3DEFA7E2-DB0C-43C0-8078-E4F04CD785D5}"/>
+          </ac:spMkLst>
+        </pc:spChg>
+      </pc:sldChg>
+      <pc:sldChg chg="modSp mod">
+        <pc:chgData name="Jonathan Tan" userId="857367a7-879e-4e19-86ac-1880d4642e3c" providerId="ADAL" clId="{4F4A7EE7-ED1A-4BB8-B90A-17AB4A4179EB}" dt="2021-08-11T02:48:15.240" v="369" actId="1076"/>
+        <pc:sldMkLst>
+          <pc:docMk/>
+          <pc:sldMk cId="2726090164" sldId="265"/>
+        </pc:sldMkLst>
+        <pc:spChg chg="mod">
+          <ac:chgData name="Jonathan Tan" userId="857367a7-879e-4e19-86ac-1880d4642e3c" providerId="ADAL" clId="{4F4A7EE7-ED1A-4BB8-B90A-17AB4A4179EB}" dt="2021-08-11T02:46:55.588" v="363" actId="2711"/>
+          <ac:spMkLst>
+            <pc:docMk/>
+            <pc:sldMk cId="2726090164" sldId="265"/>
+            <ac:spMk id="2" creationId="{67A09D76-CB24-4EE6-9C45-0E1FA642538B}"/>
+          </ac:spMkLst>
+        </pc:spChg>
+        <pc:spChg chg="mod">
+          <ac:chgData name="Jonathan Tan" userId="857367a7-879e-4e19-86ac-1880d4642e3c" providerId="ADAL" clId="{4F4A7EE7-ED1A-4BB8-B90A-17AB4A4179EB}" dt="2021-08-11T02:47:11.474" v="368" actId="1076"/>
+          <ac:spMkLst>
+            <pc:docMk/>
+            <pc:sldMk cId="2726090164" sldId="265"/>
+            <ac:spMk id="5" creationId="{B8771AF6-DBC7-4C36-8B9C-6BC7A50556F1}"/>
+          </ac:spMkLst>
+        </pc:spChg>
+        <pc:picChg chg="mod">
+          <ac:chgData name="Jonathan Tan" userId="857367a7-879e-4e19-86ac-1880d4642e3c" providerId="ADAL" clId="{4F4A7EE7-ED1A-4BB8-B90A-17AB4A4179EB}" dt="2021-08-11T02:48:15.240" v="369" actId="1076"/>
+          <ac:picMkLst>
+            <pc:docMk/>
+            <pc:sldMk cId="2726090164" sldId="265"/>
+            <ac:picMk id="7" creationId="{C048BF86-D2D6-4ED4-B615-E767FE76778C}"/>
+          </ac:picMkLst>
+        </pc:picChg>
+      </pc:sldChg>
+      <pc:sldChg chg="modSp mod">
+        <pc:chgData name="Jonathan Tan" userId="857367a7-879e-4e19-86ac-1880d4642e3c" providerId="ADAL" clId="{4F4A7EE7-ED1A-4BB8-B90A-17AB4A4179EB}" dt="2021-08-11T04:54:18.547" v="4080" actId="2711"/>
+        <pc:sldMkLst>
+          <pc:docMk/>
+          <pc:sldMk cId="504490809" sldId="267"/>
+        </pc:sldMkLst>
+        <pc:spChg chg="mod">
+          <ac:chgData name="Jonathan Tan" userId="857367a7-879e-4e19-86ac-1880d4642e3c" providerId="ADAL" clId="{4F4A7EE7-ED1A-4BB8-B90A-17AB4A4179EB}" dt="2021-08-11T04:54:13.218" v="4079" actId="2711"/>
+          <ac:spMkLst>
+            <pc:docMk/>
+            <pc:sldMk cId="504490809" sldId="267"/>
+            <ac:spMk id="2" creationId="{DFBAB538-799D-4F93-A347-70D8AEEA2DCD}"/>
+          </ac:spMkLst>
+        </pc:spChg>
+        <pc:spChg chg="mod">
+          <ac:chgData name="Jonathan Tan" userId="857367a7-879e-4e19-86ac-1880d4642e3c" providerId="ADAL" clId="{4F4A7EE7-ED1A-4BB8-B90A-17AB4A4179EB}" dt="2021-08-11T04:54:18.547" v="4080" actId="2711"/>
+          <ac:spMkLst>
+            <pc:docMk/>
+            <pc:sldMk cId="504490809" sldId="267"/>
+            <ac:spMk id="3" creationId="{047706C2-20B0-4E03-9AA3-9BAAA65F70D3}"/>
+          </ac:spMkLst>
+        </pc:spChg>
+      </pc:sldChg>
+      <pc:sldChg chg="delSp modSp mod">
+        <pc:chgData name="Jonathan Tan" userId="857367a7-879e-4e19-86ac-1880d4642e3c" providerId="ADAL" clId="{4F4A7EE7-ED1A-4BB8-B90A-17AB4A4179EB}" dt="2021-08-11T06:16:21.608" v="4372" actId="1076"/>
+        <pc:sldMkLst>
+          <pc:docMk/>
+          <pc:sldMk cId="2245684248" sldId="270"/>
+        </pc:sldMkLst>
+        <pc:spChg chg="mod">
+          <ac:chgData name="Jonathan Tan" userId="857367a7-879e-4e19-86ac-1880d4642e3c" providerId="ADAL" clId="{4F4A7EE7-ED1A-4BB8-B90A-17AB4A4179EB}" dt="2021-08-11T06:16:21.608" v="4372" actId="1076"/>
+          <ac:spMkLst>
+            <pc:docMk/>
+            <pc:sldMk cId="2245684248" sldId="270"/>
+            <ac:spMk id="2" creationId="{41C571BF-8018-4438-B90E-3E0F46D79745}"/>
+          </ac:spMkLst>
+        </pc:spChg>
+        <pc:spChg chg="del">
+          <ac:chgData name="Jonathan Tan" userId="857367a7-879e-4e19-86ac-1880d4642e3c" providerId="ADAL" clId="{4F4A7EE7-ED1A-4BB8-B90A-17AB4A4179EB}" dt="2021-08-11T06:16:13.483" v="4369" actId="478"/>
+          <ac:spMkLst>
+            <pc:docMk/>
+            <pc:sldMk cId="2245684248" sldId="270"/>
+            <ac:spMk id="3" creationId="{D31F09CB-533A-424F-98D5-2F1F3770EAEE}"/>
+          </ac:spMkLst>
+        </pc:spChg>
+      </pc:sldChg>
+      <pc:sldChg chg="addSp delSp modSp add mod modNotesTx">
+        <pc:chgData name="Jonathan Tan" userId="857367a7-879e-4e19-86ac-1880d4642e3c" providerId="ADAL" clId="{4F4A7EE7-ED1A-4BB8-B90A-17AB4A4179EB}" dt="2021-08-11T03:34:27.766" v="1075" actId="20577"/>
+        <pc:sldMkLst>
+          <pc:docMk/>
+          <pc:sldMk cId="1463269499" sldId="272"/>
+        </pc:sldMkLst>
+        <pc:spChg chg="mod">
+          <ac:chgData name="Jonathan Tan" userId="857367a7-879e-4e19-86ac-1880d4642e3c" providerId="ADAL" clId="{4F4A7EE7-ED1A-4BB8-B90A-17AB4A4179EB}" dt="2021-08-11T02:54:00.336" v="671" actId="20577"/>
+          <ac:spMkLst>
+            <pc:docMk/>
+            <pc:sldMk cId="1463269499" sldId="272"/>
+            <ac:spMk id="2" creationId="{DAB9A528-D828-4D2E-B70B-5405771E5F97}"/>
+          </ac:spMkLst>
+        </pc:spChg>
+        <pc:spChg chg="del mod">
+          <ac:chgData name="Jonathan Tan" userId="857367a7-879e-4e19-86ac-1880d4642e3c" providerId="ADAL" clId="{4F4A7EE7-ED1A-4BB8-B90A-17AB4A4179EB}" dt="2021-08-11T02:52:24.930" v="642" actId="478"/>
+          <ac:spMkLst>
+            <pc:docMk/>
+            <pc:sldMk cId="1463269499" sldId="272"/>
+            <ac:spMk id="3" creationId="{0F26DC88-4231-4AE2-976B-8E171757B8DC}"/>
+          </ac:spMkLst>
+        </pc:spChg>
+        <pc:spChg chg="add mod">
+          <ac:chgData name="Jonathan Tan" userId="857367a7-879e-4e19-86ac-1880d4642e3c" providerId="ADAL" clId="{4F4A7EE7-ED1A-4BB8-B90A-17AB4A4179EB}" dt="2021-08-11T02:55:29.388" v="772" actId="1076"/>
+          <ac:spMkLst>
+            <pc:docMk/>
+            <pc:sldMk cId="1463269499" sldId="272"/>
+            <ac:spMk id="5" creationId="{CD48199D-E3A9-417D-BB74-582851C519C9}"/>
+          </ac:spMkLst>
+        </pc:spChg>
+        <pc:spChg chg="add mod">
+          <ac:chgData name="Jonathan Tan" userId="857367a7-879e-4e19-86ac-1880d4642e3c" providerId="ADAL" clId="{4F4A7EE7-ED1A-4BB8-B90A-17AB4A4179EB}" dt="2021-08-11T02:55:29.388" v="772" actId="1076"/>
+          <ac:spMkLst>
+            <pc:docMk/>
+            <pc:sldMk cId="1463269499" sldId="272"/>
+            <ac:spMk id="6" creationId="{BC9A1B54-F7E3-413A-8D37-FD73A8E58FC0}"/>
+          </ac:spMkLst>
+        </pc:spChg>
+        <pc:spChg chg="add mod">
+          <ac:chgData name="Jonathan Tan" userId="857367a7-879e-4e19-86ac-1880d4642e3c" providerId="ADAL" clId="{4F4A7EE7-ED1A-4BB8-B90A-17AB4A4179EB}" dt="2021-08-11T02:55:15.149" v="766" actId="1036"/>
+          <ac:spMkLst>
+            <pc:docMk/>
+            <pc:sldMk cId="1463269499" sldId="272"/>
+            <ac:spMk id="8" creationId="{A52A7CDE-4D2A-4641-9633-7D18829B65F7}"/>
+          </ac:spMkLst>
+        </pc:spChg>
+        <pc:spChg chg="add mod">
+          <ac:chgData name="Jonathan Tan" userId="857367a7-879e-4e19-86ac-1880d4642e3c" providerId="ADAL" clId="{4F4A7EE7-ED1A-4BB8-B90A-17AB4A4179EB}" dt="2021-08-11T02:55:08.763" v="763" actId="1038"/>
+          <ac:spMkLst>
+            <pc:docMk/>
+            <pc:sldMk cId="1463269499" sldId="272"/>
+            <ac:spMk id="9" creationId="{3ECC9CCE-AAEB-4BF3-AEB4-799427AD8B8C}"/>
+          </ac:spMkLst>
+        </pc:spChg>
+        <pc:spChg chg="add mod">
+          <ac:chgData name="Jonathan Tan" userId="857367a7-879e-4e19-86ac-1880d4642e3c" providerId="ADAL" clId="{4F4A7EE7-ED1A-4BB8-B90A-17AB4A4179EB}" dt="2021-08-11T02:55:21.735" v="771" actId="1037"/>
+          <ac:spMkLst>
+            <pc:docMk/>
+            <pc:sldMk cId="1463269499" sldId="272"/>
+            <ac:spMk id="10" creationId="{555B4FDB-3DBE-4CF5-925F-6A12306EF4C7}"/>
+          </ac:spMkLst>
+        </pc:spChg>
+        <pc:spChg chg="add mod">
+          <ac:chgData name="Jonathan Tan" userId="857367a7-879e-4e19-86ac-1880d4642e3c" providerId="ADAL" clId="{4F4A7EE7-ED1A-4BB8-B90A-17AB4A4179EB}" dt="2021-08-11T02:59:47.044" v="982" actId="1076"/>
+          <ac:spMkLst>
+            <pc:docMk/>
+            <pc:sldMk cId="1463269499" sldId="272"/>
+            <ac:spMk id="11" creationId="{265AD3D8-F4C4-4463-BEAC-018E638B3603}"/>
+          </ac:spMkLst>
+        </pc:spChg>
+        <pc:spChg chg="add mod">
+          <ac:chgData name="Jonathan Tan" userId="857367a7-879e-4e19-86ac-1880d4642e3c" providerId="ADAL" clId="{4F4A7EE7-ED1A-4BB8-B90A-17AB4A4179EB}" dt="2021-08-11T03:34:27.766" v="1075" actId="20577"/>
+          <ac:spMkLst>
+            <pc:docMk/>
+            <pc:sldMk cId="1463269499" sldId="272"/>
+            <ac:spMk id="12" creationId="{C944103D-3FE6-4DBF-B0D6-173FCC730342}"/>
+          </ac:spMkLst>
+        </pc:spChg>
+        <pc:picChg chg="add mod">
+          <ac:chgData name="Jonathan Tan" userId="857367a7-879e-4e19-86ac-1880d4642e3c" providerId="ADAL" clId="{4F4A7EE7-ED1A-4BB8-B90A-17AB4A4179EB}" dt="2021-08-11T02:55:29.388" v="772" actId="1076"/>
+          <ac:picMkLst>
+            <pc:docMk/>
+            <pc:sldMk cId="1463269499" sldId="272"/>
+            <ac:picMk id="4" creationId="{20BD2349-30C0-46E9-823E-3B9D9A47BEBA}"/>
+          </ac:picMkLst>
+        </pc:picChg>
+        <pc:picChg chg="add mod">
+          <ac:chgData name="Jonathan Tan" userId="857367a7-879e-4e19-86ac-1880d4642e3c" providerId="ADAL" clId="{4F4A7EE7-ED1A-4BB8-B90A-17AB4A4179EB}" dt="2021-08-11T02:54:58.667" v="755" actId="1076"/>
+          <ac:picMkLst>
+            <pc:docMk/>
+            <pc:sldMk cId="1463269499" sldId="272"/>
+            <ac:picMk id="7" creationId="{1735B662-E219-484E-AFCC-BBA419DF8507}"/>
+          </ac:picMkLst>
+        </pc:picChg>
+      </pc:sldChg>
+      <pc:sldChg chg="addSp modSp new mod modNotesTx">
+        <pc:chgData name="Jonathan Tan" userId="857367a7-879e-4e19-86ac-1880d4642e3c" providerId="ADAL" clId="{4F4A7EE7-ED1A-4BB8-B90A-17AB4A4179EB}" dt="2021-08-11T04:17:57.832" v="2246" actId="20577"/>
+        <pc:sldMkLst>
+          <pc:docMk/>
+          <pc:sldMk cId="258725277" sldId="273"/>
+        </pc:sldMkLst>
+        <pc:spChg chg="mod">
+          <ac:chgData name="Jonathan Tan" userId="857367a7-879e-4e19-86ac-1880d4642e3c" providerId="ADAL" clId="{4F4A7EE7-ED1A-4BB8-B90A-17AB4A4179EB}" dt="2021-08-11T03:37:03.472" v="1139" actId="20577"/>
+          <ac:spMkLst>
+            <pc:docMk/>
+            <pc:sldMk cId="258725277" sldId="273"/>
+            <ac:spMk id="2" creationId="{91276FF0-7E76-4FF6-94F4-16B3AD98F015}"/>
+          </ac:spMkLst>
+        </pc:spChg>
+        <pc:spChg chg="mod">
+          <ac:chgData name="Jonathan Tan" userId="857367a7-879e-4e19-86ac-1880d4642e3c" providerId="ADAL" clId="{4F4A7EE7-ED1A-4BB8-B90A-17AB4A4179EB}" dt="2021-08-11T04:12:52.564" v="1921" actId="14100"/>
+          <ac:spMkLst>
+            <pc:docMk/>
+            <pc:sldMk cId="258725277" sldId="273"/>
+            <ac:spMk id="3" creationId="{53DF9E65-DA14-4CAB-A215-8F11F7F2F73A}"/>
+          </ac:spMkLst>
+        </pc:spChg>
+        <pc:spChg chg="add mod">
+          <ac:chgData name="Jonathan Tan" userId="857367a7-879e-4e19-86ac-1880d4642e3c" providerId="ADAL" clId="{4F4A7EE7-ED1A-4BB8-B90A-17AB4A4179EB}" dt="2021-08-11T04:16:03.360" v="1954" actId="2711"/>
+          <ac:spMkLst>
+            <pc:docMk/>
+            <pc:sldMk cId="258725277" sldId="273"/>
+            <ac:spMk id="4" creationId="{449268BE-B974-4D00-B22A-D1E987B754E2}"/>
+          </ac:spMkLst>
+        </pc:spChg>
+      </pc:sldChg>
+      <pc:sldChg chg="addSp delSp modSp new mod modNotesTx">
+        <pc:chgData name="Jonathan Tan" userId="857367a7-879e-4e19-86ac-1880d4642e3c" providerId="ADAL" clId="{4F4A7EE7-ED1A-4BB8-B90A-17AB4A4179EB}" dt="2021-08-11T06:09:56.501" v="4229" actId="20577"/>
+        <pc:sldMkLst>
+          <pc:docMk/>
+          <pc:sldMk cId="3154817447" sldId="274"/>
+        </pc:sldMkLst>
+        <pc:spChg chg="mod">
+          <ac:chgData name="Jonathan Tan" userId="857367a7-879e-4e19-86ac-1880d4642e3c" providerId="ADAL" clId="{4F4A7EE7-ED1A-4BB8-B90A-17AB4A4179EB}" dt="2021-08-11T04:23:00.847" v="2380" actId="2711"/>
+          <ac:spMkLst>
+            <pc:docMk/>
+            <pc:sldMk cId="3154817447" sldId="274"/>
+            <ac:spMk id="2" creationId="{A26DA8D2-682A-4DC9-8299-9BBD01871705}"/>
+          </ac:spMkLst>
+        </pc:spChg>
+        <pc:spChg chg="del">
+          <ac:chgData name="Jonathan Tan" userId="857367a7-879e-4e19-86ac-1880d4642e3c" providerId="ADAL" clId="{4F4A7EE7-ED1A-4BB8-B90A-17AB4A4179EB}" dt="2021-08-11T04:31:30.157" v="2381" actId="478"/>
+          <ac:spMkLst>
+            <pc:docMk/>
+            <pc:sldMk cId="3154817447" sldId="274"/>
+            <ac:spMk id="3" creationId="{CA0566AC-83DB-47B8-95BA-9CC12F5D970C}"/>
+          </ac:spMkLst>
+        </pc:spChg>
+        <pc:spChg chg="add mod">
+          <ac:chgData name="Jonathan Tan" userId="857367a7-879e-4e19-86ac-1880d4642e3c" providerId="ADAL" clId="{4F4A7EE7-ED1A-4BB8-B90A-17AB4A4179EB}" dt="2021-08-11T06:08:18.462" v="4134" actId="1076"/>
+          <ac:spMkLst>
+            <pc:docMk/>
+            <pc:sldMk cId="3154817447" sldId="274"/>
+            <ac:spMk id="4" creationId="{03EE1029-9408-44CB-9BB6-A5022A74B820}"/>
+          </ac:spMkLst>
+        </pc:spChg>
+        <pc:picChg chg="add del mod">
+          <ac:chgData name="Jonathan Tan" userId="857367a7-879e-4e19-86ac-1880d4642e3c" providerId="ADAL" clId="{4F4A7EE7-ED1A-4BB8-B90A-17AB4A4179EB}" dt="2021-08-11T04:32:36.357" v="2386" actId="478"/>
+          <ac:picMkLst>
+            <pc:docMk/>
+            <pc:sldMk cId="3154817447" sldId="274"/>
+            <ac:picMk id="1026" creationId="{134A8466-C8BA-45D2-9123-1E45A714A24C}"/>
+          </ac:picMkLst>
+        </pc:picChg>
+        <pc:picChg chg="add mod">
+          <ac:chgData name="Jonathan Tan" userId="857367a7-879e-4e19-86ac-1880d4642e3c" providerId="ADAL" clId="{4F4A7EE7-ED1A-4BB8-B90A-17AB4A4179EB}" dt="2021-08-11T04:32:44.453" v="2390" actId="1076"/>
+          <ac:picMkLst>
+            <pc:docMk/>
+            <pc:sldMk cId="3154817447" sldId="274"/>
+            <ac:picMk id="1028" creationId="{0D1BF0F2-ED34-4BB5-A332-53D8D381A775}"/>
+          </ac:picMkLst>
+        </pc:picChg>
+      </pc:sldChg>
+      <pc:sldChg chg="modSp new mod modNotesTx">
+        <pc:chgData name="Jonathan Tan" userId="857367a7-879e-4e19-86ac-1880d4642e3c" providerId="ADAL" clId="{4F4A7EE7-ED1A-4BB8-B90A-17AB4A4179EB}" dt="2021-08-11T06:28:47.995" v="4400" actId="20577"/>
+        <pc:sldMkLst>
+          <pc:docMk/>
+          <pc:sldMk cId="2034447381" sldId="275"/>
+        </pc:sldMkLst>
+        <pc:spChg chg="mod">
+          <ac:chgData name="Jonathan Tan" userId="857367a7-879e-4e19-86ac-1880d4642e3c" providerId="ADAL" clId="{4F4A7EE7-ED1A-4BB8-B90A-17AB4A4179EB}" dt="2021-08-11T04:36:37.875" v="2831" actId="20577"/>
+          <ac:spMkLst>
+            <pc:docMk/>
+            <pc:sldMk cId="2034447381" sldId="275"/>
+            <ac:spMk id="2" creationId="{F93142FC-8A10-4195-8598-0FEE8AB4B708}"/>
+          </ac:spMkLst>
+        </pc:spChg>
+        <pc:spChg chg="mod">
+          <ac:chgData name="Jonathan Tan" userId="857367a7-879e-4e19-86ac-1880d4642e3c" providerId="ADAL" clId="{4F4A7EE7-ED1A-4BB8-B90A-17AB4A4179EB}" dt="2021-08-11T06:28:47.995" v="4400" actId="20577"/>
+          <ac:spMkLst>
+            <pc:docMk/>
+            <pc:sldMk cId="2034447381" sldId="275"/>
+            <ac:spMk id="3" creationId="{43DCA943-26A2-4D89-8536-EAB7FD557718}"/>
+          </ac:spMkLst>
+        </pc:spChg>
+      </pc:sldChg>
+      <pc:sldChg chg="modSp new mod">
+        <pc:chgData name="Jonathan Tan" userId="857367a7-879e-4e19-86ac-1880d4642e3c" providerId="ADAL" clId="{4F4A7EE7-ED1A-4BB8-B90A-17AB4A4179EB}" dt="2021-08-11T04:54:00.761" v="4078" actId="20577"/>
+        <pc:sldMkLst>
+          <pc:docMk/>
+          <pc:sldMk cId="334354245" sldId="276"/>
+        </pc:sldMkLst>
+        <pc:spChg chg="mod">
+          <ac:chgData name="Jonathan Tan" userId="857367a7-879e-4e19-86ac-1880d4642e3c" providerId="ADAL" clId="{4F4A7EE7-ED1A-4BB8-B90A-17AB4A4179EB}" dt="2021-08-11T04:51:32.494" v="3615" actId="2711"/>
+          <ac:spMkLst>
+            <pc:docMk/>
+            <pc:sldMk cId="334354245" sldId="276"/>
+            <ac:spMk id="2" creationId="{6693BEEE-6F67-4E5B-A288-C8EE843294F2}"/>
+          </ac:spMkLst>
+        </pc:spChg>
+        <pc:spChg chg="mod">
+          <ac:chgData name="Jonathan Tan" userId="857367a7-879e-4e19-86ac-1880d4642e3c" providerId="ADAL" clId="{4F4A7EE7-ED1A-4BB8-B90A-17AB4A4179EB}" dt="2021-08-11T04:54:00.761" v="4078" actId="20577"/>
+          <ac:spMkLst>
+            <pc:docMk/>
+            <pc:sldMk cId="334354245" sldId="276"/>
+            <ac:spMk id="3" creationId="{44E909E5-C4B8-424D-9384-35FEEB52C67C}"/>
+          </ac:spMkLst>
+        </pc:spChg>
+      </pc:sldChg>
+      <pc:sldChg chg="modSp new mod">
+        <pc:chgData name="Jonathan Tan" userId="857367a7-879e-4e19-86ac-1880d4642e3c" providerId="ADAL" clId="{4F4A7EE7-ED1A-4BB8-B90A-17AB4A4179EB}" dt="2021-08-11T09:20:10.493" v="4442" actId="20577"/>
+        <pc:sldMkLst>
+          <pc:docMk/>
+          <pc:sldMk cId="2881466440" sldId="277"/>
+        </pc:sldMkLst>
+        <pc:spChg chg="mod">
+          <ac:chgData name="Jonathan Tan" userId="857367a7-879e-4e19-86ac-1880d4642e3c" providerId="ADAL" clId="{4F4A7EE7-ED1A-4BB8-B90A-17AB4A4179EB}" dt="2021-08-11T06:12:11.702" v="4262" actId="2711"/>
+          <ac:spMkLst>
+            <pc:docMk/>
+            <pc:sldMk cId="2881466440" sldId="277"/>
+            <ac:spMk id="2" creationId="{BC72B366-A442-439D-B565-F6E20E76B73F}"/>
+          </ac:spMkLst>
+        </pc:spChg>
+        <pc:spChg chg="mod">
+          <ac:chgData name="Jonathan Tan" userId="857367a7-879e-4e19-86ac-1880d4642e3c" providerId="ADAL" clId="{4F4A7EE7-ED1A-4BB8-B90A-17AB4A4179EB}" dt="2021-08-11T09:20:10.493" v="4442" actId="20577"/>
+          <ac:spMkLst>
+            <pc:docMk/>
+            <pc:sldMk cId="2881466440" sldId="277"/>
+            <ac:spMk id="3" creationId="{4093FFE3-90E5-4D67-99F2-4CF43FB06E47}"/>
+          </ac:spMkLst>
+        </pc:spChg>
+      </pc:sldChg>
+      <pc:sldChg chg="new del">
+        <pc:chgData name="Jonathan Tan" userId="857367a7-879e-4e19-86ac-1880d4642e3c" providerId="ADAL" clId="{4F4A7EE7-ED1A-4BB8-B90A-17AB4A4179EB}" dt="2021-08-11T06:23:43.270" v="4388" actId="680"/>
+        <pc:sldMkLst>
+          <pc:docMk/>
+          <pc:sldMk cId="1161130134" sldId="278"/>
+        </pc:sldMkLst>
+      </pc:sldChg>
+    </pc:docChg>
+  </pc:docChgLst>
+</pc:chgInfo>
 </file>
 
 <file path=ppt/notesMasters/notesMaster1.xml><?xml version="1.0" encoding="utf-8"?>
@@ -520,39 +1106,7 @@
           <a:bodyPr/>
           <a:lstStyle/>
           <a:p>
-            <a:r>
-              <a:rPr lang="en-AU" dirty="0"/>
-              <a:t>Other tasks include:</a:t>
-            </a:r>
-          </a:p>
-          <a:p>
-            <a:r>
-              <a:rPr lang="en-AU" dirty="0"/>
-              <a:t>Financial reporting</a:t>
-            </a:r>
-          </a:p>
-          <a:p>
             <a:endParaRPr lang="en-AU" dirty="0"/>
-          </a:p>
-          <a:p>
-            <a:r>
-              <a:rPr lang="en-AU" dirty="0"/>
-              <a:t>These JD items if you will, seem very data science-</a:t>
-            </a:r>
-            <a:r>
-              <a:rPr lang="en-AU" dirty="0" err="1"/>
-              <a:t>ish</a:t>
-            </a:r>
-            <a:r>
-              <a:rPr lang="en-AU" dirty="0"/>
-              <a:t>.</a:t>
-            </a:r>
-          </a:p>
-          <a:p>
-            <a:r>
-              <a:rPr lang="en-AU" dirty="0"/>
-              <a:t>More specifically, I have been trying to figure out what proportion of an data scientist = actuary</a:t>
-            </a:r>
           </a:p>
         </p:txBody>
       </p:sp>
@@ -583,6 +1137,221 @@
     <p:extLst>
       <p:ext uri="{BB962C8B-B14F-4D97-AF65-F5344CB8AC3E}">
         <p14:creationId xmlns:p14="http://schemas.microsoft.com/office/powerpoint/2010/main" val="1394779655"/>
+      </p:ext>
+    </p:extLst>
+  </p:cSld>
+  <p:clrMapOvr>
+    <a:masterClrMapping/>
+  </p:clrMapOvr>
+</p:notes>
+</file>
+
+<file path=ppt/notesSlides/notesSlide10.xml><?xml version="1.0" encoding="utf-8"?>
+<p:notes xmlns:a="http://schemas.openxmlformats.org/drawingml/2006/main" xmlns:r="http://schemas.openxmlformats.org/officeDocument/2006/relationships" xmlns:p="http://schemas.openxmlformats.org/presentationml/2006/main">
+  <p:cSld>
+    <p:spTree>
+      <p:nvGrpSpPr>
+        <p:cNvPr id="1" name=""/>
+        <p:cNvGrpSpPr/>
+        <p:nvPr/>
+      </p:nvGrpSpPr>
+      <p:grpSpPr>
+        <a:xfrm>
+          <a:off x="0" y="0"/>
+          <a:ext cx="0" cy="0"/>
+          <a:chOff x="0" y="0"/>
+          <a:chExt cx="0" cy="0"/>
+        </a:xfrm>
+      </p:grpSpPr>
+      <p:sp>
+        <p:nvSpPr>
+          <p:cNvPr id="2" name="Slide Image Placeholder 1"/>
+          <p:cNvSpPr>
+            <a:spLocks noGrp="1" noRot="1" noChangeAspect="1"/>
+          </p:cNvSpPr>
+          <p:nvPr>
+            <p:ph type="sldImg"/>
+          </p:nvPr>
+        </p:nvSpPr>
+        <p:spPr/>
+      </p:sp>
+      <p:sp>
+        <p:nvSpPr>
+          <p:cNvPr id="3" name="Notes Placeholder 2"/>
+          <p:cNvSpPr>
+            <a:spLocks noGrp="1"/>
+          </p:cNvSpPr>
+          <p:nvPr>
+            <p:ph type="body" idx="1"/>
+          </p:nvPr>
+        </p:nvSpPr>
+        <p:spPr/>
+        <p:txBody>
+          <a:bodyPr/>
+          <a:lstStyle/>
+          <a:p>
+            <a:r>
+              <a:rPr lang="en-AU" dirty="0"/>
+              <a:t>Even if you are dealing with the same dataset, a different problem will force a new perspective on it.</a:t>
+            </a:r>
+          </a:p>
+          <a:p>
+            <a:endParaRPr lang="en-AU" dirty="0"/>
+          </a:p>
+          <a:p>
+            <a:r>
+              <a:rPr lang="en-AU" dirty="0"/>
+              <a:t>Inform model selection </a:t>
+            </a:r>
+          </a:p>
+          <a:p>
+            <a:endParaRPr lang="en-AU" dirty="0"/>
+          </a:p>
+          <a:p>
+            <a:r>
+              <a:rPr lang="en-AU" dirty="0"/>
+              <a:t>Here, we open the old </a:t>
+            </a:r>
+            <a:r>
+              <a:rPr lang="en-AU" dirty="0" err="1"/>
+              <a:t>aiforsea</a:t>
+            </a:r>
+            <a:r>
+              <a:rPr lang="en-AU" dirty="0"/>
+              <a:t> project and go through an example of how useful EDA is for a future reference.</a:t>
+            </a:r>
+          </a:p>
+          <a:p>
+            <a:r>
+              <a:rPr lang="en-AU" dirty="0"/>
+              <a:t>For heavy excel users, think of it this way. Doing up a model without any EDA is like doing all the spreadsheet workings, then copy pasting as values and saving over it.</a:t>
+            </a:r>
+          </a:p>
+          <a:p>
+            <a:endParaRPr lang="en-AU" dirty="0"/>
+          </a:p>
+          <a:p>
+            <a:r>
+              <a:rPr lang="en-AU" dirty="0"/>
+              <a:t>The idea is go through and iterate through the EDA process, and throw the feature columns into one of these buckets along the way.</a:t>
+            </a:r>
+          </a:p>
+        </p:txBody>
+      </p:sp>
+      <p:sp>
+        <p:nvSpPr>
+          <p:cNvPr id="4" name="Slide Number Placeholder 3"/>
+          <p:cNvSpPr>
+            <a:spLocks noGrp="1"/>
+          </p:cNvSpPr>
+          <p:nvPr>
+            <p:ph type="sldNum" sz="quarter" idx="5"/>
+          </p:nvPr>
+        </p:nvSpPr>
+        <p:spPr/>
+        <p:txBody>
+          <a:bodyPr/>
+          <a:lstStyle/>
+          <a:p>
+            <a:fld id="{75394A9C-DD77-468F-899D-B535CEE43AF3}" type="slidenum">
+              <a:rPr lang="en-AU" smtClean="0"/>
+              <a:t>12</a:t>
+            </a:fld>
+            <a:endParaRPr lang="en-AU"/>
+          </a:p>
+        </p:txBody>
+      </p:sp>
+    </p:spTree>
+    <p:extLst>
+      <p:ext uri="{BB962C8B-B14F-4D97-AF65-F5344CB8AC3E}">
+        <p14:creationId xmlns:p14="http://schemas.microsoft.com/office/powerpoint/2010/main" val="63757804"/>
+      </p:ext>
+    </p:extLst>
+  </p:cSld>
+  <p:clrMapOvr>
+    <a:masterClrMapping/>
+  </p:clrMapOvr>
+</p:notes>
+</file>
+
+<file path=ppt/notesSlides/notesSlide11.xml><?xml version="1.0" encoding="utf-8"?>
+<p:notes xmlns:a="http://schemas.openxmlformats.org/drawingml/2006/main" xmlns:r="http://schemas.openxmlformats.org/officeDocument/2006/relationships" xmlns:p="http://schemas.openxmlformats.org/presentationml/2006/main">
+  <p:cSld>
+    <p:spTree>
+      <p:nvGrpSpPr>
+        <p:cNvPr id="1" name=""/>
+        <p:cNvGrpSpPr/>
+        <p:nvPr/>
+      </p:nvGrpSpPr>
+      <p:grpSpPr>
+        <a:xfrm>
+          <a:off x="0" y="0"/>
+          <a:ext cx="0" cy="0"/>
+          <a:chOff x="0" y="0"/>
+          <a:chExt cx="0" cy="0"/>
+        </a:xfrm>
+      </p:grpSpPr>
+      <p:sp>
+        <p:nvSpPr>
+          <p:cNvPr id="2" name="Slide Image Placeholder 1"/>
+          <p:cNvSpPr>
+            <a:spLocks noGrp="1" noRot="1" noChangeAspect="1"/>
+          </p:cNvSpPr>
+          <p:nvPr>
+            <p:ph type="sldImg"/>
+          </p:nvPr>
+        </p:nvSpPr>
+        <p:spPr/>
+      </p:sp>
+      <p:sp>
+        <p:nvSpPr>
+          <p:cNvPr id="3" name="Notes Placeholder 2"/>
+          <p:cNvSpPr>
+            <a:spLocks noGrp="1"/>
+          </p:cNvSpPr>
+          <p:nvPr>
+            <p:ph type="body" idx="1"/>
+          </p:nvPr>
+        </p:nvSpPr>
+        <p:spPr/>
+        <p:txBody>
+          <a:bodyPr/>
+          <a:lstStyle/>
+          <a:p>
+            <a:r>
+              <a:rPr lang="en-AU" dirty="0"/>
+              <a:t>Of course a DS brownbag will not be DS brownbag without an example</a:t>
+            </a:r>
+          </a:p>
+        </p:txBody>
+      </p:sp>
+      <p:sp>
+        <p:nvSpPr>
+          <p:cNvPr id="4" name="Slide Number Placeholder 3"/>
+          <p:cNvSpPr>
+            <a:spLocks noGrp="1"/>
+          </p:cNvSpPr>
+          <p:nvPr>
+            <p:ph type="sldNum" sz="quarter" idx="5"/>
+          </p:nvPr>
+        </p:nvSpPr>
+        <p:spPr/>
+        <p:txBody>
+          <a:bodyPr/>
+          <a:lstStyle/>
+          <a:p>
+            <a:fld id="{75394A9C-DD77-468F-899D-B535CEE43AF3}" type="slidenum">
+              <a:rPr lang="en-AU" smtClean="0"/>
+              <a:t>14</a:t>
+            </a:fld>
+            <a:endParaRPr lang="en-AU"/>
+          </a:p>
+        </p:txBody>
+      </p:sp>
+    </p:spTree>
+    <p:extLst>
+      <p:ext uri="{BB962C8B-B14F-4D97-AF65-F5344CB8AC3E}">
+        <p14:creationId xmlns:p14="http://schemas.microsoft.com/office/powerpoint/2010/main" val="1490642159"/>
       </p:ext>
     </p:extLst>
   </p:cSld>
@@ -647,7 +1416,13 @@
           <a:p>
             <a:r>
               <a:rPr lang="en-AU" dirty="0"/>
-              <a:t>Today, we’re going to talk about the defining and EDA steps.</a:t>
+              <a:t>If I were to follow the data science process strictly, I’d immediately fire up the IDE to start collecting data after maybe receiving the email request</a:t>
+            </a:r>
+          </a:p>
+          <a:p>
+            <a:r>
+              <a:rPr lang="en-AU" dirty="0"/>
+              <a:t>I’ll end up with processes that don’t work which feed into a model that barely runs, producing results that makes no sense which no one will use</a:t>
             </a:r>
           </a:p>
         </p:txBody>
@@ -732,7 +1507,58 @@
           <a:bodyPr/>
           <a:lstStyle/>
           <a:p>
+            <a:r>
+              <a:rPr lang="en-AU" dirty="0"/>
+              <a:t>Those in red will probably vary depending on the requirements of the project</a:t>
+            </a:r>
+          </a:p>
+          <a:p>
             <a:endParaRPr lang="en-AU" dirty="0"/>
+          </a:p>
+          <a:p>
+            <a:r>
+              <a:rPr lang="en-AU" dirty="0"/>
+              <a:t>Talk briefly about the pipeline</a:t>
+            </a:r>
+          </a:p>
+          <a:p>
+            <a:endParaRPr lang="en-AU" dirty="0"/>
+          </a:p>
+          <a:p>
+            <a:r>
+              <a:rPr lang="en-AU" dirty="0"/>
+              <a:t>Today we will be talking about top left node, define problem and the EDA one.</a:t>
+            </a:r>
+          </a:p>
+          <a:p>
+            <a:endParaRPr lang="en-AU" dirty="0"/>
+          </a:p>
+          <a:p>
+            <a:r>
+              <a:rPr lang="en-AU" dirty="0"/>
+              <a:t>At one end of the spectrum, you have a box checking exercise as you go through the pipeline, with very clear tasks and outcomes</a:t>
+            </a:r>
+          </a:p>
+          <a:p>
+            <a:r>
+              <a:rPr lang="en-AU" dirty="0"/>
+              <a:t>On the other end, we have someone just doing whatever whenever, darting all over the place.</a:t>
+            </a:r>
+          </a:p>
+          <a:p>
+            <a:r>
+              <a:rPr lang="en-AU" dirty="0"/>
+              <a:t>What this aims to do is to provide a mental model/frame that let’s you sit somewhere in the middle of this spectrum.</a:t>
+            </a:r>
+          </a:p>
+          <a:p>
+            <a:endParaRPr lang="en-AU" dirty="0"/>
+          </a:p>
+          <a:p>
+            <a:r>
+              <a:rPr lang="en-AU" dirty="0"/>
+              <a:t>While you do have some checkboxes to go through, different problems would require you differ your tasks</a:t>
+            </a:r>
           </a:p>
         </p:txBody>
       </p:sp>
@@ -818,19 +1644,22 @@
           <a:p>
             <a:r>
               <a:rPr lang="en-AU" dirty="0"/>
-              <a:t>If this step isn’t done, most of the time down the road what you are going to find is that low level details will start to drive your high-level decisions.</a:t>
-            </a:r>
+              <a:t>Sure, if we’re talking about something like Kaggle or other data science competition websites, the problem is usually very clear and concise. But this is not the case in reality for most of the incoming issues.</a:t>
+            </a:r>
+          </a:p>
+          <a:p>
+            <a:endParaRPr lang="en-AU" dirty="0"/>
           </a:p>
           <a:p>
             <a:r>
               <a:rPr lang="en-AU" dirty="0"/>
-              <a:t>Personal journey, I used to be very impulsive when a new task/project came my way</a:t>
+              <a:t>Before jumping in, we’d always want to ask ourselves if a DS solution is the way to go? </a:t>
             </a:r>
           </a:p>
           <a:p>
             <a:r>
               <a:rPr lang="en-AU" dirty="0"/>
-              <a:t>Example:</a:t>
+              <a:t>The point of tackling an issue from a data-driven perspective is to ultimately derive actionable insights from quantifiable results/ impacts.</a:t>
             </a:r>
           </a:p>
           <a:p>
@@ -839,48 +1668,34 @@
           <a:p>
             <a:r>
               <a:rPr lang="en-AU" dirty="0"/>
-              <a:t>I need to price a portfolio</a:t>
+              <a:t>If this step isn’t done, most of the time down the road what you are going to find is that low level details will start to drive your high-level decisions. </a:t>
             </a:r>
           </a:p>
           <a:p>
             <a:r>
               <a:rPr lang="en-AU" dirty="0"/>
-              <a:t>Screw problem formulation</a:t>
-            </a:r>
+              <a:t>This is especially true for longer term projects, where you’ve jumped right in before problem formulation and you find that you have to refactor stuff at every step, and end up compromising on some potentially good decisions to avoid accumulating more tech debt.</a:t>
+            </a:r>
+          </a:p>
+          <a:p>
+            <a:endParaRPr lang="en-AU" dirty="0"/>
           </a:p>
           <a:p>
             <a:r>
               <a:rPr lang="en-AU" dirty="0"/>
-              <a:t>I open </a:t>
+              <a:t>It is just good practice for future reference as well. Imagine going into a </a:t>
             </a:r>
             <a:r>
               <a:rPr lang="en-AU" dirty="0" err="1"/>
-              <a:t>vscode</a:t>
+              <a:t>github</a:t>
             </a:r>
             <a:r>
               <a:rPr lang="en-AU" dirty="0"/>
-              <a:t>, I take policy data, I take claims data, I left join</a:t>
-            </a:r>
-          </a:p>
-          <a:p>
-            <a:r>
-              <a:rPr lang="en-AU" dirty="0"/>
-              <a:t>I take my favourite package </a:t>
-            </a:r>
-            <a:r>
-              <a:rPr lang="en-AU" dirty="0" err="1"/>
-              <a:t>sklearn</a:t>
-            </a:r>
-            <a:r>
-              <a:rPr lang="en-AU" dirty="0"/>
-              <a:t>, and chuck any regressor over it</a:t>
-            </a:r>
-          </a:p>
-          <a:p>
-            <a:r>
-              <a:rPr lang="en-AU" dirty="0"/>
-              <a:t>If I am lucky my RMSE is reasonable </a:t>
-            </a:r>
+              <a:t> repo with no form of context/background in the README, just straight into the code.</a:t>
+            </a:r>
+          </a:p>
+          <a:p>
+            <a:endParaRPr lang="en-AU" dirty="0"/>
           </a:p>
         </p:txBody>
       </p:sp>
@@ -992,110 +1807,6 @@
               <a:buFont typeface="Arial" panose="020B0604020202020204" pitchFamily="34" charset="0"/>
               <a:buChar char="•"/>
             </a:pPr>
-            <a:r>
-              <a:rPr lang="en-GB" b="1" i="0" dirty="0">
-                <a:solidFill>
-                  <a:srgbClr val="292929"/>
-                </a:solidFill>
-                <a:effectLst/>
-                <a:latin typeface="charter"/>
-              </a:rPr>
-              <a:t>“The problem P. . .”: </a:t>
-            </a:r>
-            <a:r>
-              <a:rPr lang="en-GB" b="0" i="0" dirty="0">
-                <a:solidFill>
-                  <a:srgbClr val="292929"/>
-                </a:solidFill>
-                <a:effectLst/>
-                <a:latin typeface="charter"/>
-              </a:rPr>
-              <a:t>Here insert the problem as defined by the company.</a:t>
-            </a:r>
-          </a:p>
-          <a:p>
-            <a:pPr algn="l">
-              <a:buFont typeface="Arial" panose="020B0604020202020204" pitchFamily="34" charset="0"/>
-              <a:buChar char="•"/>
-            </a:pPr>
-            <a:r>
-              <a:rPr lang="en-GB" b="1" i="0" dirty="0">
-                <a:solidFill>
-                  <a:srgbClr val="292929"/>
-                </a:solidFill>
-                <a:effectLst/>
-                <a:latin typeface="charter"/>
-              </a:rPr>
-              <a:t>“. . . has the impact I .” </a:t>
-            </a:r>
-            <a:r>
-              <a:rPr lang="en-GB" b="0" i="0" dirty="0">
-                <a:solidFill>
-                  <a:srgbClr val="292929"/>
-                </a:solidFill>
-                <a:effectLst/>
-                <a:latin typeface="charter"/>
-              </a:rPr>
-              <a:t>Insert the negative impacts/pain points of the problem.</a:t>
-            </a:r>
-          </a:p>
-          <a:p>
-            <a:pPr algn="l">
-              <a:buFont typeface="Arial" panose="020B0604020202020204" pitchFamily="34" charset="0"/>
-              <a:buChar char="•"/>
-            </a:pPr>
-            <a:r>
-              <a:rPr lang="en-GB" b="1" i="0" dirty="0">
-                <a:solidFill>
-                  <a:srgbClr val="292929"/>
-                </a:solidFill>
-                <a:effectLst/>
-                <a:latin typeface="charter"/>
-              </a:rPr>
-              <a:t>“. . . which affects B. . .” </a:t>
-            </a:r>
-            <a:r>
-              <a:rPr lang="en-GB" b="0" i="0" dirty="0">
-                <a:solidFill>
-                  <a:srgbClr val="292929"/>
-                </a:solidFill>
-                <a:effectLst/>
-                <a:latin typeface="charter"/>
-              </a:rPr>
-              <a:t>Insert the parties that are affected. IT could be the business, the customers or a third party.</a:t>
-            </a:r>
-          </a:p>
-          <a:p>
-            <a:pPr algn="l">
-              <a:buFont typeface="Arial" panose="020B0604020202020204" pitchFamily="34" charset="0"/>
-              <a:buChar char="•"/>
-            </a:pPr>
-            <a:r>
-              <a:rPr lang="en-GB" b="1" i="0" dirty="0">
-                <a:solidFill>
-                  <a:srgbClr val="292929"/>
-                </a:solidFill>
-                <a:effectLst/>
-                <a:latin typeface="charter"/>
-              </a:rPr>
-              <a:t>“…,so a good starting point would be S.” </a:t>
-            </a:r>
-            <a:r>
-              <a:rPr lang="en-GB" b="0" i="0" dirty="0">
-                <a:solidFill>
-                  <a:srgbClr val="292929"/>
-                </a:solidFill>
-                <a:effectLst/>
-                <a:latin typeface="charter"/>
-              </a:rPr>
-              <a:t>Insert the benefits of solving the problem.</a:t>
-            </a:r>
-          </a:p>
-          <a:p>
-            <a:pPr algn="l">
-              <a:buFont typeface="Arial" panose="020B0604020202020204" pitchFamily="34" charset="0"/>
-              <a:buChar char="•"/>
-            </a:pPr>
             <a:endParaRPr lang="en-GB" b="0" i="0" dirty="0">
               <a:solidFill>
                 <a:srgbClr val="292929"/>
@@ -1236,48 +1947,28 @@
           <a:p>
             <a:r>
               <a:rPr lang="en-AU" dirty="0"/>
-              <a:t>Even if you are dealing with the same dataset, a different problem will force a new perspective on it.</a:t>
+              <a:t>Common template for problem definition, but it works well.</a:t>
+            </a:r>
+          </a:p>
+          <a:p>
+            <a:r>
+              <a:rPr lang="en-AU" dirty="0"/>
+              <a:t>Kind of similar to user stories</a:t>
             </a:r>
           </a:p>
           <a:p>
             <a:endParaRPr lang="en-AU" dirty="0"/>
           </a:p>
           <a:p>
-            <a:endParaRPr lang="en-AU" dirty="0"/>
-          </a:p>
-          <a:p>
-            <a:endParaRPr lang="en-AU" dirty="0"/>
-          </a:p>
-          <a:p>
             <a:r>
               <a:rPr lang="en-AU" dirty="0"/>
-              <a:t>Here, we open the old </a:t>
-            </a:r>
-            <a:r>
-              <a:rPr lang="en-AU" dirty="0" err="1"/>
-              <a:t>aiforsea</a:t>
-            </a:r>
+              <a:t>Note the red keywords. These should drive the next few steps.</a:t>
+            </a:r>
+          </a:p>
+          <a:p>
             <a:r>
               <a:rPr lang="en-AU" dirty="0"/>
-              <a:t> project and go through an example of how useful EDA is for a future reference.</a:t>
-            </a:r>
-          </a:p>
-          <a:p>
-            <a:r>
-              <a:rPr lang="en-AU" dirty="0"/>
-              <a:t>For heavy excel users, think of it this way. Doing up a model without any EDA is like doing all the spreadsheet workings, then copy pasting as values and saving over it.</a:t>
-            </a:r>
-          </a:p>
-          <a:p>
-            <a:endParaRPr lang="en-AU" dirty="0"/>
-          </a:p>
-          <a:p>
-            <a:endParaRPr lang="en-AU" dirty="0"/>
-          </a:p>
-          <a:p>
-            <a:r>
-              <a:rPr lang="en-AU" dirty="0"/>
-              <a:t>The idea is go through and iterate through the EDA process, and throw the feature columns into one of these buckets along the way.</a:t>
+              <a:t>For example, “model expected claims costs” will give you a better idea of the scope of the project + the kind of predictive modelling problem it is</a:t>
             </a:r>
           </a:p>
         </p:txBody>
@@ -1308,7 +1999,7 @@
     </p:spTree>
     <p:extLst>
       <p:ext uri="{BB962C8B-B14F-4D97-AF65-F5344CB8AC3E}">
-        <p14:creationId xmlns:p14="http://schemas.microsoft.com/office/powerpoint/2010/main" val="63757804"/>
+        <p14:creationId xmlns:p14="http://schemas.microsoft.com/office/powerpoint/2010/main" val="4059614620"/>
       </p:ext>
     </p:extLst>
   </p:cSld>
@@ -1364,7 +2055,7 @@
           <a:p>
             <a:r>
               <a:rPr lang="en-AU" dirty="0"/>
-              <a:t>Of course a DS brownbag will not be DS brownbag without an example</a:t>
+              <a:t>Say our project involves</a:t>
             </a:r>
           </a:p>
         </p:txBody>
@@ -1395,7 +2086,7 @@
     </p:spTree>
     <p:extLst>
       <p:ext uri="{BB962C8B-B14F-4D97-AF65-F5344CB8AC3E}">
-        <p14:creationId xmlns:p14="http://schemas.microsoft.com/office/powerpoint/2010/main" val="1490642159"/>
+        <p14:creationId xmlns:p14="http://schemas.microsoft.com/office/powerpoint/2010/main" val="2767422276"/>
       </p:ext>
     </p:extLst>
   </p:cSld>
@@ -1449,329 +2140,180 @@
           <a:bodyPr/>
           <a:lstStyle/>
           <a:p>
-            <a:pPr algn="l" fontAlgn="base"/>
-            <a:r>
-              <a:rPr lang="en-GB" b="0" i="0" dirty="0">
-                <a:solidFill>
-                  <a:srgbClr val="242729"/>
-                </a:solidFill>
-                <a:effectLst/>
-                <a:latin typeface="inherit"/>
-              </a:rPr>
-              <a:t>Normalization helps to eliminate scale factors that might exist between variables in your data. Take, for example, the classic problem of predicting home prices. If you represent the square footage of your home in square </a:t>
-            </a:r>
-            <a:r>
-              <a:rPr lang="en-GB" b="0" i="0" dirty="0" err="1">
-                <a:solidFill>
-                  <a:srgbClr val="242729"/>
-                </a:solidFill>
-                <a:effectLst/>
-                <a:latin typeface="inherit"/>
-              </a:rPr>
-              <a:t>millimeters</a:t>
-            </a:r>
-            <a:r>
-              <a:rPr lang="en-GB" b="0" i="0" dirty="0">
-                <a:solidFill>
-                  <a:srgbClr val="242729"/>
-                </a:solidFill>
-                <a:effectLst/>
-                <a:latin typeface="inherit"/>
-              </a:rPr>
-              <a:t>, a large change in this value will have a relatively small effect on home price, implying a small gradient on this variable. If you represent that value in square </a:t>
-            </a:r>
-            <a:r>
-              <a:rPr lang="en-GB" b="0" i="0" dirty="0" err="1">
-                <a:solidFill>
-                  <a:srgbClr val="242729"/>
-                </a:solidFill>
-                <a:effectLst/>
-                <a:latin typeface="inherit"/>
-              </a:rPr>
-              <a:t>kilometers</a:t>
-            </a:r>
-            <a:r>
-              <a:rPr lang="en-GB" b="0" i="0" dirty="0">
-                <a:solidFill>
-                  <a:srgbClr val="242729"/>
-                </a:solidFill>
-                <a:effectLst/>
-                <a:latin typeface="inherit"/>
-              </a:rPr>
-              <a:t>, a small numerical change will have a large impact on price, implying a large gradient. Normalization isn't necessarily required, but can help to balance the problem by making all variables have "equal weight" in your model. If you were to include both the square </a:t>
-            </a:r>
-            <a:r>
-              <a:rPr lang="en-GB" b="0" i="0" dirty="0" err="1">
-                <a:solidFill>
-                  <a:srgbClr val="242729"/>
-                </a:solidFill>
-                <a:effectLst/>
-                <a:latin typeface="inherit"/>
-              </a:rPr>
-              <a:t>millimeter</a:t>
-            </a:r>
-            <a:r>
-              <a:rPr lang="en-GB" b="0" i="0" dirty="0">
-                <a:solidFill>
-                  <a:srgbClr val="242729"/>
-                </a:solidFill>
-                <a:effectLst/>
-                <a:latin typeface="inherit"/>
-              </a:rPr>
-              <a:t> and square </a:t>
-            </a:r>
-            <a:r>
-              <a:rPr lang="en-GB" b="0" i="0" dirty="0" err="1">
-                <a:solidFill>
-                  <a:srgbClr val="242729"/>
-                </a:solidFill>
-                <a:effectLst/>
-                <a:latin typeface="inherit"/>
-              </a:rPr>
-              <a:t>kilometer</a:t>
-            </a:r>
-            <a:r>
-              <a:rPr lang="en-GB" b="0" i="0" dirty="0">
-                <a:solidFill>
-                  <a:srgbClr val="242729"/>
-                </a:solidFill>
-                <a:effectLst/>
-                <a:latin typeface="inherit"/>
-              </a:rPr>
-              <a:t> variables in your training data, the neural network would likely spend a lot of effort optimizing on the square </a:t>
-            </a:r>
-            <a:r>
-              <a:rPr lang="en-GB" b="0" i="0" dirty="0" err="1">
-                <a:solidFill>
-                  <a:srgbClr val="242729"/>
-                </a:solidFill>
-                <a:effectLst/>
-                <a:latin typeface="inherit"/>
-              </a:rPr>
-              <a:t>kilometer</a:t>
-            </a:r>
-            <a:r>
-              <a:rPr lang="en-GB" b="0" i="0" dirty="0">
-                <a:solidFill>
-                  <a:srgbClr val="242729"/>
-                </a:solidFill>
-                <a:effectLst/>
-                <a:latin typeface="inherit"/>
-              </a:rPr>
-              <a:t> variable, since it is numerically more important. You can still do training with un-normalized data, but it will likely take longer, and possibly have worse output if your important variables are numerically smallest.</a:t>
-            </a:r>
-          </a:p>
-          <a:p>
-            <a:pPr algn="l" fontAlgn="base"/>
-            <a:endParaRPr lang="en-GB" b="0" i="0" dirty="0">
-              <a:solidFill>
-                <a:srgbClr val="242729"/>
-              </a:solidFill>
-              <a:effectLst/>
-              <a:latin typeface="inherit"/>
-            </a:endParaRPr>
-          </a:p>
-          <a:p>
-            <a:pPr algn="l" fontAlgn="base"/>
-            <a:r>
-              <a:rPr lang="en-GB" b="0" i="0" dirty="0">
-                <a:solidFill>
-                  <a:srgbClr val="212529"/>
-                </a:solidFill>
-                <a:effectLst/>
-                <a:latin typeface="-apple-system"/>
-              </a:rPr>
-              <a:t>the l1 and l2 </a:t>
-            </a:r>
-            <a:r>
-              <a:rPr lang="en-GB" b="0" i="0" dirty="0" err="1">
-                <a:solidFill>
-                  <a:srgbClr val="212529"/>
-                </a:solidFill>
-                <a:effectLst/>
-                <a:latin typeface="-apple-system"/>
-              </a:rPr>
-              <a:t>regularizers</a:t>
-            </a:r>
-            <a:r>
-              <a:rPr lang="en-GB" b="0" i="0" dirty="0">
-                <a:solidFill>
-                  <a:srgbClr val="212529"/>
-                </a:solidFill>
-                <a:effectLst/>
-                <a:latin typeface="-apple-system"/>
-              </a:rPr>
-              <a:t> of linear models) assume that all features are </a:t>
-            </a:r>
-            <a:r>
-              <a:rPr lang="en-GB" b="0" i="0" dirty="0" err="1">
-                <a:solidFill>
-                  <a:srgbClr val="212529"/>
-                </a:solidFill>
-                <a:effectLst/>
-                <a:latin typeface="-apple-system"/>
-              </a:rPr>
-              <a:t>centered</a:t>
-            </a:r>
-            <a:r>
-              <a:rPr lang="en-GB" b="0" i="0" dirty="0">
-                <a:solidFill>
-                  <a:srgbClr val="212529"/>
-                </a:solidFill>
-                <a:effectLst/>
-                <a:latin typeface="-apple-system"/>
-              </a:rPr>
-              <a:t> around zero and have variance in the same order. If a feature has a variance that is orders of magnitude larger than others, it might dominate the objective function and make the estimator unable to learn from other features correctly as expected.</a:t>
-            </a:r>
-            <a:endParaRPr lang="en-GB" b="0" i="0" dirty="0">
-              <a:solidFill>
-                <a:srgbClr val="242729"/>
-              </a:solidFill>
-              <a:effectLst/>
-              <a:latin typeface="inherit"/>
-            </a:endParaRPr>
-          </a:p>
-          <a:p>
-            <a:pPr algn="l" fontAlgn="base"/>
-            <a:endParaRPr lang="en-GB" b="0" i="0" dirty="0">
-              <a:solidFill>
-                <a:srgbClr val="242729"/>
-              </a:solidFill>
-              <a:effectLst/>
-              <a:latin typeface="inherit"/>
-            </a:endParaRPr>
-          </a:p>
-          <a:p>
-            <a:pPr algn="l" fontAlgn="base"/>
-            <a:endParaRPr lang="en-GB" b="0" i="0" dirty="0">
-              <a:solidFill>
-                <a:srgbClr val="242729"/>
-              </a:solidFill>
-              <a:effectLst/>
-              <a:latin typeface="inherit"/>
-            </a:endParaRPr>
-          </a:p>
-          <a:p>
-            <a:pPr algn="l" fontAlgn="base"/>
-            <a:r>
-              <a:rPr lang="en-GB" b="0" i="0" dirty="0">
-                <a:solidFill>
-                  <a:srgbClr val="242729"/>
-                </a:solidFill>
-                <a:effectLst/>
-                <a:latin typeface="-apple-system"/>
-              </a:rPr>
-              <a:t>Generally, in tree-based models the scale of the features does not matter. This is because at each tree level, the score of a possible split will be equal whether the respective feature has been scaled or not.</a:t>
-            </a:r>
-          </a:p>
-          <a:p>
-            <a:pPr algn="l" fontAlgn="base"/>
-            <a:r>
-              <a:rPr lang="en-GB" b="0" i="0" dirty="0">
-                <a:solidFill>
-                  <a:srgbClr val="242729"/>
-                </a:solidFill>
-                <a:effectLst/>
-                <a:latin typeface="-apple-system"/>
-              </a:rPr>
-              <a:t>You can think of it like here: We're dealing with a binary classification problem and the feature we're splitting takes values from 0 to 1000. If you split it on 300, the samples &lt;300 belong 90% to one category while those &gt;300 belong 30% to one category. Now imaging this feature is scaled between 0 and 1. Again, if you split on 0.3, the sample &lt;0.3 belong 90% to one category while those &gt;0.3 belong 30% to one category.</a:t>
-            </a:r>
-          </a:p>
-          <a:p>
-            <a:pPr algn="l" fontAlgn="base"/>
-            <a:r>
-              <a:rPr lang="en-GB" b="0" i="0" dirty="0">
-                <a:solidFill>
-                  <a:srgbClr val="242729"/>
-                </a:solidFill>
-                <a:effectLst/>
-                <a:latin typeface="-apple-system"/>
-              </a:rPr>
-              <a:t>So you've changed the splitting point but the actual distribution of the samples remains the same regarding the target variable.</a:t>
-            </a:r>
-          </a:p>
-          <a:p>
-            <a:pPr algn="l" fontAlgn="base"/>
-            <a:endParaRPr lang="en-GB" b="0" i="0" dirty="0">
-              <a:solidFill>
-                <a:srgbClr val="242729"/>
-              </a:solidFill>
-              <a:effectLst/>
-              <a:latin typeface="-apple-system"/>
-            </a:endParaRPr>
-          </a:p>
-          <a:p>
-            <a:pPr algn="l" fontAlgn="base"/>
-            <a:endParaRPr lang="en-GB" b="0" i="0" dirty="0">
-              <a:solidFill>
-                <a:srgbClr val="242729"/>
-              </a:solidFill>
-              <a:effectLst/>
-              <a:latin typeface="-apple-system"/>
-            </a:endParaRPr>
-          </a:p>
-          <a:p>
-            <a:pPr algn="l" fontAlgn="base"/>
-            <a:r>
-              <a:rPr lang="en-GB" b="0" i="0" dirty="0">
-                <a:solidFill>
-                  <a:srgbClr val="202124"/>
-                </a:solidFill>
-                <a:effectLst/>
-                <a:latin typeface="arial" panose="020B0604020202020204" pitchFamily="34" charset="0"/>
-              </a:rPr>
-              <a:t>There are two main reasons to use logarithmic scales in charts and graphs. The </a:t>
-            </a:r>
-            <a:r>
-              <a:rPr lang="en-GB" b="1" i="0" dirty="0">
-                <a:solidFill>
-                  <a:srgbClr val="202124"/>
-                </a:solidFill>
-                <a:effectLst/>
-                <a:latin typeface="arial" panose="020B0604020202020204" pitchFamily="34" charset="0"/>
-              </a:rPr>
-              <a:t>first is to respond to skewness towards large values</a:t>
-            </a:r>
-            <a:r>
-              <a:rPr lang="en-GB" b="0" i="0" dirty="0">
-                <a:solidFill>
-                  <a:srgbClr val="202124"/>
-                </a:solidFill>
-                <a:effectLst/>
-                <a:latin typeface="arial" panose="020B0604020202020204" pitchFamily="34" charset="0"/>
-              </a:rPr>
-              <a:t>; i.e., cases in which one or a few points are much larger than the bulk of the data. The second is to show percent change or multiplicative factors.</a:t>
-            </a:r>
-            <a:endParaRPr lang="en-GB" b="0" i="0" dirty="0">
-              <a:solidFill>
-                <a:srgbClr val="242729"/>
-              </a:solidFill>
-              <a:effectLst/>
-              <a:latin typeface="-apple-system"/>
-            </a:endParaRPr>
-          </a:p>
-          <a:p>
-            <a:pPr algn="l" fontAlgn="base"/>
-            <a:endParaRPr lang="en-GB" b="0" i="0" dirty="0">
-              <a:solidFill>
-                <a:srgbClr val="242729"/>
-              </a:solidFill>
-              <a:effectLst/>
-              <a:latin typeface="-apple-system"/>
-            </a:endParaRPr>
-          </a:p>
-          <a:p>
-            <a:pPr algn="l" fontAlgn="base"/>
-            <a:endParaRPr lang="en-GB" b="0" i="0" dirty="0">
-              <a:solidFill>
-                <a:srgbClr val="242729"/>
-              </a:solidFill>
-              <a:effectLst/>
-              <a:latin typeface="inherit"/>
-            </a:endParaRPr>
+            <a:r>
+              <a:rPr lang="en-AU" dirty="0"/>
+              <a:t>Once this is formally categorized, it will narrow down the list of algorithms available</a:t>
+            </a:r>
           </a:p>
           <a:p>
             <a:endParaRPr lang="en-AU" dirty="0"/>
+          </a:p>
+          <a:p>
+            <a:endParaRPr lang="en-AU" dirty="0"/>
+          </a:p>
+          <a:p>
+            <a:endParaRPr lang="en-AU" dirty="0"/>
+          </a:p>
+          <a:p>
+            <a:endParaRPr lang="en-AU" dirty="0"/>
+          </a:p>
+        </p:txBody>
+      </p:sp>
+      <p:sp>
+        <p:nvSpPr>
+          <p:cNvPr id="4" name="Slide Number Placeholder 3"/>
+          <p:cNvSpPr>
+            <a:spLocks noGrp="1"/>
+          </p:cNvSpPr>
+          <p:nvPr>
+            <p:ph type="sldNum" sz="quarter" idx="5"/>
+          </p:nvPr>
+        </p:nvSpPr>
+        <p:spPr/>
+        <p:txBody>
+          <a:bodyPr/>
+          <a:lstStyle/>
+          <a:p>
+            <a:fld id="{75394A9C-DD77-468F-899D-B535CEE43AF3}" type="slidenum">
+              <a:rPr lang="en-AU" smtClean="0"/>
+              <a:t>9</a:t>
+            </a:fld>
+            <a:endParaRPr lang="en-AU"/>
+          </a:p>
+        </p:txBody>
+      </p:sp>
+    </p:spTree>
+    <p:extLst>
+      <p:ext uri="{BB962C8B-B14F-4D97-AF65-F5344CB8AC3E}">
+        <p14:creationId xmlns:p14="http://schemas.microsoft.com/office/powerpoint/2010/main" val="3019034944"/>
+      </p:ext>
+    </p:extLst>
+  </p:cSld>
+  <p:clrMapOvr>
+    <a:masterClrMapping/>
+  </p:clrMapOvr>
+</p:notes>
+</file>
+
+<file path=ppt/notesSlides/notesSlide9.xml><?xml version="1.0" encoding="utf-8"?>
+<p:notes xmlns:a="http://schemas.openxmlformats.org/drawingml/2006/main" xmlns:r="http://schemas.openxmlformats.org/officeDocument/2006/relationships" xmlns:p="http://schemas.openxmlformats.org/presentationml/2006/main">
+  <p:cSld>
+    <p:spTree>
+      <p:nvGrpSpPr>
+        <p:cNvPr id="1" name=""/>
+        <p:cNvGrpSpPr/>
+        <p:nvPr/>
+      </p:nvGrpSpPr>
+      <p:grpSpPr>
+        <a:xfrm>
+          <a:off x="0" y="0"/>
+          <a:ext cx="0" cy="0"/>
+          <a:chOff x="0" y="0"/>
+          <a:chExt cx="0" cy="0"/>
+        </a:xfrm>
+      </p:grpSpPr>
+      <p:sp>
+        <p:nvSpPr>
+          <p:cNvPr id="2" name="Slide Image Placeholder 1"/>
+          <p:cNvSpPr>
+            <a:spLocks noGrp="1" noRot="1" noChangeAspect="1"/>
+          </p:cNvSpPr>
+          <p:nvPr>
+            <p:ph type="sldImg"/>
+          </p:nvPr>
+        </p:nvSpPr>
+        <p:spPr/>
+      </p:sp>
+      <p:sp>
+        <p:nvSpPr>
+          <p:cNvPr id="3" name="Notes Placeholder 2"/>
+          <p:cNvSpPr>
+            <a:spLocks noGrp="1"/>
+          </p:cNvSpPr>
+          <p:nvPr>
+            <p:ph type="body" idx="1"/>
+          </p:nvPr>
+        </p:nvSpPr>
+        <p:spPr/>
+        <p:txBody>
+          <a:bodyPr/>
+          <a:lstStyle/>
+          <a:p>
+            <a:r>
+              <a:rPr lang="en-AU" dirty="0"/>
+              <a:t>This is driven by the impacts section of the 1-liner.</a:t>
+            </a:r>
+          </a:p>
+          <a:p>
+            <a:r>
+              <a:rPr lang="en-AU" dirty="0"/>
+              <a:t>Determines the level of interpretability required</a:t>
+            </a:r>
+          </a:p>
+          <a:p>
+            <a:endParaRPr lang="en-AU" dirty="0"/>
+          </a:p>
+          <a:p>
+            <a:r>
+              <a:rPr lang="en-AU" dirty="0"/>
+              <a:t>Also driven by the model categorization</a:t>
+            </a:r>
+          </a:p>
+          <a:p>
+            <a:r>
+              <a:rPr lang="en-AU" dirty="0" err="1"/>
+              <a:t>Ect</a:t>
+            </a:r>
+            <a:r>
+              <a:rPr lang="en-AU" dirty="0"/>
+              <a:t>. RMSE</a:t>
+            </a:r>
+          </a:p>
+          <a:p>
+            <a:endParaRPr lang="en-AU" dirty="0"/>
+          </a:p>
+          <a:p>
+            <a:r>
+              <a:rPr lang="en-AU" dirty="0"/>
+              <a:t>Setting this up also gives the user a good idea of:</a:t>
+            </a:r>
+          </a:p>
+          <a:p>
+            <a:pPr marL="171450" indent="-171450">
+              <a:buFontTx/>
+              <a:buChar char="-"/>
+            </a:pPr>
+            <a:r>
+              <a:rPr lang="en-AU" dirty="0"/>
+              <a:t>What models to potentially start with</a:t>
+            </a:r>
+          </a:p>
+          <a:p>
+            <a:pPr marL="171450" indent="-171450">
+              <a:buFontTx/>
+              <a:buChar char="-"/>
+            </a:pPr>
+            <a:r>
+              <a:rPr lang="en-AU" dirty="0"/>
+              <a:t>What slices of data should be used in EDA</a:t>
+            </a:r>
+          </a:p>
+          <a:p>
+            <a:pPr marL="171450" indent="-171450">
+              <a:buFontTx/>
+              <a:buChar char="-"/>
+            </a:pPr>
+            <a:endParaRPr lang="en-AU" dirty="0"/>
+          </a:p>
+          <a:p>
+            <a:pPr marL="0" indent="0">
+              <a:buFontTx/>
+              <a:buNone/>
+            </a:pPr>
+            <a:r>
+              <a:rPr lang="en-AU" dirty="0"/>
+              <a:t>This does not assume a perfect world where requirements are set up front and do not change after, but it serves as a good base for narrowing down the issue </a:t>
+            </a:r>
           </a:p>
         </p:txBody>
       </p:sp>
@@ -1801,7 +2343,7 @@
     </p:spTree>
     <p:extLst>
       <p:ext uri="{BB962C8B-B14F-4D97-AF65-F5344CB8AC3E}">
-        <p14:creationId xmlns:p14="http://schemas.microsoft.com/office/powerpoint/2010/main" val="2183150049"/>
+        <p14:creationId xmlns:p14="http://schemas.microsoft.com/office/powerpoint/2010/main" val="3542135688"/>
       </p:ext>
     </p:extLst>
   </p:cSld>
@@ -5064,38 +5606,75 @@
         </p:nvSpPr>
         <p:spPr/>
         <p:txBody>
-          <a:bodyPr/>
-          <a:lstStyle/>
-          <a:p>
-            <a:r>
-              <a:rPr lang="en-AU" dirty="0"/>
-              <a:t>Problem Formulation &amp; EDA</a:t>
-            </a:r>
-          </a:p>
-        </p:txBody>
-      </p:sp>
-      <p:sp>
-        <p:nvSpPr>
-          <p:cNvPr id="3" name="Subtitle 2">
-            <a:extLst>
-              <a:ext uri="{FF2B5EF4-FFF2-40B4-BE49-F238E27FC236}">
-                <a16:creationId xmlns:a16="http://schemas.microsoft.com/office/drawing/2014/main" id="{BE8E43EE-AF0A-46A3-8224-BC1DFC367E2F}"/>
-              </a:ext>
-            </a:extLst>
-          </p:cNvPr>
-          <p:cNvSpPr>
-            <a:spLocks noGrp="1"/>
-          </p:cNvSpPr>
-          <p:nvPr>
-            <p:ph type="subTitle" idx="1"/>
-          </p:nvPr>
-        </p:nvSpPr>
-        <p:spPr/>
-        <p:txBody>
-          <a:bodyPr/>
-          <a:lstStyle/>
-          <a:p>
-            <a:endParaRPr lang="en-AU" dirty="0"/>
+          <a:bodyPr>
+            <a:normAutofit fontScale="90000"/>
+          </a:bodyPr>
+          <a:lstStyle/>
+          <a:p>
+            <a:r>
+              <a:rPr lang="en-AU" b="1" dirty="0">
+                <a:latin typeface="Roboto" panose="02000000000000000000" pitchFamily="2" charset="0"/>
+                <a:ea typeface="Roboto" panose="02000000000000000000" pitchFamily="2" charset="0"/>
+              </a:rPr>
+              <a:t>Data Scientist’s Cookbook: Problem Formulation &amp; EDA</a:t>
+            </a:r>
+          </a:p>
+        </p:txBody>
+      </p:sp>
+      <p:sp>
+        <p:nvSpPr>
+          <p:cNvPr id="3" name="Title 1">
+            <a:extLst>
+              <a:ext uri="{FF2B5EF4-FFF2-40B4-BE49-F238E27FC236}">
+                <a16:creationId xmlns:a16="http://schemas.microsoft.com/office/drawing/2014/main" id="{7EB26C45-2A70-4194-A6EE-5FB8F31955BA}"/>
+              </a:ext>
+            </a:extLst>
+          </p:cNvPr>
+          <p:cNvSpPr txBox="1">
+            <a:spLocks/>
+          </p:cNvSpPr>
+          <p:nvPr/>
+        </p:nvSpPr>
+        <p:spPr>
+          <a:xfrm>
+            <a:off x="2189747" y="3429000"/>
+            <a:ext cx="7483642" cy="598321"/>
+          </a:xfrm>
+          <a:prstGeom prst="rect">
+            <a:avLst/>
+          </a:prstGeom>
+        </p:spPr>
+        <p:txBody>
+          <a:bodyPr vert="horz" lIns="91440" tIns="45720" rIns="91440" bIns="45720" rtlCol="0" anchor="b">
+            <a:normAutofit fontScale="97500"/>
+          </a:bodyPr>
+          <a:lstStyle>
+            <a:lvl1pPr algn="ctr" defTabSz="914400" rtl="0" eaLnBrk="1" latinLnBrk="0" hangingPunct="1">
+              <a:lnSpc>
+                <a:spcPct val="90000"/>
+              </a:lnSpc>
+              <a:spcBef>
+                <a:spcPct val="0"/>
+              </a:spcBef>
+              <a:buNone/>
+              <a:defRPr sz="6000" kern="1200">
+                <a:solidFill>
+                  <a:schemeClr val="tx1"/>
+                </a:solidFill>
+                <a:latin typeface="+mj-lt"/>
+                <a:ea typeface="+mj-ea"/>
+                <a:cs typeface="+mj-cs"/>
+              </a:defRPr>
+            </a:lvl1pPr>
+          </a:lstStyle>
+          <a:p>
+            <a:r>
+              <a:rPr lang="en-AU" sz="2800" b="1" dirty="0">
+                <a:latin typeface="Roboto Light" panose="02000000000000000000" pitchFamily="2" charset="0"/>
+                <a:ea typeface="Roboto Light" panose="02000000000000000000" pitchFamily="2" charset="0"/>
+              </a:rPr>
+              <a:t>12/08/2021</a:t>
+            </a:r>
           </a:p>
         </p:txBody>
       </p:sp>
@@ -5134,7 +5713,7 @@
           <p:cNvPr id="2" name="Title 1">
             <a:extLst>
               <a:ext uri="{FF2B5EF4-FFF2-40B4-BE49-F238E27FC236}">
-                <a16:creationId xmlns:a16="http://schemas.microsoft.com/office/drawing/2014/main" id="{D70239AA-CFA7-47C4-A1EA-57159D42A2B6}"/>
+                <a16:creationId xmlns:a16="http://schemas.microsoft.com/office/drawing/2014/main" id="{F93142FC-8A10-4195-8598-0FEE8AB4B708}"/>
               </a:ext>
             </a:extLst>
           </p:cNvPr>
@@ -5151,8 +5730,11 @@
           <a:lstStyle/>
           <a:p>
             <a:r>
-              <a:rPr lang="en-AU" dirty="0"/>
-              <a:t>Outliers and scaling</a:t>
+              <a:rPr lang="en-AU" dirty="0">
+                <a:latin typeface="Roboto" panose="02000000000000000000" pitchFamily="2" charset="0"/>
+                <a:ea typeface="Roboto" panose="02000000000000000000" pitchFamily="2" charset="0"/>
+              </a:rPr>
+              <a:t>Define KPIs + deliverables</a:t>
             </a:r>
           </a:p>
         </p:txBody>
@@ -5162,7 +5744,7 @@
           <p:cNvPr id="3" name="Content Placeholder 2">
             <a:extLst>
               <a:ext uri="{FF2B5EF4-FFF2-40B4-BE49-F238E27FC236}">
-                <a16:creationId xmlns:a16="http://schemas.microsoft.com/office/drawing/2014/main" id="{03199408-7B90-4275-9417-824F79462D4B}"/>
+                <a16:creationId xmlns:a16="http://schemas.microsoft.com/office/drawing/2014/main" id="{43DCA943-26A2-4D89-8536-EAB7FD557718}"/>
               </a:ext>
             </a:extLst>
           </p:cNvPr>
@@ -5175,48 +5757,128 @@
         </p:nvSpPr>
         <p:spPr/>
         <p:txBody>
-          <a:bodyPr>
-            <a:normAutofit/>
-          </a:bodyPr>
-          <a:lstStyle/>
+          <a:bodyPr/>
+          <a:lstStyle/>
+          <a:p>
+            <a:r>
+              <a:rPr lang="en-AU" dirty="0">
+                <a:latin typeface="Roboto Light" panose="02000000000000000000" pitchFamily="2" charset="0"/>
+                <a:ea typeface="Roboto Light" panose="02000000000000000000" pitchFamily="2" charset="0"/>
+              </a:rPr>
+              <a:t>Example</a:t>
+            </a:r>
+          </a:p>
           <a:p>
             <a:pPr lvl="1"/>
             <a:r>
-              <a:rPr lang="en-AU" dirty="0"/>
-              <a:t>Can be determined from either .describe() or scatter matrices</a:t>
+              <a:rPr lang="en-AU" dirty="0">
+                <a:latin typeface="Roboto Light" panose="02000000000000000000" pitchFamily="2" charset="0"/>
+                <a:ea typeface="Roboto Light" panose="02000000000000000000" pitchFamily="2" charset="0"/>
+              </a:rPr>
+              <a:t>A set of proposed technical rates</a:t>
             </a:r>
           </a:p>
           <a:p>
             <a:pPr lvl="1"/>
             <a:r>
-              <a:rPr lang="en-AU" dirty="0"/>
-              <a:t>Do we need it?</a:t>
+              <a:rPr lang="en-AU" dirty="0">
+                <a:latin typeface="Roboto Light" panose="02000000000000000000" pitchFamily="2" charset="0"/>
+                <a:ea typeface="Roboto Light" panose="02000000000000000000" pitchFamily="2" charset="0"/>
+              </a:rPr>
+              <a:t>A clear list of assumptions used</a:t>
             </a:r>
           </a:p>
           <a:p>
             <a:pPr lvl="1"/>
             <a:r>
-              <a:rPr lang="en-AU" dirty="0"/>
-              <a:t>Which algorithm should we use, and do we need to scale our data? (technically yes, it is always good practice)</a:t>
+              <a:rPr lang="en-AU" dirty="0">
+                <a:latin typeface="Roboto Light" panose="02000000000000000000" pitchFamily="2" charset="0"/>
+                <a:ea typeface="Roboto Light" panose="02000000000000000000" pitchFamily="2" charset="0"/>
+              </a:rPr>
+              <a:t>A table of coefficients with driving factors and loadings for features</a:t>
             </a:r>
           </a:p>
           <a:p>
             <a:pPr lvl="1"/>
             <a:r>
-              <a:rPr lang="en-AU" dirty="0"/>
-              <a:t>How do we want to scale our data?</a:t>
+              <a:rPr lang="en-AU" dirty="0">
+                <a:latin typeface="Roboto Light" panose="02000000000000000000" pitchFamily="2" charset="0"/>
+                <a:ea typeface="Roboto Light" panose="02000000000000000000" pitchFamily="2" charset="0"/>
+              </a:rPr>
+              <a:t>RMSE score as main metric (maybe ± 10% of response)</a:t>
             </a:r>
           </a:p>
           <a:p>
             <a:pPr lvl="1"/>
-            <a:endParaRPr lang="en-AU" dirty="0"/>
+            <a:r>
+              <a:rPr lang="en-AU" dirty="0">
+                <a:latin typeface="Roboto Light" panose="02000000000000000000" pitchFamily="2" charset="0"/>
+                <a:ea typeface="Roboto Light" panose="02000000000000000000" pitchFamily="2" charset="0"/>
+              </a:rPr>
+              <a:t>Estimated sales/LR impact for 1 year</a:t>
+            </a:r>
+          </a:p>
+          <a:p>
+            <a:pPr lvl="1"/>
+            <a:r>
+              <a:rPr lang="en-AU" dirty="0">
+                <a:latin typeface="Roboto Light" panose="02000000000000000000" pitchFamily="2" charset="0"/>
+                <a:ea typeface="Roboto Light" panose="02000000000000000000" pitchFamily="2" charset="0"/>
+              </a:rPr>
+              <a:t>Sensitivity analysis of impacts sales/LR at the 50</a:t>
+            </a:r>
+            <a:r>
+              <a:rPr lang="en-AU" baseline="30000" dirty="0">
+                <a:latin typeface="Roboto Light" panose="02000000000000000000" pitchFamily="2" charset="0"/>
+                <a:ea typeface="Roboto Light" panose="02000000000000000000" pitchFamily="2" charset="0"/>
+              </a:rPr>
+              <a:t>th</a:t>
+            </a:r>
+            <a:r>
+              <a:rPr lang="en-AU" dirty="0">
+                <a:latin typeface="Roboto Light" panose="02000000000000000000" pitchFamily="2" charset="0"/>
+                <a:ea typeface="Roboto Light" panose="02000000000000000000" pitchFamily="2" charset="0"/>
+              </a:rPr>
+              <a:t>, 75</a:t>
+            </a:r>
+            <a:r>
+              <a:rPr lang="en-AU" baseline="30000" dirty="0">
+                <a:latin typeface="Roboto Light" panose="02000000000000000000" pitchFamily="2" charset="0"/>
+                <a:ea typeface="Roboto Light" panose="02000000000000000000" pitchFamily="2" charset="0"/>
+              </a:rPr>
+              <a:t>th</a:t>
+            </a:r>
+            <a:r>
+              <a:rPr lang="en-AU" dirty="0">
+                <a:latin typeface="Roboto Light" panose="02000000000000000000" pitchFamily="2" charset="0"/>
+                <a:ea typeface="Roboto Light" panose="02000000000000000000" pitchFamily="2" charset="0"/>
+              </a:rPr>
+              <a:t> percentile</a:t>
+            </a:r>
+          </a:p>
+          <a:p>
+            <a:pPr lvl="1"/>
+            <a:r>
+              <a:rPr lang="en-AU" dirty="0">
+                <a:latin typeface="Roboto Light" panose="02000000000000000000" pitchFamily="2" charset="0"/>
+                <a:ea typeface="Roboto Light" panose="02000000000000000000" pitchFamily="2" charset="0"/>
+              </a:rPr>
+              <a:t>This needs to be reproducible every quarter for review</a:t>
+            </a:r>
+          </a:p>
+          <a:p>
+            <a:pPr lvl="1"/>
+            <a:endParaRPr lang="en-AU" dirty="0">
+              <a:latin typeface="Roboto Light" panose="02000000000000000000" pitchFamily="2" charset="0"/>
+              <a:ea typeface="Roboto Light" panose="02000000000000000000" pitchFamily="2" charset="0"/>
+            </a:endParaRPr>
           </a:p>
         </p:txBody>
       </p:sp>
     </p:spTree>
     <p:extLst>
       <p:ext uri="{BB962C8B-B14F-4D97-AF65-F5344CB8AC3E}">
-        <p14:creationId xmlns:p14="http://schemas.microsoft.com/office/powerpoint/2010/main" val="1525833955"/>
+        <p14:creationId xmlns:p14="http://schemas.microsoft.com/office/powerpoint/2010/main" val="2034447381"/>
       </p:ext>
     </p:extLst>
   </p:cSld>
@@ -5227,6 +5889,995 @@
 </file>
 
 <file path=ppt/slides/slide11.xml><?xml version="1.0" encoding="utf-8"?>
+<p:sld xmlns:a="http://schemas.openxmlformats.org/drawingml/2006/main" xmlns:r="http://schemas.openxmlformats.org/officeDocument/2006/relationships" xmlns:p="http://schemas.openxmlformats.org/presentationml/2006/main">
+  <p:cSld>
+    <p:spTree>
+      <p:nvGrpSpPr>
+        <p:cNvPr id="1" name=""/>
+        <p:cNvGrpSpPr/>
+        <p:nvPr/>
+      </p:nvGrpSpPr>
+      <p:grpSpPr>
+        <a:xfrm>
+          <a:off x="0" y="0"/>
+          <a:ext cx="0" cy="0"/>
+          <a:chOff x="0" y="0"/>
+          <a:chExt cx="0" cy="0"/>
+        </a:xfrm>
+      </p:grpSpPr>
+      <p:sp>
+        <p:nvSpPr>
+          <p:cNvPr id="2" name="Title 1">
+            <a:extLst>
+              <a:ext uri="{FF2B5EF4-FFF2-40B4-BE49-F238E27FC236}">
+                <a16:creationId xmlns:a16="http://schemas.microsoft.com/office/drawing/2014/main" id="{6693BEEE-6F67-4E5B-A288-C8EE843294F2}"/>
+              </a:ext>
+            </a:extLst>
+          </p:cNvPr>
+          <p:cNvSpPr>
+            <a:spLocks noGrp="1"/>
+          </p:cNvSpPr>
+          <p:nvPr>
+            <p:ph type="title"/>
+          </p:nvPr>
+        </p:nvSpPr>
+        <p:spPr/>
+        <p:txBody>
+          <a:bodyPr/>
+          <a:lstStyle/>
+          <a:p>
+            <a:r>
+              <a:rPr lang="en-AU" dirty="0">
+                <a:latin typeface="Roboto" panose="02000000000000000000" pitchFamily="2" charset="0"/>
+                <a:ea typeface="Roboto" panose="02000000000000000000" pitchFamily="2" charset="0"/>
+              </a:rPr>
+              <a:t>Problem formulation summary</a:t>
+            </a:r>
+          </a:p>
+        </p:txBody>
+      </p:sp>
+      <p:sp>
+        <p:nvSpPr>
+          <p:cNvPr id="3" name="Content Placeholder 2">
+            <a:extLst>
+              <a:ext uri="{FF2B5EF4-FFF2-40B4-BE49-F238E27FC236}">
+                <a16:creationId xmlns:a16="http://schemas.microsoft.com/office/drawing/2014/main" id="{44E909E5-C4B8-424D-9384-35FEEB52C67C}"/>
+              </a:ext>
+            </a:extLst>
+          </p:cNvPr>
+          <p:cNvSpPr>
+            <a:spLocks noGrp="1"/>
+          </p:cNvSpPr>
+          <p:nvPr>
+            <p:ph idx="1"/>
+          </p:nvPr>
+        </p:nvSpPr>
+        <p:spPr/>
+        <p:txBody>
+          <a:bodyPr/>
+          <a:lstStyle/>
+          <a:p>
+            <a:r>
+              <a:rPr lang="en-AU" dirty="0">
+                <a:latin typeface="Roboto Light" panose="02000000000000000000" pitchFamily="2" charset="0"/>
+                <a:ea typeface="Roboto Light" panose="02000000000000000000" pitchFamily="2" charset="0"/>
+              </a:rPr>
+              <a:t>By the end of the exercise you’d have:</a:t>
+            </a:r>
+          </a:p>
+          <a:p>
+            <a:pPr marL="0" indent="0">
+              <a:buNone/>
+            </a:pPr>
+            <a:endParaRPr lang="en-AU" dirty="0">
+              <a:latin typeface="Roboto Light" panose="02000000000000000000" pitchFamily="2" charset="0"/>
+              <a:ea typeface="Roboto Light" panose="02000000000000000000" pitchFamily="2" charset="0"/>
+            </a:endParaRPr>
+          </a:p>
+          <a:p>
+            <a:pPr lvl="1"/>
+            <a:r>
+              <a:rPr lang="en-AU" dirty="0">
+                <a:latin typeface="Roboto Light" panose="02000000000000000000" pitchFamily="2" charset="0"/>
+                <a:ea typeface="Roboto Light" panose="02000000000000000000" pitchFamily="2" charset="0"/>
+              </a:rPr>
+              <a:t>An outline of the business problem translated into data problem</a:t>
+            </a:r>
+          </a:p>
+          <a:p>
+            <a:pPr lvl="1"/>
+            <a:r>
+              <a:rPr lang="en-AU" dirty="0">
+                <a:latin typeface="Roboto Light" panose="02000000000000000000" pitchFamily="2" charset="0"/>
+                <a:ea typeface="Roboto Light" panose="02000000000000000000" pitchFamily="2" charset="0"/>
+              </a:rPr>
+              <a:t>An idea of the tasks that are required and the workflow</a:t>
+            </a:r>
+          </a:p>
+          <a:p>
+            <a:pPr lvl="1"/>
+            <a:r>
+              <a:rPr lang="en-AU" dirty="0">
+                <a:latin typeface="Roboto Light" panose="02000000000000000000" pitchFamily="2" charset="0"/>
+                <a:ea typeface="Roboto Light" panose="02000000000000000000" pitchFamily="2" charset="0"/>
+              </a:rPr>
+              <a:t>A narrowed down bucket of machine learning algorithms available that are fit-for-purpose</a:t>
+            </a:r>
+          </a:p>
+          <a:p>
+            <a:pPr lvl="1"/>
+            <a:r>
+              <a:rPr lang="en-AU" dirty="0">
+                <a:latin typeface="Roboto Light" panose="02000000000000000000" pitchFamily="2" charset="0"/>
+                <a:ea typeface="Roboto Light" panose="02000000000000000000" pitchFamily="2" charset="0"/>
+              </a:rPr>
+              <a:t>A narrowed down slice of the overall data to focus on for next steps</a:t>
+            </a:r>
+          </a:p>
+          <a:p>
+            <a:pPr lvl="1"/>
+            <a:r>
+              <a:rPr lang="en-AU" dirty="0">
+                <a:latin typeface="Roboto Light" panose="02000000000000000000" pitchFamily="2" charset="0"/>
+                <a:ea typeface="Roboto Light" panose="02000000000000000000" pitchFamily="2" charset="0"/>
+              </a:rPr>
+              <a:t>A high-level list of deliverables to work towards while performing next steps in the pipeline</a:t>
+            </a:r>
+          </a:p>
+          <a:p>
+            <a:pPr lvl="1"/>
+            <a:endParaRPr lang="en-AU" dirty="0">
+              <a:latin typeface="Roboto Light" panose="02000000000000000000" pitchFamily="2" charset="0"/>
+              <a:ea typeface="Roboto Light" panose="02000000000000000000" pitchFamily="2" charset="0"/>
+            </a:endParaRPr>
+          </a:p>
+        </p:txBody>
+      </p:sp>
+    </p:spTree>
+    <p:extLst>
+      <p:ext uri="{BB962C8B-B14F-4D97-AF65-F5344CB8AC3E}">
+        <p14:creationId xmlns:p14="http://schemas.microsoft.com/office/powerpoint/2010/main" val="334354245"/>
+      </p:ext>
+    </p:extLst>
+  </p:cSld>
+  <p:clrMapOvr>
+    <a:masterClrMapping/>
+  </p:clrMapOvr>
+</p:sld>
+</file>
+
+<file path=ppt/slides/slide12.xml><?xml version="1.0" encoding="utf-8"?>
+<p:sld xmlns:a="http://schemas.openxmlformats.org/drawingml/2006/main" xmlns:r="http://schemas.openxmlformats.org/officeDocument/2006/relationships" xmlns:p="http://schemas.openxmlformats.org/presentationml/2006/main">
+  <p:cSld>
+    <p:spTree>
+      <p:nvGrpSpPr>
+        <p:cNvPr id="1" name=""/>
+        <p:cNvGrpSpPr/>
+        <p:nvPr/>
+      </p:nvGrpSpPr>
+      <p:grpSpPr>
+        <a:xfrm>
+          <a:off x="0" y="0"/>
+          <a:ext cx="0" cy="0"/>
+          <a:chOff x="0" y="0"/>
+          <a:chExt cx="0" cy="0"/>
+        </a:xfrm>
+      </p:grpSpPr>
+      <p:sp>
+        <p:nvSpPr>
+          <p:cNvPr id="2" name="Title 1">
+            <a:extLst>
+              <a:ext uri="{FF2B5EF4-FFF2-40B4-BE49-F238E27FC236}">
+                <a16:creationId xmlns:a16="http://schemas.microsoft.com/office/drawing/2014/main" id="{D70239AA-CFA7-47C4-A1EA-57159D42A2B6}"/>
+              </a:ext>
+            </a:extLst>
+          </p:cNvPr>
+          <p:cNvSpPr>
+            <a:spLocks noGrp="1"/>
+          </p:cNvSpPr>
+          <p:nvPr>
+            <p:ph type="title"/>
+          </p:nvPr>
+        </p:nvSpPr>
+        <p:spPr/>
+        <p:txBody>
+          <a:bodyPr/>
+          <a:lstStyle/>
+          <a:p>
+            <a:r>
+              <a:rPr lang="en-AU" dirty="0">
+                <a:latin typeface="Roboto" panose="02000000000000000000" pitchFamily="2" charset="0"/>
+                <a:ea typeface="Roboto" panose="02000000000000000000" pitchFamily="2" charset="0"/>
+              </a:rPr>
+              <a:t>Exploratory Data Analysis</a:t>
+            </a:r>
+          </a:p>
+        </p:txBody>
+      </p:sp>
+      <p:sp>
+        <p:nvSpPr>
+          <p:cNvPr id="3" name="Content Placeholder 2">
+            <a:extLst>
+              <a:ext uri="{FF2B5EF4-FFF2-40B4-BE49-F238E27FC236}">
+                <a16:creationId xmlns:a16="http://schemas.microsoft.com/office/drawing/2014/main" id="{03199408-7B90-4275-9417-824F79462D4B}"/>
+              </a:ext>
+            </a:extLst>
+          </p:cNvPr>
+          <p:cNvSpPr>
+            <a:spLocks noGrp="1"/>
+          </p:cNvSpPr>
+          <p:nvPr>
+            <p:ph idx="1"/>
+          </p:nvPr>
+        </p:nvSpPr>
+        <p:spPr>
+          <a:xfrm>
+            <a:off x="838200" y="1876425"/>
+            <a:ext cx="6253599" cy="4351338"/>
+          </a:xfrm>
+        </p:spPr>
+        <p:txBody>
+          <a:bodyPr>
+            <a:normAutofit/>
+          </a:bodyPr>
+          <a:lstStyle/>
+          <a:p>
+            <a:r>
+              <a:rPr lang="en-AU" b="1" dirty="0">
+                <a:latin typeface="Roboto" panose="02000000000000000000" pitchFamily="2" charset="0"/>
+                <a:ea typeface="Roboto" panose="02000000000000000000" pitchFamily="2" charset="0"/>
+              </a:rPr>
+              <a:t>Why bother?</a:t>
+            </a:r>
+          </a:p>
+          <a:p>
+            <a:pPr marL="0" indent="0">
+              <a:buNone/>
+            </a:pPr>
+            <a:endParaRPr lang="en-AU" b="1" dirty="0">
+              <a:latin typeface="Roboto" panose="02000000000000000000" pitchFamily="2" charset="0"/>
+              <a:ea typeface="Roboto" panose="02000000000000000000" pitchFamily="2" charset="0"/>
+            </a:endParaRPr>
+          </a:p>
+          <a:p>
+            <a:pPr lvl="1"/>
+            <a:r>
+              <a:rPr lang="en-AU" dirty="0">
+                <a:latin typeface="Roboto Light" panose="02000000000000000000" pitchFamily="2" charset="0"/>
+                <a:ea typeface="Roboto Light" panose="02000000000000000000" pitchFamily="2" charset="0"/>
+              </a:rPr>
+              <a:t>Build intuition for the data</a:t>
+            </a:r>
+          </a:p>
+          <a:p>
+            <a:pPr lvl="1"/>
+            <a:r>
+              <a:rPr lang="en-AU" dirty="0">
+                <a:latin typeface="Roboto Light" panose="02000000000000000000" pitchFamily="2" charset="0"/>
+                <a:ea typeface="Roboto Light" panose="02000000000000000000" pitchFamily="2" charset="0"/>
+              </a:rPr>
+              <a:t>Inform model selection and feature selection</a:t>
+            </a:r>
+          </a:p>
+          <a:p>
+            <a:pPr lvl="1"/>
+            <a:r>
+              <a:rPr lang="en-AU" dirty="0">
+                <a:latin typeface="Roboto Light" panose="02000000000000000000" pitchFamily="2" charset="0"/>
+                <a:ea typeface="Roboto Light" panose="02000000000000000000" pitchFamily="2" charset="0"/>
+              </a:rPr>
+              <a:t>Identify patterns and develop hypothesis</a:t>
+            </a:r>
+          </a:p>
+          <a:p>
+            <a:pPr lvl="1"/>
+            <a:r>
+              <a:rPr lang="en-AU" u="sng" dirty="0">
+                <a:latin typeface="Roboto Light" panose="02000000000000000000" pitchFamily="2" charset="0"/>
+                <a:ea typeface="Roboto Light" panose="02000000000000000000" pitchFamily="2" charset="0"/>
+              </a:rPr>
+              <a:t>Accountability/documentation</a:t>
+            </a:r>
+          </a:p>
+          <a:p>
+            <a:pPr lvl="1"/>
+            <a:r>
+              <a:rPr lang="en-AU" dirty="0">
+                <a:latin typeface="Roboto Light" panose="02000000000000000000" pitchFamily="2" charset="0"/>
+                <a:ea typeface="Roboto Light" panose="02000000000000000000" pitchFamily="2" charset="0"/>
+              </a:rPr>
+              <a:t>Challenge assumptions</a:t>
+            </a:r>
+          </a:p>
+          <a:p>
+            <a:pPr lvl="1"/>
+            <a:r>
+              <a:rPr lang="en-AU" dirty="0">
+                <a:latin typeface="Roboto Light" panose="02000000000000000000" pitchFamily="2" charset="0"/>
+                <a:ea typeface="Roboto Light" panose="02000000000000000000" pitchFamily="2" charset="0"/>
+              </a:rPr>
+              <a:t>Answer questions you didn’t have (bonus)</a:t>
+            </a:r>
+          </a:p>
+          <a:p>
+            <a:pPr lvl="1"/>
+            <a:endParaRPr lang="en-AU" dirty="0">
+              <a:latin typeface="Roboto Light" panose="02000000000000000000" pitchFamily="2" charset="0"/>
+              <a:ea typeface="Roboto Light" panose="02000000000000000000" pitchFamily="2" charset="0"/>
+            </a:endParaRPr>
+          </a:p>
+        </p:txBody>
+      </p:sp>
+      <p:pic>
+        <p:nvPicPr>
+          <p:cNvPr id="4" name="Picture 3" descr="Diagram&#10;&#10;Description automatically generated">
+            <a:extLst>
+              <a:ext uri="{FF2B5EF4-FFF2-40B4-BE49-F238E27FC236}">
+                <a16:creationId xmlns:a16="http://schemas.microsoft.com/office/drawing/2014/main" id="{64BB342E-71BA-4090-913F-82CC82D42C10}"/>
+              </a:ext>
+            </a:extLst>
+          </p:cNvPr>
+          <p:cNvPicPr>
+            <a:picLocks noChangeAspect="1"/>
+          </p:cNvPicPr>
+          <p:nvPr/>
+        </p:nvPicPr>
+        <p:blipFill>
+          <a:blip r:embed="rId3"/>
+          <a:stretch>
+            <a:fillRect/>
+          </a:stretch>
+        </p:blipFill>
+        <p:spPr>
+          <a:xfrm>
+            <a:off x="6774968" y="2472615"/>
+            <a:ext cx="4858232" cy="1912770"/>
+          </a:xfrm>
+          <a:prstGeom prst="rect">
+            <a:avLst/>
+          </a:prstGeom>
+        </p:spPr>
+      </p:pic>
+      <p:sp>
+        <p:nvSpPr>
+          <p:cNvPr id="5" name="Multiplication Sign 4">
+            <a:extLst>
+              <a:ext uri="{FF2B5EF4-FFF2-40B4-BE49-F238E27FC236}">
+                <a16:creationId xmlns:a16="http://schemas.microsoft.com/office/drawing/2014/main" id="{BE6D81D4-248E-4C63-B505-123E6791E2CF}"/>
+              </a:ext>
+            </a:extLst>
+          </p:cNvPr>
+          <p:cNvSpPr/>
+          <p:nvPr/>
+        </p:nvSpPr>
+        <p:spPr>
+          <a:xfrm>
+            <a:off x="7863543" y="2306177"/>
+            <a:ext cx="752505" cy="1122387"/>
+          </a:xfrm>
+          <a:prstGeom prst="mathMultiply">
+            <a:avLst/>
+          </a:prstGeom>
+          <a:solidFill>
+            <a:srgbClr val="FF0000"/>
+          </a:solidFill>
+          <a:ln>
+            <a:solidFill>
+              <a:schemeClr val="tx1"/>
+            </a:solidFill>
+          </a:ln>
+        </p:spPr>
+        <p:style>
+          <a:lnRef idx="2">
+            <a:schemeClr val="accent1">
+              <a:shade val="50000"/>
+            </a:schemeClr>
+          </a:lnRef>
+          <a:fillRef idx="1">
+            <a:schemeClr val="accent1"/>
+          </a:fillRef>
+          <a:effectRef idx="0">
+            <a:schemeClr val="accent1"/>
+          </a:effectRef>
+          <a:fontRef idx="minor">
+            <a:schemeClr val="lt1"/>
+          </a:fontRef>
+        </p:style>
+        <p:txBody>
+          <a:bodyPr rtlCol="0" anchor="ctr"/>
+          <a:lstStyle/>
+          <a:p>
+            <a:pPr algn="ctr"/>
+            <a:endParaRPr lang="en-AU"/>
+          </a:p>
+        </p:txBody>
+      </p:sp>
+      <p:sp>
+        <p:nvSpPr>
+          <p:cNvPr id="6" name="Multiplication Sign 5">
+            <a:extLst>
+              <a:ext uri="{FF2B5EF4-FFF2-40B4-BE49-F238E27FC236}">
+                <a16:creationId xmlns:a16="http://schemas.microsoft.com/office/drawing/2014/main" id="{F473F361-7AFD-453C-97EC-835F8E0D62F5}"/>
+              </a:ext>
+            </a:extLst>
+          </p:cNvPr>
+          <p:cNvSpPr/>
+          <p:nvPr/>
+        </p:nvSpPr>
+        <p:spPr>
+          <a:xfrm>
+            <a:off x="8795747" y="2306176"/>
+            <a:ext cx="752505" cy="1122387"/>
+          </a:xfrm>
+          <a:prstGeom prst="mathMultiply">
+            <a:avLst/>
+          </a:prstGeom>
+          <a:solidFill>
+            <a:srgbClr val="FF0000"/>
+          </a:solidFill>
+          <a:ln>
+            <a:solidFill>
+              <a:schemeClr val="tx1"/>
+            </a:solidFill>
+          </a:ln>
+        </p:spPr>
+        <p:style>
+          <a:lnRef idx="2">
+            <a:schemeClr val="accent1">
+              <a:shade val="50000"/>
+            </a:schemeClr>
+          </a:lnRef>
+          <a:fillRef idx="1">
+            <a:schemeClr val="accent1"/>
+          </a:fillRef>
+          <a:effectRef idx="0">
+            <a:schemeClr val="accent1"/>
+          </a:effectRef>
+          <a:fontRef idx="minor">
+            <a:schemeClr val="lt1"/>
+          </a:fontRef>
+        </p:style>
+        <p:txBody>
+          <a:bodyPr rtlCol="0" anchor="ctr"/>
+          <a:lstStyle/>
+          <a:p>
+            <a:pPr algn="ctr"/>
+            <a:endParaRPr lang="en-AU"/>
+          </a:p>
+        </p:txBody>
+      </p:sp>
+    </p:spTree>
+    <p:extLst>
+      <p:ext uri="{BB962C8B-B14F-4D97-AF65-F5344CB8AC3E}">
+        <p14:creationId xmlns:p14="http://schemas.microsoft.com/office/powerpoint/2010/main" val="3700875129"/>
+      </p:ext>
+    </p:extLst>
+  </p:cSld>
+  <p:clrMapOvr>
+    <a:masterClrMapping/>
+  </p:clrMapOvr>
+</p:sld>
+</file>
+
+<file path=ppt/slides/slide13.xml><?xml version="1.0" encoding="utf-8"?>
+<p:sld xmlns:a="http://schemas.openxmlformats.org/drawingml/2006/main" xmlns:r="http://schemas.openxmlformats.org/officeDocument/2006/relationships" xmlns:p="http://schemas.openxmlformats.org/presentationml/2006/main">
+  <p:cSld>
+    <p:spTree>
+      <p:nvGrpSpPr>
+        <p:cNvPr id="1" name=""/>
+        <p:cNvGrpSpPr/>
+        <p:nvPr/>
+      </p:nvGrpSpPr>
+      <p:grpSpPr>
+        <a:xfrm>
+          <a:off x="0" y="0"/>
+          <a:ext cx="0" cy="0"/>
+          <a:chOff x="0" y="0"/>
+          <a:chExt cx="0" cy="0"/>
+        </a:xfrm>
+      </p:grpSpPr>
+      <p:sp>
+        <p:nvSpPr>
+          <p:cNvPr id="2" name="Title 1">
+            <a:extLst>
+              <a:ext uri="{FF2B5EF4-FFF2-40B4-BE49-F238E27FC236}">
+                <a16:creationId xmlns:a16="http://schemas.microsoft.com/office/drawing/2014/main" id="{BC72B366-A442-439D-B565-F6E20E76B73F}"/>
+              </a:ext>
+            </a:extLst>
+          </p:cNvPr>
+          <p:cNvSpPr>
+            <a:spLocks noGrp="1"/>
+          </p:cNvSpPr>
+          <p:nvPr>
+            <p:ph type="title"/>
+          </p:nvPr>
+        </p:nvSpPr>
+        <p:spPr/>
+        <p:txBody>
+          <a:bodyPr/>
+          <a:lstStyle/>
+          <a:p>
+            <a:r>
+              <a:rPr lang="en-AU" dirty="0">
+                <a:latin typeface="Roboto" panose="02000000000000000000" pitchFamily="2" charset="0"/>
+                <a:ea typeface="Roboto" panose="02000000000000000000" pitchFamily="2" charset="0"/>
+              </a:rPr>
+              <a:t>Framework for EDA</a:t>
+            </a:r>
+          </a:p>
+        </p:txBody>
+      </p:sp>
+      <p:sp>
+        <p:nvSpPr>
+          <p:cNvPr id="3" name="Content Placeholder 2">
+            <a:extLst>
+              <a:ext uri="{FF2B5EF4-FFF2-40B4-BE49-F238E27FC236}">
+                <a16:creationId xmlns:a16="http://schemas.microsoft.com/office/drawing/2014/main" id="{4093FFE3-90E5-4D67-99F2-4CF43FB06E47}"/>
+              </a:ext>
+            </a:extLst>
+          </p:cNvPr>
+          <p:cNvSpPr>
+            <a:spLocks noGrp="1"/>
+          </p:cNvSpPr>
+          <p:nvPr>
+            <p:ph idx="1"/>
+          </p:nvPr>
+        </p:nvSpPr>
+        <p:spPr/>
+        <p:txBody>
+          <a:bodyPr>
+            <a:normAutofit fontScale="85000" lnSpcReduction="20000"/>
+          </a:bodyPr>
+          <a:lstStyle/>
+          <a:p>
+            <a:r>
+              <a:rPr lang="en-AU" sz="3000" b="1" dirty="0">
+                <a:latin typeface="Roboto" panose="02000000000000000000" pitchFamily="2" charset="0"/>
+                <a:ea typeface="Roboto" panose="02000000000000000000" pitchFamily="2" charset="0"/>
+              </a:rPr>
+              <a:t>.describe()</a:t>
+            </a:r>
+          </a:p>
+          <a:p>
+            <a:r>
+              <a:rPr lang="en-AU" sz="3000" b="1" dirty="0">
+                <a:latin typeface="Roboto" panose="02000000000000000000" pitchFamily="2" charset="0"/>
+                <a:ea typeface="Roboto" panose="02000000000000000000" pitchFamily="2" charset="0"/>
+              </a:rPr>
+              <a:t>UDFs</a:t>
+            </a:r>
+          </a:p>
+          <a:p>
+            <a:r>
+              <a:rPr lang="en-AU" sz="3000" b="1" dirty="0">
+                <a:latin typeface="Roboto" panose="02000000000000000000" pitchFamily="2" charset="0"/>
+                <a:ea typeface="Roboto" panose="02000000000000000000" pitchFamily="2" charset="0"/>
+              </a:rPr>
+              <a:t>Histograms/KDE</a:t>
+            </a:r>
+          </a:p>
+          <a:p>
+            <a:r>
+              <a:rPr lang="en-AU" sz="3000" b="1" dirty="0">
+                <a:latin typeface="Roboto" panose="02000000000000000000" pitchFamily="2" charset="0"/>
+                <a:ea typeface="Roboto" panose="02000000000000000000" pitchFamily="2" charset="0"/>
+              </a:rPr>
+              <a:t>Scatter matrix</a:t>
+            </a:r>
+          </a:p>
+          <a:p>
+            <a:r>
+              <a:rPr lang="en-AU" sz="3000" b="1" dirty="0">
+                <a:latin typeface="Roboto" panose="02000000000000000000" pitchFamily="2" charset="0"/>
+                <a:ea typeface="Roboto" panose="02000000000000000000" pitchFamily="2" charset="0"/>
+              </a:rPr>
+              <a:t>Correlation (Pearson, Kendall, Spearman)</a:t>
+            </a:r>
+          </a:p>
+          <a:p>
+            <a:pPr marL="0" indent="0">
+              <a:buNone/>
+            </a:pPr>
+            <a:endParaRPr lang="en-AU" sz="3000" b="1" dirty="0">
+              <a:latin typeface="Roboto" panose="02000000000000000000" pitchFamily="2" charset="0"/>
+              <a:ea typeface="Roboto" panose="02000000000000000000" pitchFamily="2" charset="0"/>
+            </a:endParaRPr>
+          </a:p>
+          <a:p>
+            <a:endParaRPr lang="en-AU" sz="3000" b="1" dirty="0">
+              <a:latin typeface="Roboto" panose="02000000000000000000" pitchFamily="2" charset="0"/>
+              <a:ea typeface="Roboto" panose="02000000000000000000" pitchFamily="2" charset="0"/>
+            </a:endParaRPr>
+          </a:p>
+          <a:p>
+            <a:r>
+              <a:rPr lang="en-AU" sz="3000" b="1" dirty="0">
+                <a:latin typeface="Roboto" panose="02000000000000000000" pitchFamily="2" charset="0"/>
+                <a:ea typeface="Roboto" panose="02000000000000000000" pitchFamily="2" charset="0"/>
+              </a:rPr>
+              <a:t>4 mental buckets</a:t>
+            </a:r>
+          </a:p>
+          <a:p>
+            <a:pPr lvl="2"/>
+            <a:r>
+              <a:rPr lang="en-AU" dirty="0">
+                <a:latin typeface="Roboto Light" panose="02000000000000000000" pitchFamily="2" charset="0"/>
+                <a:ea typeface="Roboto Light" panose="02000000000000000000" pitchFamily="2" charset="0"/>
+              </a:rPr>
+              <a:t>Outliers and scaling, suspicious values</a:t>
+            </a:r>
+          </a:p>
+          <a:p>
+            <a:pPr lvl="2"/>
+            <a:r>
+              <a:rPr lang="en-AU" dirty="0">
+                <a:latin typeface="Roboto Light" panose="02000000000000000000" pitchFamily="2" charset="0"/>
+                <a:ea typeface="Roboto Light" panose="02000000000000000000" pitchFamily="2" charset="0"/>
+              </a:rPr>
+              <a:t>Class imbalance</a:t>
+            </a:r>
+          </a:p>
+          <a:p>
+            <a:pPr lvl="2"/>
+            <a:r>
+              <a:rPr lang="en-AU" dirty="0">
+                <a:latin typeface="Roboto Light" panose="02000000000000000000" pitchFamily="2" charset="0"/>
+                <a:ea typeface="Roboto Light" panose="02000000000000000000" pitchFamily="2" charset="0"/>
+              </a:rPr>
+              <a:t>Oh definitely need to include this ( or some combination)</a:t>
+            </a:r>
+          </a:p>
+          <a:p>
+            <a:pPr lvl="2"/>
+            <a:r>
+              <a:rPr lang="en-AU" dirty="0">
+                <a:latin typeface="Roboto Light" panose="02000000000000000000" pitchFamily="2" charset="0"/>
+                <a:ea typeface="Roboto Light" panose="02000000000000000000" pitchFamily="2" charset="0"/>
+              </a:rPr>
+              <a:t>Oh definitely exclude this</a:t>
+            </a:r>
+          </a:p>
+          <a:p>
+            <a:endParaRPr lang="en-AU" dirty="0"/>
+          </a:p>
+        </p:txBody>
+      </p:sp>
+    </p:spTree>
+    <p:extLst>
+      <p:ext uri="{BB962C8B-B14F-4D97-AF65-F5344CB8AC3E}">
+        <p14:creationId xmlns:p14="http://schemas.microsoft.com/office/powerpoint/2010/main" val="2881466440"/>
+      </p:ext>
+    </p:extLst>
+  </p:cSld>
+  <p:clrMapOvr>
+    <a:masterClrMapping/>
+  </p:clrMapOvr>
+</p:sld>
+</file>
+
+<file path=ppt/slides/slide14.xml><?xml version="1.0" encoding="utf-8"?>
+<p:sld xmlns:a="http://schemas.openxmlformats.org/drawingml/2006/main" xmlns:r="http://schemas.openxmlformats.org/officeDocument/2006/relationships" xmlns:p="http://schemas.openxmlformats.org/presentationml/2006/main">
+  <p:cSld>
+    <p:spTree>
+      <p:nvGrpSpPr>
+        <p:cNvPr id="1" name=""/>
+        <p:cNvGrpSpPr/>
+        <p:nvPr/>
+      </p:nvGrpSpPr>
+      <p:grpSpPr>
+        <a:xfrm>
+          <a:off x="0" y="0"/>
+          <a:ext cx="0" cy="0"/>
+          <a:chOff x="0" y="0"/>
+          <a:chExt cx="0" cy="0"/>
+        </a:xfrm>
+      </p:grpSpPr>
+      <p:sp>
+        <p:nvSpPr>
+          <p:cNvPr id="2" name="Title 1">
+            <a:extLst>
+              <a:ext uri="{FF2B5EF4-FFF2-40B4-BE49-F238E27FC236}">
+                <a16:creationId xmlns:a16="http://schemas.microsoft.com/office/drawing/2014/main" id="{DFBAB538-799D-4F93-A347-70D8AEEA2DCD}"/>
+              </a:ext>
+            </a:extLst>
+          </p:cNvPr>
+          <p:cNvSpPr>
+            <a:spLocks noGrp="1"/>
+          </p:cNvSpPr>
+          <p:nvPr>
+            <p:ph type="title"/>
+          </p:nvPr>
+        </p:nvSpPr>
+        <p:spPr/>
+        <p:txBody>
+          <a:bodyPr/>
+          <a:lstStyle/>
+          <a:p>
+            <a:r>
+              <a:rPr lang="en-AU" dirty="0">
+                <a:latin typeface="Roboto" panose="02000000000000000000" pitchFamily="2" charset="0"/>
+                <a:ea typeface="Roboto" panose="02000000000000000000" pitchFamily="2" charset="0"/>
+              </a:rPr>
+              <a:t>Example: Travel insurance </a:t>
+            </a:r>
+            <a:r>
+              <a:rPr lang="en-AU" dirty="0">
+                <a:latin typeface="Roboto" panose="02000000000000000000" pitchFamily="2" charset="0"/>
+                <a:ea typeface="Roboto" panose="02000000000000000000" pitchFamily="2" charset="0"/>
+                <a:hlinkClick r:id="rId3"/>
+              </a:rPr>
+              <a:t>dataset</a:t>
+            </a:r>
+            <a:endParaRPr lang="en-AU" dirty="0">
+              <a:latin typeface="Roboto" panose="02000000000000000000" pitchFamily="2" charset="0"/>
+              <a:ea typeface="Roboto" panose="02000000000000000000" pitchFamily="2" charset="0"/>
+            </a:endParaRPr>
+          </a:p>
+        </p:txBody>
+      </p:sp>
+      <p:sp>
+        <p:nvSpPr>
+          <p:cNvPr id="3" name="Content Placeholder 2">
+            <a:extLst>
+              <a:ext uri="{FF2B5EF4-FFF2-40B4-BE49-F238E27FC236}">
+                <a16:creationId xmlns:a16="http://schemas.microsoft.com/office/drawing/2014/main" id="{047706C2-20B0-4E03-9AA3-9BAAA65F70D3}"/>
+              </a:ext>
+            </a:extLst>
+          </p:cNvPr>
+          <p:cNvSpPr>
+            <a:spLocks noGrp="1"/>
+          </p:cNvSpPr>
+          <p:nvPr>
+            <p:ph idx="1"/>
+          </p:nvPr>
+        </p:nvSpPr>
+        <p:spPr/>
+        <p:txBody>
+          <a:bodyPr>
+            <a:normAutofit fontScale="85000" lnSpcReduction="20000"/>
+          </a:bodyPr>
+          <a:lstStyle/>
+          <a:p>
+            <a:pPr algn="l" fontAlgn="base">
+              <a:buFont typeface="+mj-lt"/>
+              <a:buAutoNum type="arabicPeriod"/>
+            </a:pPr>
+            <a:r>
+              <a:rPr lang="en-GB" b="0" i="0" dirty="0">
+                <a:effectLst/>
+                <a:latin typeface="Roboto Light" panose="02000000000000000000" pitchFamily="2" charset="0"/>
+                <a:ea typeface="Roboto Light" panose="02000000000000000000" pitchFamily="2" charset="0"/>
+              </a:rPr>
+              <a:t>Target: Claim Status </a:t>
+            </a:r>
+          </a:p>
+          <a:p>
+            <a:pPr algn="l" fontAlgn="base">
+              <a:buFont typeface="+mj-lt"/>
+              <a:buAutoNum type="arabicPeriod"/>
+            </a:pPr>
+            <a:r>
+              <a:rPr lang="en-GB" b="0" i="0" dirty="0">
+                <a:effectLst/>
+                <a:latin typeface="Roboto Light" panose="02000000000000000000" pitchFamily="2" charset="0"/>
+                <a:ea typeface="Roboto Light" panose="02000000000000000000" pitchFamily="2" charset="0"/>
+              </a:rPr>
+              <a:t>Name of agency </a:t>
+            </a:r>
+          </a:p>
+          <a:p>
+            <a:pPr algn="l" fontAlgn="base">
+              <a:buFont typeface="+mj-lt"/>
+              <a:buAutoNum type="arabicPeriod"/>
+            </a:pPr>
+            <a:r>
+              <a:rPr lang="en-GB" b="0" i="0" dirty="0">
+                <a:effectLst/>
+                <a:latin typeface="Roboto Light" panose="02000000000000000000" pitchFamily="2" charset="0"/>
+                <a:ea typeface="Roboto Light" panose="02000000000000000000" pitchFamily="2" charset="0"/>
+              </a:rPr>
+              <a:t>Type of travel insurance agencies </a:t>
+            </a:r>
+          </a:p>
+          <a:p>
+            <a:pPr algn="l" fontAlgn="base">
+              <a:buFont typeface="+mj-lt"/>
+              <a:buAutoNum type="arabicPeriod"/>
+            </a:pPr>
+            <a:r>
+              <a:rPr lang="en-GB" b="0" i="0" dirty="0">
+                <a:effectLst/>
+                <a:latin typeface="Roboto Light" panose="02000000000000000000" pitchFamily="2" charset="0"/>
+                <a:ea typeface="Roboto Light" panose="02000000000000000000" pitchFamily="2" charset="0"/>
+              </a:rPr>
+              <a:t>Distribution channel of travel insurance agencies </a:t>
+            </a:r>
+          </a:p>
+          <a:p>
+            <a:pPr algn="l" fontAlgn="base">
+              <a:buFont typeface="+mj-lt"/>
+              <a:buAutoNum type="arabicPeriod"/>
+            </a:pPr>
+            <a:r>
+              <a:rPr lang="en-GB" b="0" i="0" dirty="0">
+                <a:effectLst/>
+                <a:latin typeface="Roboto Light" panose="02000000000000000000" pitchFamily="2" charset="0"/>
+                <a:ea typeface="Roboto Light" panose="02000000000000000000" pitchFamily="2" charset="0"/>
+              </a:rPr>
+              <a:t>Name of the travel insurance products </a:t>
+            </a:r>
+          </a:p>
+          <a:p>
+            <a:pPr algn="l" fontAlgn="base">
+              <a:buFont typeface="+mj-lt"/>
+              <a:buAutoNum type="arabicPeriod"/>
+            </a:pPr>
+            <a:r>
+              <a:rPr lang="en-GB" b="0" i="0" dirty="0">
+                <a:effectLst/>
+                <a:latin typeface="Roboto Light" panose="02000000000000000000" pitchFamily="2" charset="0"/>
+                <a:ea typeface="Roboto Light" panose="02000000000000000000" pitchFamily="2" charset="0"/>
+              </a:rPr>
+              <a:t>Duration of travel </a:t>
+            </a:r>
+          </a:p>
+          <a:p>
+            <a:pPr algn="l" fontAlgn="base">
+              <a:buFont typeface="+mj-lt"/>
+              <a:buAutoNum type="arabicPeriod"/>
+            </a:pPr>
+            <a:r>
+              <a:rPr lang="en-GB" b="0" i="0" dirty="0">
+                <a:effectLst/>
+                <a:latin typeface="Roboto Light" panose="02000000000000000000" pitchFamily="2" charset="0"/>
+                <a:ea typeface="Roboto Light" panose="02000000000000000000" pitchFamily="2" charset="0"/>
+              </a:rPr>
+              <a:t>Destination of travel </a:t>
+            </a:r>
+          </a:p>
+          <a:p>
+            <a:pPr algn="l" fontAlgn="base">
+              <a:buFont typeface="+mj-lt"/>
+              <a:buAutoNum type="arabicPeriod"/>
+            </a:pPr>
+            <a:r>
+              <a:rPr lang="en-GB" b="0" i="0" dirty="0">
+                <a:effectLst/>
+                <a:latin typeface="Roboto Light" panose="02000000000000000000" pitchFamily="2" charset="0"/>
+                <a:ea typeface="Roboto Light" panose="02000000000000000000" pitchFamily="2" charset="0"/>
+              </a:rPr>
+              <a:t>Amount of sales of travel insurance policies</a:t>
+            </a:r>
+          </a:p>
+          <a:p>
+            <a:pPr algn="l" fontAlgn="base">
+              <a:buFont typeface="+mj-lt"/>
+              <a:buAutoNum type="arabicPeriod"/>
+            </a:pPr>
+            <a:r>
+              <a:rPr lang="en-GB" b="0" i="0" dirty="0">
+                <a:effectLst/>
+                <a:latin typeface="Roboto Light" panose="02000000000000000000" pitchFamily="2" charset="0"/>
+                <a:ea typeface="Roboto Light" panose="02000000000000000000" pitchFamily="2" charset="0"/>
+              </a:rPr>
+              <a:t>Commission received for travel insurance agency </a:t>
+            </a:r>
+          </a:p>
+          <a:p>
+            <a:pPr algn="l" fontAlgn="base">
+              <a:buFont typeface="+mj-lt"/>
+              <a:buAutoNum type="arabicPeriod"/>
+            </a:pPr>
+            <a:r>
+              <a:rPr lang="en-GB" b="0" i="0" dirty="0">
+                <a:effectLst/>
+                <a:latin typeface="Roboto Light" panose="02000000000000000000" pitchFamily="2" charset="0"/>
+                <a:ea typeface="Roboto Light" panose="02000000000000000000" pitchFamily="2" charset="0"/>
+              </a:rPr>
+              <a:t>Gender of insured </a:t>
+            </a:r>
+          </a:p>
+          <a:p>
+            <a:pPr algn="l" fontAlgn="base">
+              <a:buFont typeface="+mj-lt"/>
+              <a:buAutoNum type="arabicPeriod"/>
+            </a:pPr>
+            <a:r>
+              <a:rPr lang="en-GB" b="0" i="0" dirty="0">
+                <a:effectLst/>
+                <a:latin typeface="Roboto Light" panose="02000000000000000000" pitchFamily="2" charset="0"/>
+                <a:ea typeface="Roboto Light" panose="02000000000000000000" pitchFamily="2" charset="0"/>
+              </a:rPr>
+              <a:t>Age of insured</a:t>
+            </a:r>
+            <a:endParaRPr lang="en-AU" dirty="0">
+              <a:latin typeface="Roboto Light" panose="02000000000000000000" pitchFamily="2" charset="0"/>
+              <a:ea typeface="Roboto Light" panose="02000000000000000000" pitchFamily="2" charset="0"/>
+            </a:endParaRPr>
+          </a:p>
+        </p:txBody>
+      </p:sp>
+    </p:spTree>
+    <p:extLst>
+      <p:ext uri="{BB962C8B-B14F-4D97-AF65-F5344CB8AC3E}">
+        <p14:creationId xmlns:p14="http://schemas.microsoft.com/office/powerpoint/2010/main" val="504490809"/>
+      </p:ext>
+    </p:extLst>
+  </p:cSld>
+  <p:clrMapOvr>
+    <a:masterClrMapping/>
+  </p:clrMapOvr>
+</p:sld>
+</file>
+
+<file path=ppt/slides/slide15.xml><?xml version="1.0" encoding="utf-8"?>
+<p:sld xmlns:a="http://schemas.openxmlformats.org/drawingml/2006/main" xmlns:r="http://schemas.openxmlformats.org/officeDocument/2006/relationships" xmlns:p="http://schemas.openxmlformats.org/presentationml/2006/main">
+  <p:cSld>
+    <p:spTree>
+      <p:nvGrpSpPr>
+        <p:cNvPr id="1" name=""/>
+        <p:cNvGrpSpPr/>
+        <p:nvPr/>
+      </p:nvGrpSpPr>
+      <p:grpSpPr>
+        <a:xfrm>
+          <a:off x="0" y="0"/>
+          <a:ext cx="0" cy="0"/>
+          <a:chOff x="0" y="0"/>
+          <a:chExt cx="0" cy="0"/>
+        </a:xfrm>
+      </p:grpSpPr>
+      <p:sp>
+        <p:nvSpPr>
+          <p:cNvPr id="2" name="Title 1">
+            <a:extLst>
+              <a:ext uri="{FF2B5EF4-FFF2-40B4-BE49-F238E27FC236}">
+                <a16:creationId xmlns:a16="http://schemas.microsoft.com/office/drawing/2014/main" id="{41C571BF-8018-4438-B90E-3E0F46D79745}"/>
+              </a:ext>
+            </a:extLst>
+          </p:cNvPr>
+          <p:cNvSpPr>
+            <a:spLocks noGrp="1"/>
+          </p:cNvSpPr>
+          <p:nvPr>
+            <p:ph type="title"/>
+          </p:nvPr>
+        </p:nvSpPr>
+        <p:spPr>
+          <a:xfrm>
+            <a:off x="3200400" y="2766218"/>
+            <a:ext cx="5524500" cy="1325563"/>
+          </a:xfrm>
+        </p:spPr>
+        <p:txBody>
+          <a:bodyPr/>
+          <a:lstStyle/>
+          <a:p>
+            <a:r>
+              <a:rPr lang="en-AU" dirty="0">
+                <a:latin typeface="Roboto" panose="02000000000000000000" pitchFamily="2" charset="0"/>
+                <a:ea typeface="Roboto" panose="02000000000000000000" pitchFamily="2" charset="0"/>
+              </a:rPr>
+              <a:t>TO THE NOTEBOOK</a:t>
+            </a:r>
+          </a:p>
+        </p:txBody>
+      </p:sp>
+    </p:spTree>
+    <p:extLst>
+      <p:ext uri="{BB962C8B-B14F-4D97-AF65-F5344CB8AC3E}">
+        <p14:creationId xmlns:p14="http://schemas.microsoft.com/office/powerpoint/2010/main" val="2245684248"/>
+      </p:ext>
+    </p:extLst>
+  </p:cSld>
+  <p:clrMapOvr>
+    <a:masterClrMapping/>
+  </p:clrMapOvr>
+</p:sld>
+</file>
+
+<file path=ppt/slides/slide16.xml><?xml version="1.0" encoding="utf-8"?>
 <p:sld xmlns:a="http://schemas.openxmlformats.org/drawingml/2006/main" xmlns:r="http://schemas.openxmlformats.org/officeDocument/2006/relationships" xmlns:p="http://schemas.openxmlformats.org/presentationml/2006/main">
   <p:cSld>
     <p:spTree>
@@ -5314,7 +6965,7 @@
 </p:sld>
 </file>
 
-<file path=ppt/slides/slide12.xml><?xml version="1.0" encoding="utf-8"?>
+<file path=ppt/slides/slide17.xml><?xml version="1.0" encoding="utf-8"?>
 <p:sld xmlns:a="http://schemas.openxmlformats.org/drawingml/2006/main" xmlns:r="http://schemas.openxmlformats.org/officeDocument/2006/relationships" xmlns:p="http://schemas.openxmlformats.org/presentationml/2006/main">
   <p:cSld>
     <p:spTree>
@@ -5458,7 +7109,7 @@
         </p:nvSpPr>
         <p:spPr>
           <a:xfrm>
-            <a:off x="3386138" y="5591304"/>
+            <a:off x="4743450" y="5457269"/>
             <a:ext cx="2471737" cy="646331"/>
           </a:xfrm>
           <a:prstGeom prst="rect">
@@ -5549,8 +7200,8 @@
         </p:nvSpPr>
         <p:spPr>
           <a:xfrm>
-            <a:off x="3624263" y="2982010"/>
-            <a:ext cx="2471737" cy="646331"/>
+            <a:off x="5304631" y="2638423"/>
+            <a:ext cx="1582737" cy="646331"/>
           </a:xfrm>
           <a:prstGeom prst="rect">
             <a:avLst/>
@@ -5565,7 +7216,7 @@
           <a:p>
             <a:r>
               <a:rPr lang="en-AU" dirty="0"/>
-              <a:t>??</a:t>
+              <a:t>4 buckets</a:t>
             </a:r>
           </a:p>
           <a:p>
@@ -5720,6 +7371,129 @@
                 <a:schemeClr val="tx1"/>
               </a:solidFill>
             </a:endParaRPr>
+          </a:p>
+        </p:txBody>
+      </p:sp>
+      <p:sp>
+        <p:nvSpPr>
+          <p:cNvPr id="11" name="TextBox 10">
+            <a:extLst>
+              <a:ext uri="{FF2B5EF4-FFF2-40B4-BE49-F238E27FC236}">
+                <a16:creationId xmlns:a16="http://schemas.microsoft.com/office/drawing/2014/main" id="{25722446-E465-463A-BA49-461B0DFCF434}"/>
+              </a:ext>
+            </a:extLst>
+          </p:cNvPr>
+          <p:cNvSpPr txBox="1"/>
+          <p:nvPr/>
+        </p:nvSpPr>
+        <p:spPr>
+          <a:xfrm>
+            <a:off x="1152526" y="5557063"/>
+            <a:ext cx="2471737" cy="369332"/>
+          </a:xfrm>
+          <a:prstGeom prst="rect">
+            <a:avLst/>
+          </a:prstGeom>
+          <a:noFill/>
+        </p:spPr>
+        <p:txBody>
+          <a:bodyPr wrap="square" rtlCol="0">
+            <a:spAutoFit/>
+          </a:bodyPr>
+          <a:lstStyle/>
+          <a:p>
+            <a:r>
+              <a:rPr lang="en-AU" dirty="0"/>
+              <a:t>Time period slice</a:t>
+            </a:r>
+          </a:p>
+        </p:txBody>
+      </p:sp>
+      <p:sp>
+        <p:nvSpPr>
+          <p:cNvPr id="12" name="Arrow: U-Turn 11">
+            <a:extLst>
+              <a:ext uri="{FF2B5EF4-FFF2-40B4-BE49-F238E27FC236}">
+                <a16:creationId xmlns:a16="http://schemas.microsoft.com/office/drawing/2014/main" id="{520ECA5C-7088-4C2E-A815-57411C50E79C}"/>
+              </a:ext>
+            </a:extLst>
+          </p:cNvPr>
+          <p:cNvSpPr/>
+          <p:nvPr/>
+        </p:nvSpPr>
+        <p:spPr>
+          <a:xfrm>
+            <a:off x="4500562" y="3085413"/>
+            <a:ext cx="2662238" cy="532716"/>
+          </a:xfrm>
+          <a:prstGeom prst="uturnArrow">
+            <a:avLst/>
+          </a:prstGeom>
+        </p:spPr>
+        <p:style>
+          <a:lnRef idx="2">
+            <a:schemeClr val="accent1">
+              <a:shade val="50000"/>
+            </a:schemeClr>
+          </a:lnRef>
+          <a:fillRef idx="1">
+            <a:schemeClr val="accent1"/>
+          </a:fillRef>
+          <a:effectRef idx="0">
+            <a:schemeClr val="accent1"/>
+          </a:effectRef>
+          <a:fontRef idx="minor">
+            <a:schemeClr val="lt1"/>
+          </a:fontRef>
+        </p:style>
+        <p:txBody>
+          <a:bodyPr rtlCol="0" anchor="ctr"/>
+          <a:lstStyle/>
+          <a:p>
+            <a:pPr algn="ctr"/>
+            <a:endParaRPr lang="en-AU">
+              <a:solidFill>
+                <a:schemeClr val="tx1"/>
+              </a:solidFill>
+            </a:endParaRPr>
+          </a:p>
+        </p:txBody>
+      </p:sp>
+      <p:sp>
+        <p:nvSpPr>
+          <p:cNvPr id="13" name="TextBox 12">
+            <a:extLst>
+              <a:ext uri="{FF2B5EF4-FFF2-40B4-BE49-F238E27FC236}">
+                <a16:creationId xmlns:a16="http://schemas.microsoft.com/office/drawing/2014/main" id="{715C1833-F3A8-44CF-9287-3F9955BB51D6}"/>
+              </a:ext>
+            </a:extLst>
+          </p:cNvPr>
+          <p:cNvSpPr txBox="1"/>
+          <p:nvPr/>
+        </p:nvSpPr>
+        <p:spPr>
+          <a:xfrm>
+            <a:off x="6610350" y="2428441"/>
+            <a:ext cx="3048000" cy="923330"/>
+          </a:xfrm>
+          <a:prstGeom prst="rect">
+            <a:avLst/>
+          </a:prstGeom>
+          <a:noFill/>
+        </p:spPr>
+        <p:txBody>
+          <a:bodyPr wrap="square" rtlCol="0">
+            <a:spAutoFit/>
+          </a:bodyPr>
+          <a:lstStyle/>
+          <a:p>
+            <a:r>
+              <a:rPr lang="en-AU" dirty="0"/>
+              <a:t>Class imbalance, evidence of parametric fit</a:t>
+            </a:r>
+          </a:p>
+          <a:p>
+            <a:endParaRPr lang="en-AU" dirty="0"/>
           </a:p>
         </p:txBody>
       </p:sp>
@@ -5775,8 +7549,11 @@
           <a:lstStyle/>
           <a:p>
             <a:r>
-              <a:rPr lang="en-AU" dirty="0"/>
-              <a:t>A bit about myself</a:t>
+              <a:rPr lang="en-AU" dirty="0">
+                <a:latin typeface="Roboto" panose="02000000000000000000" pitchFamily="2" charset="0"/>
+                <a:ea typeface="Roboto" panose="02000000000000000000" pitchFamily="2" charset="0"/>
+              </a:rPr>
+              <a:t>A bit about myself…</a:t>
             </a:r>
           </a:p>
         </p:txBody>
@@ -5799,52 +7576,110 @@
         </p:nvSpPr>
         <p:spPr/>
         <p:txBody>
-          <a:bodyPr/>
-          <a:lstStyle/>
-          <a:p>
-            <a:r>
-              <a:rPr lang="en-AU" dirty="0"/>
+          <a:bodyPr>
+            <a:normAutofit/>
+          </a:bodyPr>
+          <a:lstStyle/>
+          <a:p>
+            <a:r>
+              <a:rPr lang="en-AU" sz="2400" dirty="0">
+                <a:latin typeface="Roboto Light" panose="02000000000000000000" pitchFamily="2" charset="0"/>
+                <a:ea typeface="Roboto Light" panose="02000000000000000000" pitchFamily="2" charset="0"/>
+              </a:rPr>
               <a:t>Work on travel insurance with the actuarial team at nib</a:t>
             </a:r>
           </a:p>
           <a:p>
             <a:pPr lvl="1"/>
             <a:r>
-              <a:rPr lang="en-AU" dirty="0"/>
+              <a:rPr lang="en-AU" sz="2000" dirty="0">
+                <a:latin typeface="Roboto Light" panose="02000000000000000000" pitchFamily="2" charset="0"/>
+                <a:ea typeface="Roboto Light" panose="02000000000000000000" pitchFamily="2" charset="0"/>
+              </a:rPr>
               <a:t>Insurance premium modelling</a:t>
             </a:r>
           </a:p>
           <a:p>
             <a:pPr lvl="1"/>
             <a:r>
-              <a:rPr lang="en-AU" dirty="0"/>
+              <a:rPr lang="en-AU" sz="2000" dirty="0">
+                <a:latin typeface="Roboto Light" panose="02000000000000000000" pitchFamily="2" charset="0"/>
+                <a:ea typeface="Roboto Light" panose="02000000000000000000" pitchFamily="2" charset="0"/>
+              </a:rPr>
               <a:t>Reserve modelling</a:t>
             </a:r>
           </a:p>
           <a:p>
             <a:pPr lvl="1"/>
             <a:r>
-              <a:rPr lang="en-AU" dirty="0"/>
+              <a:rPr lang="en-AU" sz="2000" dirty="0">
+                <a:latin typeface="Roboto Light" panose="02000000000000000000" pitchFamily="2" charset="0"/>
+                <a:ea typeface="Roboto Light" panose="02000000000000000000" pitchFamily="2" charset="0"/>
+              </a:rPr>
               <a:t>Sales forecasts</a:t>
             </a:r>
           </a:p>
           <a:p>
             <a:pPr lvl="1"/>
             <a:r>
-              <a:rPr lang="en-AU" dirty="0"/>
+              <a:rPr lang="en-AU" sz="2000" dirty="0">
+                <a:latin typeface="Roboto Light" panose="02000000000000000000" pitchFamily="2" charset="0"/>
+                <a:ea typeface="Roboto Light" panose="02000000000000000000" pitchFamily="2" charset="0"/>
+              </a:rPr>
+              <a:t>Resourcing forecasts</a:t>
+            </a:r>
+          </a:p>
+          <a:p>
+            <a:pPr lvl="1"/>
+            <a:r>
+              <a:rPr lang="en-AU" sz="2000" dirty="0">
+                <a:latin typeface="Roboto Light" panose="02000000000000000000" pitchFamily="2" charset="0"/>
+                <a:ea typeface="Roboto Light" panose="02000000000000000000" pitchFamily="2" charset="0"/>
+              </a:rPr>
               <a:t>Other ad-hoc issues</a:t>
             </a:r>
           </a:p>
           <a:p>
             <a:r>
-              <a:rPr lang="en-AU" dirty="0"/>
-              <a:t>Have been trying to unpack what’s going on in data science for the past 3 years</a:t>
-            </a:r>
-          </a:p>
-          <a:p>
-            <a:r>
-              <a:rPr lang="en-AU" dirty="0"/>
-              <a:t>Insert website here</a:t>
+              <a:rPr lang="en-AU" sz="2400" dirty="0">
+                <a:latin typeface="Roboto Light" panose="02000000000000000000" pitchFamily="2" charset="0"/>
+                <a:ea typeface="Roboto Light" panose="02000000000000000000" pitchFamily="2" charset="0"/>
+              </a:rPr>
+              <a:t>Have been trying to unpack what’s going on in data science for the past ~3 years</a:t>
+            </a:r>
+          </a:p>
+          <a:p>
+            <a:r>
+              <a:rPr lang="en-AU" sz="2400" dirty="0" err="1">
+                <a:latin typeface="Roboto Light" panose="02000000000000000000" pitchFamily="2" charset="0"/>
+                <a:ea typeface="Roboto Light" panose="02000000000000000000" pitchFamily="2" charset="0"/>
+                <a:hlinkClick r:id="rId3"/>
+              </a:rPr>
+              <a:t>Github</a:t>
+            </a:r>
+            <a:r>
+              <a:rPr lang="en-AU" sz="2400" dirty="0">
+                <a:latin typeface="Roboto Light" panose="02000000000000000000" pitchFamily="2" charset="0"/>
+                <a:ea typeface="Roboto Light" panose="02000000000000000000" pitchFamily="2" charset="0"/>
+              </a:rPr>
+              <a:t> repository</a:t>
+            </a:r>
+          </a:p>
+          <a:p>
+            <a:r>
+              <a:rPr lang="en-AU" sz="2400" dirty="0">
+                <a:latin typeface="Roboto Light" panose="02000000000000000000" pitchFamily="2" charset="0"/>
+                <a:ea typeface="Roboto Light" panose="02000000000000000000" pitchFamily="2" charset="0"/>
+                <a:hlinkClick r:id="rId4"/>
+              </a:rPr>
+              <a:t>DS blog</a:t>
+            </a:r>
+            <a:r>
+              <a:rPr lang="en-AU" sz="2400" dirty="0">
+                <a:latin typeface="Roboto Light" panose="02000000000000000000" pitchFamily="2" charset="0"/>
+                <a:ea typeface="Roboto Light" panose="02000000000000000000" pitchFamily="2" charset="0"/>
+              </a:rPr>
+              <a:t> (in the midst of migration)</a:t>
             </a:r>
           </a:p>
         </p:txBody>
@@ -5901,7 +7736,10 @@
           <a:lstStyle/>
           <a:p>
             <a:r>
-              <a:rPr lang="en-AU" dirty="0"/>
+              <a:rPr lang="en-AU" dirty="0">
+                <a:latin typeface="Roboto" panose="02000000000000000000" pitchFamily="2" charset="0"/>
+                <a:ea typeface="Roboto" panose="02000000000000000000" pitchFamily="2" charset="0"/>
+              </a:rPr>
               <a:t>Background</a:t>
             </a:r>
           </a:p>
@@ -5929,7 +7767,7 @@
         </p:blipFill>
         <p:spPr>
           <a:xfrm>
-            <a:off x="252800" y="1345169"/>
+            <a:off x="4307416" y="1642457"/>
             <a:ext cx="7877175" cy="1857375"/>
           </a:xfrm>
           <a:prstGeom prst="rect">
@@ -5959,7 +7797,7 @@
         </p:blipFill>
         <p:spPr>
           <a:xfrm>
-            <a:off x="8687473" y="3651526"/>
+            <a:off x="7243683" y="3577582"/>
             <a:ext cx="3267075" cy="3000375"/>
           </a:xfrm>
           <a:prstGeom prst="rect">
@@ -5983,8 +7821,110 @@
         </p:nvSpPr>
         <p:spPr>
           <a:xfrm>
-            <a:off x="553730" y="2862540"/>
-            <a:ext cx="4349574" cy="1857375"/>
+            <a:off x="546321" y="1720207"/>
+            <a:ext cx="3761095" cy="1857375"/>
+          </a:xfrm>
+          <a:prstGeom prst="rect">
+            <a:avLst/>
+          </a:prstGeom>
+        </p:spPr>
+        <p:txBody>
+          <a:bodyPr vert="horz" lIns="91440" tIns="45720" rIns="91440" bIns="45720" rtlCol="0" anchor="ctr">
+            <a:normAutofit lnSpcReduction="10000"/>
+          </a:bodyPr>
+          <a:lstStyle>
+            <a:lvl1pPr algn="l" defTabSz="914400" rtl="0" eaLnBrk="1" latinLnBrk="0" hangingPunct="1">
+              <a:lnSpc>
+                <a:spcPct val="90000"/>
+              </a:lnSpc>
+              <a:spcBef>
+                <a:spcPct val="0"/>
+              </a:spcBef>
+              <a:buNone/>
+              <a:defRPr sz="4400" kern="1200">
+                <a:solidFill>
+                  <a:schemeClr val="tx1"/>
+                </a:solidFill>
+                <a:latin typeface="+mj-lt"/>
+                <a:ea typeface="+mj-ea"/>
+                <a:cs typeface="+mj-cs"/>
+              </a:defRPr>
+            </a:lvl1pPr>
+          </a:lstStyle>
+          <a:p>
+            <a:r>
+              <a:rPr lang="en-AU" sz="2000" u="sng" dirty="0">
+                <a:latin typeface="Roboto Light" panose="02000000000000000000" pitchFamily="2" charset="0"/>
+                <a:ea typeface="Roboto Light" panose="02000000000000000000" pitchFamily="2" charset="0"/>
+              </a:rPr>
+              <a:t>Data science pipeline</a:t>
+            </a:r>
+          </a:p>
+          <a:p>
+            <a:endParaRPr lang="en-AU" sz="2000" u="sng" dirty="0">
+              <a:latin typeface="Roboto Light" panose="02000000000000000000" pitchFamily="2" charset="0"/>
+              <a:ea typeface="Roboto Light" panose="02000000000000000000" pitchFamily="2" charset="0"/>
+            </a:endParaRPr>
+          </a:p>
+          <a:p>
+            <a:pPr marL="342900" indent="-342900">
+              <a:buFont typeface="Arial" panose="020B0604020202020204" pitchFamily="34" charset="0"/>
+              <a:buChar char="•"/>
+            </a:pPr>
+            <a:r>
+              <a:rPr lang="en-AU" sz="2000" dirty="0">
+                <a:latin typeface="Roboto Light" panose="02000000000000000000" pitchFamily="2" charset="0"/>
+                <a:ea typeface="Roboto Light" panose="02000000000000000000" pitchFamily="2" charset="0"/>
+              </a:rPr>
+              <a:t>Will not stray far from this in a google search</a:t>
+            </a:r>
+          </a:p>
+          <a:p>
+            <a:pPr marL="342900" indent="-342900">
+              <a:buFont typeface="Arial" panose="020B0604020202020204" pitchFamily="34" charset="0"/>
+              <a:buChar char="•"/>
+            </a:pPr>
+            <a:r>
+              <a:rPr lang="en-AU" sz="2000" dirty="0">
+                <a:latin typeface="Roboto Light" panose="02000000000000000000" pitchFamily="2" charset="0"/>
+                <a:ea typeface="Roboto Light" panose="02000000000000000000" pitchFamily="2" charset="0"/>
+              </a:rPr>
+              <a:t>Why is it a linear process?</a:t>
+            </a:r>
+          </a:p>
+          <a:p>
+            <a:pPr marL="342900" indent="-342900">
+              <a:buFont typeface="Arial" panose="020B0604020202020204" pitchFamily="34" charset="0"/>
+              <a:buChar char="•"/>
+            </a:pPr>
+            <a:r>
+              <a:rPr lang="en-AU" sz="2000" dirty="0">
+                <a:latin typeface="Roboto Light" panose="02000000000000000000" pitchFamily="2" charset="0"/>
+                <a:ea typeface="Roboto Light" panose="02000000000000000000" pitchFamily="2" charset="0"/>
+              </a:rPr>
+              <a:t>This is more like the Kaggle pipeline</a:t>
+            </a:r>
+          </a:p>
+        </p:txBody>
+      </p:sp>
+      <p:sp>
+        <p:nvSpPr>
+          <p:cNvPr id="11" name="Title 1">
+            <a:extLst>
+              <a:ext uri="{FF2B5EF4-FFF2-40B4-BE49-F238E27FC236}">
+                <a16:creationId xmlns:a16="http://schemas.microsoft.com/office/drawing/2014/main" id="{986C3FDE-9C59-449D-863B-C0EF9DA6314D}"/>
+              </a:ext>
+            </a:extLst>
+          </p:cNvPr>
+          <p:cNvSpPr txBox="1">
+            <a:spLocks/>
+          </p:cNvSpPr>
+          <p:nvPr/>
+        </p:nvSpPr>
+        <p:spPr>
+          <a:xfrm>
+            <a:off x="3074504" y="4271477"/>
+            <a:ext cx="3974785" cy="2221398"/>
           </a:xfrm>
           <a:prstGeom prst="rect">
             <a:avLst/>
@@ -6015,12 +7955,18 @@
           </a:lstStyle>
           <a:p>
             <a:r>
-              <a:rPr lang="en-AU" sz="2000" u="sng" dirty="0"/>
-              <a:t>Data science pipeline</a:t>
-            </a:r>
-          </a:p>
-          <a:p>
-            <a:endParaRPr lang="en-AU" sz="2000" u="sng" dirty="0"/>
+              <a:rPr lang="en-AU" sz="2000" u="sng" dirty="0">
+                <a:latin typeface="Roboto Light" panose="02000000000000000000" pitchFamily="2" charset="0"/>
+                <a:ea typeface="Roboto Light" panose="02000000000000000000" pitchFamily="2" charset="0"/>
+              </a:rPr>
+              <a:t>Actuarial Control Cycle</a:t>
+            </a:r>
+          </a:p>
+          <a:p>
+            <a:endParaRPr lang="en-AU" sz="2000" u="sng" dirty="0">
+              <a:latin typeface="Roboto Light" panose="02000000000000000000" pitchFamily="2" charset="0"/>
+              <a:ea typeface="Roboto Light" panose="02000000000000000000" pitchFamily="2" charset="0"/>
+            </a:endParaRPr>
           </a:p>
           <a:p>
             <a:pPr marL="342900" indent="-342900">
@@ -6028,8 +7974,11 @@
               <a:buChar char="•"/>
             </a:pPr>
             <a:r>
-              <a:rPr lang="en-AU" sz="2000" dirty="0"/>
-              <a:t>Will not stray far from this in a google search</a:t>
+              <a:rPr lang="en-AU" sz="2000" dirty="0">
+                <a:latin typeface="Roboto Light" panose="02000000000000000000" pitchFamily="2" charset="0"/>
+                <a:ea typeface="Roboto Light" panose="02000000000000000000" pitchFamily="2" charset="0"/>
+              </a:rPr>
+              <a:t>At least this is circular/iterative</a:t>
             </a:r>
           </a:p>
           <a:p>
@@ -6038,8 +7987,11 @@
               <a:buChar char="•"/>
             </a:pPr>
             <a:r>
-              <a:rPr lang="en-AU" sz="2000" dirty="0"/>
-              <a:t>Why is it a linear process?</a:t>
+              <a:rPr lang="en-AU" sz="2000" dirty="0">
+                <a:latin typeface="Roboto Light" panose="02000000000000000000" pitchFamily="2" charset="0"/>
+                <a:ea typeface="Roboto Light" panose="02000000000000000000" pitchFamily="2" charset="0"/>
+              </a:rPr>
+              <a:t>Quite vague</a:t>
             </a:r>
           </a:p>
           <a:p>
@@ -6048,94 +8000,10 @@
               <a:buChar char="•"/>
             </a:pPr>
             <a:r>
-              <a:rPr lang="en-AU" sz="2000" dirty="0"/>
-              <a:t>This is more like the Kaggle pipeline</a:t>
-            </a:r>
-          </a:p>
-        </p:txBody>
-      </p:sp>
-      <p:sp>
-        <p:nvSpPr>
-          <p:cNvPr id="11" name="Title 1">
-            <a:extLst>
-              <a:ext uri="{FF2B5EF4-FFF2-40B4-BE49-F238E27FC236}">
-                <a16:creationId xmlns:a16="http://schemas.microsoft.com/office/drawing/2014/main" id="{986C3FDE-9C59-449D-863B-C0EF9DA6314D}"/>
-              </a:ext>
-            </a:extLst>
-          </p:cNvPr>
-          <p:cNvSpPr txBox="1">
-            <a:spLocks/>
-          </p:cNvSpPr>
-          <p:nvPr/>
-        </p:nvSpPr>
-        <p:spPr>
-          <a:xfrm>
-            <a:off x="4903304" y="4271477"/>
-            <a:ext cx="3974785" cy="2221398"/>
-          </a:xfrm>
-          <a:prstGeom prst="rect">
-            <a:avLst/>
-          </a:prstGeom>
-        </p:spPr>
-        <p:txBody>
-          <a:bodyPr vert="horz" lIns="91440" tIns="45720" rIns="91440" bIns="45720" rtlCol="0" anchor="ctr">
-            <a:normAutofit/>
-          </a:bodyPr>
-          <a:lstStyle>
-            <a:lvl1pPr algn="l" defTabSz="914400" rtl="0" eaLnBrk="1" latinLnBrk="0" hangingPunct="1">
-              <a:lnSpc>
-                <a:spcPct val="90000"/>
-              </a:lnSpc>
-              <a:spcBef>
-                <a:spcPct val="0"/>
-              </a:spcBef>
-              <a:buNone/>
-              <a:defRPr sz="4400" kern="1200">
-                <a:solidFill>
-                  <a:schemeClr val="tx1"/>
-                </a:solidFill>
-                <a:latin typeface="+mj-lt"/>
-                <a:ea typeface="+mj-ea"/>
-                <a:cs typeface="+mj-cs"/>
-              </a:defRPr>
-            </a:lvl1pPr>
-          </a:lstStyle>
-          <a:p>
-            <a:r>
-              <a:rPr lang="en-AU" sz="2000" u="sng" dirty="0"/>
-              <a:t>Actuarial Control Cycle</a:t>
-            </a:r>
-          </a:p>
-          <a:p>
-            <a:endParaRPr lang="en-AU" sz="2000" u="sng" dirty="0"/>
-          </a:p>
-          <a:p>
-            <a:pPr marL="342900" indent="-342900">
-              <a:buFont typeface="Arial" panose="020B0604020202020204" pitchFamily="34" charset="0"/>
-              <a:buChar char="•"/>
-            </a:pPr>
-            <a:r>
-              <a:rPr lang="en-AU" sz="2000" dirty="0"/>
-              <a:t>At least this is circular/iterative</a:t>
-            </a:r>
-          </a:p>
-          <a:p>
-            <a:pPr marL="342900" indent="-342900">
-              <a:buFont typeface="Arial" panose="020B0604020202020204" pitchFamily="34" charset="0"/>
-              <a:buChar char="•"/>
-            </a:pPr>
-            <a:r>
-              <a:rPr lang="en-AU" sz="2000" dirty="0"/>
-              <a:t>Quite vague</a:t>
-            </a:r>
-          </a:p>
-          <a:p>
-            <a:pPr marL="342900" indent="-342900">
-              <a:buFont typeface="Arial" panose="020B0604020202020204" pitchFamily="34" charset="0"/>
-              <a:buChar char="•"/>
-            </a:pPr>
-            <a:r>
-              <a:rPr lang="en-AU" sz="2000" dirty="0"/>
+              <a:rPr lang="en-AU" sz="2000" dirty="0">
+                <a:latin typeface="Roboto Light" panose="02000000000000000000" pitchFamily="2" charset="0"/>
+                <a:ea typeface="Roboto Light" panose="02000000000000000000" pitchFamily="2" charset="0"/>
+              </a:rPr>
               <a:t>In actuarial exams, if you quoted this as an answer you’d fail instantly</a:t>
             </a:r>
           </a:p>
@@ -6193,7 +8061,10 @@
           <a:lstStyle/>
           <a:p>
             <a:r>
-              <a:rPr lang="en-AU" dirty="0"/>
+              <a:rPr lang="en-AU" dirty="0">
+                <a:latin typeface="Roboto" panose="02000000000000000000" pitchFamily="2" charset="0"/>
+                <a:ea typeface="Roboto" panose="02000000000000000000" pitchFamily="2" charset="0"/>
+              </a:rPr>
               <a:t>“My” pipeline</a:t>
             </a:r>
           </a:p>
@@ -6213,8 +8084,8 @@
         </p:nvSpPr>
         <p:spPr>
           <a:xfrm>
-            <a:off x="1547812" y="5326338"/>
-            <a:ext cx="6970644" cy="1477328"/>
+            <a:off x="1547812" y="5193632"/>
+            <a:ext cx="6970644" cy="1754326"/>
           </a:xfrm>
           <a:prstGeom prst="rect">
             <a:avLst/>
@@ -6232,7 +8103,10 @@
               <a:buChar char="•"/>
             </a:pPr>
             <a:r>
-              <a:rPr lang="en-AU" dirty="0"/>
+              <a:rPr lang="en-AU" dirty="0">
+                <a:latin typeface="Roboto Light" panose="02000000000000000000" pitchFamily="2" charset="0"/>
+                <a:ea typeface="Roboto Light" panose="02000000000000000000" pitchFamily="2" charset="0"/>
+              </a:rPr>
               <a:t>Ensemble model</a:t>
             </a:r>
           </a:p>
@@ -6242,7 +8116,10 @@
               <a:buChar char="•"/>
             </a:pPr>
             <a:r>
-              <a:rPr lang="en-AU" dirty="0"/>
+              <a:rPr lang="en-AU" dirty="0">
+                <a:latin typeface="Roboto Light" panose="02000000000000000000" pitchFamily="2" charset="0"/>
+                <a:ea typeface="Roboto Light" panose="02000000000000000000" pitchFamily="2" charset="0"/>
+              </a:rPr>
               <a:t>Not all data science projects involve the red circles</a:t>
             </a:r>
           </a:p>
@@ -6252,7 +8129,10 @@
               <a:buChar char="•"/>
             </a:pPr>
             <a:r>
-              <a:rPr lang="en-AU" dirty="0"/>
+              <a:rPr lang="en-AU" dirty="0">
+                <a:latin typeface="Roboto Light" panose="02000000000000000000" pitchFamily="2" charset="0"/>
+                <a:ea typeface="Roboto Light" panose="02000000000000000000" pitchFamily="2" charset="0"/>
+              </a:rPr>
               <a:t>Today’s presentation will focus on problem definition + EDA</a:t>
             </a:r>
           </a:p>
@@ -6262,12 +8142,18 @@
               <a:buChar char="•"/>
             </a:pPr>
             <a:r>
-              <a:rPr lang="en-AU" dirty="0"/>
+              <a:rPr lang="en-AU" dirty="0">
+                <a:latin typeface="Roboto Light" panose="02000000000000000000" pitchFamily="2" charset="0"/>
+                <a:ea typeface="Roboto Light" panose="02000000000000000000" pitchFamily="2" charset="0"/>
+              </a:rPr>
               <a:t>No “right way” to do it, but there are best practices and frameworks</a:t>
             </a:r>
           </a:p>
           <a:p>
-            <a:endParaRPr lang="en-AU" dirty="0"/>
+            <a:endParaRPr lang="en-AU" dirty="0">
+              <a:latin typeface="Roboto Light" panose="02000000000000000000" pitchFamily="2" charset="0"/>
+              <a:ea typeface="Roboto Light" panose="02000000000000000000" pitchFamily="2" charset="0"/>
+            </a:endParaRPr>
           </a:p>
         </p:txBody>
       </p:sp>
@@ -6293,7 +8179,7 @@
         </p:blipFill>
         <p:spPr>
           <a:xfrm>
-            <a:off x="1547812" y="1531662"/>
+            <a:off x="1547812" y="1612232"/>
             <a:ext cx="9096375" cy="3581400"/>
           </a:xfrm>
           <a:prstGeom prst="rect">
@@ -6353,8 +8239,11 @@
           <a:lstStyle/>
           <a:p>
             <a:r>
-              <a:rPr lang="en-AU" dirty="0"/>
-              <a:t>Problem formulation: Why bother?</a:t>
+              <a:rPr lang="en-AU" dirty="0">
+                <a:latin typeface="Roboto" panose="02000000000000000000" pitchFamily="2" charset="0"/>
+                <a:ea typeface="Roboto" panose="02000000000000000000" pitchFamily="2" charset="0"/>
+              </a:rPr>
+              <a:t>Problem Formulation: Why bother?</a:t>
             </a:r>
           </a:p>
         </p:txBody>
@@ -6383,34 +8272,52 @@
             <a:pPr marL="0" indent="0">
               <a:buNone/>
             </a:pPr>
-            <a:endParaRPr lang="en-AU" dirty="0"/>
-          </a:p>
-          <a:p>
-            <a:r>
-              <a:rPr lang="en-AU" dirty="0"/>
+            <a:endParaRPr lang="en-AU" dirty="0">
+              <a:latin typeface="Roboto Light" panose="02000000000000000000" pitchFamily="2" charset="0"/>
+              <a:ea typeface="Roboto Light" panose="02000000000000000000" pitchFamily="2" charset="0"/>
+            </a:endParaRPr>
+          </a:p>
+          <a:p>
+            <a:r>
+              <a:rPr lang="en-AU" dirty="0">
+                <a:latin typeface="Roboto Light" panose="02000000000000000000" pitchFamily="2" charset="0"/>
+                <a:ea typeface="Roboto Light" panose="02000000000000000000" pitchFamily="2" charset="0"/>
+              </a:rPr>
               <a:t>Sometimes an incoming ticket/issue is not straightforward</a:t>
             </a:r>
           </a:p>
           <a:p>
             <a:r>
-              <a:rPr lang="en-AU" dirty="0"/>
-              <a:t>Straightforward/not straightforward is actually a spectrum, not binary</a:t>
-            </a:r>
-          </a:p>
-          <a:p>
-            <a:r>
-              <a:rPr lang="en-AU" dirty="0"/>
+              <a:rPr lang="en-AU" dirty="0">
+                <a:latin typeface="Roboto Light" panose="02000000000000000000" pitchFamily="2" charset="0"/>
+                <a:ea typeface="Roboto Light" panose="02000000000000000000" pitchFamily="2" charset="0"/>
+              </a:rPr>
+              <a:t>A vague and unmeasurable problem may not be efficiently solved as a data science problem</a:t>
+            </a:r>
+          </a:p>
+          <a:p>
+            <a:r>
+              <a:rPr lang="en-AU" dirty="0">
+                <a:latin typeface="Roboto Light" panose="02000000000000000000" pitchFamily="2" charset="0"/>
+                <a:ea typeface="Roboto Light" panose="02000000000000000000" pitchFamily="2" charset="0"/>
+              </a:rPr>
               <a:t>High-level policy should always dictate low level implementation, not the other way around</a:t>
             </a:r>
           </a:p>
           <a:p>
             <a:r>
-              <a:rPr lang="en-AU" dirty="0"/>
-              <a:t>Converting a business problem into a data problem</a:t>
-            </a:r>
-          </a:p>
-          <a:p>
-            <a:endParaRPr lang="en-AU" dirty="0"/>
+              <a:rPr lang="en-AU" dirty="0">
+                <a:latin typeface="Roboto Light" panose="02000000000000000000" pitchFamily="2" charset="0"/>
+                <a:ea typeface="Roboto Light" panose="02000000000000000000" pitchFamily="2" charset="0"/>
+              </a:rPr>
+              <a:t>Accountability/ documentation</a:t>
+            </a:r>
+          </a:p>
+          <a:p>
+            <a:endParaRPr lang="en-AU" dirty="0">
+              <a:latin typeface="Roboto Light" panose="02000000000000000000" pitchFamily="2" charset="0"/>
+              <a:ea typeface="Roboto Light" panose="02000000000000000000" pitchFamily="2" charset="0"/>
+            </a:endParaRPr>
           </a:p>
         </p:txBody>
       </p:sp>
@@ -6466,8 +8373,11 @@
           <a:lstStyle/>
           <a:p>
             <a:r>
-              <a:rPr lang="en-AU" dirty="0"/>
-              <a:t>Defining the problem</a:t>
+              <a:rPr lang="en-AU" dirty="0">
+                <a:latin typeface="Roboto" panose="02000000000000000000" pitchFamily="2" charset="0"/>
+                <a:ea typeface="Roboto" panose="02000000000000000000" pitchFamily="2" charset="0"/>
+              </a:rPr>
+              <a:t>Framework for problem formulation</a:t>
             </a:r>
           </a:p>
         </p:txBody>
@@ -6494,7 +8404,10 @@
           <a:lstStyle/>
           <a:p>
             <a:r>
-              <a:rPr lang="en-AU" dirty="0"/>
+              <a:rPr lang="en-AU" dirty="0">
+                <a:latin typeface="Roboto Light" panose="02000000000000000000" pitchFamily="2" charset="0"/>
+                <a:ea typeface="Roboto Light" panose="02000000000000000000" pitchFamily="2" charset="0"/>
+              </a:rPr>
               <a:t>There is no 1 fixed way to do this, but here is a general framework:</a:t>
             </a:r>
           </a:p>
@@ -6504,8 +8417,11 @@
               <a:buAutoNum type="arabicPeriod"/>
             </a:pPr>
             <a:r>
-              <a:rPr lang="en-AU" dirty="0"/>
-              <a:t>Clearly determining what the deliverable is for this problem. This will determine how far into the red part we actually get to.</a:t>
+              <a:rPr lang="en-AU" dirty="0">
+                <a:latin typeface="Roboto Light" panose="02000000000000000000" pitchFamily="2" charset="0"/>
+                <a:ea typeface="Roboto Light" panose="02000000000000000000" pitchFamily="2" charset="0"/>
+              </a:rPr>
+              <a:t>Clearly outlining the business problem, in a concise 1-liner</a:t>
             </a:r>
           </a:p>
           <a:p>
@@ -6514,8 +8430,11 @@
               <a:buAutoNum type="arabicPeriod"/>
             </a:pPr>
             <a:r>
-              <a:rPr lang="en-AU" dirty="0"/>
-              <a:t>If modelling required, determine what modelling problem it is, supervised/unsupervised/reg/classification/reinforcement/clustering (INSERT CHART LINK)</a:t>
+              <a:rPr lang="en-AU" dirty="0">
+                <a:latin typeface="Roboto Light" panose="02000000000000000000" pitchFamily="2" charset="0"/>
+                <a:ea typeface="Roboto Light" panose="02000000000000000000" pitchFamily="2" charset="0"/>
+              </a:rPr>
+              <a:t>Scoping</a:t>
             </a:r>
           </a:p>
           <a:p>
@@ -6524,8 +8443,11 @@
               <a:buAutoNum type="arabicPeriod"/>
             </a:pPr>
             <a:r>
-              <a:rPr lang="en-AU" dirty="0"/>
-              <a:t>Write or review high-level data requirements</a:t>
+              <a:rPr lang="en-AU" dirty="0">
+                <a:latin typeface="Roboto Light" panose="02000000000000000000" pitchFamily="2" charset="0"/>
+                <a:ea typeface="Roboto Light" panose="02000000000000000000" pitchFamily="2" charset="0"/>
+              </a:rPr>
+              <a:t>Categorize the type of modelling required</a:t>
             </a:r>
           </a:p>
           <a:p>
@@ -6534,8 +8456,11 @@
               <a:buAutoNum type="arabicPeriod"/>
             </a:pPr>
             <a:r>
-              <a:rPr lang="en-AU" dirty="0"/>
-              <a:t>Write of review proposed KPIs to track</a:t>
+              <a:rPr lang="en-AU" dirty="0">
+                <a:latin typeface="Roboto Light" panose="02000000000000000000" pitchFamily="2" charset="0"/>
+                <a:ea typeface="Roboto Light" panose="02000000000000000000" pitchFamily="2" charset="0"/>
+              </a:rPr>
+              <a:t>Write of review proposed KPIs/deliverables to track</a:t>
             </a:r>
           </a:p>
           <a:p>
@@ -6544,13 +8469,19 @@
               <a:buAutoNum type="arabicPeriod"/>
             </a:pPr>
             <a:r>
-              <a:rPr lang="en-AU" dirty="0"/>
-              <a:t>Decide on your tools/libraries </a:t>
+              <a:rPr lang="en-AU" dirty="0">
+                <a:latin typeface="Roboto Light" panose="02000000000000000000" pitchFamily="2" charset="0"/>
+                <a:ea typeface="Roboto Light" panose="02000000000000000000" pitchFamily="2" charset="0"/>
+              </a:rPr>
+              <a:t>Decide on your tools/libraries (optional)</a:t>
             </a:r>
           </a:p>
           <a:p>
             <a:pPr lvl="1"/>
-            <a:endParaRPr lang="en-AU" dirty="0"/>
+            <a:endParaRPr lang="en-AU" dirty="0">
+              <a:latin typeface="Roboto Light" panose="02000000000000000000" pitchFamily="2" charset="0"/>
+              <a:ea typeface="Roboto Light" panose="02000000000000000000" pitchFamily="2" charset="0"/>
+            </a:endParaRPr>
           </a:p>
         </p:txBody>
       </p:sp>
@@ -6589,7 +8520,7 @@
           <p:cNvPr id="2" name="Title 1">
             <a:extLst>
               <a:ext uri="{FF2B5EF4-FFF2-40B4-BE49-F238E27FC236}">
-                <a16:creationId xmlns:a16="http://schemas.microsoft.com/office/drawing/2014/main" id="{D70239AA-CFA7-47C4-A1EA-57159D42A2B6}"/>
+                <a16:creationId xmlns:a16="http://schemas.microsoft.com/office/drawing/2014/main" id="{91276FF0-7E76-4FF6-94F4-16B3AD98F015}"/>
               </a:ext>
             </a:extLst>
           </p:cNvPr>
@@ -6606,9 +8537,13 @@
           <a:lstStyle/>
           <a:p>
             <a:r>
-              <a:rPr lang="en-AU" dirty="0"/>
-              <a:t>Exploratory Data Analysis</a:t>
-            </a:r>
+              <a:rPr lang="en-AU" dirty="0">
+                <a:latin typeface="Roboto" panose="02000000000000000000" pitchFamily="2" charset="0"/>
+                <a:ea typeface="Roboto" panose="02000000000000000000" pitchFamily="2" charset="0"/>
+              </a:rPr>
+              <a:t>The 1-liner statement</a:t>
+            </a:r>
+            <a:endParaRPr lang="en-AU" dirty="0"/>
           </a:p>
         </p:txBody>
       </p:sp>
@@ -6617,7 +8552,7 @@
           <p:cNvPr id="3" name="Content Placeholder 2">
             <a:extLst>
               <a:ext uri="{FF2B5EF4-FFF2-40B4-BE49-F238E27FC236}">
-                <a16:creationId xmlns:a16="http://schemas.microsoft.com/office/drawing/2014/main" id="{03199408-7B90-4275-9417-824F79462D4B}"/>
+                <a16:creationId xmlns:a16="http://schemas.microsoft.com/office/drawing/2014/main" id="{53DF9E65-DA14-4CAB-A215-8F11F7F2F73A}"/>
               </a:ext>
             </a:extLst>
           </p:cNvPr>
@@ -6628,109 +8563,438 @@
             <p:ph idx="1"/>
           </p:nvPr>
         </p:nvSpPr>
-        <p:spPr/>
+        <p:spPr>
+          <a:xfrm>
+            <a:off x="838200" y="1456657"/>
+            <a:ext cx="7054516" cy="1559259"/>
+          </a:xfrm>
+        </p:spPr>
         <p:txBody>
           <a:bodyPr>
-            <a:normAutofit fontScale="92500" lnSpcReduction="10000"/>
+            <a:normAutofit/>
           </a:bodyPr>
           <a:lstStyle/>
           <a:p>
             <a:r>
-              <a:rPr lang="en-AU" dirty="0"/>
-              <a:t>Why bother?</a:t>
-            </a:r>
-          </a:p>
-          <a:p>
-            <a:pPr lvl="1"/>
-            <a:r>
-              <a:rPr lang="en-AU" dirty="0"/>
-              <a:t>Build intuition for the data</a:t>
-            </a:r>
-          </a:p>
-          <a:p>
-            <a:pPr lvl="1"/>
-            <a:r>
-              <a:rPr lang="en-AU" dirty="0"/>
-              <a:t>Inform model selection and feature selection</a:t>
-            </a:r>
-          </a:p>
-          <a:p>
-            <a:pPr lvl="1"/>
-            <a:r>
-              <a:rPr lang="en-AU" dirty="0"/>
-              <a:t>Identify patterns and develop hypothesis</a:t>
-            </a:r>
-          </a:p>
-          <a:p>
-            <a:pPr lvl="1"/>
-            <a:r>
-              <a:rPr lang="en-AU" dirty="0"/>
-              <a:t>Cover your ass (it’s a form of documentation)</a:t>
-            </a:r>
-          </a:p>
-          <a:p>
-            <a:pPr lvl="1"/>
-            <a:r>
-              <a:rPr lang="en-AU" dirty="0"/>
-              <a:t>Challenge assumptions</a:t>
-            </a:r>
-          </a:p>
-          <a:p>
-            <a:pPr lvl="1"/>
-            <a:r>
-              <a:rPr lang="en-AU" dirty="0"/>
-              <a:t>Answer questions you didn’t have (bonus)</a:t>
-            </a:r>
-          </a:p>
-          <a:p>
-            <a:pPr lvl="1"/>
-            <a:endParaRPr lang="en-AU" dirty="0"/>
-          </a:p>
-          <a:p>
-            <a:pPr lvl="1"/>
-            <a:r>
-              <a:rPr lang="en-AU" dirty="0"/>
-              <a:t>4 mental buckets</a:t>
-            </a:r>
-          </a:p>
-          <a:p>
-            <a:pPr lvl="2"/>
-            <a:r>
-              <a:rPr lang="en-AU" dirty="0"/>
-              <a:t>Outliers and scaling</a:t>
-            </a:r>
-          </a:p>
-          <a:p>
-            <a:pPr lvl="2"/>
-            <a:r>
-              <a:rPr lang="en-AU" dirty="0"/>
-              <a:t>Class imbalance and sus results </a:t>
-            </a:r>
-          </a:p>
-          <a:p>
-            <a:pPr lvl="2"/>
-            <a:r>
-              <a:rPr lang="en-AU" dirty="0"/>
-              <a:t>Oh definitely need to include this ( or some combination)</a:t>
-            </a:r>
-          </a:p>
-          <a:p>
-            <a:pPr lvl="2"/>
-            <a:r>
-              <a:rPr lang="en-AU" dirty="0"/>
-              <a:t>Oh definitely exclude this</a:t>
-            </a:r>
-          </a:p>
-          <a:p>
-            <a:pPr lvl="1"/>
-            <a:endParaRPr lang="en-AU" dirty="0"/>
+              <a:rPr lang="en-GB" sz="1800" dirty="0">
+                <a:solidFill>
+                  <a:srgbClr val="292929"/>
+                </a:solidFill>
+                <a:latin typeface="Roboto Light" panose="02000000000000000000" pitchFamily="2" charset="0"/>
+                <a:ea typeface="Roboto Light" panose="02000000000000000000" pitchFamily="2" charset="0"/>
+              </a:rPr>
+              <a:t>THE PROBLEM</a:t>
+            </a:r>
+          </a:p>
+          <a:p>
+            <a:r>
+              <a:rPr lang="en-GB" sz="1800" dirty="0">
+                <a:solidFill>
+                  <a:srgbClr val="292929"/>
+                </a:solidFill>
+                <a:latin typeface="Roboto Light" panose="02000000000000000000" pitchFamily="2" charset="0"/>
+                <a:ea typeface="Roboto Light" panose="02000000000000000000" pitchFamily="2" charset="0"/>
+              </a:rPr>
+              <a:t>IMPACTS</a:t>
+            </a:r>
+          </a:p>
+          <a:p>
+            <a:r>
+              <a:rPr lang="en-GB" sz="1800" dirty="0">
+                <a:solidFill>
+                  <a:srgbClr val="292929"/>
+                </a:solidFill>
+                <a:latin typeface="Roboto Light" panose="02000000000000000000" pitchFamily="2" charset="0"/>
+                <a:ea typeface="Roboto Light" panose="02000000000000000000" pitchFamily="2" charset="0"/>
+              </a:rPr>
+              <a:t>WHICH EFFECTS</a:t>
+            </a:r>
+          </a:p>
+          <a:p>
+            <a:r>
+              <a:rPr lang="en-GB" sz="1800" dirty="0">
+                <a:solidFill>
+                  <a:srgbClr val="292929"/>
+                </a:solidFill>
+                <a:latin typeface="Roboto Light" panose="02000000000000000000" pitchFamily="2" charset="0"/>
+                <a:ea typeface="Roboto Light" panose="02000000000000000000" pitchFamily="2" charset="0"/>
+              </a:rPr>
+              <a:t>A GOOD STARTING POINT WOULD BE</a:t>
+            </a:r>
+            <a:endParaRPr lang="en-AU" sz="1800" dirty="0">
+              <a:latin typeface="Roboto Light" panose="02000000000000000000" pitchFamily="2" charset="0"/>
+              <a:ea typeface="Roboto Light" panose="02000000000000000000" pitchFamily="2" charset="0"/>
+            </a:endParaRPr>
+          </a:p>
+        </p:txBody>
+      </p:sp>
+      <p:sp>
+        <p:nvSpPr>
+          <p:cNvPr id="4" name="Content Placeholder 2">
+            <a:extLst>
+              <a:ext uri="{FF2B5EF4-FFF2-40B4-BE49-F238E27FC236}">
+                <a16:creationId xmlns:a16="http://schemas.microsoft.com/office/drawing/2014/main" id="{449268BE-B974-4D00-B22A-D1E987B754E2}"/>
+              </a:ext>
+            </a:extLst>
+          </p:cNvPr>
+          <p:cNvSpPr txBox="1">
+            <a:spLocks/>
+          </p:cNvSpPr>
+          <p:nvPr/>
+        </p:nvSpPr>
+        <p:spPr>
+          <a:xfrm>
+            <a:off x="838200" y="3240297"/>
+            <a:ext cx="8289758" cy="3310606"/>
+          </a:xfrm>
+          <a:prstGeom prst="rect">
+            <a:avLst/>
+          </a:prstGeom>
+        </p:spPr>
+        <p:txBody>
+          <a:bodyPr vert="horz" lIns="91440" tIns="45720" rIns="91440" bIns="45720" rtlCol="0">
+            <a:normAutofit fontScale="70000" lnSpcReduction="20000"/>
+          </a:bodyPr>
+          <a:lstStyle>
+            <a:lvl1pPr marL="228600" indent="-228600" algn="l" defTabSz="914400" rtl="0" eaLnBrk="1" latinLnBrk="0" hangingPunct="1">
+              <a:lnSpc>
+                <a:spcPct val="90000"/>
+              </a:lnSpc>
+              <a:spcBef>
+                <a:spcPts val="1000"/>
+              </a:spcBef>
+              <a:buFont typeface="Arial" panose="020B0604020202020204" pitchFamily="34" charset="0"/>
+              <a:buChar char="•"/>
+              <a:defRPr sz="2800" kern="1200">
+                <a:solidFill>
+                  <a:schemeClr val="tx1"/>
+                </a:solidFill>
+                <a:latin typeface="+mn-lt"/>
+                <a:ea typeface="+mn-ea"/>
+                <a:cs typeface="+mn-cs"/>
+              </a:defRPr>
+            </a:lvl1pPr>
+            <a:lvl2pPr marL="685800" indent="-228600" algn="l" defTabSz="914400" rtl="0" eaLnBrk="1" latinLnBrk="0" hangingPunct="1">
+              <a:lnSpc>
+                <a:spcPct val="90000"/>
+              </a:lnSpc>
+              <a:spcBef>
+                <a:spcPts val="500"/>
+              </a:spcBef>
+              <a:buFont typeface="Arial" panose="020B0604020202020204" pitchFamily="34" charset="0"/>
+              <a:buChar char="•"/>
+              <a:defRPr sz="2400" kern="1200">
+                <a:solidFill>
+                  <a:schemeClr val="tx1"/>
+                </a:solidFill>
+                <a:latin typeface="+mn-lt"/>
+                <a:ea typeface="+mn-ea"/>
+                <a:cs typeface="+mn-cs"/>
+              </a:defRPr>
+            </a:lvl2pPr>
+            <a:lvl3pPr marL="1143000" indent="-228600" algn="l" defTabSz="914400" rtl="0" eaLnBrk="1" latinLnBrk="0" hangingPunct="1">
+              <a:lnSpc>
+                <a:spcPct val="90000"/>
+              </a:lnSpc>
+              <a:spcBef>
+                <a:spcPts val="500"/>
+              </a:spcBef>
+              <a:buFont typeface="Arial" panose="020B0604020202020204" pitchFamily="34" charset="0"/>
+              <a:buChar char="•"/>
+              <a:defRPr sz="2000" kern="1200">
+                <a:solidFill>
+                  <a:schemeClr val="tx1"/>
+                </a:solidFill>
+                <a:latin typeface="+mn-lt"/>
+                <a:ea typeface="+mn-ea"/>
+                <a:cs typeface="+mn-cs"/>
+              </a:defRPr>
+            </a:lvl3pPr>
+            <a:lvl4pPr marL="1600200" indent="-228600" algn="l" defTabSz="914400" rtl="0" eaLnBrk="1" latinLnBrk="0" hangingPunct="1">
+              <a:lnSpc>
+                <a:spcPct val="90000"/>
+              </a:lnSpc>
+              <a:spcBef>
+                <a:spcPts val="500"/>
+              </a:spcBef>
+              <a:buFont typeface="Arial" panose="020B0604020202020204" pitchFamily="34" charset="0"/>
+              <a:buChar char="•"/>
+              <a:defRPr sz="1800" kern="1200">
+                <a:solidFill>
+                  <a:schemeClr val="tx1"/>
+                </a:solidFill>
+                <a:latin typeface="+mn-lt"/>
+                <a:ea typeface="+mn-ea"/>
+                <a:cs typeface="+mn-cs"/>
+              </a:defRPr>
+            </a:lvl4pPr>
+            <a:lvl5pPr marL="2057400" indent="-228600" algn="l" defTabSz="914400" rtl="0" eaLnBrk="1" latinLnBrk="0" hangingPunct="1">
+              <a:lnSpc>
+                <a:spcPct val="90000"/>
+              </a:lnSpc>
+              <a:spcBef>
+                <a:spcPts val="500"/>
+              </a:spcBef>
+              <a:buFont typeface="Arial" panose="020B0604020202020204" pitchFamily="34" charset="0"/>
+              <a:buChar char="•"/>
+              <a:defRPr sz="1800" kern="1200">
+                <a:solidFill>
+                  <a:schemeClr val="tx1"/>
+                </a:solidFill>
+                <a:latin typeface="+mn-lt"/>
+                <a:ea typeface="+mn-ea"/>
+                <a:cs typeface="+mn-cs"/>
+              </a:defRPr>
+            </a:lvl5pPr>
+            <a:lvl6pPr marL="2514600" indent="-228600" algn="l" defTabSz="914400" rtl="0" eaLnBrk="1" latinLnBrk="0" hangingPunct="1">
+              <a:lnSpc>
+                <a:spcPct val="90000"/>
+              </a:lnSpc>
+              <a:spcBef>
+                <a:spcPts val="500"/>
+              </a:spcBef>
+              <a:buFont typeface="Arial" panose="020B0604020202020204" pitchFamily="34" charset="0"/>
+              <a:buChar char="•"/>
+              <a:defRPr sz="1800" kern="1200">
+                <a:solidFill>
+                  <a:schemeClr val="tx1"/>
+                </a:solidFill>
+                <a:latin typeface="+mn-lt"/>
+                <a:ea typeface="+mn-ea"/>
+                <a:cs typeface="+mn-cs"/>
+              </a:defRPr>
+            </a:lvl6pPr>
+            <a:lvl7pPr marL="2971800" indent="-228600" algn="l" defTabSz="914400" rtl="0" eaLnBrk="1" latinLnBrk="0" hangingPunct="1">
+              <a:lnSpc>
+                <a:spcPct val="90000"/>
+              </a:lnSpc>
+              <a:spcBef>
+                <a:spcPts val="500"/>
+              </a:spcBef>
+              <a:buFont typeface="Arial" panose="020B0604020202020204" pitchFamily="34" charset="0"/>
+              <a:buChar char="•"/>
+              <a:defRPr sz="1800" kern="1200">
+                <a:solidFill>
+                  <a:schemeClr val="tx1"/>
+                </a:solidFill>
+                <a:latin typeface="+mn-lt"/>
+                <a:ea typeface="+mn-ea"/>
+                <a:cs typeface="+mn-cs"/>
+              </a:defRPr>
+            </a:lvl7pPr>
+            <a:lvl8pPr marL="3429000" indent="-228600" algn="l" defTabSz="914400" rtl="0" eaLnBrk="1" latinLnBrk="0" hangingPunct="1">
+              <a:lnSpc>
+                <a:spcPct val="90000"/>
+              </a:lnSpc>
+              <a:spcBef>
+                <a:spcPts val="500"/>
+              </a:spcBef>
+              <a:buFont typeface="Arial" panose="020B0604020202020204" pitchFamily="34" charset="0"/>
+              <a:buChar char="•"/>
+              <a:defRPr sz="1800" kern="1200">
+                <a:solidFill>
+                  <a:schemeClr val="tx1"/>
+                </a:solidFill>
+                <a:latin typeface="+mn-lt"/>
+                <a:ea typeface="+mn-ea"/>
+                <a:cs typeface="+mn-cs"/>
+              </a:defRPr>
+            </a:lvl8pPr>
+            <a:lvl9pPr marL="3886200" indent="-228600" algn="l" defTabSz="914400" rtl="0" eaLnBrk="1" latinLnBrk="0" hangingPunct="1">
+              <a:lnSpc>
+                <a:spcPct val="90000"/>
+              </a:lnSpc>
+              <a:spcBef>
+                <a:spcPts val="500"/>
+              </a:spcBef>
+              <a:buFont typeface="Arial" panose="020B0604020202020204" pitchFamily="34" charset="0"/>
+              <a:buChar char="•"/>
+              <a:defRPr sz="1800" kern="1200">
+                <a:solidFill>
+                  <a:schemeClr val="tx1"/>
+                </a:solidFill>
+                <a:latin typeface="+mn-lt"/>
+                <a:ea typeface="+mn-ea"/>
+                <a:cs typeface="+mn-cs"/>
+              </a:defRPr>
+            </a:lvl9pPr>
+          </a:lstStyle>
+          <a:p>
+            <a:pPr marL="0" indent="0">
+              <a:buFont typeface="Arial" panose="020B0604020202020204" pitchFamily="34" charset="0"/>
+              <a:buNone/>
+            </a:pPr>
+            <a:r>
+              <a:rPr lang="en-GB" sz="2400" b="1" u="sng" dirty="0">
+                <a:solidFill>
+                  <a:srgbClr val="292929"/>
+                </a:solidFill>
+                <a:latin typeface="Roboto" panose="02000000000000000000" pitchFamily="2" charset="0"/>
+                <a:ea typeface="Roboto" panose="02000000000000000000" pitchFamily="2" charset="0"/>
+              </a:rPr>
+              <a:t>THE PROBLEM</a:t>
+            </a:r>
+          </a:p>
+          <a:p>
+            <a:r>
+              <a:rPr lang="en-GB" sz="2400" dirty="0">
+                <a:solidFill>
+                  <a:srgbClr val="292929"/>
+                </a:solidFill>
+                <a:latin typeface="Roboto Light" panose="02000000000000000000" pitchFamily="2" charset="0"/>
+                <a:ea typeface="Roboto Light" panose="02000000000000000000" pitchFamily="2" charset="0"/>
+              </a:rPr>
+              <a:t>Is that a particular new insurance portfolio currently has </a:t>
+            </a:r>
+            <a:r>
+              <a:rPr lang="en-GB" sz="2400" dirty="0">
+                <a:solidFill>
+                  <a:srgbClr val="FF0000"/>
+                </a:solidFill>
+                <a:latin typeface="Roboto Light" panose="02000000000000000000" pitchFamily="2" charset="0"/>
+                <a:ea typeface="Roboto Light" panose="02000000000000000000" pitchFamily="2" charset="0"/>
+              </a:rPr>
+              <a:t>no technical pricing models</a:t>
+            </a:r>
+          </a:p>
+          <a:p>
+            <a:pPr marL="0" indent="0">
+              <a:buFont typeface="Arial" panose="020B0604020202020204" pitchFamily="34" charset="0"/>
+              <a:buNone/>
+            </a:pPr>
+            <a:r>
+              <a:rPr lang="en-GB" sz="2400" b="1" u="sng" dirty="0">
+                <a:solidFill>
+                  <a:srgbClr val="292929"/>
+                </a:solidFill>
+                <a:latin typeface="Roboto" panose="02000000000000000000" pitchFamily="2" charset="0"/>
+                <a:ea typeface="Roboto" panose="02000000000000000000" pitchFamily="2" charset="0"/>
+              </a:rPr>
+              <a:t>IMPACTS</a:t>
+            </a:r>
+          </a:p>
+          <a:p>
+            <a:r>
+              <a:rPr lang="en-GB" sz="2400" dirty="0">
+                <a:solidFill>
+                  <a:srgbClr val="292929"/>
+                </a:solidFill>
+                <a:latin typeface="Roboto Light" panose="02000000000000000000" pitchFamily="2" charset="0"/>
+                <a:ea typeface="Roboto Light" panose="02000000000000000000" pitchFamily="2" charset="0"/>
+              </a:rPr>
+              <a:t>The business’s ability to </a:t>
+            </a:r>
+            <a:r>
+              <a:rPr lang="en-GB" sz="2400" dirty="0">
+                <a:solidFill>
+                  <a:srgbClr val="FF0000"/>
+                </a:solidFill>
+                <a:latin typeface="Roboto Light" panose="02000000000000000000" pitchFamily="2" charset="0"/>
+                <a:ea typeface="Roboto Light" panose="02000000000000000000" pitchFamily="2" charset="0"/>
+              </a:rPr>
+              <a:t>make informed decisions on price adjustments</a:t>
+            </a:r>
+          </a:p>
+          <a:p>
+            <a:pPr marL="0" indent="0">
+              <a:buFont typeface="Arial" panose="020B0604020202020204" pitchFamily="34" charset="0"/>
+              <a:buNone/>
+            </a:pPr>
+            <a:r>
+              <a:rPr lang="en-GB" sz="2400" b="1" u="sng" dirty="0">
+                <a:solidFill>
+                  <a:srgbClr val="292929"/>
+                </a:solidFill>
+                <a:latin typeface="Roboto" panose="02000000000000000000" pitchFamily="2" charset="0"/>
+                <a:ea typeface="Roboto" panose="02000000000000000000" pitchFamily="2" charset="0"/>
+              </a:rPr>
+              <a:t>WHICH POTENTIALLY AFFECTS</a:t>
+            </a:r>
+          </a:p>
+          <a:p>
+            <a:r>
+              <a:rPr lang="en-GB" sz="2400" dirty="0">
+                <a:solidFill>
+                  <a:srgbClr val="FF0000"/>
+                </a:solidFill>
+                <a:latin typeface="Roboto Light" panose="02000000000000000000" pitchFamily="2" charset="0"/>
+                <a:ea typeface="Roboto Light" panose="02000000000000000000" pitchFamily="2" charset="0"/>
+              </a:rPr>
+              <a:t>The sales performance</a:t>
+            </a:r>
+          </a:p>
+          <a:p>
+            <a:r>
+              <a:rPr lang="en-GB" sz="2400" dirty="0">
+                <a:solidFill>
+                  <a:srgbClr val="FF0000"/>
+                </a:solidFill>
+                <a:latin typeface="Roboto Light" panose="02000000000000000000" pitchFamily="2" charset="0"/>
+                <a:ea typeface="Roboto Light" panose="02000000000000000000" pitchFamily="2" charset="0"/>
+              </a:rPr>
+              <a:t>A risk of adverse selection</a:t>
+            </a:r>
+          </a:p>
+          <a:p>
+            <a:pPr marL="0" indent="0">
+              <a:buFont typeface="Arial" panose="020B0604020202020204" pitchFamily="34" charset="0"/>
+              <a:buNone/>
+            </a:pPr>
+            <a:r>
+              <a:rPr lang="en-GB" sz="2400" b="1" u="sng" dirty="0">
+                <a:solidFill>
+                  <a:srgbClr val="292929"/>
+                </a:solidFill>
+                <a:latin typeface="Roboto" panose="02000000000000000000" pitchFamily="2" charset="0"/>
+                <a:ea typeface="Roboto" panose="02000000000000000000" pitchFamily="2" charset="0"/>
+              </a:rPr>
+              <a:t>A GOOD STARTING POINT WOULD BE</a:t>
+            </a:r>
+          </a:p>
+          <a:p>
+            <a:r>
+              <a:rPr lang="en-GB" sz="2400" dirty="0">
+                <a:solidFill>
+                  <a:srgbClr val="292929"/>
+                </a:solidFill>
+                <a:latin typeface="Roboto Light" panose="02000000000000000000" pitchFamily="2" charset="0"/>
+                <a:ea typeface="Roboto Light" panose="02000000000000000000" pitchFamily="2" charset="0"/>
+              </a:rPr>
+              <a:t>Assess the claims of a similar existing book</a:t>
+            </a:r>
+          </a:p>
+          <a:p>
+            <a:r>
+              <a:rPr lang="en-GB" sz="2400" dirty="0">
+                <a:solidFill>
+                  <a:srgbClr val="FF0000"/>
+                </a:solidFill>
+                <a:latin typeface="Roboto Light" panose="02000000000000000000" pitchFamily="2" charset="0"/>
+                <a:ea typeface="Roboto Light" panose="02000000000000000000" pitchFamily="2" charset="0"/>
+              </a:rPr>
+              <a:t>Model the expected claims costs</a:t>
+            </a:r>
+            <a:r>
+              <a:rPr lang="en-GB" sz="2400" dirty="0">
+                <a:solidFill>
+                  <a:srgbClr val="292929"/>
+                </a:solidFill>
+                <a:latin typeface="Roboto Light" panose="02000000000000000000" pitchFamily="2" charset="0"/>
+                <a:ea typeface="Roboto Light" panose="02000000000000000000" pitchFamily="2" charset="0"/>
+              </a:rPr>
+              <a:t> and add an additional factor loading on top</a:t>
+            </a:r>
+            <a:endParaRPr lang="en-AU" sz="2400" dirty="0">
+              <a:latin typeface="Roboto Light" panose="02000000000000000000" pitchFamily="2" charset="0"/>
+              <a:ea typeface="Roboto Light" panose="02000000000000000000" pitchFamily="2" charset="0"/>
+            </a:endParaRPr>
           </a:p>
         </p:txBody>
       </p:sp>
     </p:spTree>
     <p:extLst>
       <p:ext uri="{BB962C8B-B14F-4D97-AF65-F5344CB8AC3E}">
-        <p14:creationId xmlns:p14="http://schemas.microsoft.com/office/powerpoint/2010/main" val="3700875129"/>
+        <p14:creationId xmlns:p14="http://schemas.microsoft.com/office/powerpoint/2010/main" val="258725277"/>
       </p:ext>
     </p:extLst>
   </p:cSld>
@@ -6762,7 +9026,7 @@
           <p:cNvPr id="2" name="Title 1">
             <a:extLst>
               <a:ext uri="{FF2B5EF4-FFF2-40B4-BE49-F238E27FC236}">
-                <a16:creationId xmlns:a16="http://schemas.microsoft.com/office/drawing/2014/main" id="{DFBAB538-799D-4F93-A347-70D8AEEA2DCD}"/>
+                <a16:creationId xmlns:a16="http://schemas.microsoft.com/office/drawing/2014/main" id="{DAB9A528-D828-4D2E-B70B-5405771E5F97}"/>
               </a:ext>
             </a:extLst>
           </p:cNvPr>
@@ -6779,25 +9043,351 @@
           <a:lstStyle/>
           <a:p>
             <a:r>
-              <a:rPr lang="en-AU" dirty="0"/>
-              <a:t>Example: Travel insurance </a:t>
-            </a:r>
-            <a:r>
               <a:rPr lang="en-AU" dirty="0">
-                <a:hlinkClick r:id="rId3"/>
-              </a:rPr>
-              <a:t>dataset</a:t>
-            </a:r>
-            <a:endParaRPr lang="en-AU" dirty="0"/>
-          </a:p>
-        </p:txBody>
-      </p:sp>
-      <p:sp>
-        <p:nvSpPr>
-          <p:cNvPr id="3" name="Content Placeholder 2">
-            <a:extLst>
-              <a:ext uri="{FF2B5EF4-FFF2-40B4-BE49-F238E27FC236}">
-                <a16:creationId xmlns:a16="http://schemas.microsoft.com/office/drawing/2014/main" id="{047706C2-20B0-4E03-9AA3-9BAAA65F70D3}"/>
+                <a:latin typeface="Roboto" panose="02000000000000000000" pitchFamily="2" charset="0"/>
+                <a:ea typeface="Roboto" panose="02000000000000000000" pitchFamily="2" charset="0"/>
+              </a:rPr>
+              <a:t>Scoping (example)</a:t>
+            </a:r>
+          </a:p>
+        </p:txBody>
+      </p:sp>
+      <p:pic>
+        <p:nvPicPr>
+          <p:cNvPr id="4" name="Picture 3" descr="Diagram&#10;&#10;Description automatically generated">
+            <a:extLst>
+              <a:ext uri="{FF2B5EF4-FFF2-40B4-BE49-F238E27FC236}">
+                <a16:creationId xmlns:a16="http://schemas.microsoft.com/office/drawing/2014/main" id="{20BD2349-30C0-46E9-823E-3B9D9A47BEBA}"/>
+              </a:ext>
+            </a:extLst>
+          </p:cNvPr>
+          <p:cNvPicPr>
+            <a:picLocks noChangeAspect="1"/>
+          </p:cNvPicPr>
+          <p:nvPr/>
+        </p:nvPicPr>
+        <p:blipFill>
+          <a:blip r:embed="rId3"/>
+          <a:stretch>
+            <a:fillRect/>
+          </a:stretch>
+        </p:blipFill>
+        <p:spPr>
+          <a:xfrm>
+            <a:off x="838200" y="4580105"/>
+            <a:ext cx="4858232" cy="1912770"/>
+          </a:xfrm>
+          <a:prstGeom prst="rect">
+            <a:avLst/>
+          </a:prstGeom>
+        </p:spPr>
+      </p:pic>
+      <p:sp>
+        <p:nvSpPr>
+          <p:cNvPr id="5" name="Multiplication Sign 4">
+            <a:extLst>
+              <a:ext uri="{FF2B5EF4-FFF2-40B4-BE49-F238E27FC236}">
+                <a16:creationId xmlns:a16="http://schemas.microsoft.com/office/drawing/2014/main" id="{CD48199D-E3A9-417D-BB74-582851C519C9}"/>
+              </a:ext>
+            </a:extLst>
+          </p:cNvPr>
+          <p:cNvSpPr/>
+          <p:nvPr/>
+        </p:nvSpPr>
+        <p:spPr>
+          <a:xfrm>
+            <a:off x="1926775" y="4413667"/>
+            <a:ext cx="752505" cy="1122387"/>
+          </a:xfrm>
+          <a:prstGeom prst="mathMultiply">
+            <a:avLst/>
+          </a:prstGeom>
+          <a:solidFill>
+            <a:srgbClr val="FF0000"/>
+          </a:solidFill>
+          <a:ln>
+            <a:solidFill>
+              <a:schemeClr val="tx1"/>
+            </a:solidFill>
+          </a:ln>
+        </p:spPr>
+        <p:style>
+          <a:lnRef idx="2">
+            <a:schemeClr val="accent1">
+              <a:shade val="50000"/>
+            </a:schemeClr>
+          </a:lnRef>
+          <a:fillRef idx="1">
+            <a:schemeClr val="accent1"/>
+          </a:fillRef>
+          <a:effectRef idx="0">
+            <a:schemeClr val="accent1"/>
+          </a:effectRef>
+          <a:fontRef idx="minor">
+            <a:schemeClr val="lt1"/>
+          </a:fontRef>
+        </p:style>
+        <p:txBody>
+          <a:bodyPr rtlCol="0" anchor="ctr"/>
+          <a:lstStyle/>
+          <a:p>
+            <a:pPr algn="ctr"/>
+            <a:endParaRPr lang="en-AU"/>
+          </a:p>
+        </p:txBody>
+      </p:sp>
+      <p:sp>
+        <p:nvSpPr>
+          <p:cNvPr id="6" name="Multiplication Sign 5">
+            <a:extLst>
+              <a:ext uri="{FF2B5EF4-FFF2-40B4-BE49-F238E27FC236}">
+                <a16:creationId xmlns:a16="http://schemas.microsoft.com/office/drawing/2014/main" id="{BC9A1B54-F7E3-413A-8D37-FD73A8E58FC0}"/>
+              </a:ext>
+            </a:extLst>
+          </p:cNvPr>
+          <p:cNvSpPr/>
+          <p:nvPr/>
+        </p:nvSpPr>
+        <p:spPr>
+          <a:xfrm>
+            <a:off x="2858979" y="4413666"/>
+            <a:ext cx="752505" cy="1122387"/>
+          </a:xfrm>
+          <a:prstGeom prst="mathMultiply">
+            <a:avLst/>
+          </a:prstGeom>
+          <a:solidFill>
+            <a:srgbClr val="FF0000"/>
+          </a:solidFill>
+          <a:ln>
+            <a:solidFill>
+              <a:schemeClr val="tx1"/>
+            </a:solidFill>
+          </a:ln>
+        </p:spPr>
+        <p:style>
+          <a:lnRef idx="2">
+            <a:schemeClr val="accent1">
+              <a:shade val="50000"/>
+            </a:schemeClr>
+          </a:lnRef>
+          <a:fillRef idx="1">
+            <a:schemeClr val="accent1"/>
+          </a:fillRef>
+          <a:effectRef idx="0">
+            <a:schemeClr val="accent1"/>
+          </a:effectRef>
+          <a:fontRef idx="minor">
+            <a:schemeClr val="lt1"/>
+          </a:fontRef>
+        </p:style>
+        <p:txBody>
+          <a:bodyPr rtlCol="0" anchor="ctr"/>
+          <a:lstStyle/>
+          <a:p>
+            <a:pPr algn="ctr"/>
+            <a:endParaRPr lang="en-AU"/>
+          </a:p>
+        </p:txBody>
+      </p:sp>
+      <p:pic>
+        <p:nvPicPr>
+          <p:cNvPr id="7" name="Picture 6" descr="Diagram&#10;&#10;Description automatically generated">
+            <a:extLst>
+              <a:ext uri="{FF2B5EF4-FFF2-40B4-BE49-F238E27FC236}">
+                <a16:creationId xmlns:a16="http://schemas.microsoft.com/office/drawing/2014/main" id="{1735B662-E219-484E-AFCC-BBA419DF8507}"/>
+              </a:ext>
+            </a:extLst>
+          </p:cNvPr>
+          <p:cNvPicPr>
+            <a:picLocks noChangeAspect="1"/>
+          </p:cNvPicPr>
+          <p:nvPr/>
+        </p:nvPicPr>
+        <p:blipFill>
+          <a:blip r:embed="rId3"/>
+          <a:stretch>
+            <a:fillRect/>
+          </a:stretch>
+        </p:blipFill>
+        <p:spPr>
+          <a:xfrm>
+            <a:off x="838200" y="1926429"/>
+            <a:ext cx="4858232" cy="1912770"/>
+          </a:xfrm>
+          <a:prstGeom prst="rect">
+            <a:avLst/>
+          </a:prstGeom>
+        </p:spPr>
+      </p:pic>
+      <p:sp>
+        <p:nvSpPr>
+          <p:cNvPr id="8" name="Multiplication Sign 7">
+            <a:extLst>
+              <a:ext uri="{FF2B5EF4-FFF2-40B4-BE49-F238E27FC236}">
+                <a16:creationId xmlns:a16="http://schemas.microsoft.com/office/drawing/2014/main" id="{A52A7CDE-4D2A-4641-9633-7D18829B65F7}"/>
+              </a:ext>
+            </a:extLst>
+          </p:cNvPr>
+          <p:cNvSpPr/>
+          <p:nvPr/>
+        </p:nvSpPr>
+        <p:spPr>
+          <a:xfrm>
+            <a:off x="4736153" y="1776469"/>
+            <a:ext cx="752505" cy="1122387"/>
+          </a:xfrm>
+          <a:prstGeom prst="mathMultiply">
+            <a:avLst/>
+          </a:prstGeom>
+          <a:solidFill>
+            <a:srgbClr val="FF0000"/>
+          </a:solidFill>
+          <a:ln>
+            <a:solidFill>
+              <a:schemeClr val="tx1"/>
+            </a:solidFill>
+          </a:ln>
+        </p:spPr>
+        <p:style>
+          <a:lnRef idx="2">
+            <a:schemeClr val="accent1">
+              <a:shade val="50000"/>
+            </a:schemeClr>
+          </a:lnRef>
+          <a:fillRef idx="1">
+            <a:schemeClr val="accent1"/>
+          </a:fillRef>
+          <a:effectRef idx="0">
+            <a:schemeClr val="accent1"/>
+          </a:effectRef>
+          <a:fontRef idx="minor">
+            <a:schemeClr val="lt1"/>
+          </a:fontRef>
+        </p:style>
+        <p:txBody>
+          <a:bodyPr rtlCol="0" anchor="ctr"/>
+          <a:lstStyle/>
+          <a:p>
+            <a:pPr algn="ctr"/>
+            <a:endParaRPr lang="en-AU"/>
+          </a:p>
+        </p:txBody>
+      </p:sp>
+      <p:sp>
+        <p:nvSpPr>
+          <p:cNvPr id="9" name="Multiplication Sign 8">
+            <a:extLst>
+              <a:ext uri="{FF2B5EF4-FFF2-40B4-BE49-F238E27FC236}">
+                <a16:creationId xmlns:a16="http://schemas.microsoft.com/office/drawing/2014/main" id="{3ECC9CCE-AAEB-4BF3-AEB4-799427AD8B8C}"/>
+              </a:ext>
+            </a:extLst>
+          </p:cNvPr>
+          <p:cNvSpPr/>
+          <p:nvPr/>
+        </p:nvSpPr>
+        <p:spPr>
+          <a:xfrm>
+            <a:off x="4735905" y="2797022"/>
+            <a:ext cx="752505" cy="1122387"/>
+          </a:xfrm>
+          <a:prstGeom prst="mathMultiply">
+            <a:avLst/>
+          </a:prstGeom>
+          <a:solidFill>
+            <a:srgbClr val="FF0000"/>
+          </a:solidFill>
+          <a:ln>
+            <a:solidFill>
+              <a:schemeClr val="tx1"/>
+            </a:solidFill>
+          </a:ln>
+        </p:spPr>
+        <p:style>
+          <a:lnRef idx="2">
+            <a:schemeClr val="accent1">
+              <a:shade val="50000"/>
+            </a:schemeClr>
+          </a:lnRef>
+          <a:fillRef idx="1">
+            <a:schemeClr val="accent1"/>
+          </a:fillRef>
+          <a:effectRef idx="0">
+            <a:schemeClr val="accent1"/>
+          </a:effectRef>
+          <a:fontRef idx="minor">
+            <a:schemeClr val="lt1"/>
+          </a:fontRef>
+        </p:style>
+        <p:txBody>
+          <a:bodyPr rtlCol="0" anchor="ctr"/>
+          <a:lstStyle/>
+          <a:p>
+            <a:pPr algn="ctr"/>
+            <a:endParaRPr lang="en-AU"/>
+          </a:p>
+        </p:txBody>
+      </p:sp>
+      <p:sp>
+        <p:nvSpPr>
+          <p:cNvPr id="10" name="Multiplication Sign 9">
+            <a:extLst>
+              <a:ext uri="{FF2B5EF4-FFF2-40B4-BE49-F238E27FC236}">
+                <a16:creationId xmlns:a16="http://schemas.microsoft.com/office/drawing/2014/main" id="{555B4FDB-3DBE-4CF5-925F-6A12306EF4C7}"/>
+              </a:ext>
+            </a:extLst>
+          </p:cNvPr>
+          <p:cNvSpPr/>
+          <p:nvPr/>
+        </p:nvSpPr>
+        <p:spPr>
+          <a:xfrm>
+            <a:off x="1910732" y="1744384"/>
+            <a:ext cx="752505" cy="1122387"/>
+          </a:xfrm>
+          <a:prstGeom prst="mathMultiply">
+            <a:avLst/>
+          </a:prstGeom>
+          <a:solidFill>
+            <a:srgbClr val="FF0000"/>
+          </a:solidFill>
+          <a:ln>
+            <a:solidFill>
+              <a:schemeClr val="tx1"/>
+            </a:solidFill>
+          </a:ln>
+        </p:spPr>
+        <p:style>
+          <a:lnRef idx="2">
+            <a:schemeClr val="accent1">
+              <a:shade val="50000"/>
+            </a:schemeClr>
+          </a:lnRef>
+          <a:fillRef idx="1">
+            <a:schemeClr val="accent1"/>
+          </a:fillRef>
+          <a:effectRef idx="0">
+            <a:schemeClr val="accent1"/>
+          </a:effectRef>
+          <a:fontRef idx="minor">
+            <a:schemeClr val="lt1"/>
+          </a:fontRef>
+        </p:style>
+        <p:txBody>
+          <a:bodyPr rtlCol="0" anchor="ctr"/>
+          <a:lstStyle/>
+          <a:p>
+            <a:pPr algn="ctr"/>
+            <a:endParaRPr lang="en-AU"/>
+          </a:p>
+        </p:txBody>
+      </p:sp>
+      <p:sp>
+        <p:nvSpPr>
+          <p:cNvPr id="11" name="Content Placeholder 2">
+            <a:extLst>
+              <a:ext uri="{FF2B5EF4-FFF2-40B4-BE49-F238E27FC236}">
+                <a16:creationId xmlns:a16="http://schemas.microsoft.com/office/drawing/2014/main" id="{265AD3D8-F4C4-4463-BEAC-018E638B3603}"/>
               </a:ext>
             </a:extLst>
           </p:cNvPr>
@@ -6808,162 +9398,241 @@
             <p:ph idx="1"/>
           </p:nvPr>
         </p:nvSpPr>
-        <p:spPr/>
+        <p:spPr>
+          <a:xfrm>
+            <a:off x="6050400" y="2134240"/>
+            <a:ext cx="5167779" cy="1325563"/>
+          </a:xfrm>
+        </p:spPr>
         <p:txBody>
           <a:bodyPr>
-            <a:normAutofit fontScale="85000" lnSpcReduction="20000"/>
+            <a:normAutofit/>
           </a:bodyPr>
           <a:lstStyle/>
           <a:p>
-            <a:pPr algn="l" fontAlgn="base">
-              <a:buFont typeface="+mj-lt"/>
-              <a:buAutoNum type="arabicPeriod"/>
+            <a:pPr marL="0" indent="0">
+              <a:buNone/>
             </a:pPr>
             <a:r>
-              <a:rPr lang="en-GB" b="0" i="0" dirty="0">
-                <a:effectLst/>
-                <a:latin typeface="Inter"/>
-              </a:rPr>
-              <a:t>Target: Claim Status </a:t>
-            </a:r>
-          </a:p>
-          <a:p>
-            <a:pPr algn="l" fontAlgn="base">
-              <a:buFont typeface="+mj-lt"/>
-              <a:buAutoNum type="arabicPeriod"/>
+              <a:rPr lang="en-AU" dirty="0">
+                <a:latin typeface="Roboto Light" panose="02000000000000000000" pitchFamily="2" charset="0"/>
+                <a:ea typeface="Roboto Light" panose="02000000000000000000" pitchFamily="2" charset="0"/>
+              </a:rPr>
+              <a:t>Example: An analytics task to determine if health markers correlate to personal wealth</a:t>
+            </a:r>
+          </a:p>
+        </p:txBody>
+      </p:sp>
+      <p:sp>
+        <p:nvSpPr>
+          <p:cNvPr id="12" name="Content Placeholder 2">
+            <a:extLst>
+              <a:ext uri="{FF2B5EF4-FFF2-40B4-BE49-F238E27FC236}">
+                <a16:creationId xmlns:a16="http://schemas.microsoft.com/office/drawing/2014/main" id="{C944103D-3FE6-4DBF-B0D6-173FCC730342}"/>
+              </a:ext>
+            </a:extLst>
+          </p:cNvPr>
+          <p:cNvSpPr txBox="1">
+            <a:spLocks/>
+          </p:cNvSpPr>
+          <p:nvPr/>
+        </p:nvSpPr>
+        <p:spPr>
+          <a:xfrm>
+            <a:off x="6096000" y="4873271"/>
+            <a:ext cx="5167779" cy="1325563"/>
+          </a:xfrm>
+          <a:prstGeom prst="rect">
+            <a:avLst/>
+          </a:prstGeom>
+        </p:spPr>
+        <p:txBody>
+          <a:bodyPr vert="horz" lIns="91440" tIns="45720" rIns="91440" bIns="45720" rtlCol="0">
+            <a:normAutofit/>
+          </a:bodyPr>
+          <a:lstStyle>
+            <a:lvl1pPr marL="228600" indent="-228600" algn="l" defTabSz="914400" rtl="0" eaLnBrk="1" latinLnBrk="0" hangingPunct="1">
+              <a:lnSpc>
+                <a:spcPct val="90000"/>
+              </a:lnSpc>
+              <a:spcBef>
+                <a:spcPts val="1000"/>
+              </a:spcBef>
+              <a:buFont typeface="Arial" panose="020B0604020202020204" pitchFamily="34" charset="0"/>
+              <a:buChar char="•"/>
+              <a:defRPr sz="2800" kern="1200">
+                <a:solidFill>
+                  <a:schemeClr val="tx1"/>
+                </a:solidFill>
+                <a:latin typeface="+mn-lt"/>
+                <a:ea typeface="+mn-ea"/>
+                <a:cs typeface="+mn-cs"/>
+              </a:defRPr>
+            </a:lvl1pPr>
+            <a:lvl2pPr marL="685800" indent="-228600" algn="l" defTabSz="914400" rtl="0" eaLnBrk="1" latinLnBrk="0" hangingPunct="1">
+              <a:lnSpc>
+                <a:spcPct val="90000"/>
+              </a:lnSpc>
+              <a:spcBef>
+                <a:spcPts val="500"/>
+              </a:spcBef>
+              <a:buFont typeface="Arial" panose="020B0604020202020204" pitchFamily="34" charset="0"/>
+              <a:buChar char="•"/>
+              <a:defRPr sz="2400" kern="1200">
+                <a:solidFill>
+                  <a:schemeClr val="tx1"/>
+                </a:solidFill>
+                <a:latin typeface="+mn-lt"/>
+                <a:ea typeface="+mn-ea"/>
+                <a:cs typeface="+mn-cs"/>
+              </a:defRPr>
+            </a:lvl2pPr>
+            <a:lvl3pPr marL="1143000" indent="-228600" algn="l" defTabSz="914400" rtl="0" eaLnBrk="1" latinLnBrk="0" hangingPunct="1">
+              <a:lnSpc>
+                <a:spcPct val="90000"/>
+              </a:lnSpc>
+              <a:spcBef>
+                <a:spcPts val="500"/>
+              </a:spcBef>
+              <a:buFont typeface="Arial" panose="020B0604020202020204" pitchFamily="34" charset="0"/>
+              <a:buChar char="•"/>
+              <a:defRPr sz="2000" kern="1200">
+                <a:solidFill>
+                  <a:schemeClr val="tx1"/>
+                </a:solidFill>
+                <a:latin typeface="+mn-lt"/>
+                <a:ea typeface="+mn-ea"/>
+                <a:cs typeface="+mn-cs"/>
+              </a:defRPr>
+            </a:lvl3pPr>
+            <a:lvl4pPr marL="1600200" indent="-228600" algn="l" defTabSz="914400" rtl="0" eaLnBrk="1" latinLnBrk="0" hangingPunct="1">
+              <a:lnSpc>
+                <a:spcPct val="90000"/>
+              </a:lnSpc>
+              <a:spcBef>
+                <a:spcPts val="500"/>
+              </a:spcBef>
+              <a:buFont typeface="Arial" panose="020B0604020202020204" pitchFamily="34" charset="0"/>
+              <a:buChar char="•"/>
+              <a:defRPr sz="1800" kern="1200">
+                <a:solidFill>
+                  <a:schemeClr val="tx1"/>
+                </a:solidFill>
+                <a:latin typeface="+mn-lt"/>
+                <a:ea typeface="+mn-ea"/>
+                <a:cs typeface="+mn-cs"/>
+              </a:defRPr>
+            </a:lvl4pPr>
+            <a:lvl5pPr marL="2057400" indent="-228600" algn="l" defTabSz="914400" rtl="0" eaLnBrk="1" latinLnBrk="0" hangingPunct="1">
+              <a:lnSpc>
+                <a:spcPct val="90000"/>
+              </a:lnSpc>
+              <a:spcBef>
+                <a:spcPts val="500"/>
+              </a:spcBef>
+              <a:buFont typeface="Arial" panose="020B0604020202020204" pitchFamily="34" charset="0"/>
+              <a:buChar char="•"/>
+              <a:defRPr sz="1800" kern="1200">
+                <a:solidFill>
+                  <a:schemeClr val="tx1"/>
+                </a:solidFill>
+                <a:latin typeface="+mn-lt"/>
+                <a:ea typeface="+mn-ea"/>
+                <a:cs typeface="+mn-cs"/>
+              </a:defRPr>
+            </a:lvl5pPr>
+            <a:lvl6pPr marL="2514600" indent="-228600" algn="l" defTabSz="914400" rtl="0" eaLnBrk="1" latinLnBrk="0" hangingPunct="1">
+              <a:lnSpc>
+                <a:spcPct val="90000"/>
+              </a:lnSpc>
+              <a:spcBef>
+                <a:spcPts val="500"/>
+              </a:spcBef>
+              <a:buFont typeface="Arial" panose="020B0604020202020204" pitchFamily="34" charset="0"/>
+              <a:buChar char="•"/>
+              <a:defRPr sz="1800" kern="1200">
+                <a:solidFill>
+                  <a:schemeClr val="tx1"/>
+                </a:solidFill>
+                <a:latin typeface="+mn-lt"/>
+                <a:ea typeface="+mn-ea"/>
+                <a:cs typeface="+mn-cs"/>
+              </a:defRPr>
+            </a:lvl6pPr>
+            <a:lvl7pPr marL="2971800" indent="-228600" algn="l" defTabSz="914400" rtl="0" eaLnBrk="1" latinLnBrk="0" hangingPunct="1">
+              <a:lnSpc>
+                <a:spcPct val="90000"/>
+              </a:lnSpc>
+              <a:spcBef>
+                <a:spcPts val="500"/>
+              </a:spcBef>
+              <a:buFont typeface="Arial" panose="020B0604020202020204" pitchFamily="34" charset="0"/>
+              <a:buChar char="•"/>
+              <a:defRPr sz="1800" kern="1200">
+                <a:solidFill>
+                  <a:schemeClr val="tx1"/>
+                </a:solidFill>
+                <a:latin typeface="+mn-lt"/>
+                <a:ea typeface="+mn-ea"/>
+                <a:cs typeface="+mn-cs"/>
+              </a:defRPr>
+            </a:lvl7pPr>
+            <a:lvl8pPr marL="3429000" indent="-228600" algn="l" defTabSz="914400" rtl="0" eaLnBrk="1" latinLnBrk="0" hangingPunct="1">
+              <a:lnSpc>
+                <a:spcPct val="90000"/>
+              </a:lnSpc>
+              <a:spcBef>
+                <a:spcPts val="500"/>
+              </a:spcBef>
+              <a:buFont typeface="Arial" panose="020B0604020202020204" pitchFamily="34" charset="0"/>
+              <a:buChar char="•"/>
+              <a:defRPr sz="1800" kern="1200">
+                <a:solidFill>
+                  <a:schemeClr val="tx1"/>
+                </a:solidFill>
+                <a:latin typeface="+mn-lt"/>
+                <a:ea typeface="+mn-ea"/>
+                <a:cs typeface="+mn-cs"/>
+              </a:defRPr>
+            </a:lvl8pPr>
+            <a:lvl9pPr marL="3886200" indent="-228600" algn="l" defTabSz="914400" rtl="0" eaLnBrk="1" latinLnBrk="0" hangingPunct="1">
+              <a:lnSpc>
+                <a:spcPct val="90000"/>
+              </a:lnSpc>
+              <a:spcBef>
+                <a:spcPts val="500"/>
+              </a:spcBef>
+              <a:buFont typeface="Arial" panose="020B0604020202020204" pitchFamily="34" charset="0"/>
+              <a:buChar char="•"/>
+              <a:defRPr sz="1800" kern="1200">
+                <a:solidFill>
+                  <a:schemeClr val="tx1"/>
+                </a:solidFill>
+                <a:latin typeface="+mn-lt"/>
+                <a:ea typeface="+mn-ea"/>
+                <a:cs typeface="+mn-cs"/>
+              </a:defRPr>
+            </a:lvl9pPr>
+          </a:lstStyle>
+          <a:p>
+            <a:pPr marL="0" indent="0">
+              <a:buFont typeface="Arial" panose="020B0604020202020204" pitchFamily="34" charset="0"/>
+              <a:buNone/>
             </a:pPr>
             <a:r>
-              <a:rPr lang="en-GB" b="0" i="0" dirty="0">
-                <a:effectLst/>
-                <a:latin typeface="Inter"/>
-              </a:rPr>
-              <a:t>Name of agency </a:t>
-            </a:r>
-          </a:p>
-          <a:p>
-            <a:pPr algn="l" fontAlgn="base">
-              <a:buFont typeface="+mj-lt"/>
-              <a:buAutoNum type="arabicPeriod"/>
-            </a:pPr>
-            <a:r>
-              <a:rPr lang="en-GB" b="0" i="0" dirty="0">
-                <a:effectLst/>
-                <a:latin typeface="Inter"/>
-              </a:rPr>
-              <a:t>Type of travel insurance agencies </a:t>
-            </a:r>
-          </a:p>
-          <a:p>
-            <a:pPr algn="l" fontAlgn="base">
-              <a:buFont typeface="+mj-lt"/>
-              <a:buAutoNum type="arabicPeriod"/>
-            </a:pPr>
-            <a:r>
-              <a:rPr lang="en-GB" b="0" i="0" dirty="0">
-                <a:effectLst/>
-                <a:latin typeface="Inter"/>
-              </a:rPr>
-              <a:t>Distribution channel of travel insurance agencies </a:t>
-            </a:r>
-          </a:p>
-          <a:p>
-            <a:pPr algn="l" fontAlgn="base">
-              <a:buFont typeface="+mj-lt"/>
-              <a:buAutoNum type="arabicPeriod"/>
-            </a:pPr>
-            <a:r>
-              <a:rPr lang="en-GB" b="0" i="0" dirty="0">
-                <a:effectLst/>
-                <a:latin typeface="Inter"/>
-              </a:rPr>
-              <a:t>Name of the travel insurance products </a:t>
-            </a:r>
-          </a:p>
-          <a:p>
-            <a:pPr algn="l" fontAlgn="base">
-              <a:buFont typeface="+mj-lt"/>
-              <a:buAutoNum type="arabicPeriod"/>
-            </a:pPr>
-            <a:r>
-              <a:rPr lang="en-GB" b="0" i="0" dirty="0">
-                <a:effectLst/>
-                <a:latin typeface="Inter"/>
-              </a:rPr>
-              <a:t>Duration of travel </a:t>
-            </a:r>
-          </a:p>
-          <a:p>
-            <a:pPr algn="l" fontAlgn="base">
-              <a:buFont typeface="+mj-lt"/>
-              <a:buAutoNum type="arabicPeriod"/>
-            </a:pPr>
-            <a:r>
-              <a:rPr lang="en-GB" b="0" i="0" dirty="0">
-                <a:effectLst/>
-                <a:latin typeface="Inter"/>
-              </a:rPr>
-              <a:t>Destination of travel </a:t>
-            </a:r>
-          </a:p>
-          <a:p>
-            <a:pPr algn="l" fontAlgn="base">
-              <a:buFont typeface="+mj-lt"/>
-              <a:buAutoNum type="arabicPeriod"/>
-            </a:pPr>
-            <a:r>
-              <a:rPr lang="en-GB" b="0" i="0" dirty="0">
-                <a:effectLst/>
-                <a:latin typeface="Inter"/>
-              </a:rPr>
-              <a:t>Amount of sales of travel insurance policies</a:t>
-            </a:r>
-          </a:p>
-          <a:p>
-            <a:pPr algn="l" fontAlgn="base">
-              <a:buFont typeface="+mj-lt"/>
-              <a:buAutoNum type="arabicPeriod"/>
-            </a:pPr>
-            <a:r>
-              <a:rPr lang="en-GB" b="0" i="0" dirty="0">
-                <a:effectLst/>
-                <a:latin typeface="Inter"/>
-              </a:rPr>
-              <a:t>Commission received for travel insurance agency </a:t>
-            </a:r>
-          </a:p>
-          <a:p>
-            <a:pPr algn="l" fontAlgn="base">
-              <a:buFont typeface="+mj-lt"/>
-              <a:buAutoNum type="arabicPeriod"/>
-            </a:pPr>
-            <a:r>
-              <a:rPr lang="en-GB" b="0" i="0" dirty="0">
-                <a:effectLst/>
-                <a:latin typeface="Inter"/>
-              </a:rPr>
-              <a:t>Gender of insured </a:t>
-            </a:r>
-          </a:p>
-          <a:p>
-            <a:pPr algn="l" fontAlgn="base">
-              <a:buFont typeface="+mj-lt"/>
-              <a:buAutoNum type="arabicPeriod"/>
-            </a:pPr>
-            <a:r>
-              <a:rPr lang="en-GB" b="0" i="0" dirty="0">
-                <a:effectLst/>
-                <a:latin typeface="Inter"/>
-              </a:rPr>
-              <a:t>Age of insured</a:t>
-            </a:r>
-            <a:endParaRPr lang="en-AU" dirty="0"/>
+              <a:rPr lang="en-AU" dirty="0">
+                <a:latin typeface="Roboto Light" panose="02000000000000000000" pitchFamily="2" charset="0"/>
+                <a:ea typeface="Roboto Light" panose="02000000000000000000" pitchFamily="2" charset="0"/>
+              </a:rPr>
+              <a:t>Example: A Kaggle project to model housing prices in Boston</a:t>
+            </a:r>
           </a:p>
         </p:txBody>
       </p:sp>
     </p:spTree>
     <p:extLst>
       <p:ext uri="{BB962C8B-B14F-4D97-AF65-F5344CB8AC3E}">
-        <p14:creationId xmlns:p14="http://schemas.microsoft.com/office/powerpoint/2010/main" val="504490809"/>
+        <p14:creationId xmlns:p14="http://schemas.microsoft.com/office/powerpoint/2010/main" val="1463269499"/>
       </p:ext>
     </p:extLst>
   </p:cSld>
@@ -6995,7 +9664,7 @@
           <p:cNvPr id="2" name="Title 1">
             <a:extLst>
               <a:ext uri="{FF2B5EF4-FFF2-40B4-BE49-F238E27FC236}">
-                <a16:creationId xmlns:a16="http://schemas.microsoft.com/office/drawing/2014/main" id="{41C571BF-8018-4438-B90E-3E0F46D79745}"/>
+                <a16:creationId xmlns:a16="http://schemas.microsoft.com/office/drawing/2014/main" id="{A26DA8D2-682A-4DC9-8299-9BBD01871705}"/>
               </a:ext>
             </a:extLst>
           </p:cNvPr>
@@ -7012,41 +9681,104 @@
           <a:lstStyle/>
           <a:p>
             <a:r>
-              <a:rPr lang="en-AU" dirty="0"/>
-              <a:t>TO THE NOTEBOOK</a:t>
-            </a:r>
-          </a:p>
-        </p:txBody>
-      </p:sp>
-      <p:sp>
-        <p:nvSpPr>
-          <p:cNvPr id="3" name="Content Placeholder 2">
-            <a:extLst>
-              <a:ext uri="{FF2B5EF4-FFF2-40B4-BE49-F238E27FC236}">
-                <a16:creationId xmlns:a16="http://schemas.microsoft.com/office/drawing/2014/main" id="{D31F09CB-533A-424F-98D5-2F1F3770EAEE}"/>
-              </a:ext>
-            </a:extLst>
-          </p:cNvPr>
-          <p:cNvSpPr>
-            <a:spLocks noGrp="1"/>
-          </p:cNvSpPr>
-          <p:nvPr>
-            <p:ph idx="1"/>
-          </p:nvPr>
-        </p:nvSpPr>
-        <p:spPr/>
-        <p:txBody>
-          <a:bodyPr/>
-          <a:lstStyle/>
-          <a:p>
-            <a:endParaRPr lang="en-AU"/>
+              <a:rPr lang="en-AU" dirty="0">
+                <a:latin typeface="Roboto" panose="02000000000000000000" pitchFamily="2" charset="0"/>
+                <a:ea typeface="Roboto" panose="02000000000000000000" pitchFamily="2" charset="0"/>
+              </a:rPr>
+              <a:t>Categorize required modelling</a:t>
+            </a:r>
+          </a:p>
+        </p:txBody>
+      </p:sp>
+      <p:pic>
+        <p:nvPicPr>
+          <p:cNvPr id="1028" name="Picture 4">
+            <a:extLst>
+              <a:ext uri="{FF2B5EF4-FFF2-40B4-BE49-F238E27FC236}">
+                <a16:creationId xmlns:a16="http://schemas.microsoft.com/office/drawing/2014/main" id="{0D1BF0F2-ED34-4BB5-A332-53D8D381A775}"/>
+              </a:ext>
+            </a:extLst>
+          </p:cNvPr>
+          <p:cNvPicPr>
+            <a:picLocks noChangeAspect="1" noChangeArrowheads="1"/>
+          </p:cNvPicPr>
+          <p:nvPr/>
+        </p:nvPicPr>
+        <p:blipFill>
+          <a:blip r:embed="rId3">
+            <a:extLst>
+              <a:ext uri="{28A0092B-C50C-407E-A947-70E740481C1C}">
+                <a14:useLocalDpi xmlns:a14="http://schemas.microsoft.com/office/drawing/2010/main" val="0"/>
+              </a:ext>
+            </a:extLst>
+          </a:blip>
+          <a:srcRect/>
+          <a:stretch>
+            <a:fillRect/>
+          </a:stretch>
+        </p:blipFill>
+        <p:spPr bwMode="auto">
+          <a:xfrm>
+            <a:off x="838200" y="1470108"/>
+            <a:ext cx="10329031" cy="4497555"/>
+          </a:xfrm>
+          <a:prstGeom prst="rect">
+            <a:avLst/>
+          </a:prstGeom>
+          <a:noFill/>
+          <a:extLst>
+            <a:ext uri="{909E8E84-426E-40DD-AFC4-6F175D3DCCD1}">
+              <a14:hiddenFill xmlns:a14="http://schemas.microsoft.com/office/drawing/2010/main">
+                <a:solidFill>
+                  <a:srgbClr val="FFFFFF"/>
+                </a:solidFill>
+              </a14:hiddenFill>
+            </a:ext>
+          </a:extLst>
+        </p:spPr>
+      </p:pic>
+      <p:sp>
+        <p:nvSpPr>
+          <p:cNvPr id="4" name="TextBox 3">
+            <a:extLst>
+              <a:ext uri="{FF2B5EF4-FFF2-40B4-BE49-F238E27FC236}">
+                <a16:creationId xmlns:a16="http://schemas.microsoft.com/office/drawing/2014/main" id="{03EE1029-9408-44CB-9BB6-A5022A74B820}"/>
+              </a:ext>
+            </a:extLst>
+          </p:cNvPr>
+          <p:cNvSpPr txBox="1"/>
+          <p:nvPr/>
+        </p:nvSpPr>
+        <p:spPr>
+          <a:xfrm>
+            <a:off x="838200" y="6231751"/>
+            <a:ext cx="10756900" cy="276999"/>
+          </a:xfrm>
+          <a:prstGeom prst="rect">
+            <a:avLst/>
+          </a:prstGeom>
+          <a:noFill/>
+        </p:spPr>
+        <p:txBody>
+          <a:bodyPr wrap="square" rtlCol="0">
+            <a:spAutoFit/>
+          </a:bodyPr>
+          <a:lstStyle/>
+          <a:p>
+            <a:r>
+              <a:rPr lang="en-AU" sz="1200" dirty="0">
+                <a:latin typeface="Roboto Light" panose="02000000000000000000" pitchFamily="2" charset="0"/>
+                <a:ea typeface="Roboto Light" panose="02000000000000000000" pitchFamily="2" charset="0"/>
+              </a:rPr>
+              <a:t>https://towardsdatascience.com/types-of-machine-learning-algorithms-you-should-know-953a08248861</a:t>
+            </a:r>
           </a:p>
         </p:txBody>
       </p:sp>
     </p:spTree>
     <p:extLst>
       <p:ext uri="{BB962C8B-B14F-4D97-AF65-F5344CB8AC3E}">
-        <p14:creationId xmlns:p14="http://schemas.microsoft.com/office/powerpoint/2010/main" val="2245684248"/>
+        <p14:creationId xmlns:p14="http://schemas.microsoft.com/office/powerpoint/2010/main" val="3154817447"/>
       </p:ext>
     </p:extLst>
   </p:cSld>

--- a/Problem Formulation & EDA.pptx
+++ b/Problem Formulation & EDA.pptx
@@ -5,7 +5,7 @@
     <p:sldMasterId id="2147483648" r:id="rId1"/>
   </p:sldMasterIdLst>
   <p:notesMasterIdLst>
-    <p:notesMasterId r:id="rId19"/>
+    <p:notesMasterId r:id="rId20"/>
   </p:notesMasterIdLst>
   <p:sldIdLst>
     <p:sldId id="256" r:id="rId2"/>
@@ -25,6 +25,7 @@
     <p:sldId id="270" r:id="rId16"/>
     <p:sldId id="271" r:id="rId17"/>
     <p:sldId id="264" r:id="rId18"/>
+    <p:sldId id="278" r:id="rId19"/>
   </p:sldIdLst>
   <p:sldSz cx="12192000" cy="6858000"/>
   <p:notesSz cx="6858000" cy="9144000"/>
@@ -5730,7 +5731,7 @@
           <a:lstStyle/>
           <a:p>
             <a:r>
-              <a:rPr lang="en-AU" dirty="0">
+              <a:rPr lang="en-AU" b="1" dirty="0">
                 <a:latin typeface="Roboto" panose="02000000000000000000" pitchFamily="2" charset="0"/>
                 <a:ea typeface="Roboto" panose="02000000000000000000" pitchFamily="2" charset="0"/>
               </a:rPr>
@@ -5927,7 +5928,7 @@
           <a:lstStyle/>
           <a:p>
             <a:r>
-              <a:rPr lang="en-AU" dirty="0">
+              <a:rPr lang="en-AU" b="1" dirty="0">
                 <a:latin typeface="Roboto" panose="02000000000000000000" pitchFamily="2" charset="0"/>
                 <a:ea typeface="Roboto" panose="02000000000000000000" pitchFamily="2" charset="0"/>
               </a:rPr>
@@ -6085,7 +6086,7 @@
           <a:lstStyle/>
           <a:p>
             <a:r>
-              <a:rPr lang="en-AU" dirty="0">
+              <a:rPr lang="en-AU" b="1" dirty="0">
                 <a:latin typeface="Roboto" panose="02000000000000000000" pitchFamily="2" charset="0"/>
                 <a:ea typeface="Roboto" panose="02000000000000000000" pitchFamily="2" charset="0"/>
               </a:rPr>
@@ -6398,7 +6399,7 @@
           <a:lstStyle/>
           <a:p>
             <a:r>
-              <a:rPr lang="en-AU" dirty="0">
+              <a:rPr lang="en-AU" b="1" dirty="0">
                 <a:latin typeface="Roboto" panose="02000000000000000000" pitchFamily="2" charset="0"/>
                 <a:ea typeface="Roboto" panose="02000000000000000000" pitchFamily="2" charset="0"/>
               </a:rPr>
@@ -6426,7 +6427,7 @@
         <p:spPr/>
         <p:txBody>
           <a:bodyPr>
-            <a:normAutofit fontScale="85000" lnSpcReduction="20000"/>
+            <a:normAutofit lnSpcReduction="10000"/>
           </a:bodyPr>
           <a:lstStyle/>
           <a:p>
@@ -6435,41 +6436,55 @@
                 <a:latin typeface="Roboto" panose="02000000000000000000" pitchFamily="2" charset="0"/>
                 <a:ea typeface="Roboto" panose="02000000000000000000" pitchFamily="2" charset="0"/>
               </a:rPr>
+              <a:t>Toolset</a:t>
+            </a:r>
+          </a:p>
+          <a:p>
+            <a:pPr lvl="2"/>
+            <a:r>
+              <a:rPr lang="en-AU" sz="1900" dirty="0">
+                <a:latin typeface="Roboto Light" panose="02000000000000000000" pitchFamily="2" charset="0"/>
+                <a:ea typeface="Roboto Light" panose="02000000000000000000" pitchFamily="2" charset="0"/>
+              </a:rPr>
               <a:t>.describe()</a:t>
             </a:r>
           </a:p>
           <a:p>
-            <a:r>
-              <a:rPr lang="en-AU" sz="3000" b="1" dirty="0">
-                <a:latin typeface="Roboto" panose="02000000000000000000" pitchFamily="2" charset="0"/>
-                <a:ea typeface="Roboto" panose="02000000000000000000" pitchFamily="2" charset="0"/>
+            <a:pPr lvl="2"/>
+            <a:r>
+              <a:rPr lang="en-AU" sz="1900" dirty="0">
+                <a:latin typeface="Roboto Light" panose="02000000000000000000" pitchFamily="2" charset="0"/>
+                <a:ea typeface="Roboto Light" panose="02000000000000000000" pitchFamily="2" charset="0"/>
               </a:rPr>
               <a:t>UDFs</a:t>
             </a:r>
           </a:p>
           <a:p>
-            <a:r>
-              <a:rPr lang="en-AU" sz="3000" b="1" dirty="0">
-                <a:latin typeface="Roboto" panose="02000000000000000000" pitchFamily="2" charset="0"/>
-                <a:ea typeface="Roboto" panose="02000000000000000000" pitchFamily="2" charset="0"/>
+            <a:pPr lvl="2"/>
+            <a:r>
+              <a:rPr lang="en-AU" sz="1900" dirty="0">
+                <a:latin typeface="Roboto Light" panose="02000000000000000000" pitchFamily="2" charset="0"/>
+                <a:ea typeface="Roboto Light" panose="02000000000000000000" pitchFamily="2" charset="0"/>
               </a:rPr>
               <a:t>Histograms/KDE</a:t>
             </a:r>
           </a:p>
           <a:p>
-            <a:r>
-              <a:rPr lang="en-AU" sz="3000" b="1" dirty="0">
-                <a:latin typeface="Roboto" panose="02000000000000000000" pitchFamily="2" charset="0"/>
-                <a:ea typeface="Roboto" panose="02000000000000000000" pitchFamily="2" charset="0"/>
+            <a:pPr lvl="2"/>
+            <a:r>
+              <a:rPr lang="en-AU" sz="1900" dirty="0">
+                <a:latin typeface="Roboto Light" panose="02000000000000000000" pitchFamily="2" charset="0"/>
+                <a:ea typeface="Roboto Light" panose="02000000000000000000" pitchFamily="2" charset="0"/>
               </a:rPr>
               <a:t>Scatter matrix</a:t>
             </a:r>
           </a:p>
           <a:p>
-            <a:r>
-              <a:rPr lang="en-AU" sz="3000" b="1" dirty="0">
-                <a:latin typeface="Roboto" panose="02000000000000000000" pitchFamily="2" charset="0"/>
-                <a:ea typeface="Roboto" panose="02000000000000000000" pitchFamily="2" charset="0"/>
+            <a:pPr lvl="2"/>
+            <a:r>
+              <a:rPr lang="en-AU" sz="1900" dirty="0">
+                <a:latin typeface="Roboto Light" panose="02000000000000000000" pitchFamily="2" charset="0"/>
+                <a:ea typeface="Roboto Light" panose="02000000000000000000" pitchFamily="2" charset="0"/>
               </a:rPr>
               <a:t>Correlation (Pearson, Kendall, Spearman)</a:t>
             </a:r>
@@ -6478,12 +6493,6 @@
             <a:pPr marL="0" indent="0">
               <a:buNone/>
             </a:pPr>
-            <a:endParaRPr lang="en-AU" sz="3000" b="1" dirty="0">
-              <a:latin typeface="Roboto" panose="02000000000000000000" pitchFamily="2" charset="0"/>
-              <a:ea typeface="Roboto" panose="02000000000000000000" pitchFamily="2" charset="0"/>
-            </a:endParaRPr>
-          </a:p>
-          <a:p>
             <a:endParaRPr lang="en-AU" sz="3000" b="1" dirty="0">
               <a:latin typeface="Roboto" panose="02000000000000000000" pitchFamily="2" charset="0"/>
               <a:ea typeface="Roboto" panose="02000000000000000000" pitchFamily="2" charset="0"/>
@@ -6595,21 +6604,21 @@
           <a:lstStyle/>
           <a:p>
             <a:r>
-              <a:rPr lang="en-AU" dirty="0">
+              <a:rPr lang="en-AU" b="1" dirty="0">
                 <a:latin typeface="Roboto" panose="02000000000000000000" pitchFamily="2" charset="0"/>
                 <a:ea typeface="Roboto" panose="02000000000000000000" pitchFamily="2" charset="0"/>
               </a:rPr>
               <a:t>Example: Travel insurance </a:t>
             </a:r>
             <a:r>
-              <a:rPr lang="en-AU" dirty="0">
+              <a:rPr lang="en-AU" b="1" dirty="0">
                 <a:latin typeface="Roboto" panose="02000000000000000000" pitchFamily="2" charset="0"/>
                 <a:ea typeface="Roboto" panose="02000000000000000000" pitchFamily="2" charset="0"/>
                 <a:hlinkClick r:id="rId3"/>
               </a:rPr>
               <a:t>dataset</a:t>
             </a:r>
-            <a:endParaRPr lang="en-AU" dirty="0">
+            <a:endParaRPr lang="en-AU" b="1" dirty="0">
               <a:latin typeface="Roboto" panose="02000000000000000000" pitchFamily="2" charset="0"/>
               <a:ea typeface="Roboto" panose="02000000000000000000" pitchFamily="2" charset="0"/>
             </a:endParaRPr>
@@ -6855,7 +6864,7 @@
           <a:lstStyle/>
           <a:p>
             <a:r>
-              <a:rPr lang="en-AU" dirty="0">
+              <a:rPr lang="en-AU" b="1" dirty="0">
                 <a:latin typeface="Roboto" panose="02000000000000000000" pitchFamily="2" charset="0"/>
                 <a:ea typeface="Roboto" panose="02000000000000000000" pitchFamily="2" charset="0"/>
               </a:rPr>
@@ -6916,7 +6925,10 @@
           <a:lstStyle/>
           <a:p>
             <a:r>
-              <a:rPr lang="en-AU" dirty="0"/>
+              <a:rPr lang="en-AU" b="1" dirty="0">
+                <a:latin typeface="Roboto" panose="02000000000000000000" pitchFamily="2" charset="0"/>
+                <a:ea typeface="Roboto" panose="02000000000000000000" pitchFamily="2" charset="0"/>
+              </a:rPr>
               <a:t>EDA Summary</a:t>
             </a:r>
           </a:p>
@@ -7004,7 +7016,10 @@
           <a:lstStyle/>
           <a:p>
             <a:r>
-              <a:rPr lang="en-AU" dirty="0"/>
+              <a:rPr lang="en-AU" b="1" dirty="0">
+                <a:latin typeface="Roboto" panose="02000000000000000000" pitchFamily="2" charset="0"/>
+                <a:ea typeface="Roboto" panose="02000000000000000000" pitchFamily="2" charset="0"/>
+              </a:rPr>
               <a:t>Summary</a:t>
             </a:r>
           </a:p>
@@ -7024,8 +7039,8 @@
         </p:nvSpPr>
         <p:spPr>
           <a:xfrm>
-            <a:off x="838200" y="3762375"/>
-            <a:ext cx="10306050" cy="369332"/>
+            <a:off x="838200" y="3237940"/>
+            <a:ext cx="11049000" cy="369332"/>
           </a:xfrm>
           <a:prstGeom prst="rect">
             <a:avLst/>
@@ -7039,8 +7054,123 @@
           <a:lstStyle/>
           <a:p>
             <a:r>
-              <a:rPr lang="en-AU" dirty="0"/>
-              <a:t>Define problem -&gt; collect -&gt; clean -&gt; EDA -&gt; feature engineer -&gt; model -&gt; validate/test -&gt; present -&gt; monitor</a:t>
+              <a:rPr lang="en-AU" b="1" dirty="0">
+                <a:latin typeface="Roboto" panose="02000000000000000000" pitchFamily="2" charset="0"/>
+                <a:ea typeface="Roboto" panose="02000000000000000000" pitchFamily="2" charset="0"/>
+              </a:rPr>
+              <a:t>Define problem </a:t>
+            </a:r>
+            <a:r>
+              <a:rPr lang="en-AU" dirty="0">
+                <a:latin typeface="Roboto" panose="02000000000000000000" pitchFamily="2" charset="0"/>
+                <a:ea typeface="Roboto" panose="02000000000000000000" pitchFamily="2" charset="0"/>
+              </a:rPr>
+              <a:t>-&gt; </a:t>
+            </a:r>
+            <a:r>
+              <a:rPr lang="en-AU" b="1" dirty="0">
+                <a:latin typeface="Roboto" panose="02000000000000000000" pitchFamily="2" charset="0"/>
+                <a:ea typeface="Roboto" panose="02000000000000000000" pitchFamily="2" charset="0"/>
+              </a:rPr>
+              <a:t>collect</a:t>
+            </a:r>
+            <a:r>
+              <a:rPr lang="en-AU" dirty="0">
+                <a:latin typeface="Roboto" panose="02000000000000000000" pitchFamily="2" charset="0"/>
+                <a:ea typeface="Roboto" panose="02000000000000000000" pitchFamily="2" charset="0"/>
+              </a:rPr>
+              <a:t> -&gt; </a:t>
+            </a:r>
+            <a:r>
+              <a:rPr lang="en-AU" b="1" dirty="0">
+                <a:latin typeface="Roboto" panose="02000000000000000000" pitchFamily="2" charset="0"/>
+                <a:ea typeface="Roboto" panose="02000000000000000000" pitchFamily="2" charset="0"/>
+              </a:rPr>
+              <a:t>clean</a:t>
+            </a:r>
+            <a:r>
+              <a:rPr lang="en-AU" dirty="0">
+                <a:latin typeface="Roboto" panose="02000000000000000000" pitchFamily="2" charset="0"/>
+                <a:ea typeface="Roboto" panose="02000000000000000000" pitchFamily="2" charset="0"/>
+              </a:rPr>
+              <a:t> -&gt; </a:t>
+            </a:r>
+            <a:r>
+              <a:rPr lang="en-AU" b="1" dirty="0">
+                <a:latin typeface="Roboto" panose="02000000000000000000" pitchFamily="2" charset="0"/>
+                <a:ea typeface="Roboto" panose="02000000000000000000" pitchFamily="2" charset="0"/>
+              </a:rPr>
+              <a:t>EDA</a:t>
+            </a:r>
+            <a:r>
+              <a:rPr lang="en-AU" dirty="0">
+                <a:latin typeface="Roboto" panose="02000000000000000000" pitchFamily="2" charset="0"/>
+                <a:ea typeface="Roboto" panose="02000000000000000000" pitchFamily="2" charset="0"/>
+              </a:rPr>
+              <a:t> -&gt; </a:t>
+            </a:r>
+            <a:r>
+              <a:rPr lang="en-AU" b="1" dirty="0">
+                <a:latin typeface="Roboto" panose="02000000000000000000" pitchFamily="2" charset="0"/>
+                <a:ea typeface="Roboto" panose="02000000000000000000" pitchFamily="2" charset="0"/>
+              </a:rPr>
+              <a:t>feature engineer </a:t>
+            </a:r>
+            <a:r>
+              <a:rPr lang="en-AU" dirty="0">
+                <a:latin typeface="Roboto" panose="02000000000000000000" pitchFamily="2" charset="0"/>
+                <a:ea typeface="Roboto" panose="02000000000000000000" pitchFamily="2" charset="0"/>
+              </a:rPr>
+              <a:t>-&gt; </a:t>
+            </a:r>
+            <a:r>
+              <a:rPr lang="en-AU" b="1" dirty="0">
+                <a:latin typeface="Roboto" panose="02000000000000000000" pitchFamily="2" charset="0"/>
+                <a:ea typeface="Roboto" panose="02000000000000000000" pitchFamily="2" charset="0"/>
+              </a:rPr>
+              <a:t>model</a:t>
+            </a:r>
+            <a:r>
+              <a:rPr lang="en-AU" dirty="0">
+                <a:latin typeface="Roboto" panose="02000000000000000000" pitchFamily="2" charset="0"/>
+                <a:ea typeface="Roboto" panose="02000000000000000000" pitchFamily="2" charset="0"/>
+              </a:rPr>
+              <a:t> -&gt; </a:t>
+            </a:r>
+            <a:r>
+              <a:rPr lang="en-AU" b="1" dirty="0">
+                <a:latin typeface="Roboto" panose="02000000000000000000" pitchFamily="2" charset="0"/>
+                <a:ea typeface="Roboto" panose="02000000000000000000" pitchFamily="2" charset="0"/>
+              </a:rPr>
+              <a:t>validate/test </a:t>
+            </a:r>
+            <a:r>
+              <a:rPr lang="en-AU" dirty="0">
+                <a:latin typeface="Roboto" panose="02000000000000000000" pitchFamily="2" charset="0"/>
+                <a:ea typeface="Roboto" panose="02000000000000000000" pitchFamily="2" charset="0"/>
+              </a:rPr>
+              <a:t>-&gt; </a:t>
+            </a:r>
+            <a:r>
+              <a:rPr lang="en-AU" b="1" dirty="0">
+                <a:latin typeface="Roboto" panose="02000000000000000000" pitchFamily="2" charset="0"/>
+                <a:ea typeface="Roboto" panose="02000000000000000000" pitchFamily="2" charset="0"/>
+              </a:rPr>
+              <a:t>present</a:t>
+            </a:r>
+            <a:r>
+              <a:rPr lang="en-AU" dirty="0">
+                <a:latin typeface="Roboto" panose="02000000000000000000" pitchFamily="2" charset="0"/>
+                <a:ea typeface="Roboto" panose="02000000000000000000" pitchFamily="2" charset="0"/>
+              </a:rPr>
+              <a:t> -&gt; </a:t>
+            </a:r>
+            <a:r>
+              <a:rPr lang="en-AU" b="1" dirty="0">
+                <a:latin typeface="Roboto" panose="02000000000000000000" pitchFamily="2" charset="0"/>
+                <a:ea typeface="Roboto" panose="02000000000000000000" pitchFamily="2" charset="0"/>
+              </a:rPr>
+              <a:t>monitor</a:t>
             </a:r>
           </a:p>
         </p:txBody>
@@ -7059,8 +7189,108 @@
         </p:nvSpPr>
         <p:spPr>
           <a:xfrm>
-            <a:off x="1685925" y="4357687"/>
-            <a:ext cx="5629275" cy="1099583"/>
+            <a:off x="1685925" y="3833252"/>
+            <a:ext cx="6162675" cy="1099583"/>
+          </a:xfrm>
+          <a:prstGeom prst="curvedUpArrow">
+            <a:avLst/>
+          </a:prstGeom>
+          <a:ln>
+            <a:noFill/>
+          </a:ln>
+        </p:spPr>
+        <p:style>
+          <a:lnRef idx="2">
+            <a:schemeClr val="accent1">
+              <a:shade val="50000"/>
+            </a:schemeClr>
+          </a:lnRef>
+          <a:fillRef idx="1">
+            <a:schemeClr val="accent1"/>
+          </a:fillRef>
+          <a:effectRef idx="0">
+            <a:schemeClr val="accent1"/>
+          </a:effectRef>
+          <a:fontRef idx="minor">
+            <a:schemeClr val="lt1"/>
+          </a:fontRef>
+        </p:style>
+        <p:txBody>
+          <a:bodyPr rtlCol="0" anchor="ctr"/>
+          <a:lstStyle/>
+          <a:p>
+            <a:pPr algn="ctr"/>
+            <a:endParaRPr lang="en-AU" dirty="0">
+              <a:solidFill>
+                <a:schemeClr val="tx1"/>
+              </a:solidFill>
+            </a:endParaRPr>
+          </a:p>
+        </p:txBody>
+      </p:sp>
+      <p:sp>
+        <p:nvSpPr>
+          <p:cNvPr id="18" name="TextBox 17">
+            <a:extLst>
+              <a:ext uri="{FF2B5EF4-FFF2-40B4-BE49-F238E27FC236}">
+                <a16:creationId xmlns:a16="http://schemas.microsoft.com/office/drawing/2014/main" id="{D9FD5A2C-31E0-4B72-940F-CF0E8C16EF33}"/>
+              </a:ext>
+            </a:extLst>
+          </p:cNvPr>
+          <p:cNvSpPr txBox="1"/>
+          <p:nvPr/>
+        </p:nvSpPr>
+        <p:spPr>
+          <a:xfrm>
+            <a:off x="5693569" y="4894128"/>
+            <a:ext cx="2471737" cy="646331"/>
+          </a:xfrm>
+          <a:prstGeom prst="rect">
+            <a:avLst/>
+          </a:prstGeom>
+          <a:noFill/>
+        </p:spPr>
+        <p:txBody>
+          <a:bodyPr wrap="square" rtlCol="0">
+            <a:spAutoFit/>
+          </a:bodyPr>
+          <a:lstStyle/>
+          <a:p>
+            <a:r>
+              <a:rPr lang="en-AU" dirty="0">
+                <a:latin typeface="Roboto Light" panose="02000000000000000000" pitchFamily="2" charset="0"/>
+                <a:ea typeface="Roboto Light" panose="02000000000000000000" pitchFamily="2" charset="0"/>
+              </a:rPr>
+              <a:t>Level of interpretability</a:t>
+            </a:r>
+          </a:p>
+          <a:p>
+            <a:r>
+              <a:rPr lang="en-AU" dirty="0">
+                <a:latin typeface="Roboto Light" panose="02000000000000000000" pitchFamily="2" charset="0"/>
+                <a:ea typeface="Roboto Light" panose="02000000000000000000" pitchFamily="2" charset="0"/>
+              </a:rPr>
+              <a:t>KPI thresholds</a:t>
+            </a:r>
+          </a:p>
+        </p:txBody>
+      </p:sp>
+      <p:sp>
+        <p:nvSpPr>
+          <p:cNvPr id="19" name="Arrow: Curved Up 18">
+            <a:extLst>
+              <a:ext uri="{FF2B5EF4-FFF2-40B4-BE49-F238E27FC236}">
+                <a16:creationId xmlns:a16="http://schemas.microsoft.com/office/drawing/2014/main" id="{5EF7A0CB-BA70-49FA-8F91-4075EDFD93B4}"/>
+              </a:ext>
+            </a:extLst>
+          </p:cNvPr>
+          <p:cNvSpPr/>
+          <p:nvPr/>
+        </p:nvSpPr>
+        <p:spPr>
+          <a:xfrm>
+            <a:off x="1685925" y="3833251"/>
+            <a:ext cx="3358515" cy="1099583"/>
           </a:xfrm>
           <a:prstGeom prst="curvedUpArrow">
             <a:avLst/>
@@ -7097,10 +7327,10 @@
       </p:sp>
       <p:sp>
         <p:nvSpPr>
-          <p:cNvPr id="18" name="TextBox 17">
-            <a:extLst>
-              <a:ext uri="{FF2B5EF4-FFF2-40B4-BE49-F238E27FC236}">
-                <a16:creationId xmlns:a16="http://schemas.microsoft.com/office/drawing/2014/main" id="{D9FD5A2C-31E0-4B72-940F-CF0E8C16EF33}"/>
+          <p:cNvPr id="20" name="TextBox 19">
+            <a:extLst>
+              <a:ext uri="{FF2B5EF4-FFF2-40B4-BE49-F238E27FC236}">
+                <a16:creationId xmlns:a16="http://schemas.microsoft.com/office/drawing/2014/main" id="{89E4B215-6A80-4FA2-9656-D17B7FDB9874}"/>
               </a:ext>
             </a:extLst>
           </p:cNvPr>
@@ -7109,8 +7339,8 @@
         </p:nvSpPr>
         <p:spPr>
           <a:xfrm>
-            <a:off x="4743450" y="5457269"/>
-            <a:ext cx="2471737" cy="646331"/>
+            <a:off x="4704080" y="1831107"/>
+            <a:ext cx="2271431" cy="923330"/>
           </a:xfrm>
           <a:prstGeom prst="rect">
             <a:avLst/>
@@ -7124,24 +7354,24 @@
           <a:lstStyle/>
           <a:p>
             <a:r>
-              <a:rPr lang="en-AU" dirty="0"/>
-              <a:t>Level of interpretability</a:t>
-            </a:r>
-          </a:p>
-          <a:p>
-            <a:r>
-              <a:rPr lang="en-AU" dirty="0"/>
-              <a:t>KPI thresholds</a:t>
-            </a:r>
-          </a:p>
-        </p:txBody>
-      </p:sp>
-      <p:sp>
-        <p:nvSpPr>
-          <p:cNvPr id="19" name="Arrow: Curved Up 18">
-            <a:extLst>
-              <a:ext uri="{FF2B5EF4-FFF2-40B4-BE49-F238E27FC236}">
-                <a16:creationId xmlns:a16="http://schemas.microsoft.com/office/drawing/2014/main" id="{5EF7A0CB-BA70-49FA-8F91-4075EDFD93B4}"/>
+              <a:rPr lang="en-AU" dirty="0">
+                <a:latin typeface="Roboto Light" panose="02000000000000000000" pitchFamily="2" charset="0"/>
+                <a:ea typeface="Roboto Light" panose="02000000000000000000" pitchFamily="2" charset="0"/>
+              </a:rPr>
+              <a:t>Follow up from 4 buckets</a:t>
+            </a:r>
+          </a:p>
+          <a:p>
+            <a:endParaRPr lang="en-AU" dirty="0"/>
+          </a:p>
+        </p:txBody>
+      </p:sp>
+      <p:sp>
+        <p:nvSpPr>
+          <p:cNvPr id="22" name="Arrow: U-Turn 21">
+            <a:extLst>
+              <a:ext uri="{FF2B5EF4-FFF2-40B4-BE49-F238E27FC236}">
+                <a16:creationId xmlns:a16="http://schemas.microsoft.com/office/drawing/2014/main" id="{3DEFA7E2-DB0C-43C0-8078-E4F04CD785D5}"/>
               </a:ext>
             </a:extLst>
           </p:cNvPr>
@@ -7150,12 +7380,18 @@
         </p:nvSpPr>
         <p:spPr>
           <a:xfrm>
-            <a:off x="1685925" y="4357686"/>
-            <a:ext cx="3057525" cy="1099583"/>
+            <a:off x="4704080" y="2571190"/>
+            <a:ext cx="1590040" cy="532716"/>
           </a:xfrm>
-          <a:prstGeom prst="curvedUpArrow">
+          <a:prstGeom prst="uturnArrow">
             <a:avLst/>
           </a:prstGeom>
+          <a:solidFill>
+            <a:schemeClr val="accent2"/>
+          </a:solidFill>
+          <a:ln>
+            <a:noFill/>
+          </a:ln>
         </p:spPr>
         <p:style>
           <a:lnRef idx="2">
@@ -7178,7 +7414,7 @@
           <a:lstStyle/>
           <a:p>
             <a:pPr algn="ctr"/>
-            <a:endParaRPr lang="en-AU" dirty="0">
+            <a:endParaRPr lang="en-AU">
               <a:solidFill>
                 <a:schemeClr val="tx1"/>
               </a:solidFill>
@@ -7188,62 +7424,30 @@
       </p:sp>
       <p:sp>
         <p:nvSpPr>
-          <p:cNvPr id="20" name="TextBox 19">
-            <a:extLst>
-              <a:ext uri="{FF2B5EF4-FFF2-40B4-BE49-F238E27FC236}">
-                <a16:creationId xmlns:a16="http://schemas.microsoft.com/office/drawing/2014/main" id="{89E4B215-6A80-4FA2-9656-D17B7FDB9874}"/>
-              </a:ext>
-            </a:extLst>
-          </p:cNvPr>
-          <p:cNvSpPr txBox="1"/>
+          <p:cNvPr id="23" name="Arrow: U-Turn 22">
+            <a:extLst>
+              <a:ext uri="{FF2B5EF4-FFF2-40B4-BE49-F238E27FC236}">
+                <a16:creationId xmlns:a16="http://schemas.microsoft.com/office/drawing/2014/main" id="{BFDF283E-F624-4516-A9BE-160867AF1F37}"/>
+              </a:ext>
+            </a:extLst>
+          </p:cNvPr>
+          <p:cNvSpPr/>
           <p:nvPr/>
         </p:nvSpPr>
         <p:spPr>
           <a:xfrm>
-            <a:off x="5304631" y="2638423"/>
-            <a:ext cx="1582737" cy="646331"/>
-          </a:xfrm>
-          <a:prstGeom prst="rect">
-            <a:avLst/>
-          </a:prstGeom>
-          <a:noFill/>
-        </p:spPr>
-        <p:txBody>
-          <a:bodyPr wrap="square" rtlCol="0">
-            <a:spAutoFit/>
-          </a:bodyPr>
-          <a:lstStyle/>
-          <a:p>
-            <a:r>
-              <a:rPr lang="en-AU" dirty="0"/>
-              <a:t>4 buckets</a:t>
-            </a:r>
-          </a:p>
-          <a:p>
-            <a:endParaRPr lang="en-AU" dirty="0"/>
-          </a:p>
-        </p:txBody>
-      </p:sp>
-      <p:sp>
-        <p:nvSpPr>
-          <p:cNvPr id="22" name="Arrow: U-Turn 21">
-            <a:extLst>
-              <a:ext uri="{FF2B5EF4-FFF2-40B4-BE49-F238E27FC236}">
-                <a16:creationId xmlns:a16="http://schemas.microsoft.com/office/drawing/2014/main" id="{3DEFA7E2-DB0C-43C0-8078-E4F04CD785D5}"/>
-              </a:ext>
-            </a:extLst>
-          </p:cNvPr>
-          <p:cNvSpPr/>
-          <p:nvPr/>
-        </p:nvSpPr>
-        <p:spPr>
-          <a:xfrm>
-            <a:off x="4500562" y="3095625"/>
-            <a:ext cx="1595438" cy="532716"/>
+            <a:off x="4704080" y="2571190"/>
+            <a:ext cx="5537200" cy="532716"/>
           </a:xfrm>
           <a:prstGeom prst="uturnArrow">
             <a:avLst/>
           </a:prstGeom>
+          <a:solidFill>
+            <a:schemeClr val="accent2"/>
+          </a:solidFill>
+          <a:ln>
+            <a:noFill/>
+          </a:ln>
         </p:spPr>
         <p:style>
           <a:lnRef idx="2">
@@ -7276,10 +7480,10 @@
       </p:sp>
       <p:sp>
         <p:nvSpPr>
-          <p:cNvPr id="23" name="Arrow: U-Turn 22">
-            <a:extLst>
-              <a:ext uri="{FF2B5EF4-FFF2-40B4-BE49-F238E27FC236}">
-                <a16:creationId xmlns:a16="http://schemas.microsoft.com/office/drawing/2014/main" id="{BFDF283E-F624-4516-A9BE-160867AF1F37}"/>
+          <p:cNvPr id="24" name="Arrow: U-Turn 23">
+            <a:extLst>
+              <a:ext uri="{FF2B5EF4-FFF2-40B4-BE49-F238E27FC236}">
+                <a16:creationId xmlns:a16="http://schemas.microsoft.com/office/drawing/2014/main" id="{C0196BFC-A169-4EA2-8F6A-7E6440E9B999}"/>
               </a:ext>
             </a:extLst>
           </p:cNvPr>
@@ -7288,12 +7492,18 @@
         </p:nvSpPr>
         <p:spPr>
           <a:xfrm>
-            <a:off x="4500562" y="3095625"/>
-            <a:ext cx="5157788" cy="532716"/>
+            <a:off x="4704080" y="2571189"/>
+            <a:ext cx="6609080" cy="532716"/>
           </a:xfrm>
           <a:prstGeom prst="uturnArrow">
             <a:avLst/>
           </a:prstGeom>
+          <a:solidFill>
+            <a:schemeClr val="accent2"/>
+          </a:solidFill>
+          <a:ln>
+            <a:noFill/>
+          </a:ln>
         </p:spPr>
         <p:style>
           <a:lnRef idx="2">
@@ -7326,10 +7536,48 @@
       </p:sp>
       <p:sp>
         <p:nvSpPr>
-          <p:cNvPr id="24" name="Arrow: U-Turn 23">
-            <a:extLst>
-              <a:ext uri="{FF2B5EF4-FFF2-40B4-BE49-F238E27FC236}">
-                <a16:creationId xmlns:a16="http://schemas.microsoft.com/office/drawing/2014/main" id="{C0196BFC-A169-4EA2-8F6A-7E6440E9B999}"/>
+          <p:cNvPr id="11" name="TextBox 10">
+            <a:extLst>
+              <a:ext uri="{FF2B5EF4-FFF2-40B4-BE49-F238E27FC236}">
+                <a16:creationId xmlns:a16="http://schemas.microsoft.com/office/drawing/2014/main" id="{25722446-E465-463A-BA49-461B0DFCF434}"/>
+              </a:ext>
+            </a:extLst>
+          </p:cNvPr>
+          <p:cNvSpPr txBox="1"/>
+          <p:nvPr/>
+        </p:nvSpPr>
+        <p:spPr>
+          <a:xfrm>
+            <a:off x="1152526" y="5032628"/>
+            <a:ext cx="2471737" cy="369332"/>
+          </a:xfrm>
+          <a:prstGeom prst="rect">
+            <a:avLst/>
+          </a:prstGeom>
+          <a:noFill/>
+        </p:spPr>
+        <p:txBody>
+          <a:bodyPr wrap="square" rtlCol="0">
+            <a:spAutoFit/>
+          </a:bodyPr>
+          <a:lstStyle/>
+          <a:p>
+            <a:r>
+              <a:rPr lang="en-AU" dirty="0">
+                <a:latin typeface="Roboto Light" panose="02000000000000000000" pitchFamily="2" charset="0"/>
+                <a:ea typeface="Roboto Light" panose="02000000000000000000" pitchFamily="2" charset="0"/>
+              </a:rPr>
+              <a:t>Time period slice</a:t>
+            </a:r>
+          </a:p>
+        </p:txBody>
+      </p:sp>
+      <p:sp>
+        <p:nvSpPr>
+          <p:cNvPr id="12" name="Arrow: U-Turn 11">
+            <a:extLst>
+              <a:ext uri="{FF2B5EF4-FFF2-40B4-BE49-F238E27FC236}">
+                <a16:creationId xmlns:a16="http://schemas.microsoft.com/office/drawing/2014/main" id="{520ECA5C-7088-4C2E-A815-57411C50E79C}"/>
               </a:ext>
             </a:extLst>
           </p:cNvPr>
@@ -7338,12 +7586,18 @@
         </p:nvSpPr>
         <p:spPr>
           <a:xfrm>
-            <a:off x="4500562" y="3095624"/>
-            <a:ext cx="6186488" cy="532716"/>
+            <a:off x="4704080" y="2571188"/>
+            <a:ext cx="2992120" cy="522506"/>
           </a:xfrm>
           <a:prstGeom prst="uturnArrow">
             <a:avLst/>
           </a:prstGeom>
+          <a:solidFill>
+            <a:schemeClr val="accent2"/>
+          </a:solidFill>
+          <a:ln>
+            <a:noFill/>
+          </a:ln>
         </p:spPr>
         <p:style>
           <a:lnRef idx="2">
@@ -7376,10 +7630,10 @@
       </p:sp>
       <p:sp>
         <p:nvSpPr>
-          <p:cNvPr id="11" name="TextBox 10">
-            <a:extLst>
-              <a:ext uri="{FF2B5EF4-FFF2-40B4-BE49-F238E27FC236}">
-                <a16:creationId xmlns:a16="http://schemas.microsoft.com/office/drawing/2014/main" id="{25722446-E465-463A-BA49-461B0DFCF434}"/>
+          <p:cNvPr id="13" name="TextBox 12">
+            <a:extLst>
+              <a:ext uri="{FF2B5EF4-FFF2-40B4-BE49-F238E27FC236}">
+                <a16:creationId xmlns:a16="http://schemas.microsoft.com/office/drawing/2014/main" id="{715C1833-F3A8-44CF-9287-3F9955BB51D6}"/>
               </a:ext>
             </a:extLst>
           </p:cNvPr>
@@ -7388,98 +7642,16 @@
         </p:nvSpPr>
         <p:spPr>
           <a:xfrm>
-            <a:off x="1152526" y="5557063"/>
-            <a:ext cx="2471737" cy="369332"/>
-          </a:xfrm>
-          <a:prstGeom prst="rect">
-            <a:avLst/>
-          </a:prstGeom>
-          <a:noFill/>
-        </p:spPr>
-        <p:txBody>
-          <a:bodyPr wrap="square" rtlCol="0">
-            <a:spAutoFit/>
-          </a:bodyPr>
-          <a:lstStyle/>
-          <a:p>
-            <a:r>
-              <a:rPr lang="en-AU" dirty="0"/>
-              <a:t>Time period slice</a:t>
-            </a:r>
-          </a:p>
-        </p:txBody>
-      </p:sp>
-      <p:sp>
-        <p:nvSpPr>
-          <p:cNvPr id="12" name="Arrow: U-Turn 11">
-            <a:extLst>
-              <a:ext uri="{FF2B5EF4-FFF2-40B4-BE49-F238E27FC236}">
-                <a16:creationId xmlns:a16="http://schemas.microsoft.com/office/drawing/2014/main" id="{520ECA5C-7088-4C2E-A815-57411C50E79C}"/>
-              </a:ext>
-            </a:extLst>
-          </p:cNvPr>
-          <p:cNvSpPr/>
-          <p:nvPr/>
-        </p:nvSpPr>
-        <p:spPr>
-          <a:xfrm>
-            <a:off x="4500562" y="3085413"/>
-            <a:ext cx="2662238" cy="532716"/>
-          </a:xfrm>
-          <a:prstGeom prst="uturnArrow">
-            <a:avLst/>
-          </a:prstGeom>
-        </p:spPr>
-        <p:style>
-          <a:lnRef idx="2">
-            <a:schemeClr val="accent1">
-              <a:shade val="50000"/>
-            </a:schemeClr>
-          </a:lnRef>
-          <a:fillRef idx="1">
-            <a:schemeClr val="accent1"/>
-          </a:fillRef>
-          <a:effectRef idx="0">
-            <a:schemeClr val="accent1"/>
-          </a:effectRef>
-          <a:fontRef idx="minor">
-            <a:schemeClr val="lt1"/>
-          </a:fontRef>
-        </p:style>
-        <p:txBody>
-          <a:bodyPr rtlCol="0" anchor="ctr"/>
-          <a:lstStyle/>
-          <a:p>
-            <a:pPr algn="ctr"/>
-            <a:endParaRPr lang="en-AU">
-              <a:solidFill>
-                <a:schemeClr val="tx1"/>
-              </a:solidFill>
-            </a:endParaRPr>
-          </a:p>
-        </p:txBody>
-      </p:sp>
-      <p:sp>
-        <p:nvSpPr>
-          <p:cNvPr id="13" name="TextBox 12">
-            <a:extLst>
-              <a:ext uri="{FF2B5EF4-FFF2-40B4-BE49-F238E27FC236}">
-                <a16:creationId xmlns:a16="http://schemas.microsoft.com/office/drawing/2014/main" id="{715C1833-F3A8-44CF-9287-3F9955BB51D6}"/>
-              </a:ext>
-            </a:extLst>
-          </p:cNvPr>
-          <p:cNvSpPr txBox="1"/>
-          <p:nvPr/>
-        </p:nvSpPr>
-        <p:spPr>
-          <a:xfrm>
-            <a:off x="6610350" y="2428441"/>
+            <a:off x="6748182" y="1821689"/>
             <a:ext cx="3048000" cy="923330"/>
           </a:xfrm>
           <a:prstGeom prst="rect">
             <a:avLst/>
           </a:prstGeom>
           <a:noFill/>
+          <a:ln>
+            <a:noFill/>
+          </a:ln>
         </p:spPr>
         <p:txBody>
           <a:bodyPr wrap="square" rtlCol="0">
@@ -7488,8 +7660,25 @@
           <a:lstStyle/>
           <a:p>
             <a:r>
-              <a:rPr lang="en-AU" dirty="0"/>
-              <a:t>Class imbalance, evidence of parametric fit</a:t>
+              <a:rPr lang="en-AU" dirty="0">
+                <a:latin typeface="Roboto Light" panose="02000000000000000000" pitchFamily="2" charset="0"/>
+                <a:ea typeface="Roboto Light" panose="02000000000000000000" pitchFamily="2" charset="0"/>
+              </a:rPr>
+              <a:t>Class imbalance, evidence of parametric fit </a:t>
+            </a:r>
+            <a:r>
+              <a:rPr lang="en-AU" dirty="0" err="1">
+                <a:latin typeface="Roboto Light" panose="02000000000000000000" pitchFamily="2" charset="0"/>
+                <a:ea typeface="Roboto Light" panose="02000000000000000000" pitchFamily="2" charset="0"/>
+              </a:rPr>
+              <a:t>ect</a:t>
+            </a:r>
+            <a:r>
+              <a:rPr lang="en-AU" dirty="0">
+                <a:latin typeface="Roboto Light" panose="02000000000000000000" pitchFamily="2" charset="0"/>
+                <a:ea typeface="Roboto Light" panose="02000000000000000000" pitchFamily="2" charset="0"/>
+              </a:rPr>
+              <a:t>.</a:t>
             </a:r>
           </a:p>
           <a:p>
@@ -7501,6 +7690,72 @@
     <p:extLst>
       <p:ext uri="{BB962C8B-B14F-4D97-AF65-F5344CB8AC3E}">
         <p14:creationId xmlns:p14="http://schemas.microsoft.com/office/powerpoint/2010/main" val="2791687609"/>
+      </p:ext>
+    </p:extLst>
+  </p:cSld>
+  <p:clrMapOvr>
+    <a:masterClrMapping/>
+  </p:clrMapOvr>
+</p:sld>
+</file>
+
+<file path=ppt/slides/slide18.xml><?xml version="1.0" encoding="utf-8"?>
+<p:sld xmlns:a="http://schemas.openxmlformats.org/drawingml/2006/main" xmlns:r="http://schemas.openxmlformats.org/officeDocument/2006/relationships" xmlns:p="http://schemas.openxmlformats.org/presentationml/2006/main">
+  <p:cSld>
+    <p:spTree>
+      <p:nvGrpSpPr>
+        <p:cNvPr id="1" name=""/>
+        <p:cNvGrpSpPr/>
+        <p:nvPr/>
+      </p:nvGrpSpPr>
+      <p:grpSpPr>
+        <a:xfrm>
+          <a:off x="0" y="0"/>
+          <a:ext cx="0" cy="0"/>
+          <a:chOff x="0" y="0"/>
+          <a:chExt cx="0" cy="0"/>
+        </a:xfrm>
+      </p:grpSpPr>
+      <p:sp>
+        <p:nvSpPr>
+          <p:cNvPr id="4" name="Title 1">
+            <a:extLst>
+              <a:ext uri="{FF2B5EF4-FFF2-40B4-BE49-F238E27FC236}">
+                <a16:creationId xmlns:a16="http://schemas.microsoft.com/office/drawing/2014/main" id="{7B153C2D-7004-4D75-A94D-03B87103468E}"/>
+              </a:ext>
+            </a:extLst>
+          </p:cNvPr>
+          <p:cNvSpPr>
+            <a:spLocks noGrp="1"/>
+          </p:cNvSpPr>
+          <p:nvPr>
+            <p:ph type="title"/>
+          </p:nvPr>
+        </p:nvSpPr>
+        <p:spPr>
+          <a:xfrm>
+            <a:off x="4437529" y="2766218"/>
+            <a:ext cx="3724835" cy="1325563"/>
+          </a:xfrm>
+        </p:spPr>
+        <p:txBody>
+          <a:bodyPr/>
+          <a:lstStyle/>
+          <a:p>
+            <a:r>
+              <a:rPr lang="en-AU" b="1" dirty="0">
+                <a:latin typeface="Roboto" panose="02000000000000000000" pitchFamily="2" charset="0"/>
+                <a:ea typeface="Roboto" panose="02000000000000000000" pitchFamily="2" charset="0"/>
+              </a:rPr>
+              <a:t>THANK YOU</a:t>
+            </a:r>
+          </a:p>
+        </p:txBody>
+      </p:sp>
+    </p:spTree>
+    <p:extLst>
+      <p:ext uri="{BB962C8B-B14F-4D97-AF65-F5344CB8AC3E}">
+        <p14:creationId xmlns:p14="http://schemas.microsoft.com/office/powerpoint/2010/main" val="4262394880"/>
       </p:ext>
     </p:extLst>
   </p:cSld>
@@ -7549,7 +7804,7 @@
           <a:lstStyle/>
           <a:p>
             <a:r>
-              <a:rPr lang="en-AU" dirty="0">
+              <a:rPr lang="en-AU" b="1" dirty="0">
                 <a:latin typeface="Roboto" panose="02000000000000000000" pitchFamily="2" charset="0"/>
                 <a:ea typeface="Roboto" panose="02000000000000000000" pitchFamily="2" charset="0"/>
               </a:rPr>
@@ -7736,7 +7991,7 @@
           <a:lstStyle/>
           <a:p>
             <a:r>
-              <a:rPr lang="en-AU" dirty="0">
+              <a:rPr lang="en-AU" b="1" dirty="0">
                 <a:latin typeface="Roboto" panose="02000000000000000000" pitchFamily="2" charset="0"/>
                 <a:ea typeface="Roboto" panose="02000000000000000000" pitchFamily="2" charset="0"/>
               </a:rPr>
@@ -8061,7 +8316,7 @@
           <a:lstStyle/>
           <a:p>
             <a:r>
-              <a:rPr lang="en-AU" dirty="0">
+              <a:rPr lang="en-AU" b="1" dirty="0">
                 <a:latin typeface="Roboto" panose="02000000000000000000" pitchFamily="2" charset="0"/>
                 <a:ea typeface="Roboto" panose="02000000000000000000" pitchFamily="2" charset="0"/>
               </a:rPr>
@@ -8239,7 +8494,7 @@
           <a:lstStyle/>
           <a:p>
             <a:r>
-              <a:rPr lang="en-AU" dirty="0">
+              <a:rPr lang="en-AU" b="1" dirty="0">
                 <a:latin typeface="Roboto" panose="02000000000000000000" pitchFamily="2" charset="0"/>
                 <a:ea typeface="Roboto" panose="02000000000000000000" pitchFamily="2" charset="0"/>
               </a:rPr>
@@ -8373,7 +8628,7 @@
           <a:lstStyle/>
           <a:p>
             <a:r>
-              <a:rPr lang="en-AU" dirty="0">
+              <a:rPr lang="en-AU" b="1" dirty="0">
                 <a:latin typeface="Roboto" panose="02000000000000000000" pitchFamily="2" charset="0"/>
                 <a:ea typeface="Roboto" panose="02000000000000000000" pitchFamily="2" charset="0"/>
               </a:rPr>
@@ -8537,13 +8792,13 @@
           <a:lstStyle/>
           <a:p>
             <a:r>
-              <a:rPr lang="en-AU" dirty="0">
+              <a:rPr lang="en-AU" b="1" dirty="0">
                 <a:latin typeface="Roboto" panose="02000000000000000000" pitchFamily="2" charset="0"/>
                 <a:ea typeface="Roboto" panose="02000000000000000000" pitchFamily="2" charset="0"/>
               </a:rPr>
               <a:t>The 1-liner statement</a:t>
             </a:r>
-            <a:endParaRPr lang="en-AU" dirty="0"/>
+            <a:endParaRPr lang="en-AU" b="1" dirty="0"/>
           </a:p>
         </p:txBody>
       </p:sp>
@@ -9043,7 +9298,7 @@
           <a:lstStyle/>
           <a:p>
             <a:r>
-              <a:rPr lang="en-AU" dirty="0">
+              <a:rPr lang="en-AU" b="1" dirty="0">
                 <a:latin typeface="Roboto" panose="02000000000000000000" pitchFamily="2" charset="0"/>
                 <a:ea typeface="Roboto" panose="02000000000000000000" pitchFamily="2" charset="0"/>
               </a:rPr>
@@ -9681,7 +9936,7 @@
           <a:lstStyle/>
           <a:p>
             <a:r>
-              <a:rPr lang="en-AU" dirty="0">
+              <a:rPr lang="en-AU" b="1" dirty="0">
                 <a:latin typeface="Roboto" panose="02000000000000000000" pitchFamily="2" charset="0"/>
                 <a:ea typeface="Roboto" panose="02000000000000000000" pitchFamily="2" charset="0"/>
               </a:rPr>

--- a/Problem Formulation & EDA.pptx
+++ b/Problem Formulation & EDA.pptx
@@ -137,12 +137,12 @@
   <pc:docChgLst>
     <pc:chgData name="Jonathan Tan" userId="857367a7-879e-4e19-86ac-1880d4642e3c" providerId="ADAL" clId="{4F4A7EE7-ED1A-4BB8-B90A-17AB4A4179EB}"/>
     <pc:docChg chg="undo custSel addSld delSld modSld">
-      <pc:chgData name="Jonathan Tan" userId="857367a7-879e-4e19-86ac-1880d4642e3c" providerId="ADAL" clId="{4F4A7EE7-ED1A-4BB8-B90A-17AB4A4179EB}" dt="2021-08-11T10:58:33.875" v="4561" actId="1076"/>
+      <pc:chgData name="Jonathan Tan" userId="857367a7-879e-4e19-86ac-1880d4642e3c" providerId="ADAL" clId="{4F4A7EE7-ED1A-4BB8-B90A-17AB4A4179EB}" dt="2021-08-11T23:24:33.376" v="4589" actId="20577"/>
       <pc:docMkLst>
         <pc:docMk/>
       </pc:docMkLst>
       <pc:sldChg chg="addSp modSp mod">
-        <pc:chgData name="Jonathan Tan" userId="857367a7-879e-4e19-86ac-1880d4642e3c" providerId="ADAL" clId="{4F4A7EE7-ED1A-4BB8-B90A-17AB4A4179EB}" dt="2021-08-11T02:38:16.915" v="88" actId="20577"/>
+        <pc:chgData name="Jonathan Tan" userId="857367a7-879e-4e19-86ac-1880d4642e3c" providerId="ADAL" clId="{4F4A7EE7-ED1A-4BB8-B90A-17AB4A4179EB}" dt="2021-08-11T23:22:00.791" v="4588" actId="20577"/>
         <pc:sldMkLst>
           <pc:docMk/>
           <pc:sldMk cId="1638485863" sldId="256"/>
@@ -156,7 +156,7 @@
           </ac:spMkLst>
         </pc:spChg>
         <pc:spChg chg="add mod">
-          <ac:chgData name="Jonathan Tan" userId="857367a7-879e-4e19-86ac-1880d4642e3c" providerId="ADAL" clId="{4F4A7EE7-ED1A-4BB8-B90A-17AB4A4179EB}" dt="2021-08-11T02:38:16.915" v="88" actId="20577"/>
+          <ac:chgData name="Jonathan Tan" userId="857367a7-879e-4e19-86ac-1880d4642e3c" providerId="ADAL" clId="{4F4A7EE7-ED1A-4BB8-B90A-17AB4A4179EB}" dt="2021-08-11T23:22:00.791" v="4588" actId="20577"/>
           <ac:spMkLst>
             <pc:docMk/>
             <pc:sldMk cId="1638485863" sldId="256"/>
@@ -460,7 +460,7 @@
         </pc:spChg>
       </pc:sldChg>
       <pc:sldChg chg="addSp delSp modSp add mod modNotesTx">
-        <pc:chgData name="Jonathan Tan" userId="857367a7-879e-4e19-86ac-1880d4642e3c" providerId="ADAL" clId="{4F4A7EE7-ED1A-4BB8-B90A-17AB4A4179EB}" dt="2021-08-11T03:34:27.766" v="1075" actId="20577"/>
+        <pc:chgData name="Jonathan Tan" userId="857367a7-879e-4e19-86ac-1880d4642e3c" providerId="ADAL" clId="{4F4A7EE7-ED1A-4BB8-B90A-17AB4A4179EB}" dt="2021-08-11T23:24:33.376" v="4589" actId="20577"/>
         <pc:sldMkLst>
           <pc:docMk/>
           <pc:sldMk cId="1463269499" sldId="272"/>
@@ -795,7 +795,7 @@
           <a:p>
             <a:fld id="{1107AAAD-A763-4B86-A2B7-07FBDE9BAB75}" type="datetimeFigureOut">
               <a:rPr lang="en-AU" smtClean="0"/>
-              <a:t>11/08/2021</a:t>
+              <a:t>12/08/2021</a:t>
             </a:fld>
             <a:endParaRPr lang="en-AU"/>
           </a:p>
@@ -1362,6 +1362,90 @@
 </p:notes>
 </file>
 
+<file path=ppt/notesSlides/notesSlide12.xml><?xml version="1.0" encoding="utf-8"?>
+<p:notes xmlns:a="http://schemas.openxmlformats.org/drawingml/2006/main" xmlns:r="http://schemas.openxmlformats.org/officeDocument/2006/relationships" xmlns:p="http://schemas.openxmlformats.org/presentationml/2006/main">
+  <p:cSld>
+    <p:spTree>
+      <p:nvGrpSpPr>
+        <p:cNvPr id="1" name=""/>
+        <p:cNvGrpSpPr/>
+        <p:nvPr/>
+      </p:nvGrpSpPr>
+      <p:grpSpPr>
+        <a:xfrm>
+          <a:off x="0" y="0"/>
+          <a:ext cx="0" cy="0"/>
+          <a:chOff x="0" y="0"/>
+          <a:chExt cx="0" cy="0"/>
+        </a:xfrm>
+      </p:grpSpPr>
+      <p:sp>
+        <p:nvSpPr>
+          <p:cNvPr id="2" name="Slide Image Placeholder 1"/>
+          <p:cNvSpPr>
+            <a:spLocks noGrp="1" noRot="1" noChangeAspect="1"/>
+          </p:cNvSpPr>
+          <p:nvPr>
+            <p:ph type="sldImg"/>
+          </p:nvPr>
+        </p:nvSpPr>
+        <p:spPr/>
+      </p:sp>
+      <p:sp>
+        <p:nvSpPr>
+          <p:cNvPr id="3" name="Notes Placeholder 2"/>
+          <p:cNvSpPr>
+            <a:spLocks noGrp="1"/>
+          </p:cNvSpPr>
+          <p:nvPr>
+            <p:ph type="body" idx="1"/>
+          </p:nvPr>
+        </p:nvSpPr>
+        <p:spPr/>
+        <p:txBody>
+          <a:bodyPr/>
+          <a:lstStyle/>
+          <a:p>
+            <a:endParaRPr lang="en-AU" dirty="0"/>
+          </a:p>
+        </p:txBody>
+      </p:sp>
+      <p:sp>
+        <p:nvSpPr>
+          <p:cNvPr id="4" name="Slide Number Placeholder 3"/>
+          <p:cNvSpPr>
+            <a:spLocks noGrp="1"/>
+          </p:cNvSpPr>
+          <p:nvPr>
+            <p:ph type="sldNum" sz="quarter" idx="5"/>
+          </p:nvPr>
+        </p:nvSpPr>
+        <p:spPr/>
+        <p:txBody>
+          <a:bodyPr/>
+          <a:lstStyle/>
+          <a:p>
+            <a:fld id="{75394A9C-DD77-468F-899D-B535CEE43AF3}" type="slidenum">
+              <a:rPr lang="en-AU" smtClean="0"/>
+              <a:t>17</a:t>
+            </a:fld>
+            <a:endParaRPr lang="en-AU"/>
+          </a:p>
+        </p:txBody>
+      </p:sp>
+    </p:spTree>
+    <p:extLst>
+      <p:ext uri="{BB962C8B-B14F-4D97-AF65-F5344CB8AC3E}">
+        <p14:creationId xmlns:p14="http://schemas.microsoft.com/office/powerpoint/2010/main" val="696566368"/>
+      </p:ext>
+    </p:extLst>
+  </p:cSld>
+  <p:clrMapOvr>
+    <a:masterClrMapping/>
+  </p:clrMapOvr>
+</p:notes>
+</file>
+
 <file path=ppt/notesSlides/notesSlide2.xml><?xml version="1.0" encoding="utf-8"?>
 <p:notes xmlns:a="http://schemas.openxmlformats.org/drawingml/2006/main" xmlns:r="http://schemas.openxmlformats.org/officeDocument/2006/relationships" xmlns:p="http://schemas.openxmlformats.org/presentationml/2006/main">
   <p:cSld>
@@ -2054,10 +2138,7 @@
           <a:bodyPr/>
           <a:lstStyle/>
           <a:p>
-            <a:r>
-              <a:rPr lang="en-AU" dirty="0"/>
-              <a:t>Say our project involves</a:t>
-            </a:r>
+            <a:endParaRPr lang="en-AU" dirty="0"/>
           </a:p>
         </p:txBody>
       </p:sp>
@@ -2501,9 +2582,9 @@
           <a:bodyPr/>
           <a:lstStyle/>
           <a:p>
-            <a:fld id="{88AE2C35-0D28-4825-98D7-B391AF6BD3F5}" type="datetimeFigureOut">
+            <a:fld id="{7FE27A7D-A964-4B1F-B091-8783BFC92FF0}" type="datetime1">
               <a:rPr lang="en-AU" smtClean="0"/>
-              <a:t>11/08/2021</a:t>
+              <a:t>12/08/2021</a:t>
             </a:fld>
             <a:endParaRPr lang="en-AU"/>
           </a:p>
@@ -2701,9 +2782,9 @@
           <a:bodyPr/>
           <a:lstStyle/>
           <a:p>
-            <a:fld id="{88AE2C35-0D28-4825-98D7-B391AF6BD3F5}" type="datetimeFigureOut">
+            <a:fld id="{BCC32B46-6662-412B-A6F9-A0318CF2EE2A}" type="datetime1">
               <a:rPr lang="en-AU" smtClean="0"/>
-              <a:t>11/08/2021</a:t>
+              <a:t>12/08/2021</a:t>
             </a:fld>
             <a:endParaRPr lang="en-AU"/>
           </a:p>
@@ -2911,9 +2992,9 @@
           <a:bodyPr/>
           <a:lstStyle/>
           <a:p>
-            <a:fld id="{88AE2C35-0D28-4825-98D7-B391AF6BD3F5}" type="datetimeFigureOut">
+            <a:fld id="{482E960B-3666-4515-A355-E60E28AB6BA2}" type="datetime1">
               <a:rPr lang="en-AU" smtClean="0"/>
-              <a:t>11/08/2021</a:t>
+              <a:t>12/08/2021</a:t>
             </a:fld>
             <a:endParaRPr lang="en-AU"/>
           </a:p>
@@ -3111,9 +3192,9 @@
           <a:bodyPr/>
           <a:lstStyle/>
           <a:p>
-            <a:fld id="{88AE2C35-0D28-4825-98D7-B391AF6BD3F5}" type="datetimeFigureOut">
+            <a:fld id="{11B12828-331B-4B3B-8EA7-6701FF3132C1}" type="datetime1">
               <a:rPr lang="en-AU" smtClean="0"/>
-              <a:t>11/08/2021</a:t>
+              <a:t>12/08/2021</a:t>
             </a:fld>
             <a:endParaRPr lang="en-AU"/>
           </a:p>
@@ -3387,9 +3468,9 @@
           <a:bodyPr/>
           <a:lstStyle/>
           <a:p>
-            <a:fld id="{88AE2C35-0D28-4825-98D7-B391AF6BD3F5}" type="datetimeFigureOut">
+            <a:fld id="{DE89A2D8-4B8B-46A7-9E17-9A8F51870EEE}" type="datetime1">
               <a:rPr lang="en-AU" smtClean="0"/>
-              <a:t>11/08/2021</a:t>
+              <a:t>12/08/2021</a:t>
             </a:fld>
             <a:endParaRPr lang="en-AU"/>
           </a:p>
@@ -3655,9 +3736,9 @@
           <a:bodyPr/>
           <a:lstStyle/>
           <a:p>
-            <a:fld id="{88AE2C35-0D28-4825-98D7-B391AF6BD3F5}" type="datetimeFigureOut">
+            <a:fld id="{5132BBBF-DEA2-4622-8115-FAA6F079980F}" type="datetime1">
               <a:rPr lang="en-AU" smtClean="0"/>
-              <a:t>11/08/2021</a:t>
+              <a:t>12/08/2021</a:t>
             </a:fld>
             <a:endParaRPr lang="en-AU"/>
           </a:p>
@@ -4070,9 +4151,9 @@
           <a:bodyPr/>
           <a:lstStyle/>
           <a:p>
-            <a:fld id="{88AE2C35-0D28-4825-98D7-B391AF6BD3F5}" type="datetimeFigureOut">
+            <a:fld id="{4D2E7482-14B5-4703-A459-E727B39F7B34}" type="datetime1">
               <a:rPr lang="en-AU" smtClean="0"/>
-              <a:t>11/08/2021</a:t>
+              <a:t>12/08/2021</a:t>
             </a:fld>
             <a:endParaRPr lang="en-AU"/>
           </a:p>
@@ -4212,9 +4293,9 @@
           <a:bodyPr/>
           <a:lstStyle/>
           <a:p>
-            <a:fld id="{88AE2C35-0D28-4825-98D7-B391AF6BD3F5}" type="datetimeFigureOut">
+            <a:fld id="{FE92669D-8D9E-4D18-BC9F-D56130BD8790}" type="datetime1">
               <a:rPr lang="en-AU" smtClean="0"/>
-              <a:t>11/08/2021</a:t>
+              <a:t>12/08/2021</a:t>
             </a:fld>
             <a:endParaRPr lang="en-AU"/>
           </a:p>
@@ -4325,9 +4406,9 @@
           <a:bodyPr/>
           <a:lstStyle/>
           <a:p>
-            <a:fld id="{88AE2C35-0D28-4825-98D7-B391AF6BD3F5}" type="datetimeFigureOut">
+            <a:fld id="{4EE65601-B9B3-478B-9B95-97242888A7A3}" type="datetime1">
               <a:rPr lang="en-AU" smtClean="0"/>
-              <a:t>11/08/2021</a:t>
+              <a:t>12/08/2021</a:t>
             </a:fld>
             <a:endParaRPr lang="en-AU"/>
           </a:p>
@@ -4638,9 +4719,9 @@
           <a:bodyPr/>
           <a:lstStyle/>
           <a:p>
-            <a:fld id="{88AE2C35-0D28-4825-98D7-B391AF6BD3F5}" type="datetimeFigureOut">
+            <a:fld id="{8ED63CB8-A4CD-4432-9291-07EFC2CDFE99}" type="datetime1">
               <a:rPr lang="en-AU" smtClean="0"/>
-              <a:t>11/08/2021</a:t>
+              <a:t>12/08/2021</a:t>
             </a:fld>
             <a:endParaRPr lang="en-AU"/>
           </a:p>
@@ -4927,9 +5008,9 @@
           <a:bodyPr/>
           <a:lstStyle/>
           <a:p>
-            <a:fld id="{88AE2C35-0D28-4825-98D7-B391AF6BD3F5}" type="datetimeFigureOut">
+            <a:fld id="{59DAD402-678A-4D55-9DAC-0070122145E6}" type="datetime1">
               <a:rPr lang="en-AU" smtClean="0"/>
-              <a:t>11/08/2021</a:t>
+              <a:t>12/08/2021</a:t>
             </a:fld>
             <a:endParaRPr lang="en-AU"/>
           </a:p>
@@ -5170,9 +5251,9 @@
             </a:lvl1pPr>
           </a:lstStyle>
           <a:p>
-            <a:fld id="{88AE2C35-0D28-4825-98D7-B391AF6BD3F5}" type="datetimeFigureOut">
+            <a:fld id="{DA0D38F6-CD78-41B3-B262-F9E5406259FB}" type="datetime1">
               <a:rPr lang="en-AU" smtClean="0"/>
-              <a:t>11/08/2021</a:t>
+              <a:t>12/08/2021</a:t>
             </a:fld>
             <a:endParaRPr lang="en-AU"/>
           </a:p>
@@ -5289,6 +5370,7 @@
     <p:sldLayoutId id="2147483658" r:id="rId10"/>
     <p:sldLayoutId id="2147483659" r:id="rId11"/>
   </p:sldLayoutIdLst>
+  <p:hf hdr="0" ftr="0" dt="0"/>
   <p:txStyles>
     <p:titleStyle>
       <a:lvl1pPr algn="l" defTabSz="914400" rtl="0" eaLnBrk="1" latinLnBrk="0" hangingPunct="1">
@@ -5639,7 +5721,7 @@
         <p:spPr>
           <a:xfrm>
             <a:off x="2189747" y="3429000"/>
-            <a:ext cx="7483642" cy="598321"/>
+            <a:ext cx="7483642" cy="673100"/>
           </a:xfrm>
           <a:prstGeom prst="rect">
             <a:avLst/>
@@ -5670,12 +5752,54 @@
           </a:lstStyle>
           <a:p>
             <a:r>
-              <a:rPr lang="en-AU" sz="2800" b="1" dirty="0">
+              <a:rPr lang="en-AU" sz="2000" b="1" dirty="0">
                 <a:latin typeface="Roboto Light" panose="02000000000000000000" pitchFamily="2" charset="0"/>
                 <a:ea typeface="Roboto Light" panose="02000000000000000000" pitchFamily="2" charset="0"/>
               </a:rPr>
+              <a:t>Kernel Academy</a:t>
+            </a:r>
+            <a:br>
+              <a:rPr lang="en-AU" sz="2000" b="1" dirty="0">
+                <a:latin typeface="Roboto Light" panose="02000000000000000000" pitchFamily="2" charset="0"/>
+                <a:ea typeface="Roboto Light" panose="02000000000000000000" pitchFamily="2" charset="0"/>
+              </a:rPr>
+            </a:br>
+            <a:r>
+              <a:rPr lang="en-AU" sz="2000" b="1" dirty="0">
+                <a:latin typeface="Roboto Light" panose="02000000000000000000" pitchFamily="2" charset="0"/>
+                <a:ea typeface="Roboto Light" panose="02000000000000000000" pitchFamily="2" charset="0"/>
+              </a:rPr>
               <a:t>12/08/2021</a:t>
             </a:r>
+          </a:p>
+        </p:txBody>
+      </p:sp>
+      <p:sp>
+        <p:nvSpPr>
+          <p:cNvPr id="4" name="Slide Number Placeholder 3">
+            <a:extLst>
+              <a:ext uri="{FF2B5EF4-FFF2-40B4-BE49-F238E27FC236}">
+                <a16:creationId xmlns:a16="http://schemas.microsoft.com/office/drawing/2014/main" id="{03BC2BD7-B9B3-41EC-BE12-BFA849AC56C7}"/>
+              </a:ext>
+            </a:extLst>
+          </p:cNvPr>
+          <p:cNvSpPr>
+            <a:spLocks noGrp="1"/>
+          </p:cNvSpPr>
+          <p:nvPr>
+            <p:ph type="sldNum" sz="quarter" idx="12"/>
+          </p:nvPr>
+        </p:nvSpPr>
+        <p:spPr/>
+        <p:txBody>
+          <a:bodyPr/>
+          <a:lstStyle/>
+          <a:p>
+            <a:fld id="{46DDA321-FAA7-430B-9842-4C62AA7BAF3F}" type="slidenum">
+              <a:rPr lang="en-AU" smtClean="0"/>
+              <a:t>1</a:t>
+            </a:fld>
+            <a:endParaRPr lang="en-AU"/>
           </a:p>
         </p:txBody>
       </p:sp>
@@ -5876,6 +6000,35 @@
           </a:p>
         </p:txBody>
       </p:sp>
+      <p:sp>
+        <p:nvSpPr>
+          <p:cNvPr id="4" name="Slide Number Placeholder 3">
+            <a:extLst>
+              <a:ext uri="{FF2B5EF4-FFF2-40B4-BE49-F238E27FC236}">
+                <a16:creationId xmlns:a16="http://schemas.microsoft.com/office/drawing/2014/main" id="{FEBA242B-AF74-4DBA-A1DF-82B0C2D3D2A0}"/>
+              </a:ext>
+            </a:extLst>
+          </p:cNvPr>
+          <p:cNvSpPr>
+            <a:spLocks noGrp="1"/>
+          </p:cNvSpPr>
+          <p:nvPr>
+            <p:ph type="sldNum" sz="quarter" idx="12"/>
+          </p:nvPr>
+        </p:nvSpPr>
+        <p:spPr/>
+        <p:txBody>
+          <a:bodyPr/>
+          <a:lstStyle/>
+          <a:p>
+            <a:fld id="{46DDA321-FAA7-430B-9842-4C62AA7BAF3F}" type="slidenum">
+              <a:rPr lang="en-AU" smtClean="0"/>
+              <a:t>10</a:t>
+            </a:fld>
+            <a:endParaRPr lang="en-AU"/>
+          </a:p>
+        </p:txBody>
+      </p:sp>
     </p:spTree>
     <p:extLst>
       <p:ext uri="{BB962C8B-B14F-4D97-AF65-F5344CB8AC3E}">
@@ -6031,6 +6184,35 @@
               <a:latin typeface="Roboto Light" panose="02000000000000000000" pitchFamily="2" charset="0"/>
               <a:ea typeface="Roboto Light" panose="02000000000000000000" pitchFamily="2" charset="0"/>
             </a:endParaRPr>
+          </a:p>
+        </p:txBody>
+      </p:sp>
+      <p:sp>
+        <p:nvSpPr>
+          <p:cNvPr id="4" name="Slide Number Placeholder 3">
+            <a:extLst>
+              <a:ext uri="{FF2B5EF4-FFF2-40B4-BE49-F238E27FC236}">
+                <a16:creationId xmlns:a16="http://schemas.microsoft.com/office/drawing/2014/main" id="{0788E324-7980-4C88-8429-4F16CE09EF82}"/>
+              </a:ext>
+            </a:extLst>
+          </p:cNvPr>
+          <p:cNvSpPr>
+            <a:spLocks noGrp="1"/>
+          </p:cNvSpPr>
+          <p:nvPr>
+            <p:ph type="sldNum" sz="quarter" idx="12"/>
+          </p:nvPr>
+        </p:nvSpPr>
+        <p:spPr/>
+        <p:txBody>
+          <a:bodyPr/>
+          <a:lstStyle/>
+          <a:p>
+            <a:fld id="{46DDA321-FAA7-430B-9842-4C62AA7BAF3F}" type="slidenum">
+              <a:rPr lang="en-AU" smtClean="0"/>
+              <a:t>11</a:t>
+            </a:fld>
+            <a:endParaRPr lang="en-AU"/>
           </a:p>
         </p:txBody>
       </p:sp>
@@ -6347,6 +6529,35 @@
           </a:p>
         </p:txBody>
       </p:sp>
+      <p:sp>
+        <p:nvSpPr>
+          <p:cNvPr id="7" name="Slide Number Placeholder 6">
+            <a:extLst>
+              <a:ext uri="{FF2B5EF4-FFF2-40B4-BE49-F238E27FC236}">
+                <a16:creationId xmlns:a16="http://schemas.microsoft.com/office/drawing/2014/main" id="{416A4A52-0E35-4F21-B1EB-0E27D5FDCA82}"/>
+              </a:ext>
+            </a:extLst>
+          </p:cNvPr>
+          <p:cNvSpPr>
+            <a:spLocks noGrp="1"/>
+          </p:cNvSpPr>
+          <p:nvPr>
+            <p:ph type="sldNum" sz="quarter" idx="12"/>
+          </p:nvPr>
+        </p:nvSpPr>
+        <p:spPr/>
+        <p:txBody>
+          <a:bodyPr/>
+          <a:lstStyle/>
+          <a:p>
+            <a:fld id="{46DDA321-FAA7-430B-9842-4C62AA7BAF3F}" type="slidenum">
+              <a:rPr lang="en-AU" smtClean="0"/>
+              <a:t>12</a:t>
+            </a:fld>
+            <a:endParaRPr lang="en-AU"/>
+          </a:p>
+        </p:txBody>
+      </p:sp>
     </p:spTree>
     <p:extLst>
       <p:ext uri="{BB962C8B-B14F-4D97-AF65-F5344CB8AC3E}">
@@ -6552,6 +6763,35 @@
           </a:p>
         </p:txBody>
       </p:sp>
+      <p:sp>
+        <p:nvSpPr>
+          <p:cNvPr id="4" name="Slide Number Placeholder 3">
+            <a:extLst>
+              <a:ext uri="{FF2B5EF4-FFF2-40B4-BE49-F238E27FC236}">
+                <a16:creationId xmlns:a16="http://schemas.microsoft.com/office/drawing/2014/main" id="{02764E43-D580-4F9A-8B4C-C06D3B469810}"/>
+              </a:ext>
+            </a:extLst>
+          </p:cNvPr>
+          <p:cNvSpPr>
+            <a:spLocks noGrp="1"/>
+          </p:cNvSpPr>
+          <p:nvPr>
+            <p:ph type="sldNum" sz="quarter" idx="12"/>
+          </p:nvPr>
+        </p:nvSpPr>
+        <p:spPr/>
+        <p:txBody>
+          <a:bodyPr/>
+          <a:lstStyle/>
+          <a:p>
+            <a:fld id="{46DDA321-FAA7-430B-9842-4C62AA7BAF3F}" type="slidenum">
+              <a:rPr lang="en-AU" smtClean="0"/>
+              <a:t>13</a:t>
+            </a:fld>
+            <a:endParaRPr lang="en-AU"/>
+          </a:p>
+        </p:txBody>
+      </p:sp>
     </p:spTree>
     <p:extLst>
       <p:ext uri="{BB962C8B-B14F-4D97-AF65-F5344CB8AC3E}">
@@ -6807,6 +7047,35 @@
           </a:p>
         </p:txBody>
       </p:sp>
+      <p:sp>
+        <p:nvSpPr>
+          <p:cNvPr id="4" name="Slide Number Placeholder 3">
+            <a:extLst>
+              <a:ext uri="{FF2B5EF4-FFF2-40B4-BE49-F238E27FC236}">
+                <a16:creationId xmlns:a16="http://schemas.microsoft.com/office/drawing/2014/main" id="{0519CFB6-95D3-4D05-9750-6C839A482205}"/>
+              </a:ext>
+            </a:extLst>
+          </p:cNvPr>
+          <p:cNvSpPr>
+            <a:spLocks noGrp="1"/>
+          </p:cNvSpPr>
+          <p:nvPr>
+            <p:ph type="sldNum" sz="quarter" idx="12"/>
+          </p:nvPr>
+        </p:nvSpPr>
+        <p:spPr/>
+        <p:txBody>
+          <a:bodyPr/>
+          <a:lstStyle/>
+          <a:p>
+            <a:fld id="{46DDA321-FAA7-430B-9842-4C62AA7BAF3F}" type="slidenum">
+              <a:rPr lang="en-AU" smtClean="0"/>
+              <a:t>14</a:t>
+            </a:fld>
+            <a:endParaRPr lang="en-AU"/>
+          </a:p>
+        </p:txBody>
+      </p:sp>
     </p:spTree>
     <p:extLst>
       <p:ext uri="{BB962C8B-B14F-4D97-AF65-F5344CB8AC3E}">
@@ -6873,6 +7142,35 @@
           </a:p>
         </p:txBody>
       </p:sp>
+      <p:sp>
+        <p:nvSpPr>
+          <p:cNvPr id="3" name="Slide Number Placeholder 2">
+            <a:extLst>
+              <a:ext uri="{FF2B5EF4-FFF2-40B4-BE49-F238E27FC236}">
+                <a16:creationId xmlns:a16="http://schemas.microsoft.com/office/drawing/2014/main" id="{8EC089F5-859D-4D1C-98F1-B752C3F90C02}"/>
+              </a:ext>
+            </a:extLst>
+          </p:cNvPr>
+          <p:cNvSpPr>
+            <a:spLocks noGrp="1"/>
+          </p:cNvSpPr>
+          <p:nvPr>
+            <p:ph type="sldNum" sz="quarter" idx="12"/>
+          </p:nvPr>
+        </p:nvSpPr>
+        <p:spPr/>
+        <p:txBody>
+          <a:bodyPr/>
+          <a:lstStyle/>
+          <a:p>
+            <a:fld id="{46DDA321-FAA7-430B-9842-4C62AA7BAF3F}" type="slidenum">
+              <a:rPr lang="en-AU" smtClean="0"/>
+              <a:t>15</a:t>
+            </a:fld>
+            <a:endParaRPr lang="en-AU"/>
+          </a:p>
+        </p:txBody>
+      </p:sp>
     </p:spTree>
     <p:extLst>
       <p:ext uri="{BB962C8B-B14F-4D97-AF65-F5344CB8AC3E}">
@@ -6964,6 +7262,35 @@
           </a:prstGeom>
         </p:spPr>
       </p:pic>
+      <p:sp>
+        <p:nvSpPr>
+          <p:cNvPr id="3" name="Slide Number Placeholder 2">
+            <a:extLst>
+              <a:ext uri="{FF2B5EF4-FFF2-40B4-BE49-F238E27FC236}">
+                <a16:creationId xmlns:a16="http://schemas.microsoft.com/office/drawing/2014/main" id="{DDA73B0A-F55B-47F2-B929-8FB0C9E8A041}"/>
+              </a:ext>
+            </a:extLst>
+          </p:cNvPr>
+          <p:cNvSpPr>
+            <a:spLocks noGrp="1"/>
+          </p:cNvSpPr>
+          <p:nvPr>
+            <p:ph type="sldNum" sz="quarter" idx="12"/>
+          </p:nvPr>
+        </p:nvSpPr>
+        <p:spPr/>
+        <p:txBody>
+          <a:bodyPr/>
+          <a:lstStyle/>
+          <a:p>
+            <a:fld id="{46DDA321-FAA7-430B-9842-4C62AA7BAF3F}" type="slidenum">
+              <a:rPr lang="en-AU" smtClean="0"/>
+              <a:t>16</a:t>
+            </a:fld>
+            <a:endParaRPr lang="en-AU"/>
+          </a:p>
+        </p:txBody>
+      </p:sp>
     </p:spTree>
     <p:extLst>
       <p:ext uri="{BB962C8B-B14F-4D97-AF65-F5344CB8AC3E}">
@@ -7686,6 +8013,35 @@
           </a:p>
         </p:txBody>
       </p:sp>
+      <p:sp>
+        <p:nvSpPr>
+          <p:cNvPr id="3" name="Slide Number Placeholder 2">
+            <a:extLst>
+              <a:ext uri="{FF2B5EF4-FFF2-40B4-BE49-F238E27FC236}">
+                <a16:creationId xmlns:a16="http://schemas.microsoft.com/office/drawing/2014/main" id="{C284D4B0-5A31-414B-A2FB-AED9D4FEFF61}"/>
+              </a:ext>
+            </a:extLst>
+          </p:cNvPr>
+          <p:cNvSpPr>
+            <a:spLocks noGrp="1"/>
+          </p:cNvSpPr>
+          <p:nvPr>
+            <p:ph type="sldNum" sz="quarter" idx="12"/>
+          </p:nvPr>
+        </p:nvSpPr>
+        <p:spPr/>
+        <p:txBody>
+          <a:bodyPr/>
+          <a:lstStyle/>
+          <a:p>
+            <a:fld id="{46DDA321-FAA7-430B-9842-4C62AA7BAF3F}" type="slidenum">
+              <a:rPr lang="en-AU" smtClean="0"/>
+              <a:t>17</a:t>
+            </a:fld>
+            <a:endParaRPr lang="en-AU"/>
+          </a:p>
+        </p:txBody>
+      </p:sp>
     </p:spTree>
     <p:extLst>
       <p:ext uri="{BB962C8B-B14F-4D97-AF65-F5344CB8AC3E}">
@@ -7752,6 +8108,35 @@
           </a:p>
         </p:txBody>
       </p:sp>
+      <p:sp>
+        <p:nvSpPr>
+          <p:cNvPr id="2" name="Slide Number Placeholder 1">
+            <a:extLst>
+              <a:ext uri="{FF2B5EF4-FFF2-40B4-BE49-F238E27FC236}">
+                <a16:creationId xmlns:a16="http://schemas.microsoft.com/office/drawing/2014/main" id="{B6F87ACC-3346-4674-B6FD-4FF5F3BA702D}"/>
+              </a:ext>
+            </a:extLst>
+          </p:cNvPr>
+          <p:cNvSpPr>
+            <a:spLocks noGrp="1"/>
+          </p:cNvSpPr>
+          <p:nvPr>
+            <p:ph type="sldNum" sz="quarter" idx="12"/>
+          </p:nvPr>
+        </p:nvSpPr>
+        <p:spPr/>
+        <p:txBody>
+          <a:bodyPr/>
+          <a:lstStyle/>
+          <a:p>
+            <a:fld id="{46DDA321-FAA7-430B-9842-4C62AA7BAF3F}" type="slidenum">
+              <a:rPr lang="en-AU" smtClean="0"/>
+              <a:t>18</a:t>
+            </a:fld>
+            <a:endParaRPr lang="en-AU"/>
+          </a:p>
+        </p:txBody>
+      </p:sp>
     </p:spTree>
     <p:extLst>
       <p:ext uri="{BB962C8B-B14F-4D97-AF65-F5344CB8AC3E}">
@@ -7939,6 +8324,35 @@
           </a:p>
         </p:txBody>
       </p:sp>
+      <p:sp>
+        <p:nvSpPr>
+          <p:cNvPr id="4" name="Slide Number Placeholder 3">
+            <a:extLst>
+              <a:ext uri="{FF2B5EF4-FFF2-40B4-BE49-F238E27FC236}">
+                <a16:creationId xmlns:a16="http://schemas.microsoft.com/office/drawing/2014/main" id="{D6F35903-4906-4F0C-B075-2F279237F3CB}"/>
+              </a:ext>
+            </a:extLst>
+          </p:cNvPr>
+          <p:cNvSpPr>
+            <a:spLocks noGrp="1"/>
+          </p:cNvSpPr>
+          <p:nvPr>
+            <p:ph type="sldNum" sz="quarter" idx="12"/>
+          </p:nvPr>
+        </p:nvSpPr>
+        <p:spPr/>
+        <p:txBody>
+          <a:bodyPr/>
+          <a:lstStyle/>
+          <a:p>
+            <a:fld id="{46DDA321-FAA7-430B-9842-4C62AA7BAF3F}" type="slidenum">
+              <a:rPr lang="en-AU" smtClean="0"/>
+              <a:t>2</a:t>
+            </a:fld>
+            <a:endParaRPr lang="en-AU"/>
+          </a:p>
+        </p:txBody>
+      </p:sp>
     </p:spTree>
     <p:extLst>
       <p:ext uri="{BB962C8B-B14F-4D97-AF65-F5344CB8AC3E}">
@@ -8264,6 +8678,35 @@
           </a:p>
         </p:txBody>
       </p:sp>
+      <p:sp>
+        <p:nvSpPr>
+          <p:cNvPr id="3" name="Slide Number Placeholder 2">
+            <a:extLst>
+              <a:ext uri="{FF2B5EF4-FFF2-40B4-BE49-F238E27FC236}">
+                <a16:creationId xmlns:a16="http://schemas.microsoft.com/office/drawing/2014/main" id="{455B3736-567D-4513-8584-BEB6DF8A4896}"/>
+              </a:ext>
+            </a:extLst>
+          </p:cNvPr>
+          <p:cNvSpPr>
+            <a:spLocks noGrp="1"/>
+          </p:cNvSpPr>
+          <p:nvPr>
+            <p:ph type="sldNum" sz="quarter" idx="12"/>
+          </p:nvPr>
+        </p:nvSpPr>
+        <p:spPr/>
+        <p:txBody>
+          <a:bodyPr/>
+          <a:lstStyle/>
+          <a:p>
+            <a:fld id="{46DDA321-FAA7-430B-9842-4C62AA7BAF3F}" type="slidenum">
+              <a:rPr lang="en-AU" smtClean="0"/>
+              <a:t>3</a:t>
+            </a:fld>
+            <a:endParaRPr lang="en-AU"/>
+          </a:p>
+        </p:txBody>
+      </p:sp>
     </p:spTree>
     <p:extLst>
       <p:ext uri="{BB962C8B-B14F-4D97-AF65-F5344CB8AC3E}">
@@ -8442,6 +8885,35 @@
           </a:prstGeom>
         </p:spPr>
       </p:pic>
+      <p:sp>
+        <p:nvSpPr>
+          <p:cNvPr id="3" name="Slide Number Placeholder 2">
+            <a:extLst>
+              <a:ext uri="{FF2B5EF4-FFF2-40B4-BE49-F238E27FC236}">
+                <a16:creationId xmlns:a16="http://schemas.microsoft.com/office/drawing/2014/main" id="{A03E7A4E-A46E-4451-B36C-DDFDFEC4D4FD}"/>
+              </a:ext>
+            </a:extLst>
+          </p:cNvPr>
+          <p:cNvSpPr>
+            <a:spLocks noGrp="1"/>
+          </p:cNvSpPr>
+          <p:nvPr>
+            <p:ph type="sldNum" sz="quarter" idx="12"/>
+          </p:nvPr>
+        </p:nvSpPr>
+        <p:spPr/>
+        <p:txBody>
+          <a:bodyPr/>
+          <a:lstStyle/>
+          <a:p>
+            <a:fld id="{46DDA321-FAA7-430B-9842-4C62AA7BAF3F}" type="slidenum">
+              <a:rPr lang="en-AU" smtClean="0"/>
+              <a:t>4</a:t>
+            </a:fld>
+            <a:endParaRPr lang="en-AU"/>
+          </a:p>
+        </p:txBody>
+      </p:sp>
     </p:spTree>
     <p:extLst>
       <p:ext uri="{BB962C8B-B14F-4D97-AF65-F5344CB8AC3E}">
@@ -8576,6 +9048,35 @@
           </a:p>
         </p:txBody>
       </p:sp>
+      <p:sp>
+        <p:nvSpPr>
+          <p:cNvPr id="4" name="Slide Number Placeholder 3">
+            <a:extLst>
+              <a:ext uri="{FF2B5EF4-FFF2-40B4-BE49-F238E27FC236}">
+                <a16:creationId xmlns:a16="http://schemas.microsoft.com/office/drawing/2014/main" id="{DCBC6EB3-A8A4-4DF2-902F-DDD809C32C9C}"/>
+              </a:ext>
+            </a:extLst>
+          </p:cNvPr>
+          <p:cNvSpPr>
+            <a:spLocks noGrp="1"/>
+          </p:cNvSpPr>
+          <p:nvPr>
+            <p:ph type="sldNum" sz="quarter" idx="12"/>
+          </p:nvPr>
+        </p:nvSpPr>
+        <p:spPr/>
+        <p:txBody>
+          <a:bodyPr/>
+          <a:lstStyle/>
+          <a:p>
+            <a:fld id="{46DDA321-FAA7-430B-9842-4C62AA7BAF3F}" type="slidenum">
+              <a:rPr lang="en-AU" smtClean="0"/>
+              <a:t>5</a:t>
+            </a:fld>
+            <a:endParaRPr lang="en-AU"/>
+          </a:p>
+        </p:txBody>
+      </p:sp>
     </p:spTree>
     <p:extLst>
       <p:ext uri="{BB962C8B-B14F-4D97-AF65-F5344CB8AC3E}">
@@ -8737,6 +9238,35 @@
               <a:latin typeface="Roboto Light" panose="02000000000000000000" pitchFamily="2" charset="0"/>
               <a:ea typeface="Roboto Light" panose="02000000000000000000" pitchFamily="2" charset="0"/>
             </a:endParaRPr>
+          </a:p>
+        </p:txBody>
+      </p:sp>
+      <p:sp>
+        <p:nvSpPr>
+          <p:cNvPr id="4" name="Slide Number Placeholder 3">
+            <a:extLst>
+              <a:ext uri="{FF2B5EF4-FFF2-40B4-BE49-F238E27FC236}">
+                <a16:creationId xmlns:a16="http://schemas.microsoft.com/office/drawing/2014/main" id="{325772C8-7112-47F1-8DBB-156F1AFA642B}"/>
+              </a:ext>
+            </a:extLst>
+          </p:cNvPr>
+          <p:cNvSpPr>
+            <a:spLocks noGrp="1"/>
+          </p:cNvSpPr>
+          <p:nvPr>
+            <p:ph type="sldNum" sz="quarter" idx="12"/>
+          </p:nvPr>
+        </p:nvSpPr>
+        <p:spPr/>
+        <p:txBody>
+          <a:bodyPr/>
+          <a:lstStyle/>
+          <a:p>
+            <a:fld id="{46DDA321-FAA7-430B-9842-4C62AA7BAF3F}" type="slidenum">
+              <a:rPr lang="en-AU" smtClean="0"/>
+              <a:t>6</a:t>
+            </a:fld>
+            <a:endParaRPr lang="en-AU"/>
           </a:p>
         </p:txBody>
       </p:sp>
@@ -9246,6 +9776,35 @@
           </a:p>
         </p:txBody>
       </p:sp>
+      <p:sp>
+        <p:nvSpPr>
+          <p:cNvPr id="5" name="Slide Number Placeholder 4">
+            <a:extLst>
+              <a:ext uri="{FF2B5EF4-FFF2-40B4-BE49-F238E27FC236}">
+                <a16:creationId xmlns:a16="http://schemas.microsoft.com/office/drawing/2014/main" id="{927CFE9B-561C-431D-A88C-0FE655540B9F}"/>
+              </a:ext>
+            </a:extLst>
+          </p:cNvPr>
+          <p:cNvSpPr>
+            <a:spLocks noGrp="1"/>
+          </p:cNvSpPr>
+          <p:nvPr>
+            <p:ph type="sldNum" sz="quarter" idx="12"/>
+          </p:nvPr>
+        </p:nvSpPr>
+        <p:spPr/>
+        <p:txBody>
+          <a:bodyPr/>
+          <a:lstStyle/>
+          <a:p>
+            <a:fld id="{46DDA321-FAA7-430B-9842-4C62AA7BAF3F}" type="slidenum">
+              <a:rPr lang="en-AU" smtClean="0"/>
+              <a:t>7</a:t>
+            </a:fld>
+            <a:endParaRPr lang="en-AU"/>
+          </a:p>
+        </p:txBody>
+      </p:sp>
     </p:spTree>
     <p:extLst>
       <p:ext uri="{BB962C8B-B14F-4D97-AF65-F5344CB8AC3E}">
@@ -9884,6 +10443,35 @@
           </a:p>
         </p:txBody>
       </p:sp>
+      <p:sp>
+        <p:nvSpPr>
+          <p:cNvPr id="3" name="Slide Number Placeholder 2">
+            <a:extLst>
+              <a:ext uri="{FF2B5EF4-FFF2-40B4-BE49-F238E27FC236}">
+                <a16:creationId xmlns:a16="http://schemas.microsoft.com/office/drawing/2014/main" id="{178F9897-6211-4962-9A36-27CFC2C12A8A}"/>
+              </a:ext>
+            </a:extLst>
+          </p:cNvPr>
+          <p:cNvSpPr>
+            <a:spLocks noGrp="1"/>
+          </p:cNvSpPr>
+          <p:nvPr>
+            <p:ph type="sldNum" sz="quarter" idx="12"/>
+          </p:nvPr>
+        </p:nvSpPr>
+        <p:spPr/>
+        <p:txBody>
+          <a:bodyPr/>
+          <a:lstStyle/>
+          <a:p>
+            <a:fld id="{46DDA321-FAA7-430B-9842-4C62AA7BAF3F}" type="slidenum">
+              <a:rPr lang="en-AU" smtClean="0"/>
+              <a:t>8</a:t>
+            </a:fld>
+            <a:endParaRPr lang="en-AU"/>
+          </a:p>
+        </p:txBody>
+      </p:sp>
     </p:spTree>
     <p:extLst>
       <p:ext uri="{BB962C8B-B14F-4D97-AF65-F5344CB8AC3E}">
@@ -10027,6 +10615,35 @@
               </a:rPr>
               <a:t>https://towardsdatascience.com/types-of-machine-learning-algorithms-you-should-know-953a08248861</a:t>
             </a:r>
+          </a:p>
+        </p:txBody>
+      </p:sp>
+      <p:sp>
+        <p:nvSpPr>
+          <p:cNvPr id="3" name="Slide Number Placeholder 2">
+            <a:extLst>
+              <a:ext uri="{FF2B5EF4-FFF2-40B4-BE49-F238E27FC236}">
+                <a16:creationId xmlns:a16="http://schemas.microsoft.com/office/drawing/2014/main" id="{AC8A4ADD-363B-4355-AF64-47DE5152DF36}"/>
+              </a:ext>
+            </a:extLst>
+          </p:cNvPr>
+          <p:cNvSpPr>
+            <a:spLocks noGrp="1"/>
+          </p:cNvSpPr>
+          <p:nvPr>
+            <p:ph type="sldNum" sz="quarter" idx="12"/>
+          </p:nvPr>
+        </p:nvSpPr>
+        <p:spPr/>
+        <p:txBody>
+          <a:bodyPr/>
+          <a:lstStyle/>
+          <a:p>
+            <a:fld id="{46DDA321-FAA7-430B-9842-4C62AA7BAF3F}" type="slidenum">
+              <a:rPr lang="en-AU" smtClean="0"/>
+              <a:t>9</a:t>
+            </a:fld>
+            <a:endParaRPr lang="en-AU"/>
           </a:p>
         </p:txBody>
       </p:sp>

--- a/Problem Formulation & EDA.pptx
+++ b/Problem Formulation & EDA.pptx
@@ -137,7 +137,7 @@
   <pc:docChgLst>
     <pc:chgData name="Jonathan Tan" userId="857367a7-879e-4e19-86ac-1880d4642e3c" providerId="ADAL" clId="{4F4A7EE7-ED1A-4BB8-B90A-17AB4A4179EB}"/>
     <pc:docChg chg="undo custSel addSld delSld modSld">
-      <pc:chgData name="Jonathan Tan" userId="857367a7-879e-4e19-86ac-1880d4642e3c" providerId="ADAL" clId="{4F4A7EE7-ED1A-4BB8-B90A-17AB4A4179EB}" dt="2021-08-11T23:24:33.376" v="4589" actId="20577"/>
+      <pc:chgData name="Jonathan Tan" userId="857367a7-879e-4e19-86ac-1880d4642e3c" providerId="ADAL" clId="{4F4A7EE7-ED1A-4BB8-B90A-17AB4A4179EB}" dt="2021-08-12T01:40:20.525" v="4665" actId="14100"/>
       <pc:docMkLst>
         <pc:docMk/>
       </pc:docMkLst>
@@ -328,11 +328,19 @@
         </pc:picChg>
       </pc:sldChg>
       <pc:sldChg chg="addSp modSp mod">
-        <pc:chgData name="Jonathan Tan" userId="857367a7-879e-4e19-86ac-1880d4642e3c" providerId="ADAL" clId="{4F4A7EE7-ED1A-4BB8-B90A-17AB4A4179EB}" dt="2021-08-11T10:58:33.875" v="4561" actId="1076"/>
+        <pc:chgData name="Jonathan Tan" userId="857367a7-879e-4e19-86ac-1880d4642e3c" providerId="ADAL" clId="{4F4A7EE7-ED1A-4BB8-B90A-17AB4A4179EB}" dt="2021-08-12T01:40:20.525" v="4665" actId="14100"/>
         <pc:sldMkLst>
           <pc:docMk/>
           <pc:sldMk cId="2791687609" sldId="264"/>
         </pc:sldMkLst>
+        <pc:spChg chg="mod">
+          <ac:chgData name="Jonathan Tan" userId="857367a7-879e-4e19-86ac-1880d4642e3c" providerId="ADAL" clId="{4F4A7EE7-ED1A-4BB8-B90A-17AB4A4179EB}" dt="2021-08-12T01:40:20.525" v="4665" actId="14100"/>
+          <ac:spMkLst>
+            <pc:docMk/>
+            <pc:sldMk cId="2791687609" sldId="264"/>
+            <ac:spMk id="5" creationId="{00112385-DF1D-42A7-809F-30E8BB4D1D1B}"/>
+          </ac:spMkLst>
+        </pc:spChg>
         <pc:spChg chg="add mod">
           <ac:chgData name="Jonathan Tan" userId="857367a7-879e-4e19-86ac-1880d4642e3c" providerId="ADAL" clId="{4F4A7EE7-ED1A-4BB8-B90A-17AB4A4179EB}" dt="2021-08-11T10:57:19.917" v="4484" actId="20577"/>
           <ac:spMkLst>
@@ -555,7 +563,7 @@
         </pc:picChg>
       </pc:sldChg>
       <pc:sldChg chg="addSp modSp new mod modNotesTx">
-        <pc:chgData name="Jonathan Tan" userId="857367a7-879e-4e19-86ac-1880d4642e3c" providerId="ADAL" clId="{4F4A7EE7-ED1A-4BB8-B90A-17AB4A4179EB}" dt="2021-08-11T04:17:57.832" v="2246" actId="20577"/>
+        <pc:chgData name="Jonathan Tan" userId="857367a7-879e-4e19-86ac-1880d4642e3c" providerId="ADAL" clId="{4F4A7EE7-ED1A-4BB8-B90A-17AB4A4179EB}" dt="2021-08-12T00:50:37.694" v="4634" actId="20577"/>
         <pc:sldMkLst>
           <pc:docMk/>
           <pc:sldMk cId="258725277" sldId="273"/>
@@ -577,7 +585,7 @@
           </ac:spMkLst>
         </pc:spChg>
         <pc:spChg chg="add mod">
-          <ac:chgData name="Jonathan Tan" userId="857367a7-879e-4e19-86ac-1880d4642e3c" providerId="ADAL" clId="{4F4A7EE7-ED1A-4BB8-B90A-17AB4A4179EB}" dt="2021-08-11T04:16:03.360" v="1954" actId="2711"/>
+          <ac:chgData name="Jonathan Tan" userId="857367a7-879e-4e19-86ac-1880d4642e3c" providerId="ADAL" clId="{4F4A7EE7-ED1A-4BB8-B90A-17AB4A4179EB}" dt="2021-08-12T00:50:37.694" v="4634" actId="20577"/>
           <ac:spMkLst>
             <pc:docMk/>
             <pc:sldMk cId="258725277" sldId="273"/>
@@ -679,7 +687,7 @@
         </pc:spChg>
       </pc:sldChg>
       <pc:sldChg chg="modSp new mod">
-        <pc:chgData name="Jonathan Tan" userId="857367a7-879e-4e19-86ac-1880d4642e3c" providerId="ADAL" clId="{4F4A7EE7-ED1A-4BB8-B90A-17AB4A4179EB}" dt="2021-08-11T09:20:10.493" v="4442" actId="20577"/>
+        <pc:chgData name="Jonathan Tan" userId="857367a7-879e-4e19-86ac-1880d4642e3c" providerId="ADAL" clId="{4F4A7EE7-ED1A-4BB8-B90A-17AB4A4179EB}" dt="2021-08-12T01:09:40.066" v="4664" actId="20577"/>
         <pc:sldMkLst>
           <pc:docMk/>
           <pc:sldMk cId="2881466440" sldId="277"/>
@@ -693,7 +701,7 @@
           </ac:spMkLst>
         </pc:spChg>
         <pc:spChg chg="mod">
-          <ac:chgData name="Jonathan Tan" userId="857367a7-879e-4e19-86ac-1880d4642e3c" providerId="ADAL" clId="{4F4A7EE7-ED1A-4BB8-B90A-17AB4A4179EB}" dt="2021-08-11T09:20:10.493" v="4442" actId="20577"/>
+          <ac:chgData name="Jonathan Tan" userId="857367a7-879e-4e19-86ac-1880d4642e3c" providerId="ADAL" clId="{4F4A7EE7-ED1A-4BB8-B90A-17AB4A4179EB}" dt="2021-08-12T01:09:40.066" v="4664" actId="20577"/>
           <ac:spMkLst>
             <pc:docMk/>
             <pc:sldMk cId="2881466440" sldId="277"/>
@@ -6638,7 +6646,7 @@
         <p:spPr/>
         <p:txBody>
           <a:bodyPr>
-            <a:normAutofit lnSpcReduction="10000"/>
+            <a:normAutofit fontScale="92500" lnSpcReduction="10000"/>
           </a:bodyPr>
           <a:lstStyle/>
           <a:p>
@@ -6688,6 +6696,16 @@
                 <a:ea typeface="Roboto Light" panose="02000000000000000000" pitchFamily="2" charset="0"/>
               </a:rPr>
               <a:t>Scatter matrix</a:t>
+            </a:r>
+          </a:p>
+          <a:p>
+            <a:pPr lvl="2"/>
+            <a:r>
+              <a:rPr lang="en-AU" sz="1900" dirty="0">
+                <a:latin typeface="Roboto Light" panose="02000000000000000000" pitchFamily="2" charset="0"/>
+                <a:ea typeface="Roboto Light" panose="02000000000000000000" pitchFamily="2" charset="0"/>
+              </a:rPr>
+              <a:t>interact</a:t>
             </a:r>
           </a:p>
           <a:p>
@@ -7367,7 +7385,7 @@
         <p:spPr>
           <a:xfrm>
             <a:off x="838200" y="3237940"/>
-            <a:ext cx="11049000" cy="369332"/>
+            <a:ext cx="11264900" cy="369332"/>
           </a:xfrm>
           <a:prstGeom prst="rect">
             <a:avLst/>
@@ -9438,7 +9456,7 @@
         </p:spPr>
         <p:txBody>
           <a:bodyPr vert="horz" lIns="91440" tIns="45720" rIns="91440" bIns="45720" rtlCol="0">
-            <a:normAutofit fontScale="70000" lnSpcReduction="20000"/>
+            <a:normAutofit fontScale="62500" lnSpcReduction="20000"/>
           </a:bodyPr>
           <a:lstStyle>
             <a:lvl1pPr marL="228600" indent="-228600" algn="l" defTabSz="914400" rtl="0" eaLnBrk="1" latinLnBrk="0" hangingPunct="1">
@@ -9677,7 +9695,7 @@
                 <a:latin typeface="Roboto Light" panose="02000000000000000000" pitchFamily="2" charset="0"/>
                 <a:ea typeface="Roboto Light" panose="02000000000000000000" pitchFamily="2" charset="0"/>
               </a:rPr>
-              <a:t>make informed decisions on price adjustments</a:t>
+              <a:t>make informed decisions on price adjustments based on risk profile</a:t>
             </a:r>
           </a:p>
           <a:p>
@@ -9705,7 +9723,7 @@
                 <a:latin typeface="Roboto Light" panose="02000000000000000000" pitchFamily="2" charset="0"/>
                 <a:ea typeface="Roboto Light" panose="02000000000000000000" pitchFamily="2" charset="0"/>
               </a:rPr>
-              <a:t>The sales performance</a:t>
+              <a:t>The sales performance and profitability</a:t>
             </a:r>
           </a:p>
           <a:p>
